--- a/docs/PavoAutomatons.pptx
+++ b/docs/PavoAutomatons.pptx
@@ -15,8 +15,9 @@
     <p:sldId id="262" r:id="rId9"/>
     <p:sldId id="264" r:id="rId10"/>
     <p:sldId id="265" r:id="rId11"/>
-    <p:sldId id="266" r:id="rId12"/>
-    <p:sldId id="263" r:id="rId13"/>
+    <p:sldId id="268" r:id="rId12"/>
+    <p:sldId id="266" r:id="rId13"/>
+    <p:sldId id="263" r:id="rId14"/>
   </p:sldIdLst>
   <p:sldSz cx="12192000" cy="6858000"/>
   <p:notesSz cx="6858000" cy="9144000"/>
@@ -115,6 +116,11 @@
       </a:defRPr>
     </a:lvl9pPr>
   </p:defaultTextStyle>
+  <p:extLst>
+    <p:ext uri="{EFAFB233-063F-42B5-8137-9DF3F51BA10A}">
+      <p15:sldGuideLst xmlns:p15="http://schemas.microsoft.com/office/powerpoint/2012/main"/>
+    </p:ext>
+  </p:extLst>
 </p:presentation>
 </file>
 
@@ -265,7 +271,7 @@
           <a:p>
             <a:fld id="{951E67F8-B24B-4D0A-9786-15B6C19B3912}" type="datetimeFigureOut">
               <a:rPr lang="pt-BR" smtClean="0"/>
-              <a:t>13/03/2021</a:t>
+              <a:t>14/03/2021</a:t>
             </a:fld>
             <a:endParaRPr lang="pt-BR"/>
           </a:p>
@@ -463,7 +469,7 @@
           <a:p>
             <a:fld id="{951E67F8-B24B-4D0A-9786-15B6C19B3912}" type="datetimeFigureOut">
               <a:rPr lang="pt-BR" smtClean="0"/>
-              <a:t>13/03/2021</a:t>
+              <a:t>14/03/2021</a:t>
             </a:fld>
             <a:endParaRPr lang="pt-BR"/>
           </a:p>
@@ -671,7 +677,7 @@
           <a:p>
             <a:fld id="{951E67F8-B24B-4D0A-9786-15B6C19B3912}" type="datetimeFigureOut">
               <a:rPr lang="pt-BR" smtClean="0"/>
-              <a:t>13/03/2021</a:t>
+              <a:t>14/03/2021</a:t>
             </a:fld>
             <a:endParaRPr lang="pt-BR"/>
           </a:p>
@@ -869,7 +875,7 @@
           <a:p>
             <a:fld id="{951E67F8-B24B-4D0A-9786-15B6C19B3912}" type="datetimeFigureOut">
               <a:rPr lang="pt-BR" smtClean="0"/>
-              <a:t>13/03/2021</a:t>
+              <a:t>14/03/2021</a:t>
             </a:fld>
             <a:endParaRPr lang="pt-BR"/>
           </a:p>
@@ -1144,7 +1150,7 @@
           <a:p>
             <a:fld id="{951E67F8-B24B-4D0A-9786-15B6C19B3912}" type="datetimeFigureOut">
               <a:rPr lang="pt-BR" smtClean="0"/>
-              <a:t>13/03/2021</a:t>
+              <a:t>14/03/2021</a:t>
             </a:fld>
             <a:endParaRPr lang="pt-BR"/>
           </a:p>
@@ -1409,7 +1415,7 @@
           <a:p>
             <a:fld id="{951E67F8-B24B-4D0A-9786-15B6C19B3912}" type="datetimeFigureOut">
               <a:rPr lang="pt-BR" smtClean="0"/>
-              <a:t>13/03/2021</a:t>
+              <a:t>14/03/2021</a:t>
             </a:fld>
             <a:endParaRPr lang="pt-BR"/>
           </a:p>
@@ -1821,7 +1827,7 @@
           <a:p>
             <a:fld id="{951E67F8-B24B-4D0A-9786-15B6C19B3912}" type="datetimeFigureOut">
               <a:rPr lang="pt-BR" smtClean="0"/>
-              <a:t>13/03/2021</a:t>
+              <a:t>14/03/2021</a:t>
             </a:fld>
             <a:endParaRPr lang="pt-BR"/>
           </a:p>
@@ -1962,7 +1968,7 @@
           <a:p>
             <a:fld id="{951E67F8-B24B-4D0A-9786-15B6C19B3912}" type="datetimeFigureOut">
               <a:rPr lang="pt-BR" smtClean="0"/>
-              <a:t>13/03/2021</a:t>
+              <a:t>14/03/2021</a:t>
             </a:fld>
             <a:endParaRPr lang="pt-BR"/>
           </a:p>
@@ -2075,7 +2081,7 @@
           <a:p>
             <a:fld id="{951E67F8-B24B-4D0A-9786-15B6C19B3912}" type="datetimeFigureOut">
               <a:rPr lang="pt-BR" smtClean="0"/>
-              <a:t>13/03/2021</a:t>
+              <a:t>14/03/2021</a:t>
             </a:fld>
             <a:endParaRPr lang="pt-BR"/>
           </a:p>
@@ -2386,7 +2392,7 @@
           <a:p>
             <a:fld id="{951E67F8-B24B-4D0A-9786-15B6C19B3912}" type="datetimeFigureOut">
               <a:rPr lang="pt-BR" smtClean="0"/>
-              <a:t>13/03/2021</a:t>
+              <a:t>14/03/2021</a:t>
             </a:fld>
             <a:endParaRPr lang="pt-BR"/>
           </a:p>
@@ -2674,7 +2680,7 @@
           <a:p>
             <a:fld id="{951E67F8-B24B-4D0A-9786-15B6C19B3912}" type="datetimeFigureOut">
               <a:rPr lang="pt-BR" smtClean="0"/>
-              <a:t>13/03/2021</a:t>
+              <a:t>14/03/2021</a:t>
             </a:fld>
             <a:endParaRPr lang="pt-BR"/>
           </a:p>
@@ -2915,7 +2921,7 @@
           <a:p>
             <a:fld id="{951E67F8-B24B-4D0A-9786-15B6C19B3912}" type="datetimeFigureOut">
               <a:rPr lang="pt-BR" smtClean="0"/>
-              <a:t>13/03/2021</a:t>
+              <a:t>14/03/2021</a:t>
             </a:fld>
             <a:endParaRPr lang="pt-BR"/>
           </a:p>
@@ -3516,13 +3522,13 @@
   <p:clrMapOvr>
     <a:masterClrMapping/>
   </p:clrMapOvr>
-  <mc:AlternateContent xmlns:mc="http://schemas.openxmlformats.org/markup-compatibility/2006">
-    <mc:Choice xmlns:p159="http://schemas.microsoft.com/office/powerpoint/2015/09/main" Requires="p159">
+  <mc:AlternateContent xmlns:mc="http://schemas.openxmlformats.org/markup-compatibility/2006" xmlns:p159="http://schemas.microsoft.com/office/powerpoint/2015/09/main">
+    <mc:Choice Requires="p159">
       <p:transition xmlns:p14="http://schemas.microsoft.com/office/powerpoint/2010/main" spd="slow" p14:dur="2000">
         <p159:morph option="byObject"/>
       </p:transition>
     </mc:Choice>
-    <mc:Fallback>
+    <mc:Fallback xmlns="">
       <p:transition spd="slow">
         <p:fade/>
       </p:transition>
@@ -3562,7 +3568,7 @@
         </p:nvSpPr>
         <p:spPr>
           <a:xfrm>
-            <a:off x="8200998" y="2388344"/>
+            <a:off x="9129407" y="2388345"/>
             <a:ext cx="876902" cy="307777"/>
           </a:xfrm>
           <a:prstGeom prst="snip1Rect">
@@ -3611,7 +3617,7 @@
         </p:nvSpPr>
         <p:spPr>
           <a:xfrm>
-            <a:off x="8200998" y="2388343"/>
+            <a:off x="9129407" y="2388344"/>
             <a:ext cx="1014838" cy="307777"/>
           </a:xfrm>
           <a:prstGeom prst="rect">
@@ -3663,7 +3669,7 @@
         </p:nvSpPr>
         <p:spPr>
           <a:xfrm>
-            <a:off x="1936568" y="3655526"/>
+            <a:off x="2864977" y="3655527"/>
             <a:ext cx="676405" cy="676406"/>
           </a:xfrm>
           <a:prstGeom prst="flowChartConnector">
@@ -3729,7 +3735,7 @@
         </p:nvCxnSpPr>
         <p:spPr>
           <a:xfrm flipV="1">
-            <a:off x="2612973" y="3983103"/>
+            <a:off x="3541382" y="3983104"/>
             <a:ext cx="2017832" cy="10626"/>
           </a:xfrm>
           <a:prstGeom prst="straightConnector1">
@@ -3771,7 +3777,7 @@
         </p:nvSpPr>
         <p:spPr>
           <a:xfrm>
-            <a:off x="1786972" y="3317323"/>
+            <a:off x="2715381" y="3317324"/>
             <a:ext cx="676405" cy="676406"/>
           </a:xfrm>
           <a:prstGeom prst="circularArrow">
@@ -3833,7 +3839,7 @@
         </p:nvSpPr>
         <p:spPr>
           <a:xfrm rot="19939312">
-            <a:off x="1531817" y="3124740"/>
+            <a:off x="2460226" y="3124741"/>
             <a:ext cx="738100" cy="307777"/>
           </a:xfrm>
           <a:prstGeom prst="rect">
@@ -4052,7 +4058,7 @@
         </p:nvSpPr>
         <p:spPr>
           <a:xfrm>
-            <a:off x="4630805" y="3644900"/>
+            <a:off x="5559214" y="3644901"/>
             <a:ext cx="676405" cy="676406"/>
           </a:xfrm>
           <a:prstGeom prst="flowChartConnector">
@@ -4118,7 +4124,7 @@
         </p:nvCxnSpPr>
         <p:spPr>
           <a:xfrm flipV="1">
-            <a:off x="5307210" y="3869268"/>
+            <a:off x="6235619" y="3869269"/>
             <a:ext cx="1699336" cy="113835"/>
           </a:xfrm>
           <a:prstGeom prst="straightConnector1">
@@ -4163,7 +4169,7 @@
         </p:nvCxnSpPr>
         <p:spPr>
           <a:xfrm>
-            <a:off x="5208153" y="4222249"/>
+            <a:off x="6136562" y="4222250"/>
             <a:ext cx="689420" cy="1035782"/>
           </a:xfrm>
           <a:prstGeom prst="straightConnector1">
@@ -4205,7 +4211,7 @@
         </p:nvSpPr>
         <p:spPr>
           <a:xfrm rot="3172126">
-            <a:off x="5468992" y="4465470"/>
+            <a:off x="6397401" y="4465471"/>
             <a:ext cx="381497" cy="307777"/>
           </a:xfrm>
           <a:prstGeom prst="rect">
@@ -4243,7 +4249,7 @@
         </p:nvSpPr>
         <p:spPr>
           <a:xfrm>
-            <a:off x="2908299" y="3677078"/>
+            <a:off x="3836708" y="3677079"/>
             <a:ext cx="1853232" cy="307777"/>
           </a:xfrm>
           <a:prstGeom prst="rect">
@@ -4288,7 +4294,7 @@
         </p:nvSpPr>
         <p:spPr>
           <a:xfrm rot="21316746">
-            <a:off x="5298198" y="3589204"/>
+            <a:off x="6226607" y="3589205"/>
             <a:ext cx="1853232" cy="307777"/>
           </a:xfrm>
           <a:prstGeom prst="rect">
@@ -4333,7 +4339,7 @@
         </p:nvSpPr>
         <p:spPr>
           <a:xfrm>
-            <a:off x="7006546" y="3531065"/>
+            <a:off x="7934955" y="3531066"/>
             <a:ext cx="676405" cy="676406"/>
           </a:xfrm>
           <a:prstGeom prst="flowChartConnector">
@@ -4395,7 +4401,7 @@
         </p:nvSpPr>
         <p:spPr>
           <a:xfrm>
-            <a:off x="5771181" y="5158974"/>
+            <a:off x="6699590" y="5158975"/>
             <a:ext cx="676405" cy="676406"/>
           </a:xfrm>
           <a:prstGeom prst="flowChartConnector">
@@ -4457,7 +4463,7 @@
         </p:nvSpPr>
         <p:spPr>
           <a:xfrm>
-            <a:off x="5094910" y="2138075"/>
+            <a:off x="6023319" y="2138076"/>
             <a:ext cx="676405" cy="676406"/>
           </a:xfrm>
           <a:prstGeom prst="flowChartConnector">
@@ -4523,7 +4529,7 @@
         </p:nvCxnSpPr>
         <p:spPr>
           <a:xfrm flipV="1">
-            <a:off x="4969008" y="2715424"/>
+            <a:off x="5897417" y="2715425"/>
             <a:ext cx="224959" cy="929476"/>
           </a:xfrm>
           <a:prstGeom prst="straightConnector1">
@@ -4568,7 +4574,7 @@
         </p:nvCxnSpPr>
         <p:spPr>
           <a:xfrm>
-            <a:off x="5771315" y="2476278"/>
+            <a:off x="6699724" y="2476279"/>
             <a:ext cx="1691878" cy="234526"/>
           </a:xfrm>
           <a:prstGeom prst="straightConnector1">
@@ -4610,7 +4616,7 @@
         </p:nvSpPr>
         <p:spPr>
           <a:xfrm rot="504679">
-            <a:off x="5779340" y="2319134"/>
+            <a:off x="6707749" y="2319135"/>
             <a:ext cx="1853232" cy="307777"/>
           </a:xfrm>
           <a:prstGeom prst="rect">
@@ -4655,7 +4661,7 @@
         </p:nvSpPr>
         <p:spPr>
           <a:xfrm>
-            <a:off x="7463058" y="2429869"/>
+            <a:off x="8391467" y="2429870"/>
             <a:ext cx="676405" cy="676406"/>
           </a:xfrm>
           <a:prstGeom prst="donut">
@@ -4718,7 +4724,7 @@
         </p:nvSpPr>
         <p:spPr>
           <a:xfrm rot="17087171">
-            <a:off x="4484469" y="2966618"/>
+            <a:off x="5412878" y="2966619"/>
             <a:ext cx="796604" cy="307777"/>
           </a:xfrm>
           <a:prstGeom prst="rect">
@@ -4763,7 +4769,7 @@
         </p:nvCxnSpPr>
         <p:spPr>
           <a:xfrm flipV="1">
-            <a:off x="5433113" y="1791542"/>
+            <a:off x="6361522" y="1791543"/>
             <a:ext cx="2212003" cy="346533"/>
           </a:xfrm>
           <a:prstGeom prst="straightConnector1">
@@ -4805,7 +4811,7 @@
         </p:nvSpPr>
         <p:spPr>
           <a:xfrm rot="20941508">
-            <a:off x="6049284" y="1655920"/>
+            <a:off x="6977693" y="1655921"/>
             <a:ext cx="796604" cy="307777"/>
           </a:xfrm>
           <a:prstGeom prst="rect">
@@ -4847,7 +4853,7 @@
         </p:nvSpPr>
         <p:spPr>
           <a:xfrm>
-            <a:off x="7645116" y="1415260"/>
+            <a:off x="8573525" y="1415261"/>
             <a:ext cx="676405" cy="676406"/>
           </a:xfrm>
           <a:prstGeom prst="flowChartConnector">
@@ -4892,169 +4898,6 @@
               </a:rPr>
               <a:t>Ex5</a:t>
             </a:r>
-          </a:p>
-        </p:txBody>
-      </p:sp>
-      <p:sp>
-        <p:nvSpPr>
-          <p:cNvPr id="55" name="Retângulo: Único Canto Recortado 54">
-            <a:extLst>
-              <a:ext uri="{FF2B5EF4-FFF2-40B4-BE49-F238E27FC236}">
-                <a16:creationId xmlns:a16="http://schemas.microsoft.com/office/drawing/2014/main" id="{4917EBA9-179B-439D-B3D8-887A8EC72D79}"/>
-              </a:ext>
-            </a:extLst>
-          </p:cNvPr>
-          <p:cNvSpPr/>
-          <p:nvPr/>
-        </p:nvSpPr>
-        <p:spPr>
-          <a:xfrm>
-            <a:off x="6978658" y="5223620"/>
-            <a:ext cx="4116333" cy="734973"/>
-          </a:xfrm>
-          <a:prstGeom prst="snip1Rect">
-            <a:avLst/>
-          </a:prstGeom>
-          <a:solidFill>
-            <a:schemeClr val="bg1">
-              <a:lumMod val="85000"/>
-            </a:schemeClr>
-          </a:solidFill>
-        </p:spPr>
-        <p:style>
-          <a:lnRef idx="2">
-            <a:schemeClr val="accent1">
-              <a:shade val="50000"/>
-            </a:schemeClr>
-          </a:lnRef>
-          <a:fillRef idx="1">
-            <a:schemeClr val="accent1"/>
-          </a:fillRef>
-          <a:effectRef idx="0">
-            <a:schemeClr val="accent1"/>
-          </a:effectRef>
-          <a:fontRef idx="minor">
-            <a:schemeClr val="lt1"/>
-          </a:fontRef>
-        </p:style>
-        <p:txBody>
-          <a:bodyPr rtlCol="0" anchor="ctr"/>
-          <a:lstStyle/>
-          <a:p>
-            <a:pPr algn="ctr"/>
-            <a:endParaRPr lang="pt-BR"/>
-          </a:p>
-        </p:txBody>
-      </p:sp>
-      <p:sp>
-        <p:nvSpPr>
-          <p:cNvPr id="56" name="CaixaDeTexto 55">
-            <a:extLst>
-              <a:ext uri="{FF2B5EF4-FFF2-40B4-BE49-F238E27FC236}">
-                <a16:creationId xmlns:a16="http://schemas.microsoft.com/office/drawing/2014/main" id="{B121591A-A05E-46F7-8F9D-2CCB0CB3A6C3}"/>
-              </a:ext>
-            </a:extLst>
-          </p:cNvPr>
-          <p:cNvSpPr txBox="1"/>
-          <p:nvPr/>
-        </p:nvSpPr>
-        <p:spPr>
-          <a:xfrm>
-            <a:off x="6978658" y="5258031"/>
-            <a:ext cx="4568304" cy="738664"/>
-          </a:xfrm>
-          <a:prstGeom prst="rect">
-            <a:avLst/>
-          </a:prstGeom>
-          <a:noFill/>
-        </p:spPr>
-        <p:txBody>
-          <a:bodyPr wrap="square" rtlCol="0">
-            <a:spAutoFit/>
-          </a:bodyPr>
-          <a:lstStyle/>
-          <a:p>
-            <a:r>
-              <a:rPr lang="en-US" sz="1400" dirty="0">
-                <a:solidFill>
-                  <a:srgbClr val="002060"/>
-                </a:solidFill>
-                <a:latin typeface="Biome" panose="020B0502040204020203" pitchFamily="34" charset="0"/>
-                <a:cs typeface="Biome" panose="020B0502040204020203" pitchFamily="34" charset="0"/>
-              </a:rPr>
-              <a:t>public static </a:t>
-            </a:r>
-            <a:r>
-              <a:rPr lang="en-US" sz="1400" dirty="0" err="1">
-                <a:solidFill>
-                  <a:srgbClr val="002060"/>
-                </a:solidFill>
-                <a:latin typeface="Biome" panose="020B0502040204020203" pitchFamily="34" charset="0"/>
-                <a:cs typeface="Biome" panose="020B0502040204020203" pitchFamily="34" charset="0"/>
-              </a:rPr>
-              <a:t>boolean</a:t>
-            </a:r>
-            <a:r>
-              <a:rPr lang="en-US" sz="1400" dirty="0">
-                <a:solidFill>
-                  <a:srgbClr val="002060"/>
-                </a:solidFill>
-                <a:latin typeface="Biome" panose="020B0502040204020203" pitchFamily="34" charset="0"/>
-                <a:cs typeface="Biome" panose="020B0502040204020203" pitchFamily="34" charset="0"/>
-              </a:rPr>
-              <a:t> </a:t>
-            </a:r>
-            <a:r>
-              <a:rPr lang="en-US" sz="1400" dirty="0" err="1">
-                <a:solidFill>
-                  <a:srgbClr val="002060"/>
-                </a:solidFill>
-                <a:latin typeface="Biome" panose="020B0502040204020203" pitchFamily="34" charset="0"/>
-                <a:cs typeface="Biome" panose="020B0502040204020203" pitchFamily="34" charset="0"/>
-              </a:rPr>
-              <a:t>isSingleQuotes</a:t>
-            </a:r>
-            <a:r>
-              <a:rPr lang="en-US" sz="1400" dirty="0">
-                <a:solidFill>
-                  <a:srgbClr val="002060"/>
-                </a:solidFill>
-                <a:latin typeface="Biome" panose="020B0502040204020203" pitchFamily="34" charset="0"/>
-                <a:cs typeface="Biome" panose="020B0502040204020203" pitchFamily="34" charset="0"/>
-              </a:rPr>
-              <a:t>(char c){</a:t>
-            </a:r>
-          </a:p>
-          <a:p>
-            <a:r>
-              <a:rPr lang="en-US" sz="1400" dirty="0">
-                <a:solidFill>
-                  <a:srgbClr val="002060"/>
-                </a:solidFill>
-                <a:latin typeface="Biome" panose="020B0502040204020203" pitchFamily="34" charset="0"/>
-                <a:cs typeface="Biome" panose="020B0502040204020203" pitchFamily="34" charset="0"/>
-              </a:rPr>
-              <a:t>        return c == '\'';</a:t>
-            </a:r>
-          </a:p>
-          <a:p>
-            <a:r>
-              <a:rPr lang="en-US" sz="1400" dirty="0">
-                <a:solidFill>
-                  <a:srgbClr val="002060"/>
-                </a:solidFill>
-                <a:latin typeface="Biome" panose="020B0502040204020203" pitchFamily="34" charset="0"/>
-                <a:cs typeface="Biome" panose="020B0502040204020203" pitchFamily="34" charset="0"/>
-              </a:rPr>
-              <a:t>    }</a:t>
-            </a:r>
-            <a:endParaRPr lang="pt-BR" sz="1400" dirty="0">
-              <a:solidFill>
-                <a:srgbClr val="002060"/>
-              </a:solidFill>
-              <a:latin typeface="Biome" panose="020B0502040204020203" pitchFamily="34" charset="0"/>
-              <a:cs typeface="Biome" panose="020B0502040204020203" pitchFamily="34" charset="0"/>
-            </a:endParaRPr>
           </a:p>
         </p:txBody>
       </p:sp>
@@ -5068,13 +4911,13 @@
   <p:clrMapOvr>
     <a:masterClrMapping/>
   </p:clrMapOvr>
-  <mc:AlternateContent xmlns:mc="http://schemas.openxmlformats.org/markup-compatibility/2006">
-    <mc:Choice xmlns:p14="http://schemas.microsoft.com/office/powerpoint/2010/main" Requires="p14">
+  <mc:AlternateContent xmlns:mc="http://schemas.openxmlformats.org/markup-compatibility/2006" xmlns:p14="http://schemas.microsoft.com/office/powerpoint/2010/main">
+    <mc:Choice Requires="p14">
       <p:transition spd="med" p14:dur="700">
         <p:fade/>
       </p:transition>
     </mc:Choice>
-    <mc:Fallback>
+    <mc:Fallback xmlns="">
       <p:transition spd="med">
         <p:fade/>
       </p:transition>
@@ -5102,10 +4945,10 @@
       </p:grpSpPr>
       <p:sp>
         <p:nvSpPr>
-          <p:cNvPr id="4" name="Fluxograma: Conector 3">
-            <a:extLst>
-              <a:ext uri="{FF2B5EF4-FFF2-40B4-BE49-F238E27FC236}">
-                <a16:creationId xmlns:a16="http://schemas.microsoft.com/office/drawing/2014/main" id="{3272DDE6-AD5A-4207-86D4-5FD36093EB43}"/>
+          <p:cNvPr id="31" name="Retângulo: Único Canto Recortado 30">
+            <a:extLst>
+              <a:ext uri="{FF2B5EF4-FFF2-40B4-BE49-F238E27FC236}">
+                <a16:creationId xmlns:a16="http://schemas.microsoft.com/office/drawing/2014/main" id="{CCEAD134-E1E8-4B32-A271-8CF5EB8F010B}"/>
               </a:ext>
             </a:extLst>
           </p:cNvPr>
@@ -5114,18 +4957,15 @@
         </p:nvSpPr>
         <p:spPr>
           <a:xfrm>
-            <a:off x="3951405" y="3056261"/>
-            <a:ext cx="676405" cy="676406"/>
-          </a:xfrm>
-          <a:prstGeom prst="flowChartConnector">
-            <a:avLst/>
-          </a:prstGeom>
-          <a:noFill/>
-          <a:ln w="19050">
-            <a:solidFill>
-              <a:srgbClr val="002060"/>
-            </a:solidFill>
-          </a:ln>
+            <a:off x="8186093" y="3097989"/>
+            <a:ext cx="1820366" cy="307777"/>
+          </a:xfrm>
+          <a:prstGeom prst="snip1Rect">
+            <a:avLst/>
+          </a:prstGeom>
+          <a:solidFill>
+            <a:srgbClr val="002060"/>
+          </a:solidFill>
         </p:spPr>
         <p:style>
           <a:lnRef idx="2">
@@ -5148,6 +4988,110 @@
           <a:lstStyle/>
           <a:p>
             <a:pPr algn="ctr"/>
+            <a:endParaRPr lang="pt-BR"/>
+          </a:p>
+        </p:txBody>
+      </p:sp>
+      <p:sp>
+        <p:nvSpPr>
+          <p:cNvPr id="32" name="CaixaDeTexto 31">
+            <a:extLst>
+              <a:ext uri="{FF2B5EF4-FFF2-40B4-BE49-F238E27FC236}">
+                <a16:creationId xmlns:a16="http://schemas.microsoft.com/office/drawing/2014/main" id="{6DBEF09E-B0C5-4EC7-B950-6E002034B9B2}"/>
+              </a:ext>
+            </a:extLst>
+          </p:cNvPr>
+          <p:cNvSpPr txBox="1"/>
+          <p:nvPr/>
+        </p:nvSpPr>
+        <p:spPr>
+          <a:xfrm>
+            <a:off x="8186093" y="3097988"/>
+            <a:ext cx="1958152" cy="307777"/>
+          </a:xfrm>
+          <a:prstGeom prst="rect">
+            <a:avLst/>
+          </a:prstGeom>
+          <a:noFill/>
+        </p:spPr>
+        <p:txBody>
+          <a:bodyPr wrap="square" rtlCol="0">
+            <a:spAutoFit/>
+          </a:bodyPr>
+          <a:lstStyle/>
+          <a:p>
+            <a:r>
+              <a:rPr lang="pt-BR" sz="1400" dirty="0" err="1">
+                <a:solidFill>
+                  <a:schemeClr val="bg1">
+                    <a:lumMod val="85000"/>
+                  </a:schemeClr>
+                </a:solidFill>
+                <a:latin typeface="Biome" panose="020B0502040204020203" pitchFamily="34" charset="0"/>
+                <a:cs typeface="Biome" panose="020B0502040204020203" pitchFamily="34" charset="0"/>
+              </a:rPr>
+              <a:t>TK_Char_Sequence</a:t>
+            </a:r>
+            <a:endParaRPr lang="pt-BR" sz="1400" dirty="0">
+              <a:solidFill>
+                <a:schemeClr val="bg1">
+                  <a:lumMod val="85000"/>
+                </a:schemeClr>
+              </a:solidFill>
+              <a:latin typeface="Biome" panose="020B0502040204020203" pitchFamily="34" charset="0"/>
+              <a:cs typeface="Biome" panose="020B0502040204020203" pitchFamily="34" charset="0"/>
+            </a:endParaRPr>
+          </a:p>
+        </p:txBody>
+      </p:sp>
+      <p:sp>
+        <p:nvSpPr>
+          <p:cNvPr id="4" name="Fluxograma: Conector 3">
+            <a:extLst>
+              <a:ext uri="{FF2B5EF4-FFF2-40B4-BE49-F238E27FC236}">
+                <a16:creationId xmlns:a16="http://schemas.microsoft.com/office/drawing/2014/main" id="{3272DDE6-AD5A-4207-86D4-5FD36093EB43}"/>
+              </a:ext>
+            </a:extLst>
+          </p:cNvPr>
+          <p:cNvSpPr/>
+          <p:nvPr/>
+        </p:nvSpPr>
+        <p:spPr>
+          <a:xfrm>
+            <a:off x="2360616" y="3101423"/>
+            <a:ext cx="676405" cy="676406"/>
+          </a:xfrm>
+          <a:prstGeom prst="flowChartConnector">
+            <a:avLst/>
+          </a:prstGeom>
+          <a:noFill/>
+          <a:ln w="19050">
+            <a:solidFill>
+              <a:srgbClr val="002060"/>
+            </a:solidFill>
+          </a:ln>
+        </p:spPr>
+        <p:style>
+          <a:lnRef idx="2">
+            <a:schemeClr val="accent1">
+              <a:shade val="50000"/>
+            </a:schemeClr>
+          </a:lnRef>
+          <a:fillRef idx="1">
+            <a:schemeClr val="accent1"/>
+          </a:fillRef>
+          <a:effectRef idx="0">
+            <a:schemeClr val="accent1"/>
+          </a:effectRef>
+          <a:fontRef idx="minor">
+            <a:schemeClr val="lt1"/>
+          </a:fontRef>
+        </p:style>
+        <p:txBody>
+          <a:bodyPr rtlCol="0" anchor="ctr"/>
+          <a:lstStyle/>
+          <a:p>
+            <a:pPr algn="ctr"/>
             <a:r>
               <a:rPr lang="pt-BR" dirty="0">
                 <a:ln w="0"/>
@@ -5174,14 +5118,14 @@
           <p:cNvCxnSpPr>
             <a:cxnSpLocks/>
             <a:stCxn id="4" idx="6"/>
-            <a:endCxn id="31" idx="2"/>
+            <a:endCxn id="21" idx="2"/>
           </p:cNvCxnSpPr>
           <p:nvPr/>
         </p:nvCxnSpPr>
         <p:spPr>
           <a:xfrm flipV="1">
-            <a:off x="4627810" y="3383838"/>
-            <a:ext cx="2884560" cy="10626"/>
+            <a:off x="3037021" y="3429000"/>
+            <a:ext cx="2017832" cy="10626"/>
           </a:xfrm>
           <a:prstGeom prst="straightConnector1">
             <a:avLst/>
@@ -5222,7 +5166,7 @@
         </p:nvSpPr>
         <p:spPr>
           <a:xfrm>
-            <a:off x="3801809" y="2718058"/>
+            <a:off x="2211020" y="2763220"/>
             <a:ext cx="676405" cy="676406"/>
           </a:xfrm>
           <a:prstGeom prst="circularArrow">
@@ -5284,7 +5228,7 @@
         </p:nvSpPr>
         <p:spPr>
           <a:xfrm rot="19939312">
-            <a:off x="3546654" y="2525475"/>
+            <a:off x="1955865" y="2570637"/>
             <a:ext cx="738100" cy="307777"/>
           </a:xfrm>
           <a:prstGeom prst="rect">
@@ -5326,8 +5270,8 @@
         </p:nvSpPr>
         <p:spPr>
           <a:xfrm>
-            <a:off x="3187202" y="408554"/>
-            <a:ext cx="5817618" cy="461665"/>
+            <a:off x="3923783" y="408554"/>
+            <a:ext cx="4344459" cy="461665"/>
           </a:xfrm>
           <a:prstGeom prst="rect">
             <a:avLst/>
@@ -5353,28 +5297,14 @@
                 <a:latin typeface="Biome" panose="020B0503030204020804" pitchFamily="34" charset="0"/>
                 <a:cs typeface="Biome" panose="020B0503030204020804" pitchFamily="34" charset="0"/>
               </a:rPr>
-              <a:t>: </a:t>
+              <a:t>: char </a:t>
             </a:r>
             <a:r>
               <a:rPr lang="pt-BR" sz="2400" dirty="0" err="1">
                 <a:latin typeface="Biome" panose="020B0503030204020804" pitchFamily="34" charset="0"/>
                 <a:cs typeface="Biome" panose="020B0503030204020804" pitchFamily="34" charset="0"/>
               </a:rPr>
-              <a:t>Unrecognizable</a:t>
-            </a:r>
-            <a:r>
-              <a:rPr lang="pt-BR" sz="2400" dirty="0">
-                <a:latin typeface="Biome" panose="020B0503030204020804" pitchFamily="34" charset="0"/>
-                <a:cs typeface="Biome" panose="020B0503030204020804" pitchFamily="34" charset="0"/>
-              </a:rPr>
-              <a:t> </a:t>
-            </a:r>
-            <a:r>
-              <a:rPr lang="pt-BR" sz="2400" dirty="0" err="1">
-                <a:latin typeface="Biome" panose="020B0503030204020804" pitchFamily="34" charset="0"/>
-                <a:cs typeface="Biome" panose="020B0503030204020804" pitchFamily="34" charset="0"/>
-              </a:rPr>
-              <a:t>Symbol</a:t>
+              <a:t>sequence</a:t>
             </a:r>
             <a:endParaRPr lang="pt-BR" sz="2400" dirty="0">
               <a:latin typeface="Biome" panose="020B0503030204020804" pitchFamily="34" charset="0"/>
@@ -5516,55 +5446,10 @@
       </p:sp>
       <p:sp>
         <p:nvSpPr>
-          <p:cNvPr id="38" name="CaixaDeTexto 37">
-            <a:extLst>
-              <a:ext uri="{FF2B5EF4-FFF2-40B4-BE49-F238E27FC236}">
-                <a16:creationId xmlns:a16="http://schemas.microsoft.com/office/drawing/2014/main" id="{521A9C69-B40A-4337-871D-E6168BB79163}"/>
-              </a:ext>
-            </a:extLst>
-          </p:cNvPr>
-          <p:cNvSpPr txBox="1"/>
-          <p:nvPr/>
-        </p:nvSpPr>
-        <p:spPr>
-          <a:xfrm>
-            <a:off x="4777406" y="3045040"/>
-            <a:ext cx="2734964" cy="307777"/>
-          </a:xfrm>
-          <a:prstGeom prst="rect">
-            <a:avLst/>
-          </a:prstGeom>
-          <a:noFill/>
-        </p:spPr>
-        <p:txBody>
-          <a:bodyPr wrap="square" rtlCol="0">
-            <a:spAutoFit/>
-          </a:bodyPr>
-          <a:lstStyle/>
-          <a:p>
-            <a:r>
-              <a:rPr lang="pt-BR" sz="1400" dirty="0" err="1">
-                <a:latin typeface="Biome" panose="020B0502040204020203" pitchFamily="34" charset="0"/>
-                <a:cs typeface="Biome" panose="020B0502040204020203" pitchFamily="34" charset="0"/>
-              </a:rPr>
-              <a:t>isUnrecognizableSymbol</a:t>
-            </a:r>
-            <a:r>
-              <a:rPr lang="pt-BR" sz="1400" dirty="0">
-                <a:latin typeface="Biome" panose="020B0502040204020203" pitchFamily="34" charset="0"/>
-                <a:cs typeface="Biome" panose="020B0502040204020203" pitchFamily="34" charset="0"/>
-              </a:rPr>
-              <a:t>(c)</a:t>
-            </a:r>
-          </a:p>
-        </p:txBody>
-      </p:sp>
-      <p:sp>
-        <p:nvSpPr>
-          <p:cNvPr id="31" name="Fluxograma: Conector 30">
-            <a:extLst>
-              <a:ext uri="{FF2B5EF4-FFF2-40B4-BE49-F238E27FC236}">
-                <a16:creationId xmlns:a16="http://schemas.microsoft.com/office/drawing/2014/main" id="{D5D23B87-A469-407F-AA69-95AE7CF2CA2D}"/>
+          <p:cNvPr id="21" name="Fluxograma: Conector 20">
+            <a:extLst>
+              <a:ext uri="{FF2B5EF4-FFF2-40B4-BE49-F238E27FC236}">
+                <a16:creationId xmlns:a16="http://schemas.microsoft.com/office/drawing/2014/main" id="{8085707A-6CAD-46C5-930A-A779AD578522}"/>
               </a:ext>
             </a:extLst>
           </p:cNvPr>
@@ -5573,7 +5458,7 @@
         </p:nvSpPr>
         <p:spPr>
           <a:xfrm>
-            <a:off x="7512370" y="3045635"/>
+            <a:off x="5054853" y="3090797"/>
             <a:ext cx="676405" cy="676406"/>
           </a:xfrm>
           <a:prstGeom prst="flowChartConnector">
@@ -5582,7 +5467,7 @@
           <a:noFill/>
           <a:ln w="19050">
             <a:solidFill>
-              <a:srgbClr val="C00000"/>
+              <a:srgbClr val="002060"/>
             </a:solidFill>
           </a:ln>
         </p:spPr>
@@ -5608,6 +5493,286 @@
           <a:p>
             <a:pPr algn="ctr"/>
             <a:r>
+              <a:rPr lang="pt-BR" sz="1600" dirty="0">
+                <a:ln w="0"/>
+                <a:solidFill>
+                  <a:schemeClr val="tx1"/>
+                </a:solidFill>
+                <a:latin typeface="Biome" panose="020B0503030204020804" pitchFamily="34" charset="0"/>
+                <a:cs typeface="Biome" panose="020B0503030204020804" pitchFamily="34" charset="0"/>
+              </a:rPr>
+              <a:t>19</a:t>
+            </a:r>
+          </a:p>
+        </p:txBody>
+      </p:sp>
+      <p:cxnSp>
+        <p:nvCxnSpPr>
+          <p:cNvPr id="24" name="Conector de Seta Reta 23">
+            <a:extLst>
+              <a:ext uri="{FF2B5EF4-FFF2-40B4-BE49-F238E27FC236}">
+                <a16:creationId xmlns:a16="http://schemas.microsoft.com/office/drawing/2014/main" id="{ADBA826C-D64E-4F39-825E-24C8693FA8B1}"/>
+              </a:ext>
+            </a:extLst>
+          </p:cNvPr>
+          <p:cNvCxnSpPr>
+            <a:cxnSpLocks/>
+            <a:stCxn id="21" idx="6"/>
+          </p:cNvCxnSpPr>
+          <p:nvPr/>
+        </p:nvCxnSpPr>
+        <p:spPr>
+          <a:xfrm flipV="1">
+            <a:off x="5731258" y="3315165"/>
+            <a:ext cx="1699336" cy="113835"/>
+          </a:xfrm>
+          <a:prstGeom prst="straightConnector1">
+            <a:avLst/>
+          </a:prstGeom>
+          <a:ln w="19050">
+            <a:solidFill>
+              <a:srgbClr val="002060"/>
+            </a:solidFill>
+            <a:tailEnd type="triangle"/>
+          </a:ln>
+        </p:spPr>
+        <p:style>
+          <a:lnRef idx="1">
+            <a:schemeClr val="accent1"/>
+          </a:lnRef>
+          <a:fillRef idx="0">
+            <a:schemeClr val="accent1"/>
+          </a:fillRef>
+          <a:effectRef idx="0">
+            <a:schemeClr val="accent1"/>
+          </a:effectRef>
+          <a:fontRef idx="minor">
+            <a:schemeClr val="tx1"/>
+          </a:fontRef>
+        </p:style>
+      </p:cxnSp>
+      <p:cxnSp>
+        <p:nvCxnSpPr>
+          <p:cNvPr id="22" name="Conector de Seta Reta 21">
+            <a:extLst>
+              <a:ext uri="{FF2B5EF4-FFF2-40B4-BE49-F238E27FC236}">
+                <a16:creationId xmlns:a16="http://schemas.microsoft.com/office/drawing/2014/main" id="{99F15100-5560-49E5-8208-A099E7044DB5}"/>
+              </a:ext>
+            </a:extLst>
+          </p:cNvPr>
+          <p:cNvCxnSpPr>
+            <a:cxnSpLocks/>
+            <a:stCxn id="21" idx="5"/>
+          </p:cNvCxnSpPr>
+          <p:nvPr/>
+        </p:nvCxnSpPr>
+        <p:spPr>
+          <a:xfrm>
+            <a:off x="5632201" y="3668146"/>
+            <a:ext cx="689420" cy="1035782"/>
+          </a:xfrm>
+          <a:prstGeom prst="straightConnector1">
+            <a:avLst/>
+          </a:prstGeom>
+          <a:ln w="19050">
+            <a:solidFill>
+              <a:srgbClr val="002060"/>
+            </a:solidFill>
+            <a:tailEnd type="triangle"/>
+          </a:ln>
+        </p:spPr>
+        <p:style>
+          <a:lnRef idx="1">
+            <a:schemeClr val="accent1"/>
+          </a:lnRef>
+          <a:fillRef idx="0">
+            <a:schemeClr val="accent1"/>
+          </a:fillRef>
+          <a:effectRef idx="0">
+            <a:schemeClr val="accent1"/>
+          </a:effectRef>
+          <a:fontRef idx="minor">
+            <a:schemeClr val="tx1"/>
+          </a:fontRef>
+        </p:style>
+      </p:cxnSp>
+      <p:sp>
+        <p:nvSpPr>
+          <p:cNvPr id="25" name="CaixaDeTexto 24">
+            <a:extLst>
+              <a:ext uri="{FF2B5EF4-FFF2-40B4-BE49-F238E27FC236}">
+                <a16:creationId xmlns:a16="http://schemas.microsoft.com/office/drawing/2014/main" id="{242EFDF6-EACA-48A1-B26A-2D8EB9AC8CD8}"/>
+              </a:ext>
+            </a:extLst>
+          </p:cNvPr>
+          <p:cNvSpPr txBox="1"/>
+          <p:nvPr/>
+        </p:nvSpPr>
+        <p:spPr>
+          <a:xfrm rot="3172126">
+            <a:off x="5893040" y="3911367"/>
+            <a:ext cx="381497" cy="307777"/>
+          </a:xfrm>
+          <a:prstGeom prst="rect">
+            <a:avLst/>
+          </a:prstGeom>
+          <a:noFill/>
+        </p:spPr>
+        <p:txBody>
+          <a:bodyPr wrap="square" rtlCol="0">
+            <a:spAutoFit/>
+          </a:bodyPr>
+          <a:lstStyle/>
+          <a:p>
+            <a:r>
+              <a:rPr lang="pt-BR" sz="1400" dirty="0">
+                <a:latin typeface="Biome" panose="020B0502040204020203" pitchFamily="34" charset="0"/>
+                <a:cs typeface="Biome" panose="020B0502040204020203" pitchFamily="34" charset="0"/>
+              </a:rPr>
+              <a:t>\n</a:t>
+            </a:r>
+          </a:p>
+        </p:txBody>
+      </p:sp>
+      <p:sp>
+        <p:nvSpPr>
+          <p:cNvPr id="38" name="CaixaDeTexto 37">
+            <a:extLst>
+              <a:ext uri="{FF2B5EF4-FFF2-40B4-BE49-F238E27FC236}">
+                <a16:creationId xmlns:a16="http://schemas.microsoft.com/office/drawing/2014/main" id="{521A9C69-B40A-4337-871D-E6168BB79163}"/>
+              </a:ext>
+            </a:extLst>
+          </p:cNvPr>
+          <p:cNvSpPr txBox="1"/>
+          <p:nvPr/>
+        </p:nvSpPr>
+        <p:spPr>
+          <a:xfrm>
+            <a:off x="3258399" y="3122710"/>
+            <a:ext cx="1853232" cy="307777"/>
+          </a:xfrm>
+          <a:prstGeom prst="rect">
+            <a:avLst/>
+          </a:prstGeom>
+          <a:noFill/>
+        </p:spPr>
+        <p:txBody>
+          <a:bodyPr wrap="square" rtlCol="0">
+            <a:spAutoFit/>
+          </a:bodyPr>
+          <a:lstStyle/>
+          <a:p>
+            <a:r>
+              <a:rPr lang="pt-BR" sz="1400" dirty="0" err="1">
+                <a:latin typeface="Biome" panose="020B0502040204020203" pitchFamily="34" charset="0"/>
+                <a:cs typeface="Biome" panose="020B0502040204020203" pitchFamily="34" charset="0"/>
+              </a:rPr>
+              <a:t>isDoubleQuotes</a:t>
+            </a:r>
+            <a:r>
+              <a:rPr lang="pt-BR" sz="1400" dirty="0">
+                <a:latin typeface="Biome" panose="020B0502040204020203" pitchFamily="34" charset="0"/>
+                <a:cs typeface="Biome" panose="020B0502040204020203" pitchFamily="34" charset="0"/>
+              </a:rPr>
+              <a:t>(c)</a:t>
+            </a:r>
+          </a:p>
+        </p:txBody>
+      </p:sp>
+      <p:sp>
+        <p:nvSpPr>
+          <p:cNvPr id="34" name="CaixaDeTexto 33">
+            <a:extLst>
+              <a:ext uri="{FF2B5EF4-FFF2-40B4-BE49-F238E27FC236}">
+                <a16:creationId xmlns:a16="http://schemas.microsoft.com/office/drawing/2014/main" id="{EC2A4912-DBAF-4BB4-893B-601A84034174}"/>
+              </a:ext>
+            </a:extLst>
+          </p:cNvPr>
+          <p:cNvSpPr txBox="1"/>
+          <p:nvPr/>
+        </p:nvSpPr>
+        <p:spPr>
+          <a:xfrm rot="21316746">
+            <a:off x="5722246" y="3035101"/>
+            <a:ext cx="1853232" cy="307777"/>
+          </a:xfrm>
+          <a:prstGeom prst="rect">
+            <a:avLst/>
+          </a:prstGeom>
+          <a:noFill/>
+        </p:spPr>
+        <p:txBody>
+          <a:bodyPr wrap="square" rtlCol="0">
+            <a:spAutoFit/>
+          </a:bodyPr>
+          <a:lstStyle/>
+          <a:p>
+            <a:r>
+              <a:rPr lang="pt-BR" sz="1400" dirty="0" err="1">
+                <a:latin typeface="Biome" panose="020B0502040204020203" pitchFamily="34" charset="0"/>
+                <a:cs typeface="Biome" panose="020B0502040204020203" pitchFamily="34" charset="0"/>
+              </a:rPr>
+              <a:t>isDoubleQuotes</a:t>
+            </a:r>
+            <a:r>
+              <a:rPr lang="pt-BR" sz="1400" dirty="0">
+                <a:latin typeface="Biome" panose="020B0502040204020203" pitchFamily="34" charset="0"/>
+                <a:cs typeface="Biome" panose="020B0502040204020203" pitchFamily="34" charset="0"/>
+              </a:rPr>
+              <a:t>(c)</a:t>
+            </a:r>
+          </a:p>
+        </p:txBody>
+      </p:sp>
+      <p:sp>
+        <p:nvSpPr>
+          <p:cNvPr id="36" name="Fluxograma: Conector 35">
+            <a:extLst>
+              <a:ext uri="{FF2B5EF4-FFF2-40B4-BE49-F238E27FC236}">
+                <a16:creationId xmlns:a16="http://schemas.microsoft.com/office/drawing/2014/main" id="{5E5A5F35-E7A2-4C07-90BC-0810E44BA054}"/>
+              </a:ext>
+            </a:extLst>
+          </p:cNvPr>
+          <p:cNvSpPr/>
+          <p:nvPr/>
+        </p:nvSpPr>
+        <p:spPr>
+          <a:xfrm>
+            <a:off x="6195229" y="4604871"/>
+            <a:ext cx="676405" cy="676406"/>
+          </a:xfrm>
+          <a:prstGeom prst="flowChartConnector">
+            <a:avLst/>
+          </a:prstGeom>
+          <a:noFill/>
+          <a:ln w="19050">
+            <a:solidFill>
+              <a:srgbClr val="C00000"/>
+            </a:solidFill>
+          </a:ln>
+        </p:spPr>
+        <p:style>
+          <a:lnRef idx="2">
+            <a:schemeClr val="accent1">
+              <a:shade val="50000"/>
+            </a:schemeClr>
+          </a:lnRef>
+          <a:fillRef idx="1">
+            <a:schemeClr val="accent1"/>
+          </a:fillRef>
+          <a:effectRef idx="0">
+            <a:schemeClr val="accent1"/>
+          </a:effectRef>
+          <a:fontRef idx="minor">
+            <a:schemeClr val="lt1"/>
+          </a:fontRef>
+        </p:style>
+        <p:txBody>
+          <a:bodyPr rtlCol="0" anchor="ctr"/>
+          <a:lstStyle/>
+          <a:p>
+            <a:pPr algn="ctr"/>
+            <a:r>
               <a:rPr lang="pt-BR" sz="1200" dirty="0">
                 <a:ln w="0"/>
                 <a:solidFill>
@@ -5616,15 +5781,182 @@
                 <a:latin typeface="Biome" panose="020B0503030204020804" pitchFamily="34" charset="0"/>
                 <a:cs typeface="Biome" panose="020B0503030204020804" pitchFamily="34" charset="0"/>
               </a:rPr>
-              <a:t>Ex7</a:t>
-            </a:r>
+              <a:t>Ex5</a:t>
+            </a:r>
+          </a:p>
+        </p:txBody>
+      </p:sp>
+      <p:sp>
+        <p:nvSpPr>
+          <p:cNvPr id="46" name="CaixaDeTexto 45">
+            <a:extLst>
+              <a:ext uri="{FF2B5EF4-FFF2-40B4-BE49-F238E27FC236}">
+                <a16:creationId xmlns:a16="http://schemas.microsoft.com/office/drawing/2014/main" id="{D5D35B9A-F6C5-42E8-85E9-864429FF219E}"/>
+              </a:ext>
+            </a:extLst>
+          </p:cNvPr>
+          <p:cNvSpPr txBox="1"/>
+          <p:nvPr/>
+        </p:nvSpPr>
+        <p:spPr>
+          <a:xfrm rot="21332382">
+            <a:off x="4908517" y="2412515"/>
+            <a:ext cx="796604" cy="307777"/>
+          </a:xfrm>
+          <a:prstGeom prst="rect">
+            <a:avLst/>
+          </a:prstGeom>
+          <a:noFill/>
+        </p:spPr>
+        <p:txBody>
+          <a:bodyPr wrap="square" rtlCol="0">
+            <a:spAutoFit/>
+          </a:bodyPr>
+          <a:lstStyle/>
+          <a:p>
+            <a:r>
+              <a:rPr lang="pt-BR" sz="1400" dirty="0" err="1">
+                <a:latin typeface="Biome" panose="020B0502040204020203" pitchFamily="34" charset="0"/>
+                <a:cs typeface="Biome" panose="020B0502040204020203" pitchFamily="34" charset="0"/>
+              </a:rPr>
+              <a:t>other</a:t>
+            </a:r>
+            <a:endParaRPr lang="pt-BR" sz="1400" dirty="0">
+              <a:latin typeface="Biome" panose="020B0502040204020203" pitchFamily="34" charset="0"/>
+              <a:cs typeface="Biome" panose="020B0502040204020203" pitchFamily="34" charset="0"/>
+            </a:endParaRPr>
+          </a:p>
+        </p:txBody>
+      </p:sp>
+      <p:sp>
+        <p:nvSpPr>
+          <p:cNvPr id="33" name="Círculo: Vazio 32">
+            <a:extLst>
+              <a:ext uri="{FF2B5EF4-FFF2-40B4-BE49-F238E27FC236}">
+                <a16:creationId xmlns:a16="http://schemas.microsoft.com/office/drawing/2014/main" id="{DEC98BB9-6AA7-4D90-9210-A0A6123BEC44}"/>
+              </a:ext>
+            </a:extLst>
+          </p:cNvPr>
+          <p:cNvSpPr/>
+          <p:nvPr/>
+        </p:nvSpPr>
+        <p:spPr>
+          <a:xfrm>
+            <a:off x="7430594" y="2927166"/>
+            <a:ext cx="676405" cy="676406"/>
+          </a:xfrm>
+          <a:prstGeom prst="donut">
+            <a:avLst>
+              <a:gd name="adj" fmla="val 9980"/>
+            </a:avLst>
+          </a:prstGeom>
+          <a:noFill/>
+          <a:ln w="19050">
+            <a:solidFill>
+              <a:srgbClr val="002060"/>
+            </a:solidFill>
+          </a:ln>
+        </p:spPr>
+        <p:style>
+          <a:lnRef idx="2">
+            <a:schemeClr val="accent1">
+              <a:shade val="50000"/>
+            </a:schemeClr>
+          </a:lnRef>
+          <a:fillRef idx="1">
+            <a:schemeClr val="accent1"/>
+          </a:fillRef>
+          <a:effectRef idx="0">
+            <a:schemeClr val="accent1"/>
+          </a:effectRef>
+          <a:fontRef idx="minor">
+            <a:schemeClr val="lt1"/>
+          </a:fontRef>
+        </p:style>
+        <p:txBody>
+          <a:bodyPr rtlCol="0" anchor="ctr"/>
+          <a:lstStyle/>
+          <a:p>
+            <a:pPr algn="ctr"/>
+            <a:r>
+              <a:rPr lang="pt-BR" dirty="0">
+                <a:solidFill>
+                  <a:schemeClr val="tx1"/>
+                </a:solidFill>
+                <a:latin typeface="Biome" panose="020B0503030204020804" pitchFamily="34" charset="0"/>
+                <a:cs typeface="Biome" panose="020B0503030204020804" pitchFamily="34" charset="0"/>
+              </a:rPr>
+              <a:t>R</a:t>
+            </a:r>
+          </a:p>
+        </p:txBody>
+      </p:sp>
+      <p:sp>
+        <p:nvSpPr>
+          <p:cNvPr id="40" name="Seta: Circular 39">
+            <a:extLst>
+              <a:ext uri="{FF2B5EF4-FFF2-40B4-BE49-F238E27FC236}">
+                <a16:creationId xmlns:a16="http://schemas.microsoft.com/office/drawing/2014/main" id="{9ED255A9-38CE-4408-904A-7E1529F03991}"/>
+              </a:ext>
+            </a:extLst>
+          </p:cNvPr>
+          <p:cNvSpPr/>
+          <p:nvPr/>
+        </p:nvSpPr>
+        <p:spPr>
+          <a:xfrm>
+            <a:off x="4890645" y="2715719"/>
+            <a:ext cx="676405" cy="676406"/>
+          </a:xfrm>
+          <a:prstGeom prst="circularArrow">
+            <a:avLst>
+              <a:gd name="adj1" fmla="val 1466"/>
+              <a:gd name="adj2" fmla="val 828081"/>
+              <a:gd name="adj3" fmla="val 20941615"/>
+              <a:gd name="adj4" fmla="val 7668068"/>
+              <a:gd name="adj5" fmla="val 8877"/>
+            </a:avLst>
+          </a:prstGeom>
+          <a:noFill/>
+          <a:ln>
+            <a:solidFill>
+              <a:srgbClr val="002060"/>
+            </a:solidFill>
+          </a:ln>
+        </p:spPr>
+        <p:style>
+          <a:lnRef idx="2">
+            <a:schemeClr val="accent1">
+              <a:shade val="50000"/>
+            </a:schemeClr>
+          </a:lnRef>
+          <a:fillRef idx="1">
+            <a:schemeClr val="accent1"/>
+          </a:fillRef>
+          <a:effectRef idx="0">
+            <a:schemeClr val="accent1"/>
+          </a:effectRef>
+          <a:fontRef idx="minor">
+            <a:schemeClr val="lt1"/>
+          </a:fontRef>
+        </p:style>
+        <p:txBody>
+          <a:bodyPr rtlCol="0" anchor="ctr"/>
+          <a:lstStyle/>
+          <a:p>
+            <a:pPr algn="ctr"/>
+            <a:endParaRPr lang="pt-BR">
+              <a:solidFill>
+                <a:schemeClr val="tx1"/>
+              </a:solidFill>
+            </a:endParaRPr>
           </a:p>
         </p:txBody>
       </p:sp>
     </p:spTree>
     <p:extLst>
       <p:ext uri="{BB962C8B-B14F-4D97-AF65-F5344CB8AC3E}">
-        <p14:creationId xmlns:p14="http://schemas.microsoft.com/office/powerpoint/2010/main" val="2307997535"/>
+        <p14:creationId xmlns:p14="http://schemas.microsoft.com/office/powerpoint/2010/main" val="2700234638"/>
       </p:ext>
     </p:extLst>
   </p:cSld>
@@ -5665,6 +5997,218 @@
       </p:grpSpPr>
       <p:sp>
         <p:nvSpPr>
+          <p:cNvPr id="4" name="Fluxograma: Conector 3">
+            <a:extLst>
+              <a:ext uri="{FF2B5EF4-FFF2-40B4-BE49-F238E27FC236}">
+                <a16:creationId xmlns:a16="http://schemas.microsoft.com/office/drawing/2014/main" id="{3272DDE6-AD5A-4207-86D4-5FD36093EB43}"/>
+              </a:ext>
+            </a:extLst>
+          </p:cNvPr>
+          <p:cNvSpPr/>
+          <p:nvPr/>
+        </p:nvSpPr>
+        <p:spPr>
+          <a:xfrm>
+            <a:off x="3951405" y="3056261"/>
+            <a:ext cx="676405" cy="676406"/>
+          </a:xfrm>
+          <a:prstGeom prst="flowChartConnector">
+            <a:avLst/>
+          </a:prstGeom>
+          <a:noFill/>
+          <a:ln w="19050">
+            <a:solidFill>
+              <a:srgbClr val="002060"/>
+            </a:solidFill>
+          </a:ln>
+        </p:spPr>
+        <p:style>
+          <a:lnRef idx="2">
+            <a:schemeClr val="accent1">
+              <a:shade val="50000"/>
+            </a:schemeClr>
+          </a:lnRef>
+          <a:fillRef idx="1">
+            <a:schemeClr val="accent1"/>
+          </a:fillRef>
+          <a:effectRef idx="0">
+            <a:schemeClr val="accent1"/>
+          </a:effectRef>
+          <a:fontRef idx="minor">
+            <a:schemeClr val="lt1"/>
+          </a:fontRef>
+        </p:style>
+        <p:txBody>
+          <a:bodyPr rtlCol="0" anchor="ctr"/>
+          <a:lstStyle/>
+          <a:p>
+            <a:pPr algn="ctr"/>
+            <a:r>
+              <a:rPr lang="pt-BR" dirty="0">
+                <a:ln w="0"/>
+                <a:solidFill>
+                  <a:schemeClr val="tx1"/>
+                </a:solidFill>
+                <a:latin typeface="Biome" panose="020B0503030204020804" pitchFamily="34" charset="0"/>
+                <a:cs typeface="Biome" panose="020B0503030204020804" pitchFamily="34" charset="0"/>
+              </a:rPr>
+              <a:t>0</a:t>
+            </a:r>
+          </a:p>
+        </p:txBody>
+      </p:sp>
+      <p:cxnSp>
+        <p:nvCxnSpPr>
+          <p:cNvPr id="9" name="Conector de Seta Reta 8">
+            <a:extLst>
+              <a:ext uri="{FF2B5EF4-FFF2-40B4-BE49-F238E27FC236}">
+                <a16:creationId xmlns:a16="http://schemas.microsoft.com/office/drawing/2014/main" id="{D2A2D81A-7AB6-4675-9900-C1EEF7C703EE}"/>
+              </a:ext>
+            </a:extLst>
+          </p:cNvPr>
+          <p:cNvCxnSpPr>
+            <a:cxnSpLocks/>
+            <a:stCxn id="4" idx="6"/>
+            <a:endCxn id="31" idx="2"/>
+          </p:cNvCxnSpPr>
+          <p:nvPr/>
+        </p:nvCxnSpPr>
+        <p:spPr>
+          <a:xfrm flipV="1">
+            <a:off x="4627810" y="3383838"/>
+            <a:ext cx="2884560" cy="10626"/>
+          </a:xfrm>
+          <a:prstGeom prst="straightConnector1">
+            <a:avLst/>
+          </a:prstGeom>
+          <a:ln w="19050">
+            <a:solidFill>
+              <a:srgbClr val="002060"/>
+            </a:solidFill>
+            <a:tailEnd type="triangle"/>
+          </a:ln>
+        </p:spPr>
+        <p:style>
+          <a:lnRef idx="1">
+            <a:schemeClr val="accent1"/>
+          </a:lnRef>
+          <a:fillRef idx="0">
+            <a:schemeClr val="accent1"/>
+          </a:fillRef>
+          <a:effectRef idx="0">
+            <a:schemeClr val="accent1"/>
+          </a:effectRef>
+          <a:fontRef idx="minor">
+            <a:schemeClr val="tx1"/>
+          </a:fontRef>
+        </p:style>
+      </p:cxnSp>
+      <p:sp>
+        <p:nvSpPr>
+          <p:cNvPr id="18" name="Seta: Circular 17">
+            <a:extLst>
+              <a:ext uri="{FF2B5EF4-FFF2-40B4-BE49-F238E27FC236}">
+                <a16:creationId xmlns:a16="http://schemas.microsoft.com/office/drawing/2014/main" id="{364652BC-79CA-4267-9ED7-E361A17A0443}"/>
+              </a:ext>
+            </a:extLst>
+          </p:cNvPr>
+          <p:cNvSpPr/>
+          <p:nvPr/>
+        </p:nvSpPr>
+        <p:spPr>
+          <a:xfrm>
+            <a:off x="3801809" y="2718058"/>
+            <a:ext cx="676405" cy="676406"/>
+          </a:xfrm>
+          <a:prstGeom prst="circularArrow">
+            <a:avLst>
+              <a:gd name="adj1" fmla="val 1466"/>
+              <a:gd name="adj2" fmla="val 828081"/>
+              <a:gd name="adj3" fmla="val 20941615"/>
+              <a:gd name="adj4" fmla="val 7668068"/>
+              <a:gd name="adj5" fmla="val 8877"/>
+            </a:avLst>
+          </a:prstGeom>
+          <a:noFill/>
+          <a:ln>
+            <a:solidFill>
+              <a:srgbClr val="002060"/>
+            </a:solidFill>
+          </a:ln>
+        </p:spPr>
+        <p:style>
+          <a:lnRef idx="2">
+            <a:schemeClr val="accent1">
+              <a:shade val="50000"/>
+            </a:schemeClr>
+          </a:lnRef>
+          <a:fillRef idx="1">
+            <a:schemeClr val="accent1"/>
+          </a:fillRef>
+          <a:effectRef idx="0">
+            <a:schemeClr val="accent1"/>
+          </a:effectRef>
+          <a:fontRef idx="minor">
+            <a:schemeClr val="lt1"/>
+          </a:fontRef>
+        </p:style>
+        <p:txBody>
+          <a:bodyPr rtlCol="0" anchor="ctr"/>
+          <a:lstStyle/>
+          <a:p>
+            <a:pPr algn="ctr"/>
+            <a:endParaRPr lang="pt-BR">
+              <a:solidFill>
+                <a:schemeClr val="tx1"/>
+              </a:solidFill>
+            </a:endParaRPr>
+          </a:p>
+        </p:txBody>
+      </p:sp>
+      <p:sp>
+        <p:nvSpPr>
+          <p:cNvPr id="42" name="CaixaDeTexto 41">
+            <a:extLst>
+              <a:ext uri="{FF2B5EF4-FFF2-40B4-BE49-F238E27FC236}">
+                <a16:creationId xmlns:a16="http://schemas.microsoft.com/office/drawing/2014/main" id="{4CF31268-74EF-49AA-8A9C-48FFAF98CCF9}"/>
+              </a:ext>
+            </a:extLst>
+          </p:cNvPr>
+          <p:cNvSpPr txBox="1"/>
+          <p:nvPr/>
+        </p:nvSpPr>
+        <p:spPr>
+          <a:xfrm rot="19939312">
+            <a:off x="3546654" y="2525475"/>
+            <a:ext cx="738100" cy="307777"/>
+          </a:xfrm>
+          <a:prstGeom prst="rect">
+            <a:avLst/>
+          </a:prstGeom>
+          <a:noFill/>
+        </p:spPr>
+        <p:txBody>
+          <a:bodyPr wrap="square" rtlCol="0">
+            <a:spAutoFit/>
+          </a:bodyPr>
+          <a:lstStyle/>
+          <a:p>
+            <a:r>
+              <a:rPr lang="pt-BR" sz="1400" dirty="0" err="1">
+                <a:latin typeface="Biome" panose="020B0502040204020203" pitchFamily="34" charset="0"/>
+                <a:cs typeface="Biome" panose="020B0502040204020203" pitchFamily="34" charset="0"/>
+              </a:rPr>
+              <a:t>space</a:t>
+            </a:r>
+            <a:endParaRPr lang="pt-BR" sz="1400" dirty="0">
+              <a:latin typeface="Biome" panose="020B0502040204020203" pitchFamily="34" charset="0"/>
+              <a:cs typeface="Biome" panose="020B0502040204020203" pitchFamily="34" charset="0"/>
+            </a:endParaRPr>
+          </a:p>
+        </p:txBody>
+      </p:sp>
+      <p:sp>
+        <p:nvSpPr>
           <p:cNvPr id="78" name="CaixaDeTexto 77">
             <a:extLst>
               <a:ext uri="{FF2B5EF4-FFF2-40B4-BE49-F238E27FC236}">
@@ -5677,8 +6221,8 @@
         </p:nvSpPr>
         <p:spPr>
           <a:xfrm>
-            <a:off x="5150883" y="408554"/>
-            <a:ext cx="1890262" cy="461665"/>
+            <a:off x="3187202" y="408554"/>
+            <a:ext cx="5817618" cy="461665"/>
           </a:xfrm>
           <a:prstGeom prst="rect">
             <a:avLst/>
@@ -5697,7 +6241,35 @@
                 <a:latin typeface="Biome" panose="020B0503030204020804" pitchFamily="34" charset="0"/>
                 <a:cs typeface="Biome" panose="020B0503030204020804" pitchFamily="34" charset="0"/>
               </a:rPr>
-              <a:t>Exceptions</a:t>
+              <a:t>Automaton</a:t>
+            </a:r>
+            <a:r>
+              <a:rPr lang="pt-BR" sz="2400" dirty="0">
+                <a:latin typeface="Biome" panose="020B0503030204020804" pitchFamily="34" charset="0"/>
+                <a:cs typeface="Biome" panose="020B0503030204020804" pitchFamily="34" charset="0"/>
+              </a:rPr>
+              <a:t>: </a:t>
+            </a:r>
+            <a:r>
+              <a:rPr lang="pt-BR" sz="2400" dirty="0" err="1">
+                <a:latin typeface="Biome" panose="020B0503030204020804" pitchFamily="34" charset="0"/>
+                <a:cs typeface="Biome" panose="020B0503030204020804" pitchFamily="34" charset="0"/>
+              </a:rPr>
+              <a:t>Unrecognizable</a:t>
+            </a:r>
+            <a:r>
+              <a:rPr lang="pt-BR" sz="2400" dirty="0">
+                <a:latin typeface="Biome" panose="020B0503030204020804" pitchFamily="34" charset="0"/>
+                <a:cs typeface="Biome" panose="020B0503030204020804" pitchFamily="34" charset="0"/>
+              </a:rPr>
+              <a:t> </a:t>
+            </a:r>
+            <a:r>
+              <a:rPr lang="pt-BR" sz="2400" dirty="0" err="1">
+                <a:latin typeface="Biome" panose="020B0503030204020804" pitchFamily="34" charset="0"/>
+                <a:cs typeface="Biome" panose="020B0503030204020804" pitchFamily="34" charset="0"/>
+              </a:rPr>
+              <a:t>Symbol</a:t>
             </a:r>
             <a:endParaRPr lang="pt-BR" sz="2400" dirty="0">
               <a:latin typeface="Biome" panose="020B0503030204020804" pitchFamily="34" charset="0"/>
@@ -5837,6 +6409,329 @@
           </a:p>
         </p:txBody>
       </p:sp>
+      <p:sp>
+        <p:nvSpPr>
+          <p:cNvPr id="38" name="CaixaDeTexto 37">
+            <a:extLst>
+              <a:ext uri="{FF2B5EF4-FFF2-40B4-BE49-F238E27FC236}">
+                <a16:creationId xmlns:a16="http://schemas.microsoft.com/office/drawing/2014/main" id="{521A9C69-B40A-4337-871D-E6168BB79163}"/>
+              </a:ext>
+            </a:extLst>
+          </p:cNvPr>
+          <p:cNvSpPr txBox="1"/>
+          <p:nvPr/>
+        </p:nvSpPr>
+        <p:spPr>
+          <a:xfrm>
+            <a:off x="4777406" y="3045040"/>
+            <a:ext cx="2734964" cy="307777"/>
+          </a:xfrm>
+          <a:prstGeom prst="rect">
+            <a:avLst/>
+          </a:prstGeom>
+          <a:noFill/>
+        </p:spPr>
+        <p:txBody>
+          <a:bodyPr wrap="square" rtlCol="0">
+            <a:spAutoFit/>
+          </a:bodyPr>
+          <a:lstStyle/>
+          <a:p>
+            <a:r>
+              <a:rPr lang="pt-BR" sz="1400" dirty="0" err="1">
+                <a:latin typeface="Biome" panose="020B0502040204020203" pitchFamily="34" charset="0"/>
+                <a:cs typeface="Biome" panose="020B0502040204020203" pitchFamily="34" charset="0"/>
+              </a:rPr>
+              <a:t>isUnrecognizableSymbol</a:t>
+            </a:r>
+            <a:r>
+              <a:rPr lang="pt-BR" sz="1400" dirty="0">
+                <a:latin typeface="Biome" panose="020B0502040204020203" pitchFamily="34" charset="0"/>
+                <a:cs typeface="Biome" panose="020B0502040204020203" pitchFamily="34" charset="0"/>
+              </a:rPr>
+              <a:t>(c)</a:t>
+            </a:r>
+          </a:p>
+        </p:txBody>
+      </p:sp>
+      <p:sp>
+        <p:nvSpPr>
+          <p:cNvPr id="31" name="Fluxograma: Conector 30">
+            <a:extLst>
+              <a:ext uri="{FF2B5EF4-FFF2-40B4-BE49-F238E27FC236}">
+                <a16:creationId xmlns:a16="http://schemas.microsoft.com/office/drawing/2014/main" id="{D5D23B87-A469-407F-AA69-95AE7CF2CA2D}"/>
+              </a:ext>
+            </a:extLst>
+          </p:cNvPr>
+          <p:cNvSpPr/>
+          <p:nvPr/>
+        </p:nvSpPr>
+        <p:spPr>
+          <a:xfrm>
+            <a:off x="7512370" y="3045635"/>
+            <a:ext cx="676405" cy="676406"/>
+          </a:xfrm>
+          <a:prstGeom prst="flowChartConnector">
+            <a:avLst/>
+          </a:prstGeom>
+          <a:noFill/>
+          <a:ln w="19050">
+            <a:solidFill>
+              <a:srgbClr val="C00000"/>
+            </a:solidFill>
+          </a:ln>
+        </p:spPr>
+        <p:style>
+          <a:lnRef idx="2">
+            <a:schemeClr val="accent1">
+              <a:shade val="50000"/>
+            </a:schemeClr>
+          </a:lnRef>
+          <a:fillRef idx="1">
+            <a:schemeClr val="accent1"/>
+          </a:fillRef>
+          <a:effectRef idx="0">
+            <a:schemeClr val="accent1"/>
+          </a:effectRef>
+          <a:fontRef idx="minor">
+            <a:schemeClr val="lt1"/>
+          </a:fontRef>
+        </p:style>
+        <p:txBody>
+          <a:bodyPr rtlCol="0" anchor="ctr"/>
+          <a:lstStyle/>
+          <a:p>
+            <a:pPr algn="ctr"/>
+            <a:r>
+              <a:rPr lang="pt-BR" sz="1200" dirty="0">
+                <a:ln w="0"/>
+                <a:solidFill>
+                  <a:srgbClr val="C00000"/>
+                </a:solidFill>
+                <a:latin typeface="Biome" panose="020B0503030204020804" pitchFamily="34" charset="0"/>
+                <a:cs typeface="Biome" panose="020B0503030204020804" pitchFamily="34" charset="0"/>
+              </a:rPr>
+              <a:t>Ex7</a:t>
+            </a:r>
+          </a:p>
+        </p:txBody>
+      </p:sp>
+    </p:spTree>
+    <p:extLst>
+      <p:ext uri="{BB962C8B-B14F-4D97-AF65-F5344CB8AC3E}">
+        <p14:creationId xmlns:p14="http://schemas.microsoft.com/office/powerpoint/2010/main" val="2307997535"/>
+      </p:ext>
+    </p:extLst>
+  </p:cSld>
+  <p:clrMapOvr>
+    <a:masterClrMapping/>
+  </p:clrMapOvr>
+  <mc:AlternateContent xmlns:mc="http://schemas.openxmlformats.org/markup-compatibility/2006" xmlns:p14="http://schemas.microsoft.com/office/powerpoint/2010/main">
+    <mc:Choice Requires="p14">
+      <p:transition spd="med" p14:dur="700">
+        <p:fade/>
+      </p:transition>
+    </mc:Choice>
+    <mc:Fallback xmlns="">
+      <p:transition spd="med">
+        <p:fade/>
+      </p:transition>
+    </mc:Fallback>
+  </mc:AlternateContent>
+</p:sld>
+</file>
+
+<file path=ppt/slides/slide13.xml><?xml version="1.0" encoding="utf-8"?>
+<p:sld xmlns:a="http://schemas.openxmlformats.org/drawingml/2006/main" xmlns:r="http://schemas.openxmlformats.org/officeDocument/2006/relationships" xmlns:p="http://schemas.openxmlformats.org/presentationml/2006/main">
+  <p:cSld>
+    <p:spTree>
+      <p:nvGrpSpPr>
+        <p:cNvPr id="1" name=""/>
+        <p:cNvGrpSpPr/>
+        <p:nvPr/>
+      </p:nvGrpSpPr>
+      <p:grpSpPr>
+        <a:xfrm>
+          <a:off x="0" y="0"/>
+          <a:ext cx="0" cy="0"/>
+          <a:chOff x="0" y="0"/>
+          <a:chExt cx="0" cy="0"/>
+        </a:xfrm>
+      </p:grpSpPr>
+      <p:sp>
+        <p:nvSpPr>
+          <p:cNvPr id="78" name="CaixaDeTexto 77">
+            <a:extLst>
+              <a:ext uri="{FF2B5EF4-FFF2-40B4-BE49-F238E27FC236}">
+                <a16:creationId xmlns:a16="http://schemas.microsoft.com/office/drawing/2014/main" id="{F8662209-CC73-4844-98AF-25BAA8574176}"/>
+              </a:ext>
+            </a:extLst>
+          </p:cNvPr>
+          <p:cNvSpPr txBox="1"/>
+          <p:nvPr/>
+        </p:nvSpPr>
+        <p:spPr>
+          <a:xfrm>
+            <a:off x="5150883" y="408554"/>
+            <a:ext cx="1890262" cy="461665"/>
+          </a:xfrm>
+          <a:prstGeom prst="rect">
+            <a:avLst/>
+          </a:prstGeom>
+          <a:noFill/>
+        </p:spPr>
+        <p:txBody>
+          <a:bodyPr wrap="none" rtlCol="0">
+            <a:spAutoFit/>
+          </a:bodyPr>
+          <a:lstStyle/>
+          <a:p>
+            <a:pPr algn="ctr"/>
+            <a:r>
+              <a:rPr lang="pt-BR" sz="2400" dirty="0" err="1">
+                <a:latin typeface="Biome" panose="020B0503030204020804" pitchFamily="34" charset="0"/>
+                <a:cs typeface="Biome" panose="020B0503030204020804" pitchFamily="34" charset="0"/>
+              </a:rPr>
+              <a:t>Exceptions</a:t>
+            </a:r>
+            <a:endParaRPr lang="pt-BR" sz="2400" dirty="0">
+              <a:latin typeface="Biome" panose="020B0503030204020804" pitchFamily="34" charset="0"/>
+              <a:cs typeface="Biome" panose="020B0503030204020804" pitchFamily="34" charset="0"/>
+            </a:endParaRPr>
+          </a:p>
+        </p:txBody>
+      </p:sp>
+      <p:cxnSp>
+        <p:nvCxnSpPr>
+          <p:cNvPr id="80" name="Conector reto 79">
+            <a:extLst>
+              <a:ext uri="{FF2B5EF4-FFF2-40B4-BE49-F238E27FC236}">
+                <a16:creationId xmlns:a16="http://schemas.microsoft.com/office/drawing/2014/main" id="{73F74C92-CD30-49B2-8BEC-F84A857A515C}"/>
+              </a:ext>
+            </a:extLst>
+          </p:cNvPr>
+          <p:cNvCxnSpPr>
+            <a:cxnSpLocks/>
+          </p:cNvCxnSpPr>
+          <p:nvPr/>
+        </p:nvCxnSpPr>
+        <p:spPr>
+          <a:xfrm>
+            <a:off x="2047754" y="1022619"/>
+            <a:ext cx="8096491" cy="0"/>
+          </a:xfrm>
+          <a:prstGeom prst="line">
+            <a:avLst/>
+          </a:prstGeom>
+          <a:ln>
+            <a:solidFill>
+              <a:srgbClr val="002060"/>
+            </a:solidFill>
+          </a:ln>
+        </p:spPr>
+        <p:style>
+          <a:lnRef idx="1">
+            <a:schemeClr val="accent1"/>
+          </a:lnRef>
+          <a:fillRef idx="0">
+            <a:schemeClr val="accent1"/>
+          </a:fillRef>
+          <a:effectRef idx="0">
+            <a:schemeClr val="accent1"/>
+          </a:effectRef>
+          <a:fontRef idx="minor">
+            <a:schemeClr val="tx1"/>
+          </a:fontRef>
+        </p:style>
+      </p:cxnSp>
+      <p:pic>
+        <p:nvPicPr>
+          <p:cNvPr id="87" name="Imagem 86" descr="Uma imagem contendo animal, coral&#10;&#10;Descrição gerada automaticamente">
+            <a:extLst>
+              <a:ext uri="{FF2B5EF4-FFF2-40B4-BE49-F238E27FC236}">
+                <a16:creationId xmlns:a16="http://schemas.microsoft.com/office/drawing/2014/main" id="{79C824A1-4C8D-4573-9C44-4018A1B6C0A4}"/>
+              </a:ext>
+            </a:extLst>
+          </p:cNvPr>
+          <p:cNvPicPr>
+            <a:picLocks noChangeAspect="1"/>
+          </p:cNvPicPr>
+          <p:nvPr/>
+        </p:nvPicPr>
+        <p:blipFill>
+          <a:blip r:embed="rId2">
+            <a:extLst>
+              <a:ext uri="{28A0092B-C50C-407E-A947-70E740481C1C}">
+                <a14:useLocalDpi xmlns:a14="http://schemas.microsoft.com/office/drawing/2010/main" val="0"/>
+              </a:ext>
+            </a:extLst>
+          </a:blip>
+          <a:stretch>
+            <a:fillRect/>
+          </a:stretch>
+        </p:blipFill>
+        <p:spPr>
+          <a:xfrm>
+            <a:off x="11140633" y="204276"/>
+            <a:ext cx="870219" cy="870219"/>
+          </a:xfrm>
+          <a:prstGeom prst="rect">
+            <a:avLst/>
+          </a:prstGeom>
+        </p:spPr>
+      </p:pic>
+      <p:sp>
+        <p:nvSpPr>
+          <p:cNvPr id="88" name="Retângulo 87">
+            <a:extLst>
+              <a:ext uri="{FF2B5EF4-FFF2-40B4-BE49-F238E27FC236}">
+                <a16:creationId xmlns:a16="http://schemas.microsoft.com/office/drawing/2014/main" id="{C8800477-D1CB-4ACF-8EFA-88E43DEE4EC5}"/>
+              </a:ext>
+            </a:extLst>
+          </p:cNvPr>
+          <p:cNvSpPr/>
+          <p:nvPr/>
+        </p:nvSpPr>
+        <p:spPr>
+          <a:xfrm>
+            <a:off x="0" y="6377782"/>
+            <a:ext cx="12192000" cy="480217"/>
+          </a:xfrm>
+          <a:prstGeom prst="rect">
+            <a:avLst/>
+          </a:prstGeom>
+          <a:solidFill>
+            <a:srgbClr val="4FBAF4"/>
+          </a:solidFill>
+          <a:ln>
+            <a:noFill/>
+          </a:ln>
+        </p:spPr>
+        <p:style>
+          <a:lnRef idx="2">
+            <a:schemeClr val="accent1">
+              <a:shade val="50000"/>
+            </a:schemeClr>
+          </a:lnRef>
+          <a:fillRef idx="1">
+            <a:schemeClr val="accent1"/>
+          </a:fillRef>
+          <a:effectRef idx="0">
+            <a:schemeClr val="accent1"/>
+          </a:effectRef>
+          <a:fontRef idx="minor">
+            <a:schemeClr val="lt1"/>
+          </a:fontRef>
+        </p:style>
+        <p:txBody>
+          <a:bodyPr rtlCol="0" anchor="ctr"/>
+          <a:lstStyle/>
+          <a:p>
+            <a:pPr algn="ctr"/>
+            <a:endParaRPr lang="pt-BR"/>
+          </a:p>
+        </p:txBody>
+      </p:sp>
       <p:graphicFrame>
         <p:nvGraphicFramePr>
           <p:cNvPr id="2" name="Tabela 2">
@@ -5852,14 +6747,14 @@
           <p:nvPr>
             <p:extLst>
               <p:ext uri="{D42A27DB-BD31-4B8C-83A1-F6EECF244321}">
-                <p14:modId xmlns:p14="http://schemas.microsoft.com/office/powerpoint/2010/main" val="986708237"/>
+                <p14:modId xmlns:p14="http://schemas.microsoft.com/office/powerpoint/2010/main" val="1529462041"/>
               </p:ext>
             </p:extLst>
           </p:nvPr>
         </p:nvGraphicFramePr>
         <p:xfrm>
-          <a:off x="1160522" y="1945640"/>
-          <a:ext cx="9870953" cy="2966720"/>
+          <a:off x="725411" y="1974916"/>
+          <a:ext cx="10850331" cy="3261360"/>
         </p:xfrm>
         <a:graphic>
           <a:graphicData uri="http://schemas.openxmlformats.org/drawingml/2006/table">
@@ -5868,21 +6763,21 @@
                 <a:tableStyleId>{7DF18680-E054-41AD-8BC1-D1AEF772440D}</a:tableStyleId>
               </a:tblPr>
               <a:tblGrid>
-                <a:gridCol w="650754">
+                <a:gridCol w="715321">
                   <a:extLst>
                     <a:ext uri="{9D8B030D-6E8A-4147-A177-3AD203B41FA5}">
                       <a16:colId xmlns:a16="http://schemas.microsoft.com/office/drawing/2014/main" val="2043689713"/>
                     </a:ext>
                   </a:extLst>
                 </a:gridCol>
-                <a:gridCol w="2755900">
+                <a:gridCol w="2179290">
                   <a:extLst>
                     <a:ext uri="{9D8B030D-6E8A-4147-A177-3AD203B41FA5}">
                       <a16:colId xmlns:a16="http://schemas.microsoft.com/office/drawing/2014/main" val="3855636959"/>
                     </a:ext>
                   </a:extLst>
                 </a:gridCol>
-                <a:gridCol w="6464299">
+                <a:gridCol w="7955720">
                   <a:extLst>
                     <a:ext uri="{9D8B030D-6E8A-4147-A177-3AD203B41FA5}">
                       <a16:colId xmlns:a16="http://schemas.microsoft.com/office/drawing/2014/main" val="410480492"/>
@@ -5898,7 +6793,7 @@
                     <a:p>
                       <a:pPr algn="ctr"/>
                       <a:r>
-                        <a:rPr lang="pt-BR" dirty="0"/>
+                        <a:rPr lang="pt-BR" sz="1400" dirty="0"/>
                         <a:t>Sigla</a:t>
                       </a:r>
                     </a:p>
@@ -5912,7 +6807,7 @@
                     <a:p>
                       <a:pPr algn="ctr"/>
                       <a:r>
-                        <a:rPr lang="pt-BR" dirty="0"/>
+                        <a:rPr lang="pt-BR" sz="1400" dirty="0"/>
                         <a:t>Nome</a:t>
                       </a:r>
                     </a:p>
@@ -5926,7 +6821,7 @@
                     <a:p>
                       <a:pPr algn="ctr"/>
                       <a:r>
-                        <a:rPr lang="pt-BR" dirty="0"/>
+                        <a:rPr lang="pt-BR" sz="1400" dirty="0"/>
                         <a:t>Exemplo</a:t>
                       </a:r>
                     </a:p>
@@ -5946,7 +6841,7 @@
                     <a:lstStyle/>
                     <a:p>
                       <a:r>
-                        <a:rPr lang="pt-BR" dirty="0"/>
+                        <a:rPr lang="pt-BR" sz="1400" dirty="0"/>
                         <a:t>Ex1</a:t>
                       </a:r>
                     </a:p>
@@ -5959,10 +6854,10 @@
                     <a:lstStyle/>
                     <a:p>
                       <a:r>
-                        <a:rPr lang="pt-BR" dirty="0" err="1"/>
+                        <a:rPr lang="pt-BR" sz="1400" dirty="0" err="1"/>
                         <a:t>IdentifierFormatException</a:t>
                       </a:r>
-                      <a:endParaRPr lang="pt-BR" dirty="0"/>
+                      <a:endParaRPr lang="pt-BR" sz="1400" dirty="0"/>
                     </a:p>
                   </a:txBody>
                   <a:tcPr/>
@@ -5972,7 +6867,54 @@
                     <a:bodyPr/>
                     <a:lstStyle/>
                     <a:p>
-                      <a:endParaRPr lang="pt-BR" dirty="0"/>
+                      <a:r>
+                        <a:rPr lang="pt-BR" sz="1400" dirty="0" err="1"/>
+                        <a:t>Exception</a:t>
+                      </a:r>
+                      <a:r>
+                        <a:rPr lang="pt-BR" sz="1400" dirty="0"/>
+                        <a:t> in thread "</a:t>
+                      </a:r>
+                      <a:r>
+                        <a:rPr lang="pt-BR" sz="1400" dirty="0" err="1"/>
+                        <a:t>main</a:t>
+                      </a:r>
+                      <a:r>
+                        <a:rPr lang="pt-BR" sz="1400" dirty="0"/>
+                        <a:t>" </a:t>
+                      </a:r>
+                      <a:r>
+                        <a:rPr lang="pt-BR" sz="1400" dirty="0" err="1"/>
+                        <a:t>br.com.compiler.exceptions.IdentifierFormat</a:t>
+                      </a:r>
+                      <a:r>
+                        <a:rPr lang="pt-BR" sz="1400" dirty="0"/>
+                        <a:t>: </a:t>
+                      </a:r>
+                      <a:r>
+                        <a:rPr lang="pt-BR" sz="1400" dirty="0" err="1"/>
+                        <a:t>Bad</a:t>
+                      </a:r>
+                      <a:r>
+                        <a:rPr lang="pt-BR" sz="1400" dirty="0"/>
+                        <a:t> Format </a:t>
+                      </a:r>
+                      <a:r>
+                        <a:rPr lang="pt-BR" sz="1400" dirty="0" err="1"/>
+                        <a:t>Identifier</a:t>
+                      </a:r>
+                      <a:r>
+                        <a:rPr lang="pt-BR" sz="1400" dirty="0"/>
+                        <a:t>: </a:t>
+                      </a:r>
+                      <a:r>
+                        <a:rPr lang="pt-BR" sz="1400" dirty="0" err="1"/>
+                        <a:t>identifier</a:t>
+                      </a:r>
+                      <a:r>
+                        <a:rPr lang="pt-BR" sz="1400" dirty="0"/>
+                        <a:t>@</a:t>
+                      </a:r>
                     </a:p>
                   </a:txBody>
                   <a:tcPr/>
@@ -5990,7 +6932,7 @@
                     <a:lstStyle/>
                     <a:p>
                       <a:r>
-                        <a:rPr lang="pt-BR" dirty="0"/>
+                        <a:rPr lang="pt-BR" sz="1400" dirty="0"/>
                         <a:t>Ex2</a:t>
                       </a:r>
                     </a:p>
@@ -6003,10 +6945,10 @@
                     <a:lstStyle/>
                     <a:p>
                       <a:r>
-                        <a:rPr lang="pt-BR" dirty="0" err="1"/>
+                        <a:rPr lang="pt-BR" sz="1400" dirty="0" err="1"/>
                         <a:t>NumberFormatException</a:t>
                       </a:r>
-                      <a:endParaRPr lang="pt-BR" dirty="0"/>
+                      <a:endParaRPr lang="pt-BR" sz="1400" dirty="0"/>
                     </a:p>
                   </a:txBody>
                   <a:tcPr/>
@@ -6016,7 +6958,18 @@
                     <a:bodyPr/>
                     <a:lstStyle/>
                     <a:p>
-                      <a:endParaRPr lang="pt-BR" dirty="0"/>
+                      <a:r>
+                        <a:rPr lang="en-US" sz="1400" dirty="0"/>
+                        <a:t>Exception in thread "main" </a:t>
+                      </a:r>
+                      <a:r>
+                        <a:rPr lang="en-US" sz="1400" dirty="0" err="1"/>
+                        <a:t>br.com.compiler.exceptions.NumberFormat</a:t>
+                      </a:r>
+                      <a:r>
+                        <a:rPr lang="en-US" sz="1400" dirty="0"/>
+                        <a:t>: Bad Format of Integer Number : 10abc</a:t>
+                      </a:r>
                     </a:p>
                   </a:txBody>
                   <a:tcPr/>
@@ -6034,7 +6987,7 @@
                     <a:lstStyle/>
                     <a:p>
                       <a:r>
-                        <a:rPr lang="pt-BR" dirty="0"/>
+                        <a:rPr lang="pt-BR" sz="1400" dirty="0"/>
                         <a:t>Ex3</a:t>
                       </a:r>
                     </a:p>
@@ -6047,10 +7000,10 @@
                     <a:lstStyle/>
                     <a:p>
                       <a:r>
-                        <a:rPr lang="pt-BR" dirty="0" err="1"/>
+                        <a:rPr lang="pt-BR" sz="1400" dirty="0" err="1"/>
                         <a:t>NumberFormatExeption</a:t>
                       </a:r>
-                      <a:endParaRPr lang="pt-BR" dirty="0"/>
+                      <a:endParaRPr lang="pt-BR" sz="1400" dirty="0"/>
                     </a:p>
                   </a:txBody>
                   <a:tcPr/>
@@ -6060,7 +7013,19 @@
                     <a:bodyPr/>
                     <a:lstStyle/>
                     <a:p>
-                      <a:endParaRPr lang="pt-BR" dirty="0"/>
+                      <a:r>
+                        <a:rPr lang="en-US" sz="1400" dirty="0"/>
+                        <a:t>Exception in thread "main" </a:t>
+                      </a:r>
+                      <a:r>
+                        <a:rPr lang="en-US" sz="1400" dirty="0" err="1"/>
+                        <a:t>br.com.compiler.exceptions.NumberFormat</a:t>
+                      </a:r>
+                      <a:r>
+                        <a:rPr lang="en-US" sz="1400" dirty="0"/>
+                        <a:t>: Bad Format of Float Number : 1.1aaa</a:t>
+                      </a:r>
+                      <a:endParaRPr lang="pt-BR" sz="1400" dirty="0"/>
                     </a:p>
                   </a:txBody>
                   <a:tcPr/>
@@ -6078,7 +7043,7 @@
                     <a:lstStyle/>
                     <a:p>
                       <a:r>
-                        <a:rPr lang="pt-BR" dirty="0"/>
+                        <a:rPr lang="pt-BR" sz="1400" dirty="0"/>
                         <a:t>Ex4</a:t>
                       </a:r>
                     </a:p>
@@ -6091,10 +7056,10 @@
                     <a:lstStyle/>
                     <a:p>
                       <a:r>
-                        <a:rPr lang="pt-BR" dirty="0" err="1"/>
+                        <a:rPr lang="pt-BR" sz="1400" dirty="0" err="1"/>
                         <a:t>InvalidOperatorException</a:t>
                       </a:r>
-                      <a:endParaRPr lang="pt-BR" dirty="0"/>
+                      <a:endParaRPr lang="pt-BR" sz="1400" dirty="0"/>
                     </a:p>
                   </a:txBody>
                   <a:tcPr/>
@@ -6104,7 +7069,46 @@
                     <a:bodyPr/>
                     <a:lstStyle/>
                     <a:p>
-                      <a:endParaRPr lang="pt-BR" dirty="0"/>
+                      <a:r>
+                        <a:rPr lang="pt-BR" sz="1400" dirty="0" err="1"/>
+                        <a:t>Exception</a:t>
+                      </a:r>
+                      <a:r>
+                        <a:rPr lang="pt-BR" sz="1400" dirty="0"/>
+                        <a:t> in thread "</a:t>
+                      </a:r>
+                      <a:r>
+                        <a:rPr lang="pt-BR" sz="1400" dirty="0" err="1"/>
+                        <a:t>main</a:t>
+                      </a:r>
+                      <a:r>
+                        <a:rPr lang="pt-BR" sz="1400" dirty="0"/>
+                        <a:t>" </a:t>
+                      </a:r>
+                      <a:r>
+                        <a:rPr lang="pt-BR" sz="1400" dirty="0" err="1"/>
+                        <a:t>br.com.compiler.exceptions.InvalidOperator</a:t>
+                      </a:r>
+                      <a:r>
+                        <a:rPr lang="pt-BR" sz="1400" dirty="0"/>
+                        <a:t>: </a:t>
+                      </a:r>
+                      <a:r>
+                        <a:rPr lang="pt-BR" sz="1400" dirty="0" err="1"/>
+                        <a:t>Invalid</a:t>
+                      </a:r>
+                      <a:r>
+                        <a:rPr lang="pt-BR" sz="1400" dirty="0"/>
+                        <a:t> </a:t>
+                      </a:r>
+                      <a:r>
+                        <a:rPr lang="pt-BR" sz="1400" dirty="0" err="1"/>
+                        <a:t>Operator</a:t>
+                      </a:r>
+                      <a:r>
+                        <a:rPr lang="pt-BR" sz="1400" dirty="0"/>
+                        <a:t> : ===</a:t>
+                      </a:r>
                     </a:p>
                   </a:txBody>
                   <a:tcPr/>
@@ -6122,7 +7126,7 @@
                     <a:lstStyle/>
                     <a:p>
                       <a:r>
-                        <a:rPr lang="pt-BR" dirty="0"/>
+                        <a:rPr lang="pt-BR" sz="1400" dirty="0"/>
                         <a:t>Ex5</a:t>
                       </a:r>
                     </a:p>
@@ -6135,10 +7139,10 @@
                     <a:lstStyle/>
                     <a:p>
                       <a:r>
-                        <a:rPr lang="pt-BR" dirty="0" err="1"/>
+                        <a:rPr lang="pt-BR" sz="1400" dirty="0" err="1"/>
                         <a:t>UnclosedException</a:t>
                       </a:r>
-                      <a:endParaRPr lang="pt-BR" dirty="0"/>
+                      <a:endParaRPr lang="pt-BR" sz="1400" dirty="0"/>
                     </a:p>
                   </a:txBody>
                   <a:tcPr/>
@@ -6148,7 +7152,19 @@
                     <a:bodyPr/>
                     <a:lstStyle/>
                     <a:p>
-                      <a:endParaRPr lang="pt-BR" dirty="0"/>
+                      <a:r>
+                        <a:rPr lang="en-US" sz="1400" dirty="0"/>
+                        <a:t>Exception in thread "main" </a:t>
+                      </a:r>
+                      <a:r>
+                        <a:rPr lang="en-US" sz="1400" dirty="0" err="1"/>
+                        <a:t>br.com.compiler.exceptions.Unclosed</a:t>
+                      </a:r>
+                      <a:r>
+                        <a:rPr lang="en-US" sz="1400" dirty="0"/>
+                        <a:t>: Unclosed Char: 'a</a:t>
+                      </a:r>
+                      <a:endParaRPr lang="pt-BR" sz="1400" dirty="0"/>
                     </a:p>
                   </a:txBody>
                   <a:tcPr/>
@@ -6166,7 +7182,7 @@
                     <a:lstStyle/>
                     <a:p>
                       <a:r>
-                        <a:rPr lang="pt-BR" dirty="0"/>
+                        <a:rPr lang="pt-BR" sz="1400" dirty="0"/>
                         <a:t>Ex6</a:t>
                       </a:r>
                     </a:p>
@@ -6196,10 +7212,10 @@
                         <a:defRPr/>
                       </a:pPr>
                       <a:r>
-                        <a:rPr lang="pt-BR" dirty="0" err="1"/>
+                        <a:rPr lang="pt-BR" sz="1400" dirty="0" err="1"/>
                         <a:t>EmptyCharException</a:t>
                       </a:r>
-                      <a:endParaRPr lang="pt-BR" dirty="0"/>
+                      <a:endParaRPr lang="pt-BR" sz="1400" dirty="0"/>
                     </a:p>
                   </a:txBody>
                   <a:tcPr/>
@@ -6209,7 +7225,19 @@
                     <a:bodyPr/>
                     <a:lstStyle/>
                     <a:p>
-                      <a:endParaRPr lang="pt-BR" dirty="0"/>
+                      <a:r>
+                        <a:rPr lang="en-US" sz="1400" dirty="0"/>
+                        <a:t>Exception in thread "main" </a:t>
+                      </a:r>
+                      <a:r>
+                        <a:rPr lang="en-US" sz="1400" dirty="0" err="1"/>
+                        <a:t>br.com.compiler.exceptions.EmptyChar</a:t>
+                      </a:r>
+                      <a:r>
+                        <a:rPr lang="en-US" sz="1400" dirty="0"/>
+                        <a:t>: Empty Character Literal: ''</a:t>
+                      </a:r>
+                      <a:endParaRPr lang="pt-BR" sz="1400" dirty="0"/>
                     </a:p>
                   </a:txBody>
                   <a:tcPr/>
@@ -6227,7 +7255,7 @@
                     <a:lstStyle/>
                     <a:p>
                       <a:r>
-                        <a:rPr lang="pt-BR" dirty="0"/>
+                        <a:rPr lang="pt-BR" sz="1400" dirty="0"/>
                         <a:t>Ex7</a:t>
                       </a:r>
                     </a:p>
@@ -6257,10 +7285,10 @@
                         <a:defRPr/>
                       </a:pPr>
                       <a:r>
-                        <a:rPr lang="pt-BR" dirty="0" err="1"/>
+                        <a:rPr lang="pt-BR" sz="1400" dirty="0" err="1"/>
                         <a:t>InvalidSymbolException</a:t>
                       </a:r>
-                      <a:endParaRPr lang="pt-BR" dirty="0"/>
+                      <a:endParaRPr lang="pt-BR" sz="1400" dirty="0"/>
                     </a:p>
                   </a:txBody>
                   <a:tcPr/>
@@ -6270,7 +7298,19 @@
                     <a:bodyPr/>
                     <a:lstStyle/>
                     <a:p>
-                      <a:endParaRPr lang="pt-BR" dirty="0"/>
+                      <a:r>
+                        <a:rPr lang="en-US" sz="1400" dirty="0"/>
+                        <a:t>Exception in thread "main" </a:t>
+                      </a:r>
+                      <a:r>
+                        <a:rPr lang="en-US" sz="1400" dirty="0" err="1"/>
+                        <a:t>br.com.compiler.exceptions.InvalidSymbol</a:t>
+                      </a:r>
+                      <a:r>
+                        <a:rPr lang="en-US" sz="1400" dirty="0"/>
+                        <a:t>: Unrecognized Symbol: $</a:t>
+                      </a:r>
+                      <a:endParaRPr lang="pt-BR" sz="1400" dirty="0"/>
                     </a:p>
                   </a:txBody>
                   <a:tcPr/>
@@ -6295,13 +7335,13 @@
   <p:clrMapOvr>
     <a:masterClrMapping/>
   </p:clrMapOvr>
-  <mc:AlternateContent xmlns:mc="http://schemas.openxmlformats.org/markup-compatibility/2006">
-    <mc:Choice xmlns:p14="http://schemas.microsoft.com/office/powerpoint/2010/main" Requires="p14">
+  <mc:AlternateContent xmlns:mc="http://schemas.openxmlformats.org/markup-compatibility/2006" xmlns:p14="http://schemas.microsoft.com/office/powerpoint/2010/main">
+    <mc:Choice Requires="p14">
       <p:transition spd="med" p14:dur="700">
         <p:fade/>
       </p:transition>
     </mc:Choice>
-    <mc:Fallback>
+    <mc:Fallback xmlns="">
       <p:transition spd="med">
         <p:fade/>
       </p:transition>
@@ -7829,13 +8869,13 @@
   <p:clrMapOvr>
     <a:masterClrMapping/>
   </p:clrMapOvr>
-  <mc:AlternateContent xmlns:mc="http://schemas.openxmlformats.org/markup-compatibility/2006">
-    <mc:Choice xmlns:p159="http://schemas.microsoft.com/office/powerpoint/2015/09/main" Requires="p159">
+  <mc:AlternateContent xmlns:mc="http://schemas.openxmlformats.org/markup-compatibility/2006" xmlns:p159="http://schemas.microsoft.com/office/powerpoint/2015/09/main">
+    <mc:Choice Requires="p159">
       <p:transition xmlns:p14="http://schemas.microsoft.com/office/powerpoint/2010/main" spd="slow" p14:dur="2000">
         <p159:morph option="byObject"/>
       </p:transition>
     </mc:Choice>
-    <mc:Fallback>
+    <mc:Fallback xmlns="">
       <p:transition spd="slow">
         <p:fade/>
       </p:transition>
@@ -10608,13 +11648,13 @@
   <p:clrMapOvr>
     <a:masterClrMapping/>
   </p:clrMapOvr>
-  <mc:AlternateContent xmlns:mc="http://schemas.openxmlformats.org/markup-compatibility/2006">
-    <mc:Choice xmlns:p14="http://schemas.microsoft.com/office/powerpoint/2010/main" Requires="p14">
+  <mc:AlternateContent xmlns:mc="http://schemas.openxmlformats.org/markup-compatibility/2006" xmlns:p14="http://schemas.microsoft.com/office/powerpoint/2010/main">
+    <mc:Choice Requires="p14">
       <p:transition spd="med" p14:dur="700">
         <p:fade/>
       </p:transition>
     </mc:Choice>
-    <mc:Fallback>
+    <mc:Fallback xmlns="">
       <p:transition spd="med">
         <p:fade/>
       </p:transition>
@@ -11525,13 +12565,13 @@
   <p:clrMapOvr>
     <a:masterClrMapping/>
   </p:clrMapOvr>
-  <mc:AlternateContent xmlns:mc="http://schemas.openxmlformats.org/markup-compatibility/2006">
-    <mc:Choice xmlns:p14="http://schemas.microsoft.com/office/powerpoint/2010/main" Requires="p14">
+  <mc:AlternateContent xmlns:mc="http://schemas.openxmlformats.org/markup-compatibility/2006" xmlns:p14="http://schemas.microsoft.com/office/powerpoint/2010/main">
+    <mc:Choice Requires="p14">
       <p:transition spd="med" p14:dur="700">
         <p:fade/>
       </p:transition>
     </mc:Choice>
-    <mc:Fallback>
+    <mc:Fallback xmlns="">
       <p:transition spd="med">
         <p:fade/>
       </p:transition>
@@ -12847,13 +13887,13 @@
   <p:clrMapOvr>
     <a:masterClrMapping/>
   </p:clrMapOvr>
-  <mc:AlternateContent xmlns:mc="http://schemas.openxmlformats.org/markup-compatibility/2006">
-    <mc:Choice xmlns:p14="http://schemas.microsoft.com/office/powerpoint/2010/main" Requires="p14">
+  <mc:AlternateContent xmlns:mc="http://schemas.openxmlformats.org/markup-compatibility/2006" xmlns:p14="http://schemas.microsoft.com/office/powerpoint/2010/main">
+    <mc:Choice Requires="p14">
       <p:transition spd="med" p14:dur="700">
         <p:fade/>
       </p:transition>
     </mc:Choice>
-    <mc:Fallback>
+    <mc:Fallback xmlns="">
       <p:transition spd="med">
         <p:fade/>
       </p:transition>
@@ -14188,13 +15228,13 @@
   <p:clrMapOvr>
     <a:masterClrMapping/>
   </p:clrMapOvr>
-  <mc:AlternateContent xmlns:mc="http://schemas.openxmlformats.org/markup-compatibility/2006">
-    <mc:Choice xmlns:p14="http://schemas.microsoft.com/office/powerpoint/2010/main" Requires="p14">
+  <mc:AlternateContent xmlns:mc="http://schemas.openxmlformats.org/markup-compatibility/2006" xmlns:p14="http://schemas.microsoft.com/office/powerpoint/2010/main">
+    <mc:Choice Requires="p14">
       <p:transition spd="med" p14:dur="700">
         <p:fade/>
       </p:transition>
     </mc:Choice>
-    <mc:Fallback>
+    <mc:Fallback xmlns="">
       <p:transition spd="med">
         <p:fade/>
       </p:transition>
@@ -15375,13 +16415,13 @@
   <p:clrMapOvr>
     <a:masterClrMapping/>
   </p:clrMapOvr>
-  <mc:AlternateContent xmlns:mc="http://schemas.openxmlformats.org/markup-compatibility/2006">
-    <mc:Choice xmlns:p14="http://schemas.microsoft.com/office/powerpoint/2010/main" Requires="p14">
+  <mc:AlternateContent xmlns:mc="http://schemas.openxmlformats.org/markup-compatibility/2006" xmlns:p14="http://schemas.microsoft.com/office/powerpoint/2010/main">
+    <mc:Choice Requires="p14">
       <p:transition spd="med" p14:dur="700">
         <p:fade/>
       </p:transition>
     </mc:Choice>
-    <mc:Fallback>
+    <mc:Fallback xmlns="">
       <p:transition spd="med">
         <p:fade/>
       </p:transition>
@@ -16213,13 +17253,13 @@
   <p:clrMapOvr>
     <a:masterClrMapping/>
   </p:clrMapOvr>
-  <mc:AlternateContent xmlns:mc="http://schemas.openxmlformats.org/markup-compatibility/2006">
-    <mc:Choice xmlns:p14="http://schemas.microsoft.com/office/powerpoint/2010/main" Requires="p14">
+  <mc:AlternateContent xmlns:mc="http://schemas.openxmlformats.org/markup-compatibility/2006" xmlns:p14="http://schemas.microsoft.com/office/powerpoint/2010/main">
+    <mc:Choice Requires="p14">
       <p:transition spd="med" p14:dur="700">
         <p:fade/>
       </p:transition>
     </mc:Choice>
-    <mc:Fallback>
+    <mc:Fallback xmlns="">
       <p:transition spd="med">
         <p:fade/>
       </p:transition>
@@ -17333,13 +18373,13 @@
   <p:clrMapOvr>
     <a:masterClrMapping/>
   </p:clrMapOvr>
-  <mc:AlternateContent xmlns:mc="http://schemas.openxmlformats.org/markup-compatibility/2006">
-    <mc:Choice xmlns:p14="http://schemas.microsoft.com/office/powerpoint/2010/main" Requires="p14">
+  <mc:AlternateContent xmlns:mc="http://schemas.openxmlformats.org/markup-compatibility/2006" xmlns:p14="http://schemas.microsoft.com/office/powerpoint/2010/main">
+    <mc:Choice Requires="p14">
       <p:transition spd="med" p14:dur="700">
         <p:fade/>
       </p:transition>
     </mc:Choice>
-    <mc:Fallback>
+    <mc:Fallback xmlns="">
       <p:transition spd="med">
         <p:fade/>
       </p:transition>

--- a/docs/PavoAutomatons.pptx
+++ b/docs/PavoAutomatons.pptx
@@ -146,7 +146,7 @@
           <p:cNvPr id="2" name="Título 1">
             <a:extLst>
               <a:ext uri="{FF2B5EF4-FFF2-40B4-BE49-F238E27FC236}">
-                <a16:creationId xmlns:a16="http://schemas.microsoft.com/office/drawing/2014/main" id="{BD66A311-8912-4D39-A9FC-30422B2B734E}"/>
+                <a16:creationId xmlns:a16="http://schemas.microsoft.com/office/drawing/2014/main" xmlns="" id="{BD66A311-8912-4D39-A9FC-30422B2B734E}"/>
               </a:ext>
             </a:extLst>
           </p:cNvPr>
@@ -183,7 +183,7 @@
           <p:cNvPr id="3" name="Subtítulo 2">
             <a:extLst>
               <a:ext uri="{FF2B5EF4-FFF2-40B4-BE49-F238E27FC236}">
-                <a16:creationId xmlns:a16="http://schemas.microsoft.com/office/drawing/2014/main" id="{35F74D8A-2650-4AF8-8D93-91E2F2549861}"/>
+                <a16:creationId xmlns:a16="http://schemas.microsoft.com/office/drawing/2014/main" xmlns="" id="{35F74D8A-2650-4AF8-8D93-91E2F2549861}"/>
               </a:ext>
             </a:extLst>
           </p:cNvPr>
@@ -253,7 +253,7 @@
           <p:cNvPr id="4" name="Espaço Reservado para Data 3">
             <a:extLst>
               <a:ext uri="{FF2B5EF4-FFF2-40B4-BE49-F238E27FC236}">
-                <a16:creationId xmlns:a16="http://schemas.microsoft.com/office/drawing/2014/main" id="{1495EC4D-7F52-4B68-99A4-A7AEFDE7E82F}"/>
+                <a16:creationId xmlns:a16="http://schemas.microsoft.com/office/drawing/2014/main" xmlns="" id="{1495EC4D-7F52-4B68-99A4-A7AEFDE7E82F}"/>
               </a:ext>
             </a:extLst>
           </p:cNvPr>
@@ -271,7 +271,7 @@
           <a:p>
             <a:fld id="{951E67F8-B24B-4D0A-9786-15B6C19B3912}" type="datetimeFigureOut">
               <a:rPr lang="pt-BR" smtClean="0"/>
-              <a:t>14/03/2021</a:t>
+              <a:t>17/03/2021</a:t>
             </a:fld>
             <a:endParaRPr lang="pt-BR"/>
           </a:p>
@@ -282,7 +282,7 @@
           <p:cNvPr id="5" name="Espaço Reservado para Rodapé 4">
             <a:extLst>
               <a:ext uri="{FF2B5EF4-FFF2-40B4-BE49-F238E27FC236}">
-                <a16:creationId xmlns:a16="http://schemas.microsoft.com/office/drawing/2014/main" id="{B78B97E1-08F5-48F8-8CA7-33A1F5247CC4}"/>
+                <a16:creationId xmlns:a16="http://schemas.microsoft.com/office/drawing/2014/main" xmlns="" id="{B78B97E1-08F5-48F8-8CA7-33A1F5247CC4}"/>
               </a:ext>
             </a:extLst>
           </p:cNvPr>
@@ -307,7 +307,7 @@
           <p:cNvPr id="6" name="Espaço Reservado para Número de Slide 5">
             <a:extLst>
               <a:ext uri="{FF2B5EF4-FFF2-40B4-BE49-F238E27FC236}">
-                <a16:creationId xmlns:a16="http://schemas.microsoft.com/office/drawing/2014/main" id="{DF0DF2C5-8C42-40D9-B26B-8DBA56669E4C}"/>
+                <a16:creationId xmlns:a16="http://schemas.microsoft.com/office/drawing/2014/main" xmlns="" id="{DF0DF2C5-8C42-40D9-B26B-8DBA56669E4C}"/>
               </a:ext>
             </a:extLst>
           </p:cNvPr>
@@ -366,7 +366,7 @@
           <p:cNvPr id="2" name="Título 1">
             <a:extLst>
               <a:ext uri="{FF2B5EF4-FFF2-40B4-BE49-F238E27FC236}">
-                <a16:creationId xmlns:a16="http://schemas.microsoft.com/office/drawing/2014/main" id="{617D669C-7BA9-40CF-95B8-02C6FBD3018C}"/>
+                <a16:creationId xmlns:a16="http://schemas.microsoft.com/office/drawing/2014/main" xmlns="" id="{617D669C-7BA9-40CF-95B8-02C6FBD3018C}"/>
               </a:ext>
             </a:extLst>
           </p:cNvPr>
@@ -394,7 +394,7 @@
           <p:cNvPr id="3" name="Espaço Reservado para Texto Vertical 2">
             <a:extLst>
               <a:ext uri="{FF2B5EF4-FFF2-40B4-BE49-F238E27FC236}">
-                <a16:creationId xmlns:a16="http://schemas.microsoft.com/office/drawing/2014/main" id="{4E708098-607B-43E3-BEBC-3F59E3D3901E}"/>
+                <a16:creationId xmlns:a16="http://schemas.microsoft.com/office/drawing/2014/main" xmlns="" id="{4E708098-607B-43E3-BEBC-3F59E3D3901E}"/>
               </a:ext>
             </a:extLst>
           </p:cNvPr>
@@ -451,7 +451,7 @@
           <p:cNvPr id="4" name="Espaço Reservado para Data 3">
             <a:extLst>
               <a:ext uri="{FF2B5EF4-FFF2-40B4-BE49-F238E27FC236}">
-                <a16:creationId xmlns:a16="http://schemas.microsoft.com/office/drawing/2014/main" id="{5BE6CA55-E9C2-424D-A3DA-A8ECC356714A}"/>
+                <a16:creationId xmlns:a16="http://schemas.microsoft.com/office/drawing/2014/main" xmlns="" id="{5BE6CA55-E9C2-424D-A3DA-A8ECC356714A}"/>
               </a:ext>
             </a:extLst>
           </p:cNvPr>
@@ -469,7 +469,7 @@
           <a:p>
             <a:fld id="{951E67F8-B24B-4D0A-9786-15B6C19B3912}" type="datetimeFigureOut">
               <a:rPr lang="pt-BR" smtClean="0"/>
-              <a:t>14/03/2021</a:t>
+              <a:t>17/03/2021</a:t>
             </a:fld>
             <a:endParaRPr lang="pt-BR"/>
           </a:p>
@@ -480,7 +480,7 @@
           <p:cNvPr id="5" name="Espaço Reservado para Rodapé 4">
             <a:extLst>
               <a:ext uri="{FF2B5EF4-FFF2-40B4-BE49-F238E27FC236}">
-                <a16:creationId xmlns:a16="http://schemas.microsoft.com/office/drawing/2014/main" id="{B045E2D5-E4FC-4BFD-AFB7-83A67434CA43}"/>
+                <a16:creationId xmlns:a16="http://schemas.microsoft.com/office/drawing/2014/main" xmlns="" id="{B045E2D5-E4FC-4BFD-AFB7-83A67434CA43}"/>
               </a:ext>
             </a:extLst>
           </p:cNvPr>
@@ -505,7 +505,7 @@
           <p:cNvPr id="6" name="Espaço Reservado para Número de Slide 5">
             <a:extLst>
               <a:ext uri="{FF2B5EF4-FFF2-40B4-BE49-F238E27FC236}">
-                <a16:creationId xmlns:a16="http://schemas.microsoft.com/office/drawing/2014/main" id="{64CDD58C-3DE4-45D1-8470-398CC60C385A}"/>
+                <a16:creationId xmlns:a16="http://schemas.microsoft.com/office/drawing/2014/main" xmlns="" id="{64CDD58C-3DE4-45D1-8470-398CC60C385A}"/>
               </a:ext>
             </a:extLst>
           </p:cNvPr>
@@ -564,7 +564,7 @@
           <p:cNvPr id="2" name="Título Vertical 1">
             <a:extLst>
               <a:ext uri="{FF2B5EF4-FFF2-40B4-BE49-F238E27FC236}">
-                <a16:creationId xmlns:a16="http://schemas.microsoft.com/office/drawing/2014/main" id="{E27814E1-70A8-41B6-A0BA-69ED1D87B0BB}"/>
+                <a16:creationId xmlns:a16="http://schemas.microsoft.com/office/drawing/2014/main" xmlns="" id="{E27814E1-70A8-41B6-A0BA-69ED1D87B0BB}"/>
               </a:ext>
             </a:extLst>
           </p:cNvPr>
@@ -597,7 +597,7 @@
           <p:cNvPr id="3" name="Espaço Reservado para Texto Vertical 2">
             <a:extLst>
               <a:ext uri="{FF2B5EF4-FFF2-40B4-BE49-F238E27FC236}">
-                <a16:creationId xmlns:a16="http://schemas.microsoft.com/office/drawing/2014/main" id="{0000A23C-A402-4748-8138-1E57473DD49B}"/>
+                <a16:creationId xmlns:a16="http://schemas.microsoft.com/office/drawing/2014/main" xmlns="" id="{0000A23C-A402-4748-8138-1E57473DD49B}"/>
               </a:ext>
             </a:extLst>
           </p:cNvPr>
@@ -659,7 +659,7 @@
           <p:cNvPr id="4" name="Espaço Reservado para Data 3">
             <a:extLst>
               <a:ext uri="{FF2B5EF4-FFF2-40B4-BE49-F238E27FC236}">
-                <a16:creationId xmlns:a16="http://schemas.microsoft.com/office/drawing/2014/main" id="{41A87BC4-DCE5-4519-B238-AF473EE3658A}"/>
+                <a16:creationId xmlns:a16="http://schemas.microsoft.com/office/drawing/2014/main" xmlns="" id="{41A87BC4-DCE5-4519-B238-AF473EE3658A}"/>
               </a:ext>
             </a:extLst>
           </p:cNvPr>
@@ -677,7 +677,7 @@
           <a:p>
             <a:fld id="{951E67F8-B24B-4D0A-9786-15B6C19B3912}" type="datetimeFigureOut">
               <a:rPr lang="pt-BR" smtClean="0"/>
-              <a:t>14/03/2021</a:t>
+              <a:t>17/03/2021</a:t>
             </a:fld>
             <a:endParaRPr lang="pt-BR"/>
           </a:p>
@@ -688,7 +688,7 @@
           <p:cNvPr id="5" name="Espaço Reservado para Rodapé 4">
             <a:extLst>
               <a:ext uri="{FF2B5EF4-FFF2-40B4-BE49-F238E27FC236}">
-                <a16:creationId xmlns:a16="http://schemas.microsoft.com/office/drawing/2014/main" id="{FFC50C47-0A45-408D-9247-3C95E5148176}"/>
+                <a16:creationId xmlns:a16="http://schemas.microsoft.com/office/drawing/2014/main" xmlns="" id="{FFC50C47-0A45-408D-9247-3C95E5148176}"/>
               </a:ext>
             </a:extLst>
           </p:cNvPr>
@@ -713,7 +713,7 @@
           <p:cNvPr id="6" name="Espaço Reservado para Número de Slide 5">
             <a:extLst>
               <a:ext uri="{FF2B5EF4-FFF2-40B4-BE49-F238E27FC236}">
-                <a16:creationId xmlns:a16="http://schemas.microsoft.com/office/drawing/2014/main" id="{1A64D067-24C7-4D27-83BD-5ECD49F28290}"/>
+                <a16:creationId xmlns:a16="http://schemas.microsoft.com/office/drawing/2014/main" xmlns="" id="{1A64D067-24C7-4D27-83BD-5ECD49F28290}"/>
               </a:ext>
             </a:extLst>
           </p:cNvPr>
@@ -772,7 +772,7 @@
           <p:cNvPr id="2" name="Título 1">
             <a:extLst>
               <a:ext uri="{FF2B5EF4-FFF2-40B4-BE49-F238E27FC236}">
-                <a16:creationId xmlns:a16="http://schemas.microsoft.com/office/drawing/2014/main" id="{634E9FB8-B617-49EA-800C-A916B80A2A84}"/>
+                <a16:creationId xmlns:a16="http://schemas.microsoft.com/office/drawing/2014/main" xmlns="" id="{634E9FB8-B617-49EA-800C-A916B80A2A84}"/>
               </a:ext>
             </a:extLst>
           </p:cNvPr>
@@ -800,7 +800,7 @@
           <p:cNvPr id="3" name="Espaço Reservado para Conteúdo 2">
             <a:extLst>
               <a:ext uri="{FF2B5EF4-FFF2-40B4-BE49-F238E27FC236}">
-                <a16:creationId xmlns:a16="http://schemas.microsoft.com/office/drawing/2014/main" id="{90834B35-9A6F-42C5-839A-FE0679DD0B79}"/>
+                <a16:creationId xmlns:a16="http://schemas.microsoft.com/office/drawing/2014/main" xmlns="" id="{90834B35-9A6F-42C5-839A-FE0679DD0B79}"/>
               </a:ext>
             </a:extLst>
           </p:cNvPr>
@@ -857,7 +857,7 @@
           <p:cNvPr id="4" name="Espaço Reservado para Data 3">
             <a:extLst>
               <a:ext uri="{FF2B5EF4-FFF2-40B4-BE49-F238E27FC236}">
-                <a16:creationId xmlns:a16="http://schemas.microsoft.com/office/drawing/2014/main" id="{C7331BC0-77A5-438A-B7E9-CE405EF0DCD1}"/>
+                <a16:creationId xmlns:a16="http://schemas.microsoft.com/office/drawing/2014/main" xmlns="" id="{C7331BC0-77A5-438A-B7E9-CE405EF0DCD1}"/>
               </a:ext>
             </a:extLst>
           </p:cNvPr>
@@ -875,7 +875,7 @@
           <a:p>
             <a:fld id="{951E67F8-B24B-4D0A-9786-15B6C19B3912}" type="datetimeFigureOut">
               <a:rPr lang="pt-BR" smtClean="0"/>
-              <a:t>14/03/2021</a:t>
+              <a:t>17/03/2021</a:t>
             </a:fld>
             <a:endParaRPr lang="pt-BR"/>
           </a:p>
@@ -886,7 +886,7 @@
           <p:cNvPr id="5" name="Espaço Reservado para Rodapé 4">
             <a:extLst>
               <a:ext uri="{FF2B5EF4-FFF2-40B4-BE49-F238E27FC236}">
-                <a16:creationId xmlns:a16="http://schemas.microsoft.com/office/drawing/2014/main" id="{BC39C987-29FF-4FA9-8D31-4369B1A70547}"/>
+                <a16:creationId xmlns:a16="http://schemas.microsoft.com/office/drawing/2014/main" xmlns="" id="{BC39C987-29FF-4FA9-8D31-4369B1A70547}"/>
               </a:ext>
             </a:extLst>
           </p:cNvPr>
@@ -911,7 +911,7 @@
           <p:cNvPr id="6" name="Espaço Reservado para Número de Slide 5">
             <a:extLst>
               <a:ext uri="{FF2B5EF4-FFF2-40B4-BE49-F238E27FC236}">
-                <a16:creationId xmlns:a16="http://schemas.microsoft.com/office/drawing/2014/main" id="{85082046-23FF-4582-9353-09B683733DED}"/>
+                <a16:creationId xmlns:a16="http://schemas.microsoft.com/office/drawing/2014/main" xmlns="" id="{85082046-23FF-4582-9353-09B683733DED}"/>
               </a:ext>
             </a:extLst>
           </p:cNvPr>
@@ -970,7 +970,7 @@
           <p:cNvPr id="2" name="Título 1">
             <a:extLst>
               <a:ext uri="{FF2B5EF4-FFF2-40B4-BE49-F238E27FC236}">
-                <a16:creationId xmlns:a16="http://schemas.microsoft.com/office/drawing/2014/main" id="{3A8CFEE3-5A6E-4CA3-A6D8-BE9C40E644EB}"/>
+                <a16:creationId xmlns:a16="http://schemas.microsoft.com/office/drawing/2014/main" xmlns="" id="{3A8CFEE3-5A6E-4CA3-A6D8-BE9C40E644EB}"/>
               </a:ext>
             </a:extLst>
           </p:cNvPr>
@@ -1007,7 +1007,7 @@
           <p:cNvPr id="3" name="Espaço Reservado para Texto 2">
             <a:extLst>
               <a:ext uri="{FF2B5EF4-FFF2-40B4-BE49-F238E27FC236}">
-                <a16:creationId xmlns:a16="http://schemas.microsoft.com/office/drawing/2014/main" id="{4DB1213E-17CD-4907-B8CC-71B532DB68A2}"/>
+                <a16:creationId xmlns:a16="http://schemas.microsoft.com/office/drawing/2014/main" xmlns="" id="{4DB1213E-17CD-4907-B8CC-71B532DB68A2}"/>
               </a:ext>
             </a:extLst>
           </p:cNvPr>
@@ -1132,7 +1132,7 @@
           <p:cNvPr id="4" name="Espaço Reservado para Data 3">
             <a:extLst>
               <a:ext uri="{FF2B5EF4-FFF2-40B4-BE49-F238E27FC236}">
-                <a16:creationId xmlns:a16="http://schemas.microsoft.com/office/drawing/2014/main" id="{62CABD4C-1502-4718-A1C9-ACFB67617680}"/>
+                <a16:creationId xmlns:a16="http://schemas.microsoft.com/office/drawing/2014/main" xmlns="" id="{62CABD4C-1502-4718-A1C9-ACFB67617680}"/>
               </a:ext>
             </a:extLst>
           </p:cNvPr>
@@ -1150,7 +1150,7 @@
           <a:p>
             <a:fld id="{951E67F8-B24B-4D0A-9786-15B6C19B3912}" type="datetimeFigureOut">
               <a:rPr lang="pt-BR" smtClean="0"/>
-              <a:t>14/03/2021</a:t>
+              <a:t>17/03/2021</a:t>
             </a:fld>
             <a:endParaRPr lang="pt-BR"/>
           </a:p>
@@ -1161,7 +1161,7 @@
           <p:cNvPr id="5" name="Espaço Reservado para Rodapé 4">
             <a:extLst>
               <a:ext uri="{FF2B5EF4-FFF2-40B4-BE49-F238E27FC236}">
-                <a16:creationId xmlns:a16="http://schemas.microsoft.com/office/drawing/2014/main" id="{311603AE-8E1B-4705-8000-4A5D8F32CD1F}"/>
+                <a16:creationId xmlns:a16="http://schemas.microsoft.com/office/drawing/2014/main" xmlns="" id="{311603AE-8E1B-4705-8000-4A5D8F32CD1F}"/>
               </a:ext>
             </a:extLst>
           </p:cNvPr>
@@ -1186,7 +1186,7 @@
           <p:cNvPr id="6" name="Espaço Reservado para Número de Slide 5">
             <a:extLst>
               <a:ext uri="{FF2B5EF4-FFF2-40B4-BE49-F238E27FC236}">
-                <a16:creationId xmlns:a16="http://schemas.microsoft.com/office/drawing/2014/main" id="{20CF23D3-2B86-4518-8045-A5214A535F5E}"/>
+                <a16:creationId xmlns:a16="http://schemas.microsoft.com/office/drawing/2014/main" xmlns="" id="{20CF23D3-2B86-4518-8045-A5214A535F5E}"/>
               </a:ext>
             </a:extLst>
           </p:cNvPr>
@@ -1245,7 +1245,7 @@
           <p:cNvPr id="2" name="Título 1">
             <a:extLst>
               <a:ext uri="{FF2B5EF4-FFF2-40B4-BE49-F238E27FC236}">
-                <a16:creationId xmlns:a16="http://schemas.microsoft.com/office/drawing/2014/main" id="{B2284708-7DDC-4557-98CA-8CE2A2FF659F}"/>
+                <a16:creationId xmlns:a16="http://schemas.microsoft.com/office/drawing/2014/main" xmlns="" id="{B2284708-7DDC-4557-98CA-8CE2A2FF659F}"/>
               </a:ext>
             </a:extLst>
           </p:cNvPr>
@@ -1273,7 +1273,7 @@
           <p:cNvPr id="3" name="Espaço Reservado para Conteúdo 2">
             <a:extLst>
               <a:ext uri="{FF2B5EF4-FFF2-40B4-BE49-F238E27FC236}">
-                <a16:creationId xmlns:a16="http://schemas.microsoft.com/office/drawing/2014/main" id="{40128E3F-965B-418C-877E-AFE91AA34AE9}"/>
+                <a16:creationId xmlns:a16="http://schemas.microsoft.com/office/drawing/2014/main" xmlns="" id="{40128E3F-965B-418C-877E-AFE91AA34AE9}"/>
               </a:ext>
             </a:extLst>
           </p:cNvPr>
@@ -1335,7 +1335,7 @@
           <p:cNvPr id="4" name="Espaço Reservado para Conteúdo 3">
             <a:extLst>
               <a:ext uri="{FF2B5EF4-FFF2-40B4-BE49-F238E27FC236}">
-                <a16:creationId xmlns:a16="http://schemas.microsoft.com/office/drawing/2014/main" id="{89639A2F-BA47-4D0F-921C-4026B689BC3F}"/>
+                <a16:creationId xmlns:a16="http://schemas.microsoft.com/office/drawing/2014/main" xmlns="" id="{89639A2F-BA47-4D0F-921C-4026B689BC3F}"/>
               </a:ext>
             </a:extLst>
           </p:cNvPr>
@@ -1397,7 +1397,7 @@
           <p:cNvPr id="5" name="Espaço Reservado para Data 4">
             <a:extLst>
               <a:ext uri="{FF2B5EF4-FFF2-40B4-BE49-F238E27FC236}">
-                <a16:creationId xmlns:a16="http://schemas.microsoft.com/office/drawing/2014/main" id="{3A7A99E6-F7E4-45B4-81D8-45A0D37334DA}"/>
+                <a16:creationId xmlns:a16="http://schemas.microsoft.com/office/drawing/2014/main" xmlns="" id="{3A7A99E6-F7E4-45B4-81D8-45A0D37334DA}"/>
               </a:ext>
             </a:extLst>
           </p:cNvPr>
@@ -1415,7 +1415,7 @@
           <a:p>
             <a:fld id="{951E67F8-B24B-4D0A-9786-15B6C19B3912}" type="datetimeFigureOut">
               <a:rPr lang="pt-BR" smtClean="0"/>
-              <a:t>14/03/2021</a:t>
+              <a:t>17/03/2021</a:t>
             </a:fld>
             <a:endParaRPr lang="pt-BR"/>
           </a:p>
@@ -1426,7 +1426,7 @@
           <p:cNvPr id="6" name="Espaço Reservado para Rodapé 5">
             <a:extLst>
               <a:ext uri="{FF2B5EF4-FFF2-40B4-BE49-F238E27FC236}">
-                <a16:creationId xmlns:a16="http://schemas.microsoft.com/office/drawing/2014/main" id="{35885325-F69F-442A-95EE-E8FE8A20CAD7}"/>
+                <a16:creationId xmlns:a16="http://schemas.microsoft.com/office/drawing/2014/main" xmlns="" id="{35885325-F69F-442A-95EE-E8FE8A20CAD7}"/>
               </a:ext>
             </a:extLst>
           </p:cNvPr>
@@ -1451,7 +1451,7 @@
           <p:cNvPr id="7" name="Espaço Reservado para Número de Slide 6">
             <a:extLst>
               <a:ext uri="{FF2B5EF4-FFF2-40B4-BE49-F238E27FC236}">
-                <a16:creationId xmlns:a16="http://schemas.microsoft.com/office/drawing/2014/main" id="{6E3C4328-B437-483A-B4C5-CB722DB06DD0}"/>
+                <a16:creationId xmlns:a16="http://schemas.microsoft.com/office/drawing/2014/main" xmlns="" id="{6E3C4328-B437-483A-B4C5-CB722DB06DD0}"/>
               </a:ext>
             </a:extLst>
           </p:cNvPr>
@@ -1510,7 +1510,7 @@
           <p:cNvPr id="2" name="Título 1">
             <a:extLst>
               <a:ext uri="{FF2B5EF4-FFF2-40B4-BE49-F238E27FC236}">
-                <a16:creationId xmlns:a16="http://schemas.microsoft.com/office/drawing/2014/main" id="{40EEE825-3501-4ACA-96DF-00AD46689B16}"/>
+                <a16:creationId xmlns:a16="http://schemas.microsoft.com/office/drawing/2014/main" xmlns="" id="{40EEE825-3501-4ACA-96DF-00AD46689B16}"/>
               </a:ext>
             </a:extLst>
           </p:cNvPr>
@@ -1543,7 +1543,7 @@
           <p:cNvPr id="3" name="Espaço Reservado para Texto 2">
             <a:extLst>
               <a:ext uri="{FF2B5EF4-FFF2-40B4-BE49-F238E27FC236}">
-                <a16:creationId xmlns:a16="http://schemas.microsoft.com/office/drawing/2014/main" id="{F48C4B22-0376-48CF-B218-1AF86CCF8C25}"/>
+                <a16:creationId xmlns:a16="http://schemas.microsoft.com/office/drawing/2014/main" xmlns="" id="{F48C4B22-0376-48CF-B218-1AF86CCF8C25}"/>
               </a:ext>
             </a:extLst>
           </p:cNvPr>
@@ -1614,7 +1614,7 @@
           <p:cNvPr id="4" name="Espaço Reservado para Conteúdo 3">
             <a:extLst>
               <a:ext uri="{FF2B5EF4-FFF2-40B4-BE49-F238E27FC236}">
-                <a16:creationId xmlns:a16="http://schemas.microsoft.com/office/drawing/2014/main" id="{043CD7FD-DC6A-43FD-B6C5-352531A72210}"/>
+                <a16:creationId xmlns:a16="http://schemas.microsoft.com/office/drawing/2014/main" xmlns="" id="{043CD7FD-DC6A-43FD-B6C5-352531A72210}"/>
               </a:ext>
             </a:extLst>
           </p:cNvPr>
@@ -1676,7 +1676,7 @@
           <p:cNvPr id="5" name="Espaço Reservado para Texto 4">
             <a:extLst>
               <a:ext uri="{FF2B5EF4-FFF2-40B4-BE49-F238E27FC236}">
-                <a16:creationId xmlns:a16="http://schemas.microsoft.com/office/drawing/2014/main" id="{C9C24974-D366-4AE3-B538-442EC1C3621A}"/>
+                <a16:creationId xmlns:a16="http://schemas.microsoft.com/office/drawing/2014/main" xmlns="" id="{C9C24974-D366-4AE3-B538-442EC1C3621A}"/>
               </a:ext>
             </a:extLst>
           </p:cNvPr>
@@ -1747,7 +1747,7 @@
           <p:cNvPr id="6" name="Espaço Reservado para Conteúdo 5">
             <a:extLst>
               <a:ext uri="{FF2B5EF4-FFF2-40B4-BE49-F238E27FC236}">
-                <a16:creationId xmlns:a16="http://schemas.microsoft.com/office/drawing/2014/main" id="{5E0AF07B-F753-436C-B83A-702CFDE00663}"/>
+                <a16:creationId xmlns:a16="http://schemas.microsoft.com/office/drawing/2014/main" xmlns="" id="{5E0AF07B-F753-436C-B83A-702CFDE00663}"/>
               </a:ext>
             </a:extLst>
           </p:cNvPr>
@@ -1809,7 +1809,7 @@
           <p:cNvPr id="7" name="Espaço Reservado para Data 6">
             <a:extLst>
               <a:ext uri="{FF2B5EF4-FFF2-40B4-BE49-F238E27FC236}">
-                <a16:creationId xmlns:a16="http://schemas.microsoft.com/office/drawing/2014/main" id="{BBBFC63E-FD09-4983-AF2A-EFDBD7E5D2CB}"/>
+                <a16:creationId xmlns:a16="http://schemas.microsoft.com/office/drawing/2014/main" xmlns="" id="{BBBFC63E-FD09-4983-AF2A-EFDBD7E5D2CB}"/>
               </a:ext>
             </a:extLst>
           </p:cNvPr>
@@ -1827,7 +1827,7 @@
           <a:p>
             <a:fld id="{951E67F8-B24B-4D0A-9786-15B6C19B3912}" type="datetimeFigureOut">
               <a:rPr lang="pt-BR" smtClean="0"/>
-              <a:t>14/03/2021</a:t>
+              <a:t>17/03/2021</a:t>
             </a:fld>
             <a:endParaRPr lang="pt-BR"/>
           </a:p>
@@ -1838,7 +1838,7 @@
           <p:cNvPr id="8" name="Espaço Reservado para Rodapé 7">
             <a:extLst>
               <a:ext uri="{FF2B5EF4-FFF2-40B4-BE49-F238E27FC236}">
-                <a16:creationId xmlns:a16="http://schemas.microsoft.com/office/drawing/2014/main" id="{94BD2FEE-CC7E-443A-9BE9-C43598235114}"/>
+                <a16:creationId xmlns:a16="http://schemas.microsoft.com/office/drawing/2014/main" xmlns="" id="{94BD2FEE-CC7E-443A-9BE9-C43598235114}"/>
               </a:ext>
             </a:extLst>
           </p:cNvPr>
@@ -1863,7 +1863,7 @@
           <p:cNvPr id="9" name="Espaço Reservado para Número de Slide 8">
             <a:extLst>
               <a:ext uri="{FF2B5EF4-FFF2-40B4-BE49-F238E27FC236}">
-                <a16:creationId xmlns:a16="http://schemas.microsoft.com/office/drawing/2014/main" id="{9722C2BD-DCD7-4CEF-813A-F553EC1423C1}"/>
+                <a16:creationId xmlns:a16="http://schemas.microsoft.com/office/drawing/2014/main" xmlns="" id="{9722C2BD-DCD7-4CEF-813A-F553EC1423C1}"/>
               </a:ext>
             </a:extLst>
           </p:cNvPr>
@@ -1922,7 +1922,7 @@
           <p:cNvPr id="2" name="Título 1">
             <a:extLst>
               <a:ext uri="{FF2B5EF4-FFF2-40B4-BE49-F238E27FC236}">
-                <a16:creationId xmlns:a16="http://schemas.microsoft.com/office/drawing/2014/main" id="{647B4EAC-54BA-467E-A866-D7A724841CB0}"/>
+                <a16:creationId xmlns:a16="http://schemas.microsoft.com/office/drawing/2014/main" xmlns="" id="{647B4EAC-54BA-467E-A866-D7A724841CB0}"/>
               </a:ext>
             </a:extLst>
           </p:cNvPr>
@@ -1950,7 +1950,7 @@
           <p:cNvPr id="3" name="Espaço Reservado para Data 2">
             <a:extLst>
               <a:ext uri="{FF2B5EF4-FFF2-40B4-BE49-F238E27FC236}">
-                <a16:creationId xmlns:a16="http://schemas.microsoft.com/office/drawing/2014/main" id="{99EFB1E0-6A3C-4938-B517-9C866880C656}"/>
+                <a16:creationId xmlns:a16="http://schemas.microsoft.com/office/drawing/2014/main" xmlns="" id="{99EFB1E0-6A3C-4938-B517-9C866880C656}"/>
               </a:ext>
             </a:extLst>
           </p:cNvPr>
@@ -1968,7 +1968,7 @@
           <a:p>
             <a:fld id="{951E67F8-B24B-4D0A-9786-15B6C19B3912}" type="datetimeFigureOut">
               <a:rPr lang="pt-BR" smtClean="0"/>
-              <a:t>14/03/2021</a:t>
+              <a:t>17/03/2021</a:t>
             </a:fld>
             <a:endParaRPr lang="pt-BR"/>
           </a:p>
@@ -1979,7 +1979,7 @@
           <p:cNvPr id="4" name="Espaço Reservado para Rodapé 3">
             <a:extLst>
               <a:ext uri="{FF2B5EF4-FFF2-40B4-BE49-F238E27FC236}">
-                <a16:creationId xmlns:a16="http://schemas.microsoft.com/office/drawing/2014/main" id="{A860C58C-62B4-4D69-A7B7-DDE634B54A6C}"/>
+                <a16:creationId xmlns:a16="http://schemas.microsoft.com/office/drawing/2014/main" xmlns="" id="{A860C58C-62B4-4D69-A7B7-DDE634B54A6C}"/>
               </a:ext>
             </a:extLst>
           </p:cNvPr>
@@ -2004,7 +2004,7 @@
           <p:cNvPr id="5" name="Espaço Reservado para Número de Slide 4">
             <a:extLst>
               <a:ext uri="{FF2B5EF4-FFF2-40B4-BE49-F238E27FC236}">
-                <a16:creationId xmlns:a16="http://schemas.microsoft.com/office/drawing/2014/main" id="{71548BEA-D17B-4511-A0A1-5776950BB054}"/>
+                <a16:creationId xmlns:a16="http://schemas.microsoft.com/office/drawing/2014/main" xmlns="" id="{71548BEA-D17B-4511-A0A1-5776950BB054}"/>
               </a:ext>
             </a:extLst>
           </p:cNvPr>
@@ -2063,7 +2063,7 @@
           <p:cNvPr id="2" name="Espaço Reservado para Data 1">
             <a:extLst>
               <a:ext uri="{FF2B5EF4-FFF2-40B4-BE49-F238E27FC236}">
-                <a16:creationId xmlns:a16="http://schemas.microsoft.com/office/drawing/2014/main" id="{EB8A6655-E27F-4247-8A5D-7DA951E25E42}"/>
+                <a16:creationId xmlns:a16="http://schemas.microsoft.com/office/drawing/2014/main" xmlns="" id="{EB8A6655-E27F-4247-8A5D-7DA951E25E42}"/>
               </a:ext>
             </a:extLst>
           </p:cNvPr>
@@ -2081,7 +2081,7 @@
           <a:p>
             <a:fld id="{951E67F8-B24B-4D0A-9786-15B6C19B3912}" type="datetimeFigureOut">
               <a:rPr lang="pt-BR" smtClean="0"/>
-              <a:t>14/03/2021</a:t>
+              <a:t>17/03/2021</a:t>
             </a:fld>
             <a:endParaRPr lang="pt-BR"/>
           </a:p>
@@ -2092,7 +2092,7 @@
           <p:cNvPr id="3" name="Espaço Reservado para Rodapé 2">
             <a:extLst>
               <a:ext uri="{FF2B5EF4-FFF2-40B4-BE49-F238E27FC236}">
-                <a16:creationId xmlns:a16="http://schemas.microsoft.com/office/drawing/2014/main" id="{CC892FF3-8594-464C-9AFD-E460B5198726}"/>
+                <a16:creationId xmlns:a16="http://schemas.microsoft.com/office/drawing/2014/main" xmlns="" id="{CC892FF3-8594-464C-9AFD-E460B5198726}"/>
               </a:ext>
             </a:extLst>
           </p:cNvPr>
@@ -2117,7 +2117,7 @@
           <p:cNvPr id="4" name="Espaço Reservado para Número de Slide 3">
             <a:extLst>
               <a:ext uri="{FF2B5EF4-FFF2-40B4-BE49-F238E27FC236}">
-                <a16:creationId xmlns:a16="http://schemas.microsoft.com/office/drawing/2014/main" id="{8EDA4BEF-F612-4581-8F6E-4645927DDFCC}"/>
+                <a16:creationId xmlns:a16="http://schemas.microsoft.com/office/drawing/2014/main" xmlns="" id="{8EDA4BEF-F612-4581-8F6E-4645927DDFCC}"/>
               </a:ext>
             </a:extLst>
           </p:cNvPr>
@@ -2176,7 +2176,7 @@
           <p:cNvPr id="2" name="Título 1">
             <a:extLst>
               <a:ext uri="{FF2B5EF4-FFF2-40B4-BE49-F238E27FC236}">
-                <a16:creationId xmlns:a16="http://schemas.microsoft.com/office/drawing/2014/main" id="{746E1CEC-6A75-4B1E-A02F-0832A1E4017A}"/>
+                <a16:creationId xmlns:a16="http://schemas.microsoft.com/office/drawing/2014/main" xmlns="" id="{746E1CEC-6A75-4B1E-A02F-0832A1E4017A}"/>
               </a:ext>
             </a:extLst>
           </p:cNvPr>
@@ -2213,7 +2213,7 @@
           <p:cNvPr id="3" name="Espaço Reservado para Conteúdo 2">
             <a:extLst>
               <a:ext uri="{FF2B5EF4-FFF2-40B4-BE49-F238E27FC236}">
-                <a16:creationId xmlns:a16="http://schemas.microsoft.com/office/drawing/2014/main" id="{90961888-4B2B-4AED-9EB2-590E66B17971}"/>
+                <a16:creationId xmlns:a16="http://schemas.microsoft.com/office/drawing/2014/main" xmlns="" id="{90961888-4B2B-4AED-9EB2-590E66B17971}"/>
               </a:ext>
             </a:extLst>
           </p:cNvPr>
@@ -2303,7 +2303,7 @@
           <p:cNvPr id="4" name="Espaço Reservado para Texto 3">
             <a:extLst>
               <a:ext uri="{FF2B5EF4-FFF2-40B4-BE49-F238E27FC236}">
-                <a16:creationId xmlns:a16="http://schemas.microsoft.com/office/drawing/2014/main" id="{27476BEF-59D1-48C7-8146-5BFB969910A3}"/>
+                <a16:creationId xmlns:a16="http://schemas.microsoft.com/office/drawing/2014/main" xmlns="" id="{27476BEF-59D1-48C7-8146-5BFB969910A3}"/>
               </a:ext>
             </a:extLst>
           </p:cNvPr>
@@ -2374,7 +2374,7 @@
           <p:cNvPr id="5" name="Espaço Reservado para Data 4">
             <a:extLst>
               <a:ext uri="{FF2B5EF4-FFF2-40B4-BE49-F238E27FC236}">
-                <a16:creationId xmlns:a16="http://schemas.microsoft.com/office/drawing/2014/main" id="{A4E618A5-284B-49D2-BA94-8A19DC6824C4}"/>
+                <a16:creationId xmlns:a16="http://schemas.microsoft.com/office/drawing/2014/main" xmlns="" id="{A4E618A5-284B-49D2-BA94-8A19DC6824C4}"/>
               </a:ext>
             </a:extLst>
           </p:cNvPr>
@@ -2392,7 +2392,7 @@
           <a:p>
             <a:fld id="{951E67F8-B24B-4D0A-9786-15B6C19B3912}" type="datetimeFigureOut">
               <a:rPr lang="pt-BR" smtClean="0"/>
-              <a:t>14/03/2021</a:t>
+              <a:t>17/03/2021</a:t>
             </a:fld>
             <a:endParaRPr lang="pt-BR"/>
           </a:p>
@@ -2403,7 +2403,7 @@
           <p:cNvPr id="6" name="Espaço Reservado para Rodapé 5">
             <a:extLst>
               <a:ext uri="{FF2B5EF4-FFF2-40B4-BE49-F238E27FC236}">
-                <a16:creationId xmlns:a16="http://schemas.microsoft.com/office/drawing/2014/main" id="{F1B4C2FB-4FF7-40ED-AB8F-55E727DE5B4C}"/>
+                <a16:creationId xmlns:a16="http://schemas.microsoft.com/office/drawing/2014/main" xmlns="" id="{F1B4C2FB-4FF7-40ED-AB8F-55E727DE5B4C}"/>
               </a:ext>
             </a:extLst>
           </p:cNvPr>
@@ -2428,7 +2428,7 @@
           <p:cNvPr id="7" name="Espaço Reservado para Número de Slide 6">
             <a:extLst>
               <a:ext uri="{FF2B5EF4-FFF2-40B4-BE49-F238E27FC236}">
-                <a16:creationId xmlns:a16="http://schemas.microsoft.com/office/drawing/2014/main" id="{BE65A9A1-53FE-45CB-BC89-4A095326FEBE}"/>
+                <a16:creationId xmlns:a16="http://schemas.microsoft.com/office/drawing/2014/main" xmlns="" id="{BE65A9A1-53FE-45CB-BC89-4A095326FEBE}"/>
               </a:ext>
             </a:extLst>
           </p:cNvPr>
@@ -2487,7 +2487,7 @@
           <p:cNvPr id="2" name="Título 1">
             <a:extLst>
               <a:ext uri="{FF2B5EF4-FFF2-40B4-BE49-F238E27FC236}">
-                <a16:creationId xmlns:a16="http://schemas.microsoft.com/office/drawing/2014/main" id="{853AE835-A8B4-4A90-A350-ADA0B08A1BC7}"/>
+                <a16:creationId xmlns:a16="http://schemas.microsoft.com/office/drawing/2014/main" xmlns="" id="{853AE835-A8B4-4A90-A350-ADA0B08A1BC7}"/>
               </a:ext>
             </a:extLst>
           </p:cNvPr>
@@ -2524,7 +2524,7 @@
           <p:cNvPr id="3" name="Espaço Reservado para Imagem 2">
             <a:extLst>
               <a:ext uri="{FF2B5EF4-FFF2-40B4-BE49-F238E27FC236}">
-                <a16:creationId xmlns:a16="http://schemas.microsoft.com/office/drawing/2014/main" id="{77333538-E6FE-4893-B65A-B931F75FFCE6}"/>
+                <a16:creationId xmlns:a16="http://schemas.microsoft.com/office/drawing/2014/main" xmlns="" id="{77333538-E6FE-4893-B65A-B931F75FFCE6}"/>
               </a:ext>
             </a:extLst>
           </p:cNvPr>
@@ -2591,7 +2591,7 @@
           <p:cNvPr id="4" name="Espaço Reservado para Texto 3">
             <a:extLst>
               <a:ext uri="{FF2B5EF4-FFF2-40B4-BE49-F238E27FC236}">
-                <a16:creationId xmlns:a16="http://schemas.microsoft.com/office/drawing/2014/main" id="{DCD8B8DA-73FC-43EF-9934-52A69F4E1E0C}"/>
+                <a16:creationId xmlns:a16="http://schemas.microsoft.com/office/drawing/2014/main" xmlns="" id="{DCD8B8DA-73FC-43EF-9934-52A69F4E1E0C}"/>
               </a:ext>
             </a:extLst>
           </p:cNvPr>
@@ -2662,7 +2662,7 @@
           <p:cNvPr id="5" name="Espaço Reservado para Data 4">
             <a:extLst>
               <a:ext uri="{FF2B5EF4-FFF2-40B4-BE49-F238E27FC236}">
-                <a16:creationId xmlns:a16="http://schemas.microsoft.com/office/drawing/2014/main" id="{F78FC7ED-BE30-4864-864B-EC167C710A26}"/>
+                <a16:creationId xmlns:a16="http://schemas.microsoft.com/office/drawing/2014/main" xmlns="" id="{F78FC7ED-BE30-4864-864B-EC167C710A26}"/>
               </a:ext>
             </a:extLst>
           </p:cNvPr>
@@ -2680,7 +2680,7 @@
           <a:p>
             <a:fld id="{951E67F8-B24B-4D0A-9786-15B6C19B3912}" type="datetimeFigureOut">
               <a:rPr lang="pt-BR" smtClean="0"/>
-              <a:t>14/03/2021</a:t>
+              <a:t>17/03/2021</a:t>
             </a:fld>
             <a:endParaRPr lang="pt-BR"/>
           </a:p>
@@ -2691,7 +2691,7 @@
           <p:cNvPr id="6" name="Espaço Reservado para Rodapé 5">
             <a:extLst>
               <a:ext uri="{FF2B5EF4-FFF2-40B4-BE49-F238E27FC236}">
-                <a16:creationId xmlns:a16="http://schemas.microsoft.com/office/drawing/2014/main" id="{FC0F43A3-1424-49F8-9784-88612ED35F24}"/>
+                <a16:creationId xmlns:a16="http://schemas.microsoft.com/office/drawing/2014/main" xmlns="" id="{FC0F43A3-1424-49F8-9784-88612ED35F24}"/>
               </a:ext>
             </a:extLst>
           </p:cNvPr>
@@ -2716,7 +2716,7 @@
           <p:cNvPr id="7" name="Espaço Reservado para Número de Slide 6">
             <a:extLst>
               <a:ext uri="{FF2B5EF4-FFF2-40B4-BE49-F238E27FC236}">
-                <a16:creationId xmlns:a16="http://schemas.microsoft.com/office/drawing/2014/main" id="{EEFC24BD-220D-4296-9414-E1CD2A668C0F}"/>
+                <a16:creationId xmlns:a16="http://schemas.microsoft.com/office/drawing/2014/main" xmlns="" id="{EEFC24BD-220D-4296-9414-E1CD2A668C0F}"/>
               </a:ext>
             </a:extLst>
           </p:cNvPr>
@@ -2780,7 +2780,7 @@
           <p:cNvPr id="2" name="Espaço Reservado para Título 1">
             <a:extLst>
               <a:ext uri="{FF2B5EF4-FFF2-40B4-BE49-F238E27FC236}">
-                <a16:creationId xmlns:a16="http://schemas.microsoft.com/office/drawing/2014/main" id="{610C15E5-1C3C-4AEE-B13F-F952A7C67E5A}"/>
+                <a16:creationId xmlns:a16="http://schemas.microsoft.com/office/drawing/2014/main" xmlns="" id="{610C15E5-1C3C-4AEE-B13F-F952A7C67E5A}"/>
               </a:ext>
             </a:extLst>
           </p:cNvPr>
@@ -2818,7 +2818,7 @@
           <p:cNvPr id="3" name="Espaço Reservado para Texto 2">
             <a:extLst>
               <a:ext uri="{FF2B5EF4-FFF2-40B4-BE49-F238E27FC236}">
-                <a16:creationId xmlns:a16="http://schemas.microsoft.com/office/drawing/2014/main" id="{777CED18-6193-458E-9E02-41C15AC88724}"/>
+                <a16:creationId xmlns:a16="http://schemas.microsoft.com/office/drawing/2014/main" xmlns="" id="{777CED18-6193-458E-9E02-41C15AC88724}"/>
               </a:ext>
             </a:extLst>
           </p:cNvPr>
@@ -2885,7 +2885,7 @@
           <p:cNvPr id="4" name="Espaço Reservado para Data 3">
             <a:extLst>
               <a:ext uri="{FF2B5EF4-FFF2-40B4-BE49-F238E27FC236}">
-                <a16:creationId xmlns:a16="http://schemas.microsoft.com/office/drawing/2014/main" id="{6C795E5E-1AC0-4243-B102-AA7428356DAE}"/>
+                <a16:creationId xmlns:a16="http://schemas.microsoft.com/office/drawing/2014/main" xmlns="" id="{6C795E5E-1AC0-4243-B102-AA7428356DAE}"/>
               </a:ext>
             </a:extLst>
           </p:cNvPr>
@@ -2921,7 +2921,7 @@
           <a:p>
             <a:fld id="{951E67F8-B24B-4D0A-9786-15B6C19B3912}" type="datetimeFigureOut">
               <a:rPr lang="pt-BR" smtClean="0"/>
-              <a:t>14/03/2021</a:t>
+              <a:t>17/03/2021</a:t>
             </a:fld>
             <a:endParaRPr lang="pt-BR"/>
           </a:p>
@@ -2932,7 +2932,7 @@
           <p:cNvPr id="5" name="Espaço Reservado para Rodapé 4">
             <a:extLst>
               <a:ext uri="{FF2B5EF4-FFF2-40B4-BE49-F238E27FC236}">
-                <a16:creationId xmlns:a16="http://schemas.microsoft.com/office/drawing/2014/main" id="{44282249-BD84-498D-A0FF-47D912D17E30}"/>
+                <a16:creationId xmlns:a16="http://schemas.microsoft.com/office/drawing/2014/main" xmlns="" id="{44282249-BD84-498D-A0FF-47D912D17E30}"/>
               </a:ext>
             </a:extLst>
           </p:cNvPr>
@@ -2975,7 +2975,7 @@
           <p:cNvPr id="6" name="Espaço Reservado para Número de Slide 5">
             <a:extLst>
               <a:ext uri="{FF2B5EF4-FFF2-40B4-BE49-F238E27FC236}">
-                <a16:creationId xmlns:a16="http://schemas.microsoft.com/office/drawing/2014/main" id="{C6FBE80A-9DF4-45C4-95BE-6B20C9AF8839}"/>
+                <a16:creationId xmlns:a16="http://schemas.microsoft.com/office/drawing/2014/main" xmlns="" id="{C6FBE80A-9DF4-45C4-95BE-6B20C9AF8839}"/>
               </a:ext>
             </a:extLst>
           </p:cNvPr>
@@ -3343,7 +3343,7 @@
           <p:cNvPr id="78" name="CaixaDeTexto 77">
             <a:extLst>
               <a:ext uri="{FF2B5EF4-FFF2-40B4-BE49-F238E27FC236}">
-                <a16:creationId xmlns:a16="http://schemas.microsoft.com/office/drawing/2014/main" id="{F8662209-CC73-4844-98AF-25BAA8574176}"/>
+                <a16:creationId xmlns:a16="http://schemas.microsoft.com/office/drawing/2014/main" xmlns="" id="{F8662209-CC73-4844-98AF-25BAA8574176}"/>
               </a:ext>
             </a:extLst>
           </p:cNvPr>
@@ -3429,7 +3429,7 @@
           <p:cNvPr id="87" name="Imagem 86" descr="Uma imagem contendo animal, coral&#10;&#10;Descrição gerada automaticamente">
             <a:extLst>
               <a:ext uri="{FF2B5EF4-FFF2-40B4-BE49-F238E27FC236}">
-                <a16:creationId xmlns:a16="http://schemas.microsoft.com/office/drawing/2014/main" id="{79C824A1-4C8D-4573-9C44-4018A1B6C0A4}"/>
+                <a16:creationId xmlns:a16="http://schemas.microsoft.com/office/drawing/2014/main" xmlns="" id="{79C824A1-4C8D-4573-9C44-4018A1B6C0A4}"/>
               </a:ext>
             </a:extLst>
           </p:cNvPr>
@@ -3465,7 +3465,7 @@
           <p:cNvPr id="88" name="Retângulo 87">
             <a:extLst>
               <a:ext uri="{FF2B5EF4-FFF2-40B4-BE49-F238E27FC236}">
-                <a16:creationId xmlns:a16="http://schemas.microsoft.com/office/drawing/2014/main" id="{C8800477-D1CB-4ACF-8EFA-88E43DEE4EC5}"/>
+                <a16:creationId xmlns:a16="http://schemas.microsoft.com/office/drawing/2014/main" xmlns="" id="{C8800477-D1CB-4ACF-8EFA-88E43DEE4EC5}"/>
               </a:ext>
             </a:extLst>
           </p:cNvPr>
@@ -3522,13 +3522,13 @@
   <p:clrMapOvr>
     <a:masterClrMapping/>
   </p:clrMapOvr>
-  <mc:AlternateContent xmlns:mc="http://schemas.openxmlformats.org/markup-compatibility/2006" xmlns:p159="http://schemas.microsoft.com/office/powerpoint/2015/09/main">
-    <mc:Choice Requires="p159">
+  <mc:AlternateContent xmlns:mc="http://schemas.openxmlformats.org/markup-compatibility/2006">
+    <mc:Choice xmlns:p159="http://schemas.microsoft.com/office/powerpoint/2015/09/main" xmlns="" Requires="p159">
       <p:transition xmlns:p14="http://schemas.microsoft.com/office/powerpoint/2010/main" spd="slow" p14:dur="2000">
         <p159:morph option="byObject"/>
       </p:transition>
     </mc:Choice>
-    <mc:Fallback xmlns="">
+    <mc:Fallback>
       <p:transition spd="slow">
         <p:fade/>
       </p:transition>
@@ -3559,7 +3559,7 @@
           <p:cNvPr id="26" name="Retângulo: Único Canto Recortado 25">
             <a:extLst>
               <a:ext uri="{FF2B5EF4-FFF2-40B4-BE49-F238E27FC236}">
-                <a16:creationId xmlns:a16="http://schemas.microsoft.com/office/drawing/2014/main" id="{ABE2B027-E490-4DDB-84D6-CBDB98AA3E41}"/>
+                <a16:creationId xmlns:a16="http://schemas.microsoft.com/office/drawing/2014/main" xmlns="" id="{ABE2B027-E490-4DDB-84D6-CBDB98AA3E41}"/>
               </a:ext>
             </a:extLst>
           </p:cNvPr>
@@ -3608,7 +3608,7 @@
           <p:cNvPr id="30" name="CaixaDeTexto 29">
             <a:extLst>
               <a:ext uri="{FF2B5EF4-FFF2-40B4-BE49-F238E27FC236}">
-                <a16:creationId xmlns:a16="http://schemas.microsoft.com/office/drawing/2014/main" id="{C69A1F25-B230-4923-B310-5BD1F99792AC}"/>
+                <a16:creationId xmlns:a16="http://schemas.microsoft.com/office/drawing/2014/main" xmlns="" id="{C69A1F25-B230-4923-B310-5BD1F99792AC}"/>
               </a:ext>
             </a:extLst>
           </p:cNvPr>
@@ -3660,7 +3660,7 @@
           <p:cNvPr id="4" name="Fluxograma: Conector 3">
             <a:extLst>
               <a:ext uri="{FF2B5EF4-FFF2-40B4-BE49-F238E27FC236}">
-                <a16:creationId xmlns:a16="http://schemas.microsoft.com/office/drawing/2014/main" id="{3272DDE6-AD5A-4207-86D4-5FD36093EB43}"/>
+                <a16:creationId xmlns:a16="http://schemas.microsoft.com/office/drawing/2014/main" xmlns="" id="{3272DDE6-AD5A-4207-86D4-5FD36093EB43}"/>
               </a:ext>
             </a:extLst>
           </p:cNvPr>
@@ -3722,7 +3722,7 @@
           <p:cNvPr id="9" name="Conector de Seta Reta 8">
             <a:extLst>
               <a:ext uri="{FF2B5EF4-FFF2-40B4-BE49-F238E27FC236}">
-                <a16:creationId xmlns:a16="http://schemas.microsoft.com/office/drawing/2014/main" id="{D2A2D81A-7AB6-4675-9900-C1EEF7C703EE}"/>
+                <a16:creationId xmlns:a16="http://schemas.microsoft.com/office/drawing/2014/main" xmlns="" id="{D2A2D81A-7AB6-4675-9900-C1EEF7C703EE}"/>
               </a:ext>
             </a:extLst>
           </p:cNvPr>
@@ -3768,7 +3768,7 @@
           <p:cNvPr id="18" name="Seta: Circular 17">
             <a:extLst>
               <a:ext uri="{FF2B5EF4-FFF2-40B4-BE49-F238E27FC236}">
-                <a16:creationId xmlns:a16="http://schemas.microsoft.com/office/drawing/2014/main" id="{364652BC-79CA-4267-9ED7-E361A17A0443}"/>
+                <a16:creationId xmlns:a16="http://schemas.microsoft.com/office/drawing/2014/main" xmlns="" id="{364652BC-79CA-4267-9ED7-E361A17A0443}"/>
               </a:ext>
             </a:extLst>
           </p:cNvPr>
@@ -3830,7 +3830,7 @@
           <p:cNvPr id="42" name="CaixaDeTexto 41">
             <a:extLst>
               <a:ext uri="{FF2B5EF4-FFF2-40B4-BE49-F238E27FC236}">
-                <a16:creationId xmlns:a16="http://schemas.microsoft.com/office/drawing/2014/main" id="{4CF31268-74EF-49AA-8A9C-48FFAF98CCF9}"/>
+                <a16:creationId xmlns:a16="http://schemas.microsoft.com/office/drawing/2014/main" xmlns="" id="{4CF31268-74EF-49AA-8A9C-48FFAF98CCF9}"/>
               </a:ext>
             </a:extLst>
           </p:cNvPr>
@@ -3872,7 +3872,7 @@
           <p:cNvPr id="78" name="CaixaDeTexto 77">
             <a:extLst>
               <a:ext uri="{FF2B5EF4-FFF2-40B4-BE49-F238E27FC236}">
-                <a16:creationId xmlns:a16="http://schemas.microsoft.com/office/drawing/2014/main" id="{F8662209-CC73-4844-98AF-25BAA8574176}"/>
+                <a16:creationId xmlns:a16="http://schemas.microsoft.com/office/drawing/2014/main" xmlns="" id="{F8662209-CC73-4844-98AF-25BAA8574176}"/>
               </a:ext>
             </a:extLst>
           </p:cNvPr>
@@ -3918,7 +3918,7 @@
           <p:cNvPr id="80" name="Conector reto 79">
             <a:extLst>
               <a:ext uri="{FF2B5EF4-FFF2-40B4-BE49-F238E27FC236}">
-                <a16:creationId xmlns:a16="http://schemas.microsoft.com/office/drawing/2014/main" id="{73F74C92-CD30-49B2-8BEC-F84A857A515C}"/>
+                <a16:creationId xmlns:a16="http://schemas.microsoft.com/office/drawing/2014/main" xmlns="" id="{73F74C92-CD30-49B2-8BEC-F84A857A515C}"/>
               </a:ext>
             </a:extLst>
           </p:cNvPr>
@@ -3961,7 +3961,7 @@
           <p:cNvPr id="87" name="Imagem 86" descr="Uma imagem contendo animal, coral&#10;&#10;Descrição gerada automaticamente">
             <a:extLst>
               <a:ext uri="{FF2B5EF4-FFF2-40B4-BE49-F238E27FC236}">
-                <a16:creationId xmlns:a16="http://schemas.microsoft.com/office/drawing/2014/main" id="{79C824A1-4C8D-4573-9C44-4018A1B6C0A4}"/>
+                <a16:creationId xmlns:a16="http://schemas.microsoft.com/office/drawing/2014/main" xmlns="" id="{79C824A1-4C8D-4573-9C44-4018A1B6C0A4}"/>
               </a:ext>
             </a:extLst>
           </p:cNvPr>
@@ -3971,7 +3971,7 @@
           <p:nvPr/>
         </p:nvPicPr>
         <p:blipFill>
-          <a:blip r:embed="rId2">
+          <a:blip r:embed="rId2" cstate="print">
             <a:extLst>
               <a:ext uri="{28A0092B-C50C-407E-A947-70E740481C1C}">
                 <a14:useLocalDpi xmlns:a14="http://schemas.microsoft.com/office/drawing/2010/main" val="0"/>
@@ -3997,7 +3997,7 @@
           <p:cNvPr id="88" name="Retângulo 87">
             <a:extLst>
               <a:ext uri="{FF2B5EF4-FFF2-40B4-BE49-F238E27FC236}">
-                <a16:creationId xmlns:a16="http://schemas.microsoft.com/office/drawing/2014/main" id="{C8800477-D1CB-4ACF-8EFA-88E43DEE4EC5}"/>
+                <a16:creationId xmlns:a16="http://schemas.microsoft.com/office/drawing/2014/main" xmlns="" id="{C8800477-D1CB-4ACF-8EFA-88E43DEE4EC5}"/>
               </a:ext>
             </a:extLst>
           </p:cNvPr>
@@ -4049,7 +4049,7 @@
           <p:cNvPr id="21" name="Fluxograma: Conector 20">
             <a:extLst>
               <a:ext uri="{FF2B5EF4-FFF2-40B4-BE49-F238E27FC236}">
-                <a16:creationId xmlns:a16="http://schemas.microsoft.com/office/drawing/2014/main" id="{8085707A-6CAD-46C5-930A-A779AD578522}"/>
+                <a16:creationId xmlns:a16="http://schemas.microsoft.com/office/drawing/2014/main" xmlns="" id="{8085707A-6CAD-46C5-930A-A779AD578522}"/>
               </a:ext>
             </a:extLst>
           </p:cNvPr>
@@ -4111,7 +4111,7 @@
           <p:cNvPr id="24" name="Conector de Seta Reta 23">
             <a:extLst>
               <a:ext uri="{FF2B5EF4-FFF2-40B4-BE49-F238E27FC236}">
-                <a16:creationId xmlns:a16="http://schemas.microsoft.com/office/drawing/2014/main" id="{ADBA826C-D64E-4F39-825E-24C8693FA8B1}"/>
+                <a16:creationId xmlns:a16="http://schemas.microsoft.com/office/drawing/2014/main" xmlns="" id="{ADBA826C-D64E-4F39-825E-24C8693FA8B1}"/>
               </a:ext>
             </a:extLst>
           </p:cNvPr>
@@ -4157,7 +4157,7 @@
           <p:cNvPr id="22" name="Conector de Seta Reta 21">
             <a:extLst>
               <a:ext uri="{FF2B5EF4-FFF2-40B4-BE49-F238E27FC236}">
-                <a16:creationId xmlns:a16="http://schemas.microsoft.com/office/drawing/2014/main" id="{99F15100-5560-49E5-8208-A099E7044DB5}"/>
+                <a16:creationId xmlns:a16="http://schemas.microsoft.com/office/drawing/2014/main" xmlns="" id="{99F15100-5560-49E5-8208-A099E7044DB5}"/>
               </a:ext>
             </a:extLst>
           </p:cNvPr>
@@ -4202,7 +4202,7 @@
           <p:cNvPr id="25" name="CaixaDeTexto 24">
             <a:extLst>
               <a:ext uri="{FF2B5EF4-FFF2-40B4-BE49-F238E27FC236}">
-                <a16:creationId xmlns:a16="http://schemas.microsoft.com/office/drawing/2014/main" id="{242EFDF6-EACA-48A1-B26A-2D8EB9AC8CD8}"/>
+                <a16:creationId xmlns:a16="http://schemas.microsoft.com/office/drawing/2014/main" xmlns="" id="{242EFDF6-EACA-48A1-B26A-2D8EB9AC8CD8}"/>
               </a:ext>
             </a:extLst>
           </p:cNvPr>
@@ -4240,7 +4240,7 @@
           <p:cNvPr id="38" name="CaixaDeTexto 37">
             <a:extLst>
               <a:ext uri="{FF2B5EF4-FFF2-40B4-BE49-F238E27FC236}">
-                <a16:creationId xmlns:a16="http://schemas.microsoft.com/office/drawing/2014/main" id="{521A9C69-B40A-4337-871D-E6168BB79163}"/>
+                <a16:creationId xmlns:a16="http://schemas.microsoft.com/office/drawing/2014/main" xmlns="" id="{521A9C69-B40A-4337-871D-E6168BB79163}"/>
               </a:ext>
             </a:extLst>
           </p:cNvPr>
@@ -4285,7 +4285,7 @@
           <p:cNvPr id="34" name="CaixaDeTexto 33">
             <a:extLst>
               <a:ext uri="{FF2B5EF4-FFF2-40B4-BE49-F238E27FC236}">
-                <a16:creationId xmlns:a16="http://schemas.microsoft.com/office/drawing/2014/main" id="{EC2A4912-DBAF-4BB4-893B-601A84034174}"/>
+                <a16:creationId xmlns:a16="http://schemas.microsoft.com/office/drawing/2014/main" xmlns="" id="{EC2A4912-DBAF-4BB4-893B-601A84034174}"/>
               </a:ext>
             </a:extLst>
           </p:cNvPr>
@@ -4330,7 +4330,7 @@
           <p:cNvPr id="35" name="Fluxograma: Conector 34">
             <a:extLst>
               <a:ext uri="{FF2B5EF4-FFF2-40B4-BE49-F238E27FC236}">
-                <a16:creationId xmlns:a16="http://schemas.microsoft.com/office/drawing/2014/main" id="{76C37594-BBD2-4033-A68B-439C16D38817}"/>
+                <a16:creationId xmlns:a16="http://schemas.microsoft.com/office/drawing/2014/main" xmlns="" id="{76C37594-BBD2-4033-A68B-439C16D38817}"/>
               </a:ext>
             </a:extLst>
           </p:cNvPr>
@@ -4392,7 +4392,7 @@
           <p:cNvPr id="36" name="Fluxograma: Conector 35">
             <a:extLst>
               <a:ext uri="{FF2B5EF4-FFF2-40B4-BE49-F238E27FC236}">
-                <a16:creationId xmlns:a16="http://schemas.microsoft.com/office/drawing/2014/main" id="{5E5A5F35-E7A2-4C07-90BC-0810E44BA054}"/>
+                <a16:creationId xmlns:a16="http://schemas.microsoft.com/office/drawing/2014/main" xmlns="" id="{5E5A5F35-E7A2-4C07-90BC-0810E44BA054}"/>
               </a:ext>
             </a:extLst>
           </p:cNvPr>
@@ -4454,7 +4454,7 @@
           <p:cNvPr id="37" name="Fluxograma: Conector 36">
             <a:extLst>
               <a:ext uri="{FF2B5EF4-FFF2-40B4-BE49-F238E27FC236}">
-                <a16:creationId xmlns:a16="http://schemas.microsoft.com/office/drawing/2014/main" id="{71A3469C-B986-40F2-8298-E68D21283B57}"/>
+                <a16:creationId xmlns:a16="http://schemas.microsoft.com/office/drawing/2014/main" xmlns="" id="{71A3469C-B986-40F2-8298-E68D21283B57}"/>
               </a:ext>
             </a:extLst>
           </p:cNvPr>
@@ -4516,7 +4516,7 @@
           <p:cNvPr id="39" name="Conector de Seta Reta 38">
             <a:extLst>
               <a:ext uri="{FF2B5EF4-FFF2-40B4-BE49-F238E27FC236}">
-                <a16:creationId xmlns:a16="http://schemas.microsoft.com/office/drawing/2014/main" id="{32538B54-BCB9-4401-ACE8-19B7D106217F}"/>
+                <a16:creationId xmlns:a16="http://schemas.microsoft.com/office/drawing/2014/main" xmlns="" id="{32538B54-BCB9-4401-ACE8-19B7D106217F}"/>
               </a:ext>
             </a:extLst>
           </p:cNvPr>
@@ -4562,7 +4562,7 @@
           <p:cNvPr id="41" name="Conector de Seta Reta 40">
             <a:extLst>
               <a:ext uri="{FF2B5EF4-FFF2-40B4-BE49-F238E27FC236}">
-                <a16:creationId xmlns:a16="http://schemas.microsoft.com/office/drawing/2014/main" id="{3E6BB663-1BC4-44C0-9EDB-CBF4487A1652}"/>
+                <a16:creationId xmlns:a16="http://schemas.microsoft.com/office/drawing/2014/main" xmlns="" id="{3E6BB663-1BC4-44C0-9EDB-CBF4487A1652}"/>
               </a:ext>
             </a:extLst>
           </p:cNvPr>
@@ -4607,7 +4607,7 @@
           <p:cNvPr id="43" name="CaixaDeTexto 42">
             <a:extLst>
               <a:ext uri="{FF2B5EF4-FFF2-40B4-BE49-F238E27FC236}">
-                <a16:creationId xmlns:a16="http://schemas.microsoft.com/office/drawing/2014/main" id="{9916328E-93CD-45E0-B378-0CA3111070CD}"/>
+                <a16:creationId xmlns:a16="http://schemas.microsoft.com/office/drawing/2014/main" xmlns="" id="{9916328E-93CD-45E0-B378-0CA3111070CD}"/>
               </a:ext>
             </a:extLst>
           </p:cNvPr>
@@ -4652,7 +4652,7 @@
           <p:cNvPr id="45" name="Círculo: Vazio 44">
             <a:extLst>
               <a:ext uri="{FF2B5EF4-FFF2-40B4-BE49-F238E27FC236}">
-                <a16:creationId xmlns:a16="http://schemas.microsoft.com/office/drawing/2014/main" id="{46E27D34-B687-4BFF-B5C3-C4043644A7D4}"/>
+                <a16:creationId xmlns:a16="http://schemas.microsoft.com/office/drawing/2014/main" xmlns="" id="{46E27D34-B687-4BFF-B5C3-C4043644A7D4}"/>
               </a:ext>
             </a:extLst>
           </p:cNvPr>
@@ -4715,7 +4715,7 @@
           <p:cNvPr id="46" name="CaixaDeTexto 45">
             <a:extLst>
               <a:ext uri="{FF2B5EF4-FFF2-40B4-BE49-F238E27FC236}">
-                <a16:creationId xmlns:a16="http://schemas.microsoft.com/office/drawing/2014/main" id="{D5D35B9A-F6C5-42E8-85E9-864429FF219E}"/>
+                <a16:creationId xmlns:a16="http://schemas.microsoft.com/office/drawing/2014/main" xmlns="" id="{D5D35B9A-F6C5-42E8-85E9-864429FF219E}"/>
               </a:ext>
             </a:extLst>
           </p:cNvPr>
@@ -4757,7 +4757,7 @@
           <p:cNvPr id="47" name="Conector de Seta Reta 46">
             <a:extLst>
               <a:ext uri="{FF2B5EF4-FFF2-40B4-BE49-F238E27FC236}">
-                <a16:creationId xmlns:a16="http://schemas.microsoft.com/office/drawing/2014/main" id="{613A7134-2FAB-41C0-AC3C-9C72E51C010E}"/>
+                <a16:creationId xmlns:a16="http://schemas.microsoft.com/office/drawing/2014/main" xmlns="" id="{613A7134-2FAB-41C0-AC3C-9C72E51C010E}"/>
               </a:ext>
             </a:extLst>
           </p:cNvPr>
@@ -4802,7 +4802,7 @@
           <p:cNvPr id="48" name="CaixaDeTexto 47">
             <a:extLst>
               <a:ext uri="{FF2B5EF4-FFF2-40B4-BE49-F238E27FC236}">
-                <a16:creationId xmlns:a16="http://schemas.microsoft.com/office/drawing/2014/main" id="{24F8F501-A914-4E73-AA95-D8072B981B43}"/>
+                <a16:creationId xmlns:a16="http://schemas.microsoft.com/office/drawing/2014/main" xmlns="" id="{24F8F501-A914-4E73-AA95-D8072B981B43}"/>
               </a:ext>
             </a:extLst>
           </p:cNvPr>
@@ -4844,7 +4844,7 @@
           <p:cNvPr id="53" name="Fluxograma: Conector 52">
             <a:extLst>
               <a:ext uri="{FF2B5EF4-FFF2-40B4-BE49-F238E27FC236}">
-                <a16:creationId xmlns:a16="http://schemas.microsoft.com/office/drawing/2014/main" id="{03F10EB5-F5D4-41A7-A229-B611ACF6FF82}"/>
+                <a16:creationId xmlns:a16="http://schemas.microsoft.com/office/drawing/2014/main" xmlns="" id="{03F10EB5-F5D4-41A7-A229-B611ACF6FF82}"/>
               </a:ext>
             </a:extLst>
           </p:cNvPr>
@@ -4948,7 +4948,7 @@
           <p:cNvPr id="31" name="Retângulo: Único Canto Recortado 30">
             <a:extLst>
               <a:ext uri="{FF2B5EF4-FFF2-40B4-BE49-F238E27FC236}">
-                <a16:creationId xmlns:a16="http://schemas.microsoft.com/office/drawing/2014/main" id="{CCEAD134-E1E8-4B32-A271-8CF5EB8F010B}"/>
+                <a16:creationId xmlns:a16="http://schemas.microsoft.com/office/drawing/2014/main" xmlns="" id="{CCEAD134-E1E8-4B32-A271-8CF5EB8F010B}"/>
               </a:ext>
             </a:extLst>
           </p:cNvPr>
@@ -4997,7 +4997,7 @@
           <p:cNvPr id="32" name="CaixaDeTexto 31">
             <a:extLst>
               <a:ext uri="{FF2B5EF4-FFF2-40B4-BE49-F238E27FC236}">
-                <a16:creationId xmlns:a16="http://schemas.microsoft.com/office/drawing/2014/main" id="{6DBEF09E-B0C5-4EC7-B950-6E002034B9B2}"/>
+                <a16:creationId xmlns:a16="http://schemas.microsoft.com/office/drawing/2014/main" xmlns="" id="{6DBEF09E-B0C5-4EC7-B950-6E002034B9B2}"/>
               </a:ext>
             </a:extLst>
           </p:cNvPr>
@@ -5049,7 +5049,7 @@
           <p:cNvPr id="4" name="Fluxograma: Conector 3">
             <a:extLst>
               <a:ext uri="{FF2B5EF4-FFF2-40B4-BE49-F238E27FC236}">
-                <a16:creationId xmlns:a16="http://schemas.microsoft.com/office/drawing/2014/main" id="{3272DDE6-AD5A-4207-86D4-5FD36093EB43}"/>
+                <a16:creationId xmlns:a16="http://schemas.microsoft.com/office/drawing/2014/main" xmlns="" id="{3272DDE6-AD5A-4207-86D4-5FD36093EB43}"/>
               </a:ext>
             </a:extLst>
           </p:cNvPr>
@@ -5111,7 +5111,7 @@
           <p:cNvPr id="9" name="Conector de Seta Reta 8">
             <a:extLst>
               <a:ext uri="{FF2B5EF4-FFF2-40B4-BE49-F238E27FC236}">
-                <a16:creationId xmlns:a16="http://schemas.microsoft.com/office/drawing/2014/main" id="{D2A2D81A-7AB6-4675-9900-C1EEF7C703EE}"/>
+                <a16:creationId xmlns:a16="http://schemas.microsoft.com/office/drawing/2014/main" xmlns="" id="{D2A2D81A-7AB6-4675-9900-C1EEF7C703EE}"/>
               </a:ext>
             </a:extLst>
           </p:cNvPr>
@@ -5157,7 +5157,7 @@
           <p:cNvPr id="18" name="Seta: Circular 17">
             <a:extLst>
               <a:ext uri="{FF2B5EF4-FFF2-40B4-BE49-F238E27FC236}">
-                <a16:creationId xmlns:a16="http://schemas.microsoft.com/office/drawing/2014/main" id="{364652BC-79CA-4267-9ED7-E361A17A0443}"/>
+                <a16:creationId xmlns:a16="http://schemas.microsoft.com/office/drawing/2014/main" xmlns="" id="{364652BC-79CA-4267-9ED7-E361A17A0443}"/>
               </a:ext>
             </a:extLst>
           </p:cNvPr>
@@ -5219,7 +5219,7 @@
           <p:cNvPr id="42" name="CaixaDeTexto 41">
             <a:extLst>
               <a:ext uri="{FF2B5EF4-FFF2-40B4-BE49-F238E27FC236}">
-                <a16:creationId xmlns:a16="http://schemas.microsoft.com/office/drawing/2014/main" id="{4CF31268-74EF-49AA-8A9C-48FFAF98CCF9}"/>
+                <a16:creationId xmlns:a16="http://schemas.microsoft.com/office/drawing/2014/main" xmlns="" id="{4CF31268-74EF-49AA-8A9C-48FFAF98CCF9}"/>
               </a:ext>
             </a:extLst>
           </p:cNvPr>
@@ -5261,7 +5261,7 @@
           <p:cNvPr id="78" name="CaixaDeTexto 77">
             <a:extLst>
               <a:ext uri="{FF2B5EF4-FFF2-40B4-BE49-F238E27FC236}">
-                <a16:creationId xmlns:a16="http://schemas.microsoft.com/office/drawing/2014/main" id="{F8662209-CC73-4844-98AF-25BAA8574176}"/>
+                <a16:creationId xmlns:a16="http://schemas.microsoft.com/office/drawing/2014/main" xmlns="" id="{F8662209-CC73-4844-98AF-25BAA8574176}"/>
               </a:ext>
             </a:extLst>
           </p:cNvPr>
@@ -5318,7 +5318,7 @@
           <p:cNvPr id="80" name="Conector reto 79">
             <a:extLst>
               <a:ext uri="{FF2B5EF4-FFF2-40B4-BE49-F238E27FC236}">
-                <a16:creationId xmlns:a16="http://schemas.microsoft.com/office/drawing/2014/main" id="{73F74C92-CD30-49B2-8BEC-F84A857A515C}"/>
+                <a16:creationId xmlns:a16="http://schemas.microsoft.com/office/drawing/2014/main" xmlns="" id="{73F74C92-CD30-49B2-8BEC-F84A857A515C}"/>
               </a:ext>
             </a:extLst>
           </p:cNvPr>
@@ -5361,7 +5361,7 @@
           <p:cNvPr id="87" name="Imagem 86" descr="Uma imagem contendo animal, coral&#10;&#10;Descrição gerada automaticamente">
             <a:extLst>
               <a:ext uri="{FF2B5EF4-FFF2-40B4-BE49-F238E27FC236}">
-                <a16:creationId xmlns:a16="http://schemas.microsoft.com/office/drawing/2014/main" id="{79C824A1-4C8D-4573-9C44-4018A1B6C0A4}"/>
+                <a16:creationId xmlns:a16="http://schemas.microsoft.com/office/drawing/2014/main" xmlns="" id="{79C824A1-4C8D-4573-9C44-4018A1B6C0A4}"/>
               </a:ext>
             </a:extLst>
           </p:cNvPr>
@@ -5371,7 +5371,7 @@
           <p:nvPr/>
         </p:nvPicPr>
         <p:blipFill>
-          <a:blip r:embed="rId2">
+          <a:blip r:embed="rId2" cstate="print">
             <a:extLst>
               <a:ext uri="{28A0092B-C50C-407E-A947-70E740481C1C}">
                 <a14:useLocalDpi xmlns:a14="http://schemas.microsoft.com/office/drawing/2010/main" val="0"/>
@@ -5397,7 +5397,7 @@
           <p:cNvPr id="88" name="Retângulo 87">
             <a:extLst>
               <a:ext uri="{FF2B5EF4-FFF2-40B4-BE49-F238E27FC236}">
-                <a16:creationId xmlns:a16="http://schemas.microsoft.com/office/drawing/2014/main" id="{C8800477-D1CB-4ACF-8EFA-88E43DEE4EC5}"/>
+                <a16:creationId xmlns:a16="http://schemas.microsoft.com/office/drawing/2014/main" xmlns="" id="{C8800477-D1CB-4ACF-8EFA-88E43DEE4EC5}"/>
               </a:ext>
             </a:extLst>
           </p:cNvPr>
@@ -5449,7 +5449,7 @@
           <p:cNvPr id="21" name="Fluxograma: Conector 20">
             <a:extLst>
               <a:ext uri="{FF2B5EF4-FFF2-40B4-BE49-F238E27FC236}">
-                <a16:creationId xmlns:a16="http://schemas.microsoft.com/office/drawing/2014/main" id="{8085707A-6CAD-46C5-930A-A779AD578522}"/>
+                <a16:creationId xmlns:a16="http://schemas.microsoft.com/office/drawing/2014/main" xmlns="" id="{8085707A-6CAD-46C5-930A-A779AD578522}"/>
               </a:ext>
             </a:extLst>
           </p:cNvPr>
@@ -5511,7 +5511,7 @@
           <p:cNvPr id="24" name="Conector de Seta Reta 23">
             <a:extLst>
               <a:ext uri="{FF2B5EF4-FFF2-40B4-BE49-F238E27FC236}">
-                <a16:creationId xmlns:a16="http://schemas.microsoft.com/office/drawing/2014/main" id="{ADBA826C-D64E-4F39-825E-24C8693FA8B1}"/>
+                <a16:creationId xmlns:a16="http://schemas.microsoft.com/office/drawing/2014/main" xmlns="" id="{ADBA826C-D64E-4F39-825E-24C8693FA8B1}"/>
               </a:ext>
             </a:extLst>
           </p:cNvPr>
@@ -5556,7 +5556,7 @@
           <p:cNvPr id="22" name="Conector de Seta Reta 21">
             <a:extLst>
               <a:ext uri="{FF2B5EF4-FFF2-40B4-BE49-F238E27FC236}">
-                <a16:creationId xmlns:a16="http://schemas.microsoft.com/office/drawing/2014/main" id="{99F15100-5560-49E5-8208-A099E7044DB5}"/>
+                <a16:creationId xmlns:a16="http://schemas.microsoft.com/office/drawing/2014/main" xmlns="" id="{99F15100-5560-49E5-8208-A099E7044DB5}"/>
               </a:ext>
             </a:extLst>
           </p:cNvPr>
@@ -5601,7 +5601,7 @@
           <p:cNvPr id="25" name="CaixaDeTexto 24">
             <a:extLst>
               <a:ext uri="{FF2B5EF4-FFF2-40B4-BE49-F238E27FC236}">
-                <a16:creationId xmlns:a16="http://schemas.microsoft.com/office/drawing/2014/main" id="{242EFDF6-EACA-48A1-B26A-2D8EB9AC8CD8}"/>
+                <a16:creationId xmlns:a16="http://schemas.microsoft.com/office/drawing/2014/main" xmlns="" id="{242EFDF6-EACA-48A1-B26A-2D8EB9AC8CD8}"/>
               </a:ext>
             </a:extLst>
           </p:cNvPr>
@@ -5639,7 +5639,7 @@
           <p:cNvPr id="38" name="CaixaDeTexto 37">
             <a:extLst>
               <a:ext uri="{FF2B5EF4-FFF2-40B4-BE49-F238E27FC236}">
-                <a16:creationId xmlns:a16="http://schemas.microsoft.com/office/drawing/2014/main" id="{521A9C69-B40A-4337-871D-E6168BB79163}"/>
+                <a16:creationId xmlns:a16="http://schemas.microsoft.com/office/drawing/2014/main" xmlns="" id="{521A9C69-B40A-4337-871D-E6168BB79163}"/>
               </a:ext>
             </a:extLst>
           </p:cNvPr>
@@ -5684,7 +5684,7 @@
           <p:cNvPr id="34" name="CaixaDeTexto 33">
             <a:extLst>
               <a:ext uri="{FF2B5EF4-FFF2-40B4-BE49-F238E27FC236}">
-                <a16:creationId xmlns:a16="http://schemas.microsoft.com/office/drawing/2014/main" id="{EC2A4912-DBAF-4BB4-893B-601A84034174}"/>
+                <a16:creationId xmlns:a16="http://schemas.microsoft.com/office/drawing/2014/main" xmlns="" id="{EC2A4912-DBAF-4BB4-893B-601A84034174}"/>
               </a:ext>
             </a:extLst>
           </p:cNvPr>
@@ -5729,7 +5729,7 @@
           <p:cNvPr id="36" name="Fluxograma: Conector 35">
             <a:extLst>
               <a:ext uri="{FF2B5EF4-FFF2-40B4-BE49-F238E27FC236}">
-                <a16:creationId xmlns:a16="http://schemas.microsoft.com/office/drawing/2014/main" id="{5E5A5F35-E7A2-4C07-90BC-0810E44BA054}"/>
+                <a16:creationId xmlns:a16="http://schemas.microsoft.com/office/drawing/2014/main" xmlns="" id="{5E5A5F35-E7A2-4C07-90BC-0810E44BA054}"/>
               </a:ext>
             </a:extLst>
           </p:cNvPr>
@@ -5791,7 +5791,7 @@
           <p:cNvPr id="46" name="CaixaDeTexto 45">
             <a:extLst>
               <a:ext uri="{FF2B5EF4-FFF2-40B4-BE49-F238E27FC236}">
-                <a16:creationId xmlns:a16="http://schemas.microsoft.com/office/drawing/2014/main" id="{D5D35B9A-F6C5-42E8-85E9-864429FF219E}"/>
+                <a16:creationId xmlns:a16="http://schemas.microsoft.com/office/drawing/2014/main" xmlns="" id="{D5D35B9A-F6C5-42E8-85E9-864429FF219E}"/>
               </a:ext>
             </a:extLst>
           </p:cNvPr>
@@ -5833,7 +5833,7 @@
           <p:cNvPr id="33" name="Círculo: Vazio 32">
             <a:extLst>
               <a:ext uri="{FF2B5EF4-FFF2-40B4-BE49-F238E27FC236}">
-                <a16:creationId xmlns:a16="http://schemas.microsoft.com/office/drawing/2014/main" id="{DEC98BB9-6AA7-4D90-9210-A0A6123BEC44}"/>
+                <a16:creationId xmlns:a16="http://schemas.microsoft.com/office/drawing/2014/main" xmlns="" id="{DEC98BB9-6AA7-4D90-9210-A0A6123BEC44}"/>
               </a:ext>
             </a:extLst>
           </p:cNvPr>
@@ -5896,7 +5896,7 @@
           <p:cNvPr id="40" name="Seta: Circular 39">
             <a:extLst>
               <a:ext uri="{FF2B5EF4-FFF2-40B4-BE49-F238E27FC236}">
-                <a16:creationId xmlns:a16="http://schemas.microsoft.com/office/drawing/2014/main" id="{9ED255A9-38CE-4408-904A-7E1529F03991}"/>
+                <a16:creationId xmlns:a16="http://schemas.microsoft.com/office/drawing/2014/main" xmlns="" id="{9ED255A9-38CE-4408-904A-7E1529F03991}"/>
               </a:ext>
             </a:extLst>
           </p:cNvPr>
@@ -5963,13 +5963,13 @@
   <p:clrMapOvr>
     <a:masterClrMapping/>
   </p:clrMapOvr>
-  <mc:AlternateContent xmlns:mc="http://schemas.openxmlformats.org/markup-compatibility/2006">
-    <mc:Choice xmlns:p14="http://schemas.microsoft.com/office/powerpoint/2010/main" Requires="p14">
+  <mc:AlternateContent xmlns:mc="http://schemas.openxmlformats.org/markup-compatibility/2006" xmlns:p14="http://schemas.microsoft.com/office/powerpoint/2010/main">
+    <mc:Choice Requires="p14">
       <p:transition spd="med" p14:dur="700">
         <p:fade/>
       </p:transition>
     </mc:Choice>
-    <mc:Fallback>
+    <mc:Fallback xmlns="">
       <p:transition spd="med">
         <p:fade/>
       </p:transition>
@@ -6000,7 +6000,7 @@
           <p:cNvPr id="4" name="Fluxograma: Conector 3">
             <a:extLst>
               <a:ext uri="{FF2B5EF4-FFF2-40B4-BE49-F238E27FC236}">
-                <a16:creationId xmlns:a16="http://schemas.microsoft.com/office/drawing/2014/main" id="{3272DDE6-AD5A-4207-86D4-5FD36093EB43}"/>
+                <a16:creationId xmlns:a16="http://schemas.microsoft.com/office/drawing/2014/main" xmlns="" id="{3272DDE6-AD5A-4207-86D4-5FD36093EB43}"/>
               </a:ext>
             </a:extLst>
           </p:cNvPr>
@@ -6062,7 +6062,7 @@
           <p:cNvPr id="9" name="Conector de Seta Reta 8">
             <a:extLst>
               <a:ext uri="{FF2B5EF4-FFF2-40B4-BE49-F238E27FC236}">
-                <a16:creationId xmlns:a16="http://schemas.microsoft.com/office/drawing/2014/main" id="{D2A2D81A-7AB6-4675-9900-C1EEF7C703EE}"/>
+                <a16:creationId xmlns:a16="http://schemas.microsoft.com/office/drawing/2014/main" xmlns="" id="{D2A2D81A-7AB6-4675-9900-C1EEF7C703EE}"/>
               </a:ext>
             </a:extLst>
           </p:cNvPr>
@@ -6108,7 +6108,7 @@
           <p:cNvPr id="18" name="Seta: Circular 17">
             <a:extLst>
               <a:ext uri="{FF2B5EF4-FFF2-40B4-BE49-F238E27FC236}">
-                <a16:creationId xmlns:a16="http://schemas.microsoft.com/office/drawing/2014/main" id="{364652BC-79CA-4267-9ED7-E361A17A0443}"/>
+                <a16:creationId xmlns:a16="http://schemas.microsoft.com/office/drawing/2014/main" xmlns="" id="{364652BC-79CA-4267-9ED7-E361A17A0443}"/>
               </a:ext>
             </a:extLst>
           </p:cNvPr>
@@ -6170,7 +6170,7 @@
           <p:cNvPr id="42" name="CaixaDeTexto 41">
             <a:extLst>
               <a:ext uri="{FF2B5EF4-FFF2-40B4-BE49-F238E27FC236}">
-                <a16:creationId xmlns:a16="http://schemas.microsoft.com/office/drawing/2014/main" id="{4CF31268-74EF-49AA-8A9C-48FFAF98CCF9}"/>
+                <a16:creationId xmlns:a16="http://schemas.microsoft.com/office/drawing/2014/main" xmlns="" id="{4CF31268-74EF-49AA-8A9C-48FFAF98CCF9}"/>
               </a:ext>
             </a:extLst>
           </p:cNvPr>
@@ -6212,7 +6212,7 @@
           <p:cNvPr id="78" name="CaixaDeTexto 77">
             <a:extLst>
               <a:ext uri="{FF2B5EF4-FFF2-40B4-BE49-F238E27FC236}">
-                <a16:creationId xmlns:a16="http://schemas.microsoft.com/office/drawing/2014/main" id="{F8662209-CC73-4844-98AF-25BAA8574176}"/>
+                <a16:creationId xmlns:a16="http://schemas.microsoft.com/office/drawing/2014/main" xmlns="" id="{F8662209-CC73-4844-98AF-25BAA8574176}"/>
               </a:ext>
             </a:extLst>
           </p:cNvPr>
@@ -6283,7 +6283,7 @@
           <p:cNvPr id="80" name="Conector reto 79">
             <a:extLst>
               <a:ext uri="{FF2B5EF4-FFF2-40B4-BE49-F238E27FC236}">
-                <a16:creationId xmlns:a16="http://schemas.microsoft.com/office/drawing/2014/main" id="{73F74C92-CD30-49B2-8BEC-F84A857A515C}"/>
+                <a16:creationId xmlns:a16="http://schemas.microsoft.com/office/drawing/2014/main" xmlns="" id="{73F74C92-CD30-49B2-8BEC-F84A857A515C}"/>
               </a:ext>
             </a:extLst>
           </p:cNvPr>
@@ -6326,7 +6326,7 @@
           <p:cNvPr id="87" name="Imagem 86" descr="Uma imagem contendo animal, coral&#10;&#10;Descrição gerada automaticamente">
             <a:extLst>
               <a:ext uri="{FF2B5EF4-FFF2-40B4-BE49-F238E27FC236}">
-                <a16:creationId xmlns:a16="http://schemas.microsoft.com/office/drawing/2014/main" id="{79C824A1-4C8D-4573-9C44-4018A1B6C0A4}"/>
+                <a16:creationId xmlns:a16="http://schemas.microsoft.com/office/drawing/2014/main" xmlns="" id="{79C824A1-4C8D-4573-9C44-4018A1B6C0A4}"/>
               </a:ext>
             </a:extLst>
           </p:cNvPr>
@@ -6336,7 +6336,7 @@
           <p:nvPr/>
         </p:nvPicPr>
         <p:blipFill>
-          <a:blip r:embed="rId2">
+          <a:blip r:embed="rId2" cstate="print">
             <a:extLst>
               <a:ext uri="{28A0092B-C50C-407E-A947-70E740481C1C}">
                 <a14:useLocalDpi xmlns:a14="http://schemas.microsoft.com/office/drawing/2010/main" val="0"/>
@@ -6362,7 +6362,7 @@
           <p:cNvPr id="88" name="Retângulo 87">
             <a:extLst>
               <a:ext uri="{FF2B5EF4-FFF2-40B4-BE49-F238E27FC236}">
-                <a16:creationId xmlns:a16="http://schemas.microsoft.com/office/drawing/2014/main" id="{C8800477-D1CB-4ACF-8EFA-88E43DEE4EC5}"/>
+                <a16:creationId xmlns:a16="http://schemas.microsoft.com/office/drawing/2014/main" xmlns="" id="{C8800477-D1CB-4ACF-8EFA-88E43DEE4EC5}"/>
               </a:ext>
             </a:extLst>
           </p:cNvPr>
@@ -6414,7 +6414,7 @@
           <p:cNvPr id="38" name="CaixaDeTexto 37">
             <a:extLst>
               <a:ext uri="{FF2B5EF4-FFF2-40B4-BE49-F238E27FC236}">
-                <a16:creationId xmlns:a16="http://schemas.microsoft.com/office/drawing/2014/main" id="{521A9C69-B40A-4337-871D-E6168BB79163}"/>
+                <a16:creationId xmlns:a16="http://schemas.microsoft.com/office/drawing/2014/main" xmlns="" id="{521A9C69-B40A-4337-871D-E6168BB79163}"/>
               </a:ext>
             </a:extLst>
           </p:cNvPr>
@@ -6459,7 +6459,7 @@
           <p:cNvPr id="31" name="Fluxograma: Conector 30">
             <a:extLst>
               <a:ext uri="{FF2B5EF4-FFF2-40B4-BE49-F238E27FC236}">
-                <a16:creationId xmlns:a16="http://schemas.microsoft.com/office/drawing/2014/main" id="{D5D23B87-A469-407F-AA69-95AE7CF2CA2D}"/>
+                <a16:creationId xmlns:a16="http://schemas.microsoft.com/office/drawing/2014/main" xmlns="" id="{D5D23B87-A469-407F-AA69-95AE7CF2CA2D}"/>
               </a:ext>
             </a:extLst>
           </p:cNvPr>
@@ -6563,7 +6563,7 @@
           <p:cNvPr id="78" name="CaixaDeTexto 77">
             <a:extLst>
               <a:ext uri="{FF2B5EF4-FFF2-40B4-BE49-F238E27FC236}">
-                <a16:creationId xmlns:a16="http://schemas.microsoft.com/office/drawing/2014/main" id="{F8662209-CC73-4844-98AF-25BAA8574176}"/>
+                <a16:creationId xmlns:a16="http://schemas.microsoft.com/office/drawing/2014/main" xmlns="" id="{F8662209-CC73-4844-98AF-25BAA8574176}"/>
               </a:ext>
             </a:extLst>
           </p:cNvPr>
@@ -6606,7 +6606,7 @@
           <p:cNvPr id="80" name="Conector reto 79">
             <a:extLst>
               <a:ext uri="{FF2B5EF4-FFF2-40B4-BE49-F238E27FC236}">
-                <a16:creationId xmlns:a16="http://schemas.microsoft.com/office/drawing/2014/main" id="{73F74C92-CD30-49B2-8BEC-F84A857A515C}"/>
+                <a16:creationId xmlns:a16="http://schemas.microsoft.com/office/drawing/2014/main" xmlns="" id="{73F74C92-CD30-49B2-8BEC-F84A857A515C}"/>
               </a:ext>
             </a:extLst>
           </p:cNvPr>
@@ -6649,7 +6649,7 @@
           <p:cNvPr id="87" name="Imagem 86" descr="Uma imagem contendo animal, coral&#10;&#10;Descrição gerada automaticamente">
             <a:extLst>
               <a:ext uri="{FF2B5EF4-FFF2-40B4-BE49-F238E27FC236}">
-                <a16:creationId xmlns:a16="http://schemas.microsoft.com/office/drawing/2014/main" id="{79C824A1-4C8D-4573-9C44-4018A1B6C0A4}"/>
+                <a16:creationId xmlns:a16="http://schemas.microsoft.com/office/drawing/2014/main" xmlns="" id="{79C824A1-4C8D-4573-9C44-4018A1B6C0A4}"/>
               </a:ext>
             </a:extLst>
           </p:cNvPr>
@@ -6659,7 +6659,7 @@
           <p:nvPr/>
         </p:nvPicPr>
         <p:blipFill>
-          <a:blip r:embed="rId2">
+          <a:blip r:embed="rId2" cstate="print">
             <a:extLst>
               <a:ext uri="{28A0092B-C50C-407E-A947-70E740481C1C}">
                 <a14:useLocalDpi xmlns:a14="http://schemas.microsoft.com/office/drawing/2010/main" val="0"/>
@@ -6685,7 +6685,7 @@
           <p:cNvPr id="88" name="Retângulo 87">
             <a:extLst>
               <a:ext uri="{FF2B5EF4-FFF2-40B4-BE49-F238E27FC236}">
-                <a16:creationId xmlns:a16="http://schemas.microsoft.com/office/drawing/2014/main" id="{C8800477-D1CB-4ACF-8EFA-88E43DEE4EC5}"/>
+                <a16:creationId xmlns:a16="http://schemas.microsoft.com/office/drawing/2014/main" xmlns="" id="{C8800477-D1CB-4ACF-8EFA-88E43DEE4EC5}"/>
               </a:ext>
             </a:extLst>
           </p:cNvPr>
@@ -6737,7 +6737,7 @@
           <p:cNvPr id="2" name="Tabela 2">
             <a:extLst>
               <a:ext uri="{FF2B5EF4-FFF2-40B4-BE49-F238E27FC236}">
-                <a16:creationId xmlns:a16="http://schemas.microsoft.com/office/drawing/2014/main" id="{AB9678CA-6416-4141-8A97-E099A2E1C0D7}"/>
+                <a16:creationId xmlns:a16="http://schemas.microsoft.com/office/drawing/2014/main" xmlns="" id="{AB9678CA-6416-4141-8A97-E099A2E1C0D7}"/>
               </a:ext>
             </a:extLst>
           </p:cNvPr>
@@ -6766,21 +6766,21 @@
                 <a:gridCol w="715321">
                   <a:extLst>
                     <a:ext uri="{9D8B030D-6E8A-4147-A177-3AD203B41FA5}">
-                      <a16:colId xmlns:a16="http://schemas.microsoft.com/office/drawing/2014/main" val="2043689713"/>
+                      <a16:colId xmlns:a16="http://schemas.microsoft.com/office/drawing/2014/main" xmlns="" val="2043689713"/>
                     </a:ext>
                   </a:extLst>
                 </a:gridCol>
                 <a:gridCol w="2179290">
                   <a:extLst>
                     <a:ext uri="{9D8B030D-6E8A-4147-A177-3AD203B41FA5}">
-                      <a16:colId xmlns:a16="http://schemas.microsoft.com/office/drawing/2014/main" val="3855636959"/>
+                      <a16:colId xmlns:a16="http://schemas.microsoft.com/office/drawing/2014/main" xmlns="" val="3855636959"/>
                     </a:ext>
                   </a:extLst>
                 </a:gridCol>
                 <a:gridCol w="7955720">
                   <a:extLst>
                     <a:ext uri="{9D8B030D-6E8A-4147-A177-3AD203B41FA5}">
-                      <a16:colId xmlns:a16="http://schemas.microsoft.com/office/drawing/2014/main" val="410480492"/>
+                      <a16:colId xmlns:a16="http://schemas.microsoft.com/office/drawing/2014/main" xmlns="" val="410480492"/>
                     </a:ext>
                   </a:extLst>
                 </a:gridCol>
@@ -6830,7 +6830,7 @@
                 </a:tc>
                 <a:extLst>
                   <a:ext uri="{0D108BD9-81ED-4DB2-BD59-A6C34878D82A}">
-                    <a16:rowId xmlns:a16="http://schemas.microsoft.com/office/drawing/2014/main" val="1058233801"/>
+                    <a16:rowId xmlns:a16="http://schemas.microsoft.com/office/drawing/2014/main" xmlns="" val="1058233801"/>
                   </a:ext>
                 </a:extLst>
               </a:tr>
@@ -6921,7 +6921,7 @@
                 </a:tc>
                 <a:extLst>
                   <a:ext uri="{0D108BD9-81ED-4DB2-BD59-A6C34878D82A}">
-                    <a16:rowId xmlns:a16="http://schemas.microsoft.com/office/drawing/2014/main" val="1691059939"/>
+                    <a16:rowId xmlns:a16="http://schemas.microsoft.com/office/drawing/2014/main" xmlns="" val="1691059939"/>
                   </a:ext>
                 </a:extLst>
               </a:tr>
@@ -6976,7 +6976,7 @@
                 </a:tc>
                 <a:extLst>
                   <a:ext uri="{0D108BD9-81ED-4DB2-BD59-A6C34878D82A}">
-                    <a16:rowId xmlns:a16="http://schemas.microsoft.com/office/drawing/2014/main" val="4245011894"/>
+                    <a16:rowId xmlns:a16="http://schemas.microsoft.com/office/drawing/2014/main" xmlns="" val="4245011894"/>
                   </a:ext>
                 </a:extLst>
               </a:tr>
@@ -7032,7 +7032,7 @@
                 </a:tc>
                 <a:extLst>
                   <a:ext uri="{0D108BD9-81ED-4DB2-BD59-A6C34878D82A}">
-                    <a16:rowId xmlns:a16="http://schemas.microsoft.com/office/drawing/2014/main" val="3373888963"/>
+                    <a16:rowId xmlns:a16="http://schemas.microsoft.com/office/drawing/2014/main" xmlns="" val="3373888963"/>
                   </a:ext>
                 </a:extLst>
               </a:tr>
@@ -7115,7 +7115,7 @@
                 </a:tc>
                 <a:extLst>
                   <a:ext uri="{0D108BD9-81ED-4DB2-BD59-A6C34878D82A}">
-                    <a16:rowId xmlns:a16="http://schemas.microsoft.com/office/drawing/2014/main" val="1377226683"/>
+                    <a16:rowId xmlns:a16="http://schemas.microsoft.com/office/drawing/2014/main" xmlns="" val="1377226683"/>
                   </a:ext>
                 </a:extLst>
               </a:tr>
@@ -7171,7 +7171,7 @@
                 </a:tc>
                 <a:extLst>
                   <a:ext uri="{0D108BD9-81ED-4DB2-BD59-A6C34878D82A}">
-                    <a16:rowId xmlns:a16="http://schemas.microsoft.com/office/drawing/2014/main" val="4268883850"/>
+                    <a16:rowId xmlns:a16="http://schemas.microsoft.com/office/drawing/2014/main" xmlns="" val="4268883850"/>
                   </a:ext>
                 </a:extLst>
               </a:tr>
@@ -7244,7 +7244,7 @@
                 </a:tc>
                 <a:extLst>
                   <a:ext uri="{0D108BD9-81ED-4DB2-BD59-A6C34878D82A}">
-                    <a16:rowId xmlns:a16="http://schemas.microsoft.com/office/drawing/2014/main" val="2636009454"/>
+                    <a16:rowId xmlns:a16="http://schemas.microsoft.com/office/drawing/2014/main" xmlns="" val="2636009454"/>
                   </a:ext>
                 </a:extLst>
               </a:tr>
@@ -7317,7 +7317,7 @@
                 </a:tc>
                 <a:extLst>
                   <a:ext uri="{0D108BD9-81ED-4DB2-BD59-A6C34878D82A}">
-                    <a16:rowId xmlns:a16="http://schemas.microsoft.com/office/drawing/2014/main" val="44677869"/>
+                    <a16:rowId xmlns:a16="http://schemas.microsoft.com/office/drawing/2014/main" xmlns="" val="44677869"/>
                   </a:ext>
                 </a:extLst>
               </a:tr>
@@ -7372,7 +7372,7 @@
           <p:cNvPr id="76" name="Retângulo: Único Canto Recortado 75">
             <a:extLst>
               <a:ext uri="{FF2B5EF4-FFF2-40B4-BE49-F238E27FC236}">
-                <a16:creationId xmlns:a16="http://schemas.microsoft.com/office/drawing/2014/main" id="{D9443C8E-E977-429C-A77E-673E83DAC037}"/>
+                <a16:creationId xmlns:a16="http://schemas.microsoft.com/office/drawing/2014/main" xmlns="" id="{D9443C8E-E977-429C-A77E-673E83DAC037}"/>
               </a:ext>
             </a:extLst>
           </p:cNvPr>
@@ -7421,7 +7421,7 @@
           <p:cNvPr id="69" name="Retângulo: Único Canto Recortado 68">
             <a:extLst>
               <a:ext uri="{FF2B5EF4-FFF2-40B4-BE49-F238E27FC236}">
-                <a16:creationId xmlns:a16="http://schemas.microsoft.com/office/drawing/2014/main" id="{783C8D63-0708-47DF-B1AC-5F54E9B26435}"/>
+                <a16:creationId xmlns:a16="http://schemas.microsoft.com/office/drawing/2014/main" xmlns="" id="{783C8D63-0708-47DF-B1AC-5F54E9B26435}"/>
               </a:ext>
             </a:extLst>
           </p:cNvPr>
@@ -7470,7 +7470,7 @@
           <p:cNvPr id="68" name="CaixaDeTexto 67">
             <a:extLst>
               <a:ext uri="{FF2B5EF4-FFF2-40B4-BE49-F238E27FC236}">
-                <a16:creationId xmlns:a16="http://schemas.microsoft.com/office/drawing/2014/main" id="{48DF54F8-43CF-44E9-85E4-646DD4EFC65D}"/>
+                <a16:creationId xmlns:a16="http://schemas.microsoft.com/office/drawing/2014/main" xmlns="" id="{48DF54F8-43CF-44E9-85E4-646DD4EFC65D}"/>
               </a:ext>
             </a:extLst>
           </p:cNvPr>
@@ -7522,7 +7522,7 @@
           <p:cNvPr id="4" name="Fluxograma: Conector 3">
             <a:extLst>
               <a:ext uri="{FF2B5EF4-FFF2-40B4-BE49-F238E27FC236}">
-                <a16:creationId xmlns:a16="http://schemas.microsoft.com/office/drawing/2014/main" id="{3272DDE6-AD5A-4207-86D4-5FD36093EB43}"/>
+                <a16:creationId xmlns:a16="http://schemas.microsoft.com/office/drawing/2014/main" xmlns="" id="{3272DDE6-AD5A-4207-86D4-5FD36093EB43}"/>
               </a:ext>
             </a:extLst>
           </p:cNvPr>
@@ -7584,7 +7584,7 @@
           <p:cNvPr id="7" name="Fluxograma: Conector 6">
             <a:extLst>
               <a:ext uri="{FF2B5EF4-FFF2-40B4-BE49-F238E27FC236}">
-                <a16:creationId xmlns:a16="http://schemas.microsoft.com/office/drawing/2014/main" id="{9418CAFE-35DA-463C-83B9-D627DFACBE69}"/>
+                <a16:creationId xmlns:a16="http://schemas.microsoft.com/office/drawing/2014/main" xmlns="" id="{9418CAFE-35DA-463C-83B9-D627DFACBE69}"/>
               </a:ext>
             </a:extLst>
           </p:cNvPr>
@@ -7646,7 +7646,7 @@
           <p:cNvPr id="9" name="Conector de Seta Reta 8">
             <a:extLst>
               <a:ext uri="{FF2B5EF4-FFF2-40B4-BE49-F238E27FC236}">
-                <a16:creationId xmlns:a16="http://schemas.microsoft.com/office/drawing/2014/main" id="{D2A2D81A-7AB6-4675-9900-C1EEF7C703EE}"/>
+                <a16:creationId xmlns:a16="http://schemas.microsoft.com/office/drawing/2014/main" xmlns="" id="{D2A2D81A-7AB6-4675-9900-C1EEF7C703EE}"/>
               </a:ext>
             </a:extLst>
           </p:cNvPr>
@@ -7692,7 +7692,7 @@
           <p:cNvPr id="14" name="CaixaDeTexto 13">
             <a:extLst>
               <a:ext uri="{FF2B5EF4-FFF2-40B4-BE49-F238E27FC236}">
-                <a16:creationId xmlns:a16="http://schemas.microsoft.com/office/drawing/2014/main" id="{E2EBDF38-DEA7-42AC-B014-F917F4EC71CA}"/>
+                <a16:creationId xmlns:a16="http://schemas.microsoft.com/office/drawing/2014/main" xmlns="" id="{E2EBDF38-DEA7-42AC-B014-F917F4EC71CA}"/>
               </a:ext>
             </a:extLst>
           </p:cNvPr>
@@ -7744,7 +7744,7 @@
           <p:cNvPr id="18" name="Seta: Circular 17">
             <a:extLst>
               <a:ext uri="{FF2B5EF4-FFF2-40B4-BE49-F238E27FC236}">
-                <a16:creationId xmlns:a16="http://schemas.microsoft.com/office/drawing/2014/main" id="{364652BC-79CA-4267-9ED7-E361A17A0443}"/>
+                <a16:creationId xmlns:a16="http://schemas.microsoft.com/office/drawing/2014/main" xmlns="" id="{364652BC-79CA-4267-9ED7-E361A17A0443}"/>
               </a:ext>
             </a:extLst>
           </p:cNvPr>
@@ -7806,7 +7806,7 @@
           <p:cNvPr id="30" name="Fluxograma: Conector 29">
             <a:extLst>
               <a:ext uri="{FF2B5EF4-FFF2-40B4-BE49-F238E27FC236}">
-                <a16:creationId xmlns:a16="http://schemas.microsoft.com/office/drawing/2014/main" id="{8B108C3F-7165-4195-8988-2B8276C3BFF4}"/>
+                <a16:creationId xmlns:a16="http://schemas.microsoft.com/office/drawing/2014/main" xmlns="" id="{8B108C3F-7165-4195-8988-2B8276C3BFF4}"/>
               </a:ext>
             </a:extLst>
           </p:cNvPr>
@@ -7868,7 +7868,7 @@
           <p:cNvPr id="31" name="Conector de Seta Reta 30">
             <a:extLst>
               <a:ext uri="{FF2B5EF4-FFF2-40B4-BE49-F238E27FC236}">
-                <a16:creationId xmlns:a16="http://schemas.microsoft.com/office/drawing/2014/main" id="{ADF5FF3D-AE25-4B74-B907-6405784AB9B6}"/>
+                <a16:creationId xmlns:a16="http://schemas.microsoft.com/office/drawing/2014/main" xmlns="" id="{ADF5FF3D-AE25-4B74-B907-6405784AB9B6}"/>
               </a:ext>
             </a:extLst>
           </p:cNvPr>
@@ -7914,7 +7914,7 @@
           <p:cNvPr id="32" name="CaixaDeTexto 31">
             <a:extLst>
               <a:ext uri="{FF2B5EF4-FFF2-40B4-BE49-F238E27FC236}">
-                <a16:creationId xmlns:a16="http://schemas.microsoft.com/office/drawing/2014/main" id="{B4B1D426-FAE4-49A1-85F2-60C3D3EE04E6}"/>
+                <a16:creationId xmlns:a16="http://schemas.microsoft.com/office/drawing/2014/main" xmlns="" id="{B4B1D426-FAE4-49A1-85F2-60C3D3EE04E6}"/>
               </a:ext>
             </a:extLst>
           </p:cNvPr>
@@ -7952,7 +7952,7 @@
           <p:cNvPr id="42" name="CaixaDeTexto 41">
             <a:extLst>
               <a:ext uri="{FF2B5EF4-FFF2-40B4-BE49-F238E27FC236}">
-                <a16:creationId xmlns:a16="http://schemas.microsoft.com/office/drawing/2014/main" id="{4CF31268-74EF-49AA-8A9C-48FFAF98CCF9}"/>
+                <a16:creationId xmlns:a16="http://schemas.microsoft.com/office/drawing/2014/main" xmlns="" id="{4CF31268-74EF-49AA-8A9C-48FFAF98CCF9}"/>
               </a:ext>
             </a:extLst>
           </p:cNvPr>
@@ -7994,7 +7994,7 @@
           <p:cNvPr id="43" name="Seta: Circular 42">
             <a:extLst>
               <a:ext uri="{FF2B5EF4-FFF2-40B4-BE49-F238E27FC236}">
-                <a16:creationId xmlns:a16="http://schemas.microsoft.com/office/drawing/2014/main" id="{BD2527F8-3FC8-43E7-AB21-A84B3E7F0FEC}"/>
+                <a16:creationId xmlns:a16="http://schemas.microsoft.com/office/drawing/2014/main" xmlns="" id="{BD2527F8-3FC8-43E7-AB21-A84B3E7F0FEC}"/>
               </a:ext>
             </a:extLst>
           </p:cNvPr>
@@ -8056,7 +8056,7 @@
           <p:cNvPr id="44" name="CaixaDeTexto 43">
             <a:extLst>
               <a:ext uri="{FF2B5EF4-FFF2-40B4-BE49-F238E27FC236}">
-                <a16:creationId xmlns:a16="http://schemas.microsoft.com/office/drawing/2014/main" id="{65D3868A-07F4-4AB4-B197-F2C84D20B519}"/>
+                <a16:creationId xmlns:a16="http://schemas.microsoft.com/office/drawing/2014/main" xmlns="" id="{65D3868A-07F4-4AB4-B197-F2C84D20B519}"/>
               </a:ext>
             </a:extLst>
           </p:cNvPr>
@@ -8136,7 +8136,7 @@
           <p:cNvPr id="51" name="Fluxograma: Conector 50">
             <a:extLst>
               <a:ext uri="{FF2B5EF4-FFF2-40B4-BE49-F238E27FC236}">
-                <a16:creationId xmlns:a16="http://schemas.microsoft.com/office/drawing/2014/main" id="{8FD4AABA-465D-44AC-AB3F-FA8EEAA42ECF}"/>
+                <a16:creationId xmlns:a16="http://schemas.microsoft.com/office/drawing/2014/main" xmlns="" id="{8FD4AABA-465D-44AC-AB3F-FA8EEAA42ECF}"/>
               </a:ext>
             </a:extLst>
           </p:cNvPr>
@@ -8198,7 +8198,7 @@
           <p:cNvPr id="52" name="Conector de Seta Reta 51">
             <a:extLst>
               <a:ext uri="{FF2B5EF4-FFF2-40B4-BE49-F238E27FC236}">
-                <a16:creationId xmlns:a16="http://schemas.microsoft.com/office/drawing/2014/main" id="{59317C52-B2A6-4015-B738-65F649E573C0}"/>
+                <a16:creationId xmlns:a16="http://schemas.microsoft.com/office/drawing/2014/main" xmlns="" id="{59317C52-B2A6-4015-B738-65F649E573C0}"/>
               </a:ext>
             </a:extLst>
           </p:cNvPr>
@@ -8244,7 +8244,7 @@
           <p:cNvPr id="53" name="CaixaDeTexto 52">
             <a:extLst>
               <a:ext uri="{FF2B5EF4-FFF2-40B4-BE49-F238E27FC236}">
-                <a16:creationId xmlns:a16="http://schemas.microsoft.com/office/drawing/2014/main" id="{720E3027-473F-49DE-A69B-4F2DC2D16834}"/>
+                <a16:creationId xmlns:a16="http://schemas.microsoft.com/office/drawing/2014/main" xmlns="" id="{720E3027-473F-49DE-A69B-4F2DC2D16834}"/>
               </a:ext>
             </a:extLst>
           </p:cNvPr>
@@ -8287,7 +8287,7 @@
           <p:cNvPr id="61" name="Círculo: Vazio 60">
             <a:extLst>
               <a:ext uri="{FF2B5EF4-FFF2-40B4-BE49-F238E27FC236}">
-                <a16:creationId xmlns:a16="http://schemas.microsoft.com/office/drawing/2014/main" id="{D5EBEEB5-7544-415F-969C-E3CAE52F894A}"/>
+                <a16:creationId xmlns:a16="http://schemas.microsoft.com/office/drawing/2014/main" xmlns="" id="{D5EBEEB5-7544-415F-969C-E3CAE52F894A}"/>
               </a:ext>
             </a:extLst>
           </p:cNvPr>
@@ -8350,7 +8350,7 @@
           <p:cNvPr id="63" name="Conector de Seta Reta 62">
             <a:extLst>
               <a:ext uri="{FF2B5EF4-FFF2-40B4-BE49-F238E27FC236}">
-                <a16:creationId xmlns:a16="http://schemas.microsoft.com/office/drawing/2014/main" id="{C7931570-EDCD-413E-B7A6-AA2675A9EFC7}"/>
+                <a16:creationId xmlns:a16="http://schemas.microsoft.com/office/drawing/2014/main" xmlns="" id="{C7931570-EDCD-413E-B7A6-AA2675A9EFC7}"/>
               </a:ext>
             </a:extLst>
           </p:cNvPr>
@@ -8396,7 +8396,7 @@
           <p:cNvPr id="64" name="CaixaDeTexto 63">
             <a:extLst>
               <a:ext uri="{FF2B5EF4-FFF2-40B4-BE49-F238E27FC236}">
-                <a16:creationId xmlns:a16="http://schemas.microsoft.com/office/drawing/2014/main" id="{F498037A-F849-4CD7-9B97-EFF2EE47012C}"/>
+                <a16:creationId xmlns:a16="http://schemas.microsoft.com/office/drawing/2014/main" xmlns="" id="{F498037A-F849-4CD7-9B97-EFF2EE47012C}"/>
               </a:ext>
             </a:extLst>
           </p:cNvPr>
@@ -8438,7 +8438,7 @@
           <p:cNvPr id="70" name="Círculo: Vazio 69">
             <a:extLst>
               <a:ext uri="{FF2B5EF4-FFF2-40B4-BE49-F238E27FC236}">
-                <a16:creationId xmlns:a16="http://schemas.microsoft.com/office/drawing/2014/main" id="{6D7ED839-57BC-47EC-A3BD-75CB6D8EBAF6}"/>
+                <a16:creationId xmlns:a16="http://schemas.microsoft.com/office/drawing/2014/main" xmlns="" id="{6D7ED839-57BC-47EC-A3BD-75CB6D8EBAF6}"/>
               </a:ext>
             </a:extLst>
           </p:cNvPr>
@@ -8501,7 +8501,7 @@
           <p:cNvPr id="71" name="Conector de Seta Reta 70">
             <a:extLst>
               <a:ext uri="{FF2B5EF4-FFF2-40B4-BE49-F238E27FC236}">
-                <a16:creationId xmlns:a16="http://schemas.microsoft.com/office/drawing/2014/main" id="{F058A7D6-A033-4969-A0E9-D5387F80B06B}"/>
+                <a16:creationId xmlns:a16="http://schemas.microsoft.com/office/drawing/2014/main" xmlns="" id="{F058A7D6-A033-4969-A0E9-D5387F80B06B}"/>
               </a:ext>
             </a:extLst>
           </p:cNvPr>
@@ -8547,7 +8547,7 @@
           <p:cNvPr id="72" name="CaixaDeTexto 71">
             <a:extLst>
               <a:ext uri="{FF2B5EF4-FFF2-40B4-BE49-F238E27FC236}">
-                <a16:creationId xmlns:a16="http://schemas.microsoft.com/office/drawing/2014/main" id="{A1AD0EA8-D74B-412F-B087-FAA68F0D2125}"/>
+                <a16:creationId xmlns:a16="http://schemas.microsoft.com/office/drawing/2014/main" xmlns="" id="{A1AD0EA8-D74B-412F-B087-FAA68F0D2125}"/>
               </a:ext>
             </a:extLst>
           </p:cNvPr>
@@ -8596,7 +8596,7 @@
           <p:cNvPr id="73" name="CaixaDeTexto 72">
             <a:extLst>
               <a:ext uri="{FF2B5EF4-FFF2-40B4-BE49-F238E27FC236}">
-                <a16:creationId xmlns:a16="http://schemas.microsoft.com/office/drawing/2014/main" id="{54117930-50A0-4B78-AFE1-50BBF9194C5E}"/>
+                <a16:creationId xmlns:a16="http://schemas.microsoft.com/office/drawing/2014/main" xmlns="" id="{54117930-50A0-4B78-AFE1-50BBF9194C5E}"/>
               </a:ext>
             </a:extLst>
           </p:cNvPr>
@@ -8648,7 +8648,7 @@
           <p:cNvPr id="78" name="CaixaDeTexto 77">
             <a:extLst>
               <a:ext uri="{FF2B5EF4-FFF2-40B4-BE49-F238E27FC236}">
-                <a16:creationId xmlns:a16="http://schemas.microsoft.com/office/drawing/2014/main" id="{F8662209-CC73-4844-98AF-25BAA8574176}"/>
+                <a16:creationId xmlns:a16="http://schemas.microsoft.com/office/drawing/2014/main" xmlns="" id="{F8662209-CC73-4844-98AF-25BAA8574176}"/>
               </a:ext>
             </a:extLst>
           </p:cNvPr>
@@ -8733,7 +8733,7 @@
           <p:cNvPr id="80" name="Conector reto 79">
             <a:extLst>
               <a:ext uri="{FF2B5EF4-FFF2-40B4-BE49-F238E27FC236}">
-                <a16:creationId xmlns:a16="http://schemas.microsoft.com/office/drawing/2014/main" id="{73F74C92-CD30-49B2-8BEC-F84A857A515C}"/>
+                <a16:creationId xmlns:a16="http://schemas.microsoft.com/office/drawing/2014/main" xmlns="" id="{73F74C92-CD30-49B2-8BEC-F84A857A515C}"/>
               </a:ext>
             </a:extLst>
           </p:cNvPr>
@@ -8776,7 +8776,7 @@
           <p:cNvPr id="87" name="Imagem 86" descr="Uma imagem contendo animal, coral&#10;&#10;Descrição gerada automaticamente">
             <a:extLst>
               <a:ext uri="{FF2B5EF4-FFF2-40B4-BE49-F238E27FC236}">
-                <a16:creationId xmlns:a16="http://schemas.microsoft.com/office/drawing/2014/main" id="{79C824A1-4C8D-4573-9C44-4018A1B6C0A4}"/>
+                <a16:creationId xmlns:a16="http://schemas.microsoft.com/office/drawing/2014/main" xmlns="" id="{79C824A1-4C8D-4573-9C44-4018A1B6C0A4}"/>
               </a:ext>
             </a:extLst>
           </p:cNvPr>
@@ -8786,7 +8786,7 @@
           <p:nvPr/>
         </p:nvPicPr>
         <p:blipFill>
-          <a:blip r:embed="rId2">
+          <a:blip r:embed="rId2" cstate="print">
             <a:extLst>
               <a:ext uri="{28A0092B-C50C-407E-A947-70E740481C1C}">
                 <a14:useLocalDpi xmlns:a14="http://schemas.microsoft.com/office/drawing/2010/main" val="0"/>
@@ -8812,7 +8812,7 @@
           <p:cNvPr id="88" name="Retângulo 87">
             <a:extLst>
               <a:ext uri="{FF2B5EF4-FFF2-40B4-BE49-F238E27FC236}">
-                <a16:creationId xmlns:a16="http://schemas.microsoft.com/office/drawing/2014/main" id="{C8800477-D1CB-4ACF-8EFA-88E43DEE4EC5}"/>
+                <a16:creationId xmlns:a16="http://schemas.microsoft.com/office/drawing/2014/main" xmlns="" id="{C8800477-D1CB-4ACF-8EFA-88E43DEE4EC5}"/>
               </a:ext>
             </a:extLst>
           </p:cNvPr>
@@ -8856,6 +8856,76 @@
           <a:p>
             <a:pPr algn="ctr"/>
             <a:endParaRPr lang="pt-BR"/>
+          </a:p>
+        </p:txBody>
+      </p:sp>
+      <p:sp>
+        <p:nvSpPr>
+          <p:cNvPr id="33" name="CaixaDeTexto 32">
+            <a:extLst>
+              <a:ext uri="{FF2B5EF4-FFF2-40B4-BE49-F238E27FC236}">
+                <a16:creationId xmlns:a16="http://schemas.microsoft.com/office/drawing/2014/main" xmlns="" id="{B4B1D426-FAE4-49A1-85F2-60C3D3EE04E6}"/>
+              </a:ext>
+            </a:extLst>
+          </p:cNvPr>
+          <p:cNvSpPr txBox="1"/>
+          <p:nvPr/>
+        </p:nvSpPr>
+        <p:spPr>
+          <a:xfrm>
+            <a:off x="1277596" y="5976164"/>
+            <a:ext cx="3500465" cy="307777"/>
+          </a:xfrm>
+          <a:prstGeom prst="rect">
+            <a:avLst/>
+          </a:prstGeom>
+          <a:noFill/>
+        </p:spPr>
+        <p:txBody>
+          <a:bodyPr wrap="square" rtlCol="0">
+            <a:spAutoFit/>
+          </a:bodyPr>
+          <a:lstStyle/>
+          <a:p>
+            <a:r>
+              <a:rPr lang="pt-BR" sz="1400" dirty="0" smtClean="0">
+                <a:latin typeface="Biome" panose="020B0502040204020203" pitchFamily="34" charset="0"/>
+                <a:cs typeface="Biome" panose="020B0502040204020203" pitchFamily="34" charset="0"/>
+              </a:rPr>
+              <a:t>US = </a:t>
+            </a:r>
+            <a:r>
+              <a:rPr lang="pt-BR" sz="1400" dirty="0" err="1" smtClean="0">
+                <a:latin typeface="Biome" panose="020B0502040204020203" pitchFamily="34" charset="0"/>
+                <a:cs typeface="Biome" panose="020B0502040204020203" pitchFamily="34" charset="0"/>
+              </a:rPr>
+              <a:t>Unrecognized</a:t>
+            </a:r>
+            <a:r>
+              <a:rPr lang="pt-BR" sz="1400" dirty="0" smtClean="0">
+                <a:latin typeface="Biome" panose="020B0502040204020203" pitchFamily="34" charset="0"/>
+                <a:cs typeface="Biome" panose="020B0502040204020203" pitchFamily="34" charset="0"/>
+              </a:rPr>
+              <a:t> </a:t>
+            </a:r>
+            <a:r>
+              <a:rPr lang="pt-BR" sz="1400" dirty="0" err="1" smtClean="0">
+                <a:latin typeface="Biome" panose="020B0502040204020203" pitchFamily="34" charset="0"/>
+                <a:cs typeface="Biome" panose="020B0502040204020203" pitchFamily="34" charset="0"/>
+              </a:rPr>
+              <a:t>Symbol</a:t>
+            </a:r>
+            <a:r>
+              <a:rPr lang="pt-BR" sz="1400" dirty="0" smtClean="0">
+                <a:latin typeface="Biome" panose="020B0502040204020203" pitchFamily="34" charset="0"/>
+                <a:cs typeface="Biome" panose="020B0502040204020203" pitchFamily="34" charset="0"/>
+              </a:rPr>
+              <a:t> </a:t>
+            </a:r>
+            <a:endParaRPr lang="pt-BR" sz="1400" dirty="0">
+              <a:latin typeface="Biome" panose="020B0502040204020203" pitchFamily="34" charset="0"/>
+              <a:cs typeface="Biome" panose="020B0502040204020203" pitchFamily="34" charset="0"/>
+            </a:endParaRPr>
           </a:p>
         </p:txBody>
       </p:sp>
@@ -8869,13 +8939,13 @@
   <p:clrMapOvr>
     <a:masterClrMapping/>
   </p:clrMapOvr>
-  <mc:AlternateContent xmlns:mc="http://schemas.openxmlformats.org/markup-compatibility/2006" xmlns:p159="http://schemas.microsoft.com/office/powerpoint/2015/09/main">
-    <mc:Choice Requires="p159">
+  <mc:AlternateContent xmlns:mc="http://schemas.openxmlformats.org/markup-compatibility/2006">
+    <mc:Choice xmlns:p159="http://schemas.microsoft.com/office/powerpoint/2015/09/main" xmlns="" Requires="p159">
       <p:transition xmlns:p14="http://schemas.microsoft.com/office/powerpoint/2010/main" spd="slow" p14:dur="2000">
         <p159:morph option="byObject"/>
       </p:transition>
     </mc:Choice>
-    <mc:Fallback xmlns="">
+    <mc:Fallback>
       <p:transition spd="slow">
         <p:fade/>
       </p:transition>
@@ -8906,7 +8976,7 @@
           <p:cNvPr id="76" name="Retângulo: Único Canto Recortado 75">
             <a:extLst>
               <a:ext uri="{FF2B5EF4-FFF2-40B4-BE49-F238E27FC236}">
-                <a16:creationId xmlns:a16="http://schemas.microsoft.com/office/drawing/2014/main" id="{D9443C8E-E977-429C-A77E-673E83DAC037}"/>
+                <a16:creationId xmlns:a16="http://schemas.microsoft.com/office/drawing/2014/main" xmlns="" id="{D9443C8E-E977-429C-A77E-673E83DAC037}"/>
               </a:ext>
             </a:extLst>
           </p:cNvPr>
@@ -8955,7 +9025,7 @@
           <p:cNvPr id="69" name="Retângulo: Único Canto Recortado 68">
             <a:extLst>
               <a:ext uri="{FF2B5EF4-FFF2-40B4-BE49-F238E27FC236}">
-                <a16:creationId xmlns:a16="http://schemas.microsoft.com/office/drawing/2014/main" id="{783C8D63-0708-47DF-B1AC-5F54E9B26435}"/>
+                <a16:creationId xmlns:a16="http://schemas.microsoft.com/office/drawing/2014/main" xmlns="" id="{783C8D63-0708-47DF-B1AC-5F54E9B26435}"/>
               </a:ext>
             </a:extLst>
           </p:cNvPr>
@@ -9004,7 +9074,7 @@
           <p:cNvPr id="68" name="CaixaDeTexto 67">
             <a:extLst>
               <a:ext uri="{FF2B5EF4-FFF2-40B4-BE49-F238E27FC236}">
-                <a16:creationId xmlns:a16="http://schemas.microsoft.com/office/drawing/2014/main" id="{48DF54F8-43CF-44E9-85E4-646DD4EFC65D}"/>
+                <a16:creationId xmlns:a16="http://schemas.microsoft.com/office/drawing/2014/main" xmlns="" id="{48DF54F8-43CF-44E9-85E4-646DD4EFC65D}"/>
               </a:ext>
             </a:extLst>
           </p:cNvPr>
@@ -9056,7 +9126,7 @@
           <p:cNvPr id="4" name="Fluxograma: Conector 3">
             <a:extLst>
               <a:ext uri="{FF2B5EF4-FFF2-40B4-BE49-F238E27FC236}">
-                <a16:creationId xmlns:a16="http://schemas.microsoft.com/office/drawing/2014/main" id="{3272DDE6-AD5A-4207-86D4-5FD36093EB43}"/>
+                <a16:creationId xmlns:a16="http://schemas.microsoft.com/office/drawing/2014/main" xmlns="" id="{3272DDE6-AD5A-4207-86D4-5FD36093EB43}"/>
               </a:ext>
             </a:extLst>
           </p:cNvPr>
@@ -9118,7 +9188,7 @@
           <p:cNvPr id="7" name="Fluxograma: Conector 6">
             <a:extLst>
               <a:ext uri="{FF2B5EF4-FFF2-40B4-BE49-F238E27FC236}">
-                <a16:creationId xmlns:a16="http://schemas.microsoft.com/office/drawing/2014/main" id="{9418CAFE-35DA-463C-83B9-D627DFACBE69}"/>
+                <a16:creationId xmlns:a16="http://schemas.microsoft.com/office/drawing/2014/main" xmlns="" id="{9418CAFE-35DA-463C-83B9-D627DFACBE69}"/>
               </a:ext>
             </a:extLst>
           </p:cNvPr>
@@ -9180,7 +9250,7 @@
           <p:cNvPr id="9" name="Conector de Seta Reta 8">
             <a:extLst>
               <a:ext uri="{FF2B5EF4-FFF2-40B4-BE49-F238E27FC236}">
-                <a16:creationId xmlns:a16="http://schemas.microsoft.com/office/drawing/2014/main" id="{D2A2D81A-7AB6-4675-9900-C1EEF7C703EE}"/>
+                <a16:creationId xmlns:a16="http://schemas.microsoft.com/office/drawing/2014/main" xmlns="" id="{D2A2D81A-7AB6-4675-9900-C1EEF7C703EE}"/>
               </a:ext>
             </a:extLst>
           </p:cNvPr>
@@ -9226,7 +9296,7 @@
           <p:cNvPr id="14" name="CaixaDeTexto 13">
             <a:extLst>
               <a:ext uri="{FF2B5EF4-FFF2-40B4-BE49-F238E27FC236}">
-                <a16:creationId xmlns:a16="http://schemas.microsoft.com/office/drawing/2014/main" id="{E2EBDF38-DEA7-42AC-B014-F917F4EC71CA}"/>
+                <a16:creationId xmlns:a16="http://schemas.microsoft.com/office/drawing/2014/main" xmlns="" id="{E2EBDF38-DEA7-42AC-B014-F917F4EC71CA}"/>
               </a:ext>
             </a:extLst>
           </p:cNvPr>
@@ -9268,7 +9338,7 @@
           <p:cNvPr id="18" name="Seta: Circular 17">
             <a:extLst>
               <a:ext uri="{FF2B5EF4-FFF2-40B4-BE49-F238E27FC236}">
-                <a16:creationId xmlns:a16="http://schemas.microsoft.com/office/drawing/2014/main" id="{364652BC-79CA-4267-9ED7-E361A17A0443}"/>
+                <a16:creationId xmlns:a16="http://schemas.microsoft.com/office/drawing/2014/main" xmlns="" id="{364652BC-79CA-4267-9ED7-E361A17A0443}"/>
               </a:ext>
             </a:extLst>
           </p:cNvPr>
@@ -9330,7 +9400,7 @@
           <p:cNvPr id="30" name="Fluxograma: Conector 29">
             <a:extLst>
               <a:ext uri="{FF2B5EF4-FFF2-40B4-BE49-F238E27FC236}">
-                <a16:creationId xmlns:a16="http://schemas.microsoft.com/office/drawing/2014/main" id="{8B108C3F-7165-4195-8988-2B8276C3BFF4}"/>
+                <a16:creationId xmlns:a16="http://schemas.microsoft.com/office/drawing/2014/main" xmlns="" id="{8B108C3F-7165-4195-8988-2B8276C3BFF4}"/>
               </a:ext>
             </a:extLst>
           </p:cNvPr>
@@ -9392,7 +9462,7 @@
           <p:cNvPr id="31" name="Conector de Seta Reta 30">
             <a:extLst>
               <a:ext uri="{FF2B5EF4-FFF2-40B4-BE49-F238E27FC236}">
-                <a16:creationId xmlns:a16="http://schemas.microsoft.com/office/drawing/2014/main" id="{ADF5FF3D-AE25-4B74-B907-6405784AB9B6}"/>
+                <a16:creationId xmlns:a16="http://schemas.microsoft.com/office/drawing/2014/main" xmlns="" id="{ADF5FF3D-AE25-4B74-B907-6405784AB9B6}"/>
               </a:ext>
             </a:extLst>
           </p:cNvPr>
@@ -9438,7 +9508,7 @@
           <p:cNvPr id="32" name="CaixaDeTexto 31">
             <a:extLst>
               <a:ext uri="{FF2B5EF4-FFF2-40B4-BE49-F238E27FC236}">
-                <a16:creationId xmlns:a16="http://schemas.microsoft.com/office/drawing/2014/main" id="{B4B1D426-FAE4-49A1-85F2-60C3D3EE04E6}"/>
+                <a16:creationId xmlns:a16="http://schemas.microsoft.com/office/drawing/2014/main" xmlns="" id="{B4B1D426-FAE4-49A1-85F2-60C3D3EE04E6}"/>
               </a:ext>
             </a:extLst>
           </p:cNvPr>
@@ -9476,7 +9546,7 @@
           <p:cNvPr id="42" name="CaixaDeTexto 41">
             <a:extLst>
               <a:ext uri="{FF2B5EF4-FFF2-40B4-BE49-F238E27FC236}">
-                <a16:creationId xmlns:a16="http://schemas.microsoft.com/office/drawing/2014/main" id="{4CF31268-74EF-49AA-8A9C-48FFAF98CCF9}"/>
+                <a16:creationId xmlns:a16="http://schemas.microsoft.com/office/drawing/2014/main" xmlns="" id="{4CF31268-74EF-49AA-8A9C-48FFAF98CCF9}"/>
               </a:ext>
             </a:extLst>
           </p:cNvPr>
@@ -9518,7 +9588,7 @@
           <p:cNvPr id="43" name="Seta: Circular 42">
             <a:extLst>
               <a:ext uri="{FF2B5EF4-FFF2-40B4-BE49-F238E27FC236}">
-                <a16:creationId xmlns:a16="http://schemas.microsoft.com/office/drawing/2014/main" id="{BD2527F8-3FC8-43E7-AB21-A84B3E7F0FEC}"/>
+                <a16:creationId xmlns:a16="http://schemas.microsoft.com/office/drawing/2014/main" xmlns="" id="{BD2527F8-3FC8-43E7-AB21-A84B3E7F0FEC}"/>
               </a:ext>
             </a:extLst>
           </p:cNvPr>
@@ -9580,7 +9650,7 @@
           <p:cNvPr id="44" name="CaixaDeTexto 43">
             <a:extLst>
               <a:ext uri="{FF2B5EF4-FFF2-40B4-BE49-F238E27FC236}">
-                <a16:creationId xmlns:a16="http://schemas.microsoft.com/office/drawing/2014/main" id="{65D3868A-07F4-4AB4-B197-F2C84D20B519}"/>
+                <a16:creationId xmlns:a16="http://schemas.microsoft.com/office/drawing/2014/main" xmlns="" id="{65D3868A-07F4-4AB4-B197-F2C84D20B519}"/>
               </a:ext>
             </a:extLst>
           </p:cNvPr>
@@ -9625,7 +9695,7 @@
           <p:cNvPr id="51" name="Fluxograma: Conector 50">
             <a:extLst>
               <a:ext uri="{FF2B5EF4-FFF2-40B4-BE49-F238E27FC236}">
-                <a16:creationId xmlns:a16="http://schemas.microsoft.com/office/drawing/2014/main" id="{8FD4AABA-465D-44AC-AB3F-FA8EEAA42ECF}"/>
+                <a16:creationId xmlns:a16="http://schemas.microsoft.com/office/drawing/2014/main" xmlns="" id="{8FD4AABA-465D-44AC-AB3F-FA8EEAA42ECF}"/>
               </a:ext>
             </a:extLst>
           </p:cNvPr>
@@ -9687,7 +9757,7 @@
           <p:cNvPr id="52" name="Conector de Seta Reta 51">
             <a:extLst>
               <a:ext uri="{FF2B5EF4-FFF2-40B4-BE49-F238E27FC236}">
-                <a16:creationId xmlns:a16="http://schemas.microsoft.com/office/drawing/2014/main" id="{59317C52-B2A6-4015-B738-65F649E573C0}"/>
+                <a16:creationId xmlns:a16="http://schemas.microsoft.com/office/drawing/2014/main" xmlns="" id="{59317C52-B2A6-4015-B738-65F649E573C0}"/>
               </a:ext>
             </a:extLst>
           </p:cNvPr>
@@ -9733,7 +9803,7 @@
           <p:cNvPr id="53" name="CaixaDeTexto 52">
             <a:extLst>
               <a:ext uri="{FF2B5EF4-FFF2-40B4-BE49-F238E27FC236}">
-                <a16:creationId xmlns:a16="http://schemas.microsoft.com/office/drawing/2014/main" id="{720E3027-473F-49DE-A69B-4F2DC2D16834}"/>
+                <a16:creationId xmlns:a16="http://schemas.microsoft.com/office/drawing/2014/main" xmlns="" id="{720E3027-473F-49DE-A69B-4F2DC2D16834}"/>
               </a:ext>
             </a:extLst>
           </p:cNvPr>
@@ -9775,7 +9845,7 @@
           <p:cNvPr id="63" name="Conector de Seta Reta 62">
             <a:extLst>
               <a:ext uri="{FF2B5EF4-FFF2-40B4-BE49-F238E27FC236}">
-                <a16:creationId xmlns:a16="http://schemas.microsoft.com/office/drawing/2014/main" id="{C7931570-EDCD-413E-B7A6-AA2675A9EFC7}"/>
+                <a16:creationId xmlns:a16="http://schemas.microsoft.com/office/drawing/2014/main" xmlns="" id="{C7931570-EDCD-413E-B7A6-AA2675A9EFC7}"/>
               </a:ext>
             </a:extLst>
           </p:cNvPr>
@@ -9821,7 +9891,7 @@
           <p:cNvPr id="71" name="Conector de Seta Reta 70">
             <a:extLst>
               <a:ext uri="{FF2B5EF4-FFF2-40B4-BE49-F238E27FC236}">
-                <a16:creationId xmlns:a16="http://schemas.microsoft.com/office/drawing/2014/main" id="{F058A7D6-A033-4969-A0E9-D5387F80B06B}"/>
+                <a16:creationId xmlns:a16="http://schemas.microsoft.com/office/drawing/2014/main" xmlns="" id="{F058A7D6-A033-4969-A0E9-D5387F80B06B}"/>
               </a:ext>
             </a:extLst>
           </p:cNvPr>
@@ -9867,7 +9937,7 @@
           <p:cNvPr id="73" name="CaixaDeTexto 72">
             <a:extLst>
               <a:ext uri="{FF2B5EF4-FFF2-40B4-BE49-F238E27FC236}">
-                <a16:creationId xmlns:a16="http://schemas.microsoft.com/office/drawing/2014/main" id="{54117930-50A0-4B78-AFE1-50BBF9194C5E}"/>
+                <a16:creationId xmlns:a16="http://schemas.microsoft.com/office/drawing/2014/main" xmlns="" id="{54117930-50A0-4B78-AFE1-50BBF9194C5E}"/>
               </a:ext>
             </a:extLst>
           </p:cNvPr>
@@ -9919,7 +9989,7 @@
           <p:cNvPr id="78" name="CaixaDeTexto 77">
             <a:extLst>
               <a:ext uri="{FF2B5EF4-FFF2-40B4-BE49-F238E27FC236}">
-                <a16:creationId xmlns:a16="http://schemas.microsoft.com/office/drawing/2014/main" id="{F8662209-CC73-4844-98AF-25BAA8574176}"/>
+                <a16:creationId xmlns:a16="http://schemas.microsoft.com/office/drawing/2014/main" xmlns="" id="{F8662209-CC73-4844-98AF-25BAA8574176}"/>
               </a:ext>
             </a:extLst>
           </p:cNvPr>
@@ -10004,7 +10074,7 @@
           <p:cNvPr id="87" name="Imagem 86" descr="Uma imagem contendo animal, coral&#10;&#10;Descrição gerada automaticamente">
             <a:extLst>
               <a:ext uri="{FF2B5EF4-FFF2-40B4-BE49-F238E27FC236}">
-                <a16:creationId xmlns:a16="http://schemas.microsoft.com/office/drawing/2014/main" id="{79C824A1-4C8D-4573-9C44-4018A1B6C0A4}"/>
+                <a16:creationId xmlns:a16="http://schemas.microsoft.com/office/drawing/2014/main" xmlns="" id="{79C824A1-4C8D-4573-9C44-4018A1B6C0A4}"/>
               </a:ext>
             </a:extLst>
           </p:cNvPr>
@@ -10014,7 +10084,7 @@
           <p:nvPr/>
         </p:nvPicPr>
         <p:blipFill>
-          <a:blip r:embed="rId2">
+          <a:blip r:embed="rId2" cstate="print">
             <a:extLst>
               <a:ext uri="{28A0092B-C50C-407E-A947-70E740481C1C}">
                 <a14:useLocalDpi xmlns:a14="http://schemas.microsoft.com/office/drawing/2010/main" val="0"/>
@@ -10040,7 +10110,7 @@
           <p:cNvPr id="88" name="Retângulo 87">
             <a:extLst>
               <a:ext uri="{FF2B5EF4-FFF2-40B4-BE49-F238E27FC236}">
-                <a16:creationId xmlns:a16="http://schemas.microsoft.com/office/drawing/2014/main" id="{C8800477-D1CB-4ACF-8EFA-88E43DEE4EC5}"/>
+                <a16:creationId xmlns:a16="http://schemas.microsoft.com/office/drawing/2014/main" xmlns="" id="{C8800477-D1CB-4ACF-8EFA-88E43DEE4EC5}"/>
               </a:ext>
             </a:extLst>
           </p:cNvPr>
@@ -10092,7 +10162,7 @@
           <p:cNvPr id="48" name="Fluxograma: Conector 47">
             <a:extLst>
               <a:ext uri="{FF2B5EF4-FFF2-40B4-BE49-F238E27FC236}">
-                <a16:creationId xmlns:a16="http://schemas.microsoft.com/office/drawing/2014/main" id="{1F2B5098-2FAE-42FB-AC09-544C8632A712}"/>
+                <a16:creationId xmlns:a16="http://schemas.microsoft.com/office/drawing/2014/main" xmlns="" id="{1F2B5098-2FAE-42FB-AC09-544C8632A712}"/>
               </a:ext>
             </a:extLst>
           </p:cNvPr>
@@ -10154,7 +10224,7 @@
           <p:cNvPr id="49" name="Conector de Seta Reta 48">
             <a:extLst>
               <a:ext uri="{FF2B5EF4-FFF2-40B4-BE49-F238E27FC236}">
-                <a16:creationId xmlns:a16="http://schemas.microsoft.com/office/drawing/2014/main" id="{51B1E61A-7A64-4A3E-AF27-B34A2FAD774B}"/>
+                <a16:creationId xmlns:a16="http://schemas.microsoft.com/office/drawing/2014/main" xmlns="" id="{51B1E61A-7A64-4A3E-AF27-B34A2FAD774B}"/>
               </a:ext>
             </a:extLst>
           </p:cNvPr>
@@ -10200,7 +10270,7 @@
           <p:cNvPr id="54" name="Seta: Circular 53">
             <a:extLst>
               <a:ext uri="{FF2B5EF4-FFF2-40B4-BE49-F238E27FC236}">
-                <a16:creationId xmlns:a16="http://schemas.microsoft.com/office/drawing/2014/main" id="{9DA1F575-C422-4A82-AA70-CCDED0FF1906}"/>
+                <a16:creationId xmlns:a16="http://schemas.microsoft.com/office/drawing/2014/main" xmlns="" id="{9DA1F575-C422-4A82-AA70-CCDED0FF1906}"/>
               </a:ext>
             </a:extLst>
           </p:cNvPr>
@@ -10262,7 +10332,7 @@
           <p:cNvPr id="56" name="CaixaDeTexto 55">
             <a:extLst>
               <a:ext uri="{FF2B5EF4-FFF2-40B4-BE49-F238E27FC236}">
-                <a16:creationId xmlns:a16="http://schemas.microsoft.com/office/drawing/2014/main" id="{3228C3AD-71CF-4D7E-81F2-2A4CB8F568BF}"/>
+                <a16:creationId xmlns:a16="http://schemas.microsoft.com/office/drawing/2014/main" xmlns="" id="{3228C3AD-71CF-4D7E-81F2-2A4CB8F568BF}"/>
               </a:ext>
             </a:extLst>
           </p:cNvPr>
@@ -10300,7 +10370,7 @@
           <p:cNvPr id="60" name="Círculo: Vazio 59">
             <a:extLst>
               <a:ext uri="{FF2B5EF4-FFF2-40B4-BE49-F238E27FC236}">
-                <a16:creationId xmlns:a16="http://schemas.microsoft.com/office/drawing/2014/main" id="{8387A9D5-66E0-46DB-8FB6-9B4FA549F1F0}"/>
+                <a16:creationId xmlns:a16="http://schemas.microsoft.com/office/drawing/2014/main" xmlns="" id="{8387A9D5-66E0-46DB-8FB6-9B4FA549F1F0}"/>
               </a:ext>
             </a:extLst>
           </p:cNvPr>
@@ -10363,7 +10433,7 @@
           <p:cNvPr id="62" name="Conector de Seta Reta 61">
             <a:extLst>
               <a:ext uri="{FF2B5EF4-FFF2-40B4-BE49-F238E27FC236}">
-                <a16:creationId xmlns:a16="http://schemas.microsoft.com/office/drawing/2014/main" id="{257C131D-70F9-43F9-BB4F-91BFCCD9E32E}"/>
+                <a16:creationId xmlns:a16="http://schemas.microsoft.com/office/drawing/2014/main" xmlns="" id="{257C131D-70F9-43F9-BB4F-91BFCCD9E32E}"/>
               </a:ext>
             </a:extLst>
           </p:cNvPr>
@@ -10409,7 +10479,7 @@
           <p:cNvPr id="67" name="CaixaDeTexto 66">
             <a:extLst>
               <a:ext uri="{FF2B5EF4-FFF2-40B4-BE49-F238E27FC236}">
-                <a16:creationId xmlns:a16="http://schemas.microsoft.com/office/drawing/2014/main" id="{40418496-DDCD-4AD6-9BBC-4D8B8DAF4D50}"/>
+                <a16:creationId xmlns:a16="http://schemas.microsoft.com/office/drawing/2014/main" xmlns="" id="{40418496-DDCD-4AD6-9BBC-4D8B8DAF4D50}"/>
               </a:ext>
             </a:extLst>
           </p:cNvPr>
@@ -10447,7 +10517,7 @@
           <p:cNvPr id="74" name="CaixaDeTexto 73">
             <a:extLst>
               <a:ext uri="{FF2B5EF4-FFF2-40B4-BE49-F238E27FC236}">
-                <a16:creationId xmlns:a16="http://schemas.microsoft.com/office/drawing/2014/main" id="{9E6A57DF-D9C1-403C-9D95-F70CCC228090}"/>
+                <a16:creationId xmlns:a16="http://schemas.microsoft.com/office/drawing/2014/main" xmlns="" id="{9E6A57DF-D9C1-403C-9D95-F70CCC228090}"/>
               </a:ext>
             </a:extLst>
           </p:cNvPr>
@@ -10485,7 +10555,7 @@
           <p:cNvPr id="89" name="Fluxograma: Conector 88">
             <a:extLst>
               <a:ext uri="{FF2B5EF4-FFF2-40B4-BE49-F238E27FC236}">
-                <a16:creationId xmlns:a16="http://schemas.microsoft.com/office/drawing/2014/main" id="{C1FE97F8-462D-439E-A7F1-7F7141635361}"/>
+                <a16:creationId xmlns:a16="http://schemas.microsoft.com/office/drawing/2014/main" xmlns="" id="{C1FE97F8-462D-439E-A7F1-7F7141635361}"/>
               </a:ext>
             </a:extLst>
           </p:cNvPr>
@@ -10547,7 +10617,7 @@
           <p:cNvPr id="92" name="CaixaDeTexto 91">
             <a:extLst>
               <a:ext uri="{FF2B5EF4-FFF2-40B4-BE49-F238E27FC236}">
-                <a16:creationId xmlns:a16="http://schemas.microsoft.com/office/drawing/2014/main" id="{0DE70EF5-2513-431A-A2DB-23CD79274BA7}"/>
+                <a16:creationId xmlns:a16="http://schemas.microsoft.com/office/drawing/2014/main" xmlns="" id="{0DE70EF5-2513-431A-A2DB-23CD79274BA7}"/>
               </a:ext>
             </a:extLst>
           </p:cNvPr>
@@ -10589,7 +10659,7 @@
           <p:cNvPr id="93" name="Seta: Circular 92">
             <a:extLst>
               <a:ext uri="{FF2B5EF4-FFF2-40B4-BE49-F238E27FC236}">
-                <a16:creationId xmlns:a16="http://schemas.microsoft.com/office/drawing/2014/main" id="{E0ACCA57-9D35-48F4-A530-0C5E378CC01C}"/>
+                <a16:creationId xmlns:a16="http://schemas.microsoft.com/office/drawing/2014/main" xmlns="" id="{E0ACCA57-9D35-48F4-A530-0C5E378CC01C}"/>
               </a:ext>
             </a:extLst>
           </p:cNvPr>
@@ -10651,7 +10721,7 @@
           <p:cNvPr id="94" name="CaixaDeTexto 93">
             <a:extLst>
               <a:ext uri="{FF2B5EF4-FFF2-40B4-BE49-F238E27FC236}">
-                <a16:creationId xmlns:a16="http://schemas.microsoft.com/office/drawing/2014/main" id="{A58CF161-7D5F-477C-ADEB-685A53B4CAA6}"/>
+                <a16:creationId xmlns:a16="http://schemas.microsoft.com/office/drawing/2014/main" xmlns="" id="{A58CF161-7D5F-477C-ADEB-685A53B4CAA6}"/>
               </a:ext>
             </a:extLst>
           </p:cNvPr>
@@ -10693,7 +10763,7 @@
           <p:cNvPr id="97" name="Círculo: Vazio 96">
             <a:extLst>
               <a:ext uri="{FF2B5EF4-FFF2-40B4-BE49-F238E27FC236}">
-                <a16:creationId xmlns:a16="http://schemas.microsoft.com/office/drawing/2014/main" id="{4BE44059-BC3A-4177-8AEE-7F0E03AE4892}"/>
+                <a16:creationId xmlns:a16="http://schemas.microsoft.com/office/drawing/2014/main" xmlns="" id="{4BE44059-BC3A-4177-8AEE-7F0E03AE4892}"/>
               </a:ext>
             </a:extLst>
           </p:cNvPr>
@@ -10756,7 +10826,7 @@
           <p:cNvPr id="98" name="Conector de Seta Reta 97">
             <a:extLst>
               <a:ext uri="{FF2B5EF4-FFF2-40B4-BE49-F238E27FC236}">
-                <a16:creationId xmlns:a16="http://schemas.microsoft.com/office/drawing/2014/main" id="{E20BCA5D-F055-4FFB-923D-E038A90F777D}"/>
+                <a16:creationId xmlns:a16="http://schemas.microsoft.com/office/drawing/2014/main" xmlns="" id="{E20BCA5D-F055-4FFB-923D-E038A90F777D}"/>
               </a:ext>
             </a:extLst>
           </p:cNvPr>
@@ -10802,7 +10872,7 @@
           <p:cNvPr id="99" name="CaixaDeTexto 98">
             <a:extLst>
               <a:ext uri="{FF2B5EF4-FFF2-40B4-BE49-F238E27FC236}">
-                <a16:creationId xmlns:a16="http://schemas.microsoft.com/office/drawing/2014/main" id="{D1D559E8-B029-48CB-85AC-C21B0D992EBF}"/>
+                <a16:creationId xmlns:a16="http://schemas.microsoft.com/office/drawing/2014/main" xmlns="" id="{D1D559E8-B029-48CB-85AC-C21B0D992EBF}"/>
               </a:ext>
             </a:extLst>
           </p:cNvPr>
@@ -10840,7 +10910,7 @@
           <p:cNvPr id="107" name="Fluxograma: Conector 106">
             <a:extLst>
               <a:ext uri="{FF2B5EF4-FFF2-40B4-BE49-F238E27FC236}">
-                <a16:creationId xmlns:a16="http://schemas.microsoft.com/office/drawing/2014/main" id="{FEA9989D-00CC-464D-90F0-D9E645FBDBCD}"/>
+                <a16:creationId xmlns:a16="http://schemas.microsoft.com/office/drawing/2014/main" xmlns="" id="{FEA9989D-00CC-464D-90F0-D9E645FBDBCD}"/>
               </a:ext>
             </a:extLst>
           </p:cNvPr>
@@ -10902,7 +10972,7 @@
           <p:cNvPr id="108" name="Conector de Seta Reta 107">
             <a:extLst>
               <a:ext uri="{FF2B5EF4-FFF2-40B4-BE49-F238E27FC236}">
-                <a16:creationId xmlns:a16="http://schemas.microsoft.com/office/drawing/2014/main" id="{44618F8D-E93E-4D40-A8B4-3D7D50644057}"/>
+                <a16:creationId xmlns:a16="http://schemas.microsoft.com/office/drawing/2014/main" xmlns="" id="{44618F8D-E93E-4D40-A8B4-3D7D50644057}"/>
               </a:ext>
             </a:extLst>
           </p:cNvPr>
@@ -10948,7 +11018,7 @@
           <p:cNvPr id="112" name="CaixaDeTexto 111">
             <a:extLst>
               <a:ext uri="{FF2B5EF4-FFF2-40B4-BE49-F238E27FC236}">
-                <a16:creationId xmlns:a16="http://schemas.microsoft.com/office/drawing/2014/main" id="{303CD408-CDC1-4363-8C4E-50EB9699F101}"/>
+                <a16:creationId xmlns:a16="http://schemas.microsoft.com/office/drawing/2014/main" xmlns="" id="{303CD408-CDC1-4363-8C4E-50EB9699F101}"/>
               </a:ext>
             </a:extLst>
           </p:cNvPr>
@@ -10986,7 +11056,7 @@
           <p:cNvPr id="113" name="Seta: Circular 112">
             <a:extLst>
               <a:ext uri="{FF2B5EF4-FFF2-40B4-BE49-F238E27FC236}">
-                <a16:creationId xmlns:a16="http://schemas.microsoft.com/office/drawing/2014/main" id="{87E99686-140A-4813-9B08-78A968AB47A9}"/>
+                <a16:creationId xmlns:a16="http://schemas.microsoft.com/office/drawing/2014/main" xmlns="" id="{87E99686-140A-4813-9B08-78A968AB47A9}"/>
               </a:ext>
             </a:extLst>
           </p:cNvPr>
@@ -11048,7 +11118,7 @@
           <p:cNvPr id="114" name="CaixaDeTexto 113">
             <a:extLst>
               <a:ext uri="{FF2B5EF4-FFF2-40B4-BE49-F238E27FC236}">
-                <a16:creationId xmlns:a16="http://schemas.microsoft.com/office/drawing/2014/main" id="{7AB11AE8-B319-4CD7-B683-C61F8FCD75F8}"/>
+                <a16:creationId xmlns:a16="http://schemas.microsoft.com/office/drawing/2014/main" xmlns="" id="{7AB11AE8-B319-4CD7-B683-C61F8FCD75F8}"/>
               </a:ext>
             </a:extLst>
           </p:cNvPr>
@@ -11086,7 +11156,7 @@
           <p:cNvPr id="119" name="Fluxograma: Conector 118">
             <a:extLst>
               <a:ext uri="{FF2B5EF4-FFF2-40B4-BE49-F238E27FC236}">
-                <a16:creationId xmlns:a16="http://schemas.microsoft.com/office/drawing/2014/main" id="{84928E80-E7D1-465A-8149-F55D10343D6B}"/>
+                <a16:creationId xmlns:a16="http://schemas.microsoft.com/office/drawing/2014/main" xmlns="" id="{84928E80-E7D1-465A-8149-F55D10343D6B}"/>
               </a:ext>
             </a:extLst>
           </p:cNvPr>
@@ -11148,7 +11218,7 @@
           <p:cNvPr id="128" name="Conector de Seta Reta 127">
             <a:extLst>
               <a:ext uri="{FF2B5EF4-FFF2-40B4-BE49-F238E27FC236}">
-                <a16:creationId xmlns:a16="http://schemas.microsoft.com/office/drawing/2014/main" id="{98180A62-EBCF-49A4-8FA1-397A0E02499F}"/>
+                <a16:creationId xmlns:a16="http://schemas.microsoft.com/office/drawing/2014/main" xmlns="" id="{98180A62-EBCF-49A4-8FA1-397A0E02499F}"/>
               </a:ext>
             </a:extLst>
           </p:cNvPr>
@@ -11194,7 +11264,7 @@
           <p:cNvPr id="136" name="CaixaDeTexto 135">
             <a:extLst>
               <a:ext uri="{FF2B5EF4-FFF2-40B4-BE49-F238E27FC236}">
-                <a16:creationId xmlns:a16="http://schemas.microsoft.com/office/drawing/2014/main" id="{AAE31CA6-4295-4460-833C-EBAA12548A1B}"/>
+                <a16:creationId xmlns:a16="http://schemas.microsoft.com/office/drawing/2014/main" xmlns="" id="{AAE31CA6-4295-4460-833C-EBAA12548A1B}"/>
               </a:ext>
             </a:extLst>
           </p:cNvPr>
@@ -11232,7 +11302,7 @@
           <p:cNvPr id="140" name="Fluxograma: Conector 139">
             <a:extLst>
               <a:ext uri="{FF2B5EF4-FFF2-40B4-BE49-F238E27FC236}">
-                <a16:creationId xmlns:a16="http://schemas.microsoft.com/office/drawing/2014/main" id="{C817E228-EC4E-4EED-893F-FFE5F2818CC7}"/>
+                <a16:creationId xmlns:a16="http://schemas.microsoft.com/office/drawing/2014/main" xmlns="" id="{C817E228-EC4E-4EED-893F-FFE5F2818CC7}"/>
               </a:ext>
             </a:extLst>
           </p:cNvPr>
@@ -11294,7 +11364,7 @@
           <p:cNvPr id="143" name="CaixaDeTexto 142">
             <a:extLst>
               <a:ext uri="{FF2B5EF4-FFF2-40B4-BE49-F238E27FC236}">
-                <a16:creationId xmlns:a16="http://schemas.microsoft.com/office/drawing/2014/main" id="{3C70B3CB-F913-428B-89BB-7E83198F8E94}"/>
+                <a16:creationId xmlns:a16="http://schemas.microsoft.com/office/drawing/2014/main" xmlns="" id="{3C70B3CB-F913-428B-89BB-7E83198F8E94}"/>
               </a:ext>
             </a:extLst>
           </p:cNvPr>
@@ -11332,7 +11402,7 @@
           <p:cNvPr id="145" name="Seta: Circular 144">
             <a:extLst>
               <a:ext uri="{FF2B5EF4-FFF2-40B4-BE49-F238E27FC236}">
-                <a16:creationId xmlns:a16="http://schemas.microsoft.com/office/drawing/2014/main" id="{51E61C50-070B-405E-BDD9-80CDBD5AED72}"/>
+                <a16:creationId xmlns:a16="http://schemas.microsoft.com/office/drawing/2014/main" xmlns="" id="{51E61C50-070B-405E-BDD9-80CDBD5AED72}"/>
               </a:ext>
             </a:extLst>
           </p:cNvPr>
@@ -11394,7 +11464,7 @@
           <p:cNvPr id="146" name="CaixaDeTexto 145">
             <a:extLst>
               <a:ext uri="{FF2B5EF4-FFF2-40B4-BE49-F238E27FC236}">
-                <a16:creationId xmlns:a16="http://schemas.microsoft.com/office/drawing/2014/main" id="{05C85160-96F6-42C6-AA32-BC758F27C462}"/>
+                <a16:creationId xmlns:a16="http://schemas.microsoft.com/office/drawing/2014/main" xmlns="" id="{05C85160-96F6-42C6-AA32-BC758F27C462}"/>
               </a:ext>
             </a:extLst>
           </p:cNvPr>
@@ -11432,7 +11502,7 @@
           <p:cNvPr id="148" name="CaixaDeTexto 147">
             <a:extLst>
               <a:ext uri="{FF2B5EF4-FFF2-40B4-BE49-F238E27FC236}">
-                <a16:creationId xmlns:a16="http://schemas.microsoft.com/office/drawing/2014/main" id="{B441EFE9-A76E-4E9C-87ED-6BACD88F69FC}"/>
+                <a16:creationId xmlns:a16="http://schemas.microsoft.com/office/drawing/2014/main" xmlns="" id="{B441EFE9-A76E-4E9C-87ED-6BACD88F69FC}"/>
               </a:ext>
             </a:extLst>
           </p:cNvPr>
@@ -11470,7 +11540,7 @@
           <p:cNvPr id="154" name="Conector: Angulado 153">
             <a:extLst>
               <a:ext uri="{FF2B5EF4-FFF2-40B4-BE49-F238E27FC236}">
-                <a16:creationId xmlns:a16="http://schemas.microsoft.com/office/drawing/2014/main" id="{47487E4E-4219-498E-9EDF-0CA77D4FF407}"/>
+                <a16:creationId xmlns:a16="http://schemas.microsoft.com/office/drawing/2014/main" xmlns="" id="{47487E4E-4219-498E-9EDF-0CA77D4FF407}"/>
               </a:ext>
             </a:extLst>
           </p:cNvPr>
@@ -11516,7 +11586,7 @@
           <p:cNvPr id="157" name="Conector de Seta Reta 156">
             <a:extLst>
               <a:ext uri="{FF2B5EF4-FFF2-40B4-BE49-F238E27FC236}">
-                <a16:creationId xmlns:a16="http://schemas.microsoft.com/office/drawing/2014/main" id="{B0F00E3A-5466-4DDB-ABDE-B5F17142A2A0}"/>
+                <a16:creationId xmlns:a16="http://schemas.microsoft.com/office/drawing/2014/main" xmlns="" id="{B0F00E3A-5466-4DDB-ABDE-B5F17142A2A0}"/>
               </a:ext>
             </a:extLst>
           </p:cNvPr>
@@ -11562,7 +11632,7 @@
           <p:cNvPr id="158" name="CaixaDeTexto 157">
             <a:extLst>
               <a:ext uri="{FF2B5EF4-FFF2-40B4-BE49-F238E27FC236}">
-                <a16:creationId xmlns:a16="http://schemas.microsoft.com/office/drawing/2014/main" id="{6E046D96-495C-4E67-8A9D-98FFB67850CF}"/>
+                <a16:creationId xmlns:a16="http://schemas.microsoft.com/office/drawing/2014/main" xmlns="" id="{6E046D96-495C-4E67-8A9D-98FFB67850CF}"/>
               </a:ext>
             </a:extLst>
           </p:cNvPr>
@@ -11600,7 +11670,7 @@
           <p:cNvPr id="161" name="Conector reto 160">
             <a:extLst>
               <a:ext uri="{FF2B5EF4-FFF2-40B4-BE49-F238E27FC236}">
-                <a16:creationId xmlns:a16="http://schemas.microsoft.com/office/drawing/2014/main" id="{D5D022BA-8192-4E09-9E87-E5ED37A4B0C7}"/>
+                <a16:creationId xmlns:a16="http://schemas.microsoft.com/office/drawing/2014/main" xmlns="" id="{D5D022BA-8192-4E09-9E87-E5ED37A4B0C7}"/>
               </a:ext>
             </a:extLst>
           </p:cNvPr>
@@ -11685,7 +11755,7 @@
           <p:cNvPr id="36" name="Retângulo: Único Canto Recortado 35">
             <a:extLst>
               <a:ext uri="{FF2B5EF4-FFF2-40B4-BE49-F238E27FC236}">
-                <a16:creationId xmlns:a16="http://schemas.microsoft.com/office/drawing/2014/main" id="{AA357EBC-7951-4EFB-8C8A-10098AE1F27D}"/>
+                <a16:creationId xmlns:a16="http://schemas.microsoft.com/office/drawing/2014/main" xmlns="" id="{AA357EBC-7951-4EFB-8C8A-10098AE1F27D}"/>
               </a:ext>
             </a:extLst>
           </p:cNvPr>
@@ -11734,7 +11804,7 @@
           <p:cNvPr id="37" name="CaixaDeTexto 36">
             <a:extLst>
               <a:ext uri="{FF2B5EF4-FFF2-40B4-BE49-F238E27FC236}">
-                <a16:creationId xmlns:a16="http://schemas.microsoft.com/office/drawing/2014/main" id="{C8DD7EF8-8BAD-4A01-8EE6-131232181794}"/>
+                <a16:creationId xmlns:a16="http://schemas.microsoft.com/office/drawing/2014/main" xmlns="" id="{C8DD7EF8-8BAD-4A01-8EE6-131232181794}"/>
               </a:ext>
             </a:extLst>
           </p:cNvPr>
@@ -11899,7 +11969,7 @@
           <p:cNvPr id="69" name="Retângulo: Único Canto Recortado 68">
             <a:extLst>
               <a:ext uri="{FF2B5EF4-FFF2-40B4-BE49-F238E27FC236}">
-                <a16:creationId xmlns:a16="http://schemas.microsoft.com/office/drawing/2014/main" id="{783C8D63-0708-47DF-B1AC-5F54E9B26435}"/>
+                <a16:creationId xmlns:a16="http://schemas.microsoft.com/office/drawing/2014/main" xmlns="" id="{783C8D63-0708-47DF-B1AC-5F54E9B26435}"/>
               </a:ext>
             </a:extLst>
           </p:cNvPr>
@@ -11948,7 +12018,7 @@
           <p:cNvPr id="68" name="CaixaDeTexto 67">
             <a:extLst>
               <a:ext uri="{FF2B5EF4-FFF2-40B4-BE49-F238E27FC236}">
-                <a16:creationId xmlns:a16="http://schemas.microsoft.com/office/drawing/2014/main" id="{48DF54F8-43CF-44E9-85E4-646DD4EFC65D}"/>
+                <a16:creationId xmlns:a16="http://schemas.microsoft.com/office/drawing/2014/main" xmlns="" id="{48DF54F8-43CF-44E9-85E4-646DD4EFC65D}"/>
               </a:ext>
             </a:extLst>
           </p:cNvPr>
@@ -12003,7 +12073,7 @@
           <p:cNvPr id="4" name="Fluxograma: Conector 3">
             <a:extLst>
               <a:ext uri="{FF2B5EF4-FFF2-40B4-BE49-F238E27FC236}">
-                <a16:creationId xmlns:a16="http://schemas.microsoft.com/office/drawing/2014/main" id="{3272DDE6-AD5A-4207-86D4-5FD36093EB43}"/>
+                <a16:creationId xmlns:a16="http://schemas.microsoft.com/office/drawing/2014/main" xmlns="" id="{3272DDE6-AD5A-4207-86D4-5FD36093EB43}"/>
               </a:ext>
             </a:extLst>
           </p:cNvPr>
@@ -12065,7 +12135,7 @@
           <p:cNvPr id="9" name="Conector de Seta Reta 8">
             <a:extLst>
               <a:ext uri="{FF2B5EF4-FFF2-40B4-BE49-F238E27FC236}">
-                <a16:creationId xmlns:a16="http://schemas.microsoft.com/office/drawing/2014/main" id="{D2A2D81A-7AB6-4675-9900-C1EEF7C703EE}"/>
+                <a16:creationId xmlns:a16="http://schemas.microsoft.com/office/drawing/2014/main" xmlns="" id="{D2A2D81A-7AB6-4675-9900-C1EEF7C703EE}"/>
               </a:ext>
             </a:extLst>
           </p:cNvPr>
@@ -12111,7 +12181,7 @@
           <p:cNvPr id="14" name="CaixaDeTexto 13">
             <a:extLst>
               <a:ext uri="{FF2B5EF4-FFF2-40B4-BE49-F238E27FC236}">
-                <a16:creationId xmlns:a16="http://schemas.microsoft.com/office/drawing/2014/main" id="{E2EBDF38-DEA7-42AC-B014-F917F4EC71CA}"/>
+                <a16:creationId xmlns:a16="http://schemas.microsoft.com/office/drawing/2014/main" xmlns="" id="{E2EBDF38-DEA7-42AC-B014-F917F4EC71CA}"/>
               </a:ext>
             </a:extLst>
           </p:cNvPr>
@@ -12191,7 +12261,7 @@
           <p:cNvPr id="18" name="Seta: Circular 17">
             <a:extLst>
               <a:ext uri="{FF2B5EF4-FFF2-40B4-BE49-F238E27FC236}">
-                <a16:creationId xmlns:a16="http://schemas.microsoft.com/office/drawing/2014/main" id="{364652BC-79CA-4267-9ED7-E361A17A0443}"/>
+                <a16:creationId xmlns:a16="http://schemas.microsoft.com/office/drawing/2014/main" xmlns="" id="{364652BC-79CA-4267-9ED7-E361A17A0443}"/>
               </a:ext>
             </a:extLst>
           </p:cNvPr>
@@ -12253,7 +12323,7 @@
           <p:cNvPr id="42" name="CaixaDeTexto 41">
             <a:extLst>
               <a:ext uri="{FF2B5EF4-FFF2-40B4-BE49-F238E27FC236}">
-                <a16:creationId xmlns:a16="http://schemas.microsoft.com/office/drawing/2014/main" id="{4CF31268-74EF-49AA-8A9C-48FFAF98CCF9}"/>
+                <a16:creationId xmlns:a16="http://schemas.microsoft.com/office/drawing/2014/main" xmlns="" id="{4CF31268-74EF-49AA-8A9C-48FFAF98CCF9}"/>
               </a:ext>
             </a:extLst>
           </p:cNvPr>
@@ -12295,7 +12365,7 @@
           <p:cNvPr id="61" name="Círculo: Vazio 60">
             <a:extLst>
               <a:ext uri="{FF2B5EF4-FFF2-40B4-BE49-F238E27FC236}">
-                <a16:creationId xmlns:a16="http://schemas.microsoft.com/office/drawing/2014/main" id="{D5EBEEB5-7544-415F-969C-E3CAE52F894A}"/>
+                <a16:creationId xmlns:a16="http://schemas.microsoft.com/office/drawing/2014/main" xmlns="" id="{D5EBEEB5-7544-415F-969C-E3CAE52F894A}"/>
               </a:ext>
             </a:extLst>
           </p:cNvPr>
@@ -12358,7 +12428,7 @@
           <p:cNvPr id="78" name="CaixaDeTexto 77">
             <a:extLst>
               <a:ext uri="{FF2B5EF4-FFF2-40B4-BE49-F238E27FC236}">
-                <a16:creationId xmlns:a16="http://schemas.microsoft.com/office/drawing/2014/main" id="{F8662209-CC73-4844-98AF-25BAA8574176}"/>
+                <a16:creationId xmlns:a16="http://schemas.microsoft.com/office/drawing/2014/main" xmlns="" id="{F8662209-CC73-4844-98AF-25BAA8574176}"/>
               </a:ext>
             </a:extLst>
           </p:cNvPr>
@@ -12429,7 +12499,7 @@
           <p:cNvPr id="80" name="Conector reto 79">
             <a:extLst>
               <a:ext uri="{FF2B5EF4-FFF2-40B4-BE49-F238E27FC236}">
-                <a16:creationId xmlns:a16="http://schemas.microsoft.com/office/drawing/2014/main" id="{73F74C92-CD30-49B2-8BEC-F84A857A515C}"/>
+                <a16:creationId xmlns:a16="http://schemas.microsoft.com/office/drawing/2014/main" xmlns="" id="{73F74C92-CD30-49B2-8BEC-F84A857A515C}"/>
               </a:ext>
             </a:extLst>
           </p:cNvPr>
@@ -12472,7 +12542,7 @@
           <p:cNvPr id="87" name="Imagem 86" descr="Uma imagem contendo animal, coral&#10;&#10;Descrição gerada automaticamente">
             <a:extLst>
               <a:ext uri="{FF2B5EF4-FFF2-40B4-BE49-F238E27FC236}">
-                <a16:creationId xmlns:a16="http://schemas.microsoft.com/office/drawing/2014/main" id="{79C824A1-4C8D-4573-9C44-4018A1B6C0A4}"/>
+                <a16:creationId xmlns:a16="http://schemas.microsoft.com/office/drawing/2014/main" xmlns="" id="{79C824A1-4C8D-4573-9C44-4018A1B6C0A4}"/>
               </a:ext>
             </a:extLst>
           </p:cNvPr>
@@ -12482,7 +12552,7 @@
           <p:nvPr/>
         </p:nvPicPr>
         <p:blipFill>
-          <a:blip r:embed="rId2">
+          <a:blip r:embed="rId2" cstate="print">
             <a:extLst>
               <a:ext uri="{28A0092B-C50C-407E-A947-70E740481C1C}">
                 <a14:useLocalDpi xmlns:a14="http://schemas.microsoft.com/office/drawing/2010/main" val="0"/>
@@ -12508,7 +12578,7 @@
           <p:cNvPr id="88" name="Retângulo 87">
             <a:extLst>
               <a:ext uri="{FF2B5EF4-FFF2-40B4-BE49-F238E27FC236}">
-                <a16:creationId xmlns:a16="http://schemas.microsoft.com/office/drawing/2014/main" id="{C8800477-D1CB-4ACF-8EFA-88E43DEE4EC5}"/>
+                <a16:creationId xmlns:a16="http://schemas.microsoft.com/office/drawing/2014/main" xmlns="" id="{C8800477-D1CB-4ACF-8EFA-88E43DEE4EC5}"/>
               </a:ext>
             </a:extLst>
           </p:cNvPr>
@@ -12602,7 +12672,7 @@
           <p:cNvPr id="69" name="Retângulo: Único Canto Recortado 68">
             <a:extLst>
               <a:ext uri="{FF2B5EF4-FFF2-40B4-BE49-F238E27FC236}">
-                <a16:creationId xmlns:a16="http://schemas.microsoft.com/office/drawing/2014/main" id="{783C8D63-0708-47DF-B1AC-5F54E9B26435}"/>
+                <a16:creationId xmlns:a16="http://schemas.microsoft.com/office/drawing/2014/main" xmlns="" id="{783C8D63-0708-47DF-B1AC-5F54E9B26435}"/>
               </a:ext>
             </a:extLst>
           </p:cNvPr>
@@ -12651,7 +12721,7 @@
           <p:cNvPr id="68" name="CaixaDeTexto 67">
             <a:extLst>
               <a:ext uri="{FF2B5EF4-FFF2-40B4-BE49-F238E27FC236}">
-                <a16:creationId xmlns:a16="http://schemas.microsoft.com/office/drawing/2014/main" id="{48DF54F8-43CF-44E9-85E4-646DD4EFC65D}"/>
+                <a16:creationId xmlns:a16="http://schemas.microsoft.com/office/drawing/2014/main" xmlns="" id="{48DF54F8-43CF-44E9-85E4-646DD4EFC65D}"/>
               </a:ext>
             </a:extLst>
           </p:cNvPr>
@@ -12739,7 +12809,7 @@
           <p:cNvPr id="76" name="Retângulo: Único Canto Recortado 75">
             <a:extLst>
               <a:ext uri="{FF2B5EF4-FFF2-40B4-BE49-F238E27FC236}">
-                <a16:creationId xmlns:a16="http://schemas.microsoft.com/office/drawing/2014/main" id="{D9443C8E-E977-429C-A77E-673E83DAC037}"/>
+                <a16:creationId xmlns:a16="http://schemas.microsoft.com/office/drawing/2014/main" xmlns="" id="{D9443C8E-E977-429C-A77E-673E83DAC037}"/>
               </a:ext>
             </a:extLst>
           </p:cNvPr>
@@ -12788,7 +12858,7 @@
           <p:cNvPr id="73" name="CaixaDeTexto 72">
             <a:extLst>
               <a:ext uri="{FF2B5EF4-FFF2-40B4-BE49-F238E27FC236}">
-                <a16:creationId xmlns:a16="http://schemas.microsoft.com/office/drawing/2014/main" id="{54117930-50A0-4B78-AFE1-50BBF9194C5E}"/>
+                <a16:creationId xmlns:a16="http://schemas.microsoft.com/office/drawing/2014/main" xmlns="" id="{54117930-50A0-4B78-AFE1-50BBF9194C5E}"/>
               </a:ext>
             </a:extLst>
           </p:cNvPr>
@@ -12939,7 +13009,7 @@
           <p:cNvPr id="4" name="Fluxograma: Conector 3">
             <a:extLst>
               <a:ext uri="{FF2B5EF4-FFF2-40B4-BE49-F238E27FC236}">
-                <a16:creationId xmlns:a16="http://schemas.microsoft.com/office/drawing/2014/main" id="{3272DDE6-AD5A-4207-86D4-5FD36093EB43}"/>
+                <a16:creationId xmlns:a16="http://schemas.microsoft.com/office/drawing/2014/main" xmlns="" id="{3272DDE6-AD5A-4207-86D4-5FD36093EB43}"/>
               </a:ext>
             </a:extLst>
           </p:cNvPr>
@@ -13001,7 +13071,7 @@
           <p:cNvPr id="9" name="Conector de Seta Reta 8">
             <a:extLst>
               <a:ext uri="{FF2B5EF4-FFF2-40B4-BE49-F238E27FC236}">
-                <a16:creationId xmlns:a16="http://schemas.microsoft.com/office/drawing/2014/main" id="{D2A2D81A-7AB6-4675-9900-C1EEF7C703EE}"/>
+                <a16:creationId xmlns:a16="http://schemas.microsoft.com/office/drawing/2014/main" xmlns="" id="{D2A2D81A-7AB6-4675-9900-C1EEF7C703EE}"/>
               </a:ext>
             </a:extLst>
           </p:cNvPr>
@@ -13046,7 +13116,7 @@
           <p:cNvPr id="14" name="CaixaDeTexto 13">
             <a:extLst>
               <a:ext uri="{FF2B5EF4-FFF2-40B4-BE49-F238E27FC236}">
-                <a16:creationId xmlns:a16="http://schemas.microsoft.com/office/drawing/2014/main" id="{E2EBDF38-DEA7-42AC-B014-F917F4EC71CA}"/>
+                <a16:creationId xmlns:a16="http://schemas.microsoft.com/office/drawing/2014/main" xmlns="" id="{E2EBDF38-DEA7-42AC-B014-F917F4EC71CA}"/>
               </a:ext>
             </a:extLst>
           </p:cNvPr>
@@ -13112,7 +13182,7 @@
           <p:cNvPr id="18" name="Seta: Circular 17">
             <a:extLst>
               <a:ext uri="{FF2B5EF4-FFF2-40B4-BE49-F238E27FC236}">
-                <a16:creationId xmlns:a16="http://schemas.microsoft.com/office/drawing/2014/main" id="{364652BC-79CA-4267-9ED7-E361A17A0443}"/>
+                <a16:creationId xmlns:a16="http://schemas.microsoft.com/office/drawing/2014/main" xmlns="" id="{364652BC-79CA-4267-9ED7-E361A17A0443}"/>
               </a:ext>
             </a:extLst>
           </p:cNvPr>
@@ -13174,7 +13244,7 @@
           <p:cNvPr id="42" name="CaixaDeTexto 41">
             <a:extLst>
               <a:ext uri="{FF2B5EF4-FFF2-40B4-BE49-F238E27FC236}">
-                <a16:creationId xmlns:a16="http://schemas.microsoft.com/office/drawing/2014/main" id="{4CF31268-74EF-49AA-8A9C-48FFAF98CCF9}"/>
+                <a16:creationId xmlns:a16="http://schemas.microsoft.com/office/drawing/2014/main" xmlns="" id="{4CF31268-74EF-49AA-8A9C-48FFAF98CCF9}"/>
               </a:ext>
             </a:extLst>
           </p:cNvPr>
@@ -13216,7 +13286,7 @@
           <p:cNvPr id="61" name="Círculo: Vazio 60">
             <a:extLst>
               <a:ext uri="{FF2B5EF4-FFF2-40B4-BE49-F238E27FC236}">
-                <a16:creationId xmlns:a16="http://schemas.microsoft.com/office/drawing/2014/main" id="{D5EBEEB5-7544-415F-969C-E3CAE52F894A}"/>
+                <a16:creationId xmlns:a16="http://schemas.microsoft.com/office/drawing/2014/main" xmlns="" id="{D5EBEEB5-7544-415F-969C-E3CAE52F894A}"/>
               </a:ext>
             </a:extLst>
           </p:cNvPr>
@@ -13279,7 +13349,7 @@
           <p:cNvPr id="78" name="CaixaDeTexto 77">
             <a:extLst>
               <a:ext uri="{FF2B5EF4-FFF2-40B4-BE49-F238E27FC236}">
-                <a16:creationId xmlns:a16="http://schemas.microsoft.com/office/drawing/2014/main" id="{F8662209-CC73-4844-98AF-25BAA8574176}"/>
+                <a16:creationId xmlns:a16="http://schemas.microsoft.com/office/drawing/2014/main" xmlns="" id="{F8662209-CC73-4844-98AF-25BAA8574176}"/>
               </a:ext>
             </a:extLst>
           </p:cNvPr>
@@ -13350,7 +13420,7 @@
           <p:cNvPr id="80" name="Conector reto 79">
             <a:extLst>
               <a:ext uri="{FF2B5EF4-FFF2-40B4-BE49-F238E27FC236}">
-                <a16:creationId xmlns:a16="http://schemas.microsoft.com/office/drawing/2014/main" id="{73F74C92-CD30-49B2-8BEC-F84A857A515C}"/>
+                <a16:creationId xmlns:a16="http://schemas.microsoft.com/office/drawing/2014/main" xmlns="" id="{73F74C92-CD30-49B2-8BEC-F84A857A515C}"/>
               </a:ext>
             </a:extLst>
           </p:cNvPr>
@@ -13393,7 +13463,7 @@
           <p:cNvPr id="87" name="Imagem 86" descr="Uma imagem contendo animal, coral&#10;&#10;Descrição gerada automaticamente">
             <a:extLst>
               <a:ext uri="{FF2B5EF4-FFF2-40B4-BE49-F238E27FC236}">
-                <a16:creationId xmlns:a16="http://schemas.microsoft.com/office/drawing/2014/main" id="{79C824A1-4C8D-4573-9C44-4018A1B6C0A4}"/>
+                <a16:creationId xmlns:a16="http://schemas.microsoft.com/office/drawing/2014/main" xmlns="" id="{79C824A1-4C8D-4573-9C44-4018A1B6C0A4}"/>
               </a:ext>
             </a:extLst>
           </p:cNvPr>
@@ -13403,7 +13473,7 @@
           <p:nvPr/>
         </p:nvPicPr>
         <p:blipFill>
-          <a:blip r:embed="rId2">
+          <a:blip r:embed="rId2" cstate="print">
             <a:extLst>
               <a:ext uri="{28A0092B-C50C-407E-A947-70E740481C1C}">
                 <a14:useLocalDpi xmlns:a14="http://schemas.microsoft.com/office/drawing/2010/main" val="0"/>
@@ -13429,7 +13499,7 @@
           <p:cNvPr id="88" name="Retângulo 87">
             <a:extLst>
               <a:ext uri="{FF2B5EF4-FFF2-40B4-BE49-F238E27FC236}">
-                <a16:creationId xmlns:a16="http://schemas.microsoft.com/office/drawing/2014/main" id="{C8800477-D1CB-4ACF-8EFA-88E43DEE4EC5}"/>
+                <a16:creationId xmlns:a16="http://schemas.microsoft.com/office/drawing/2014/main" xmlns="" id="{C8800477-D1CB-4ACF-8EFA-88E43DEE4EC5}"/>
               </a:ext>
             </a:extLst>
           </p:cNvPr>
@@ -13481,7 +13551,7 @@
           <p:cNvPr id="21" name="Fluxograma: Conector 20">
             <a:extLst>
               <a:ext uri="{FF2B5EF4-FFF2-40B4-BE49-F238E27FC236}">
-                <a16:creationId xmlns:a16="http://schemas.microsoft.com/office/drawing/2014/main" id="{1B9B0AF7-92D2-4F4D-A8F6-84CF177929B5}"/>
+                <a16:creationId xmlns:a16="http://schemas.microsoft.com/office/drawing/2014/main" xmlns="" id="{1B9B0AF7-92D2-4F4D-A8F6-84CF177929B5}"/>
               </a:ext>
             </a:extLst>
           </p:cNvPr>
@@ -13543,7 +13613,7 @@
           <p:cNvPr id="22" name="Conector de Seta Reta 21">
             <a:extLst>
               <a:ext uri="{FF2B5EF4-FFF2-40B4-BE49-F238E27FC236}">
-                <a16:creationId xmlns:a16="http://schemas.microsoft.com/office/drawing/2014/main" id="{898CC9BD-A20D-4495-B03C-C5227E9A0E75}"/>
+                <a16:creationId xmlns:a16="http://schemas.microsoft.com/office/drawing/2014/main" xmlns="" id="{898CC9BD-A20D-4495-B03C-C5227E9A0E75}"/>
               </a:ext>
             </a:extLst>
           </p:cNvPr>
@@ -13589,7 +13659,7 @@
           <p:cNvPr id="25" name="CaixaDeTexto 24">
             <a:extLst>
               <a:ext uri="{FF2B5EF4-FFF2-40B4-BE49-F238E27FC236}">
-                <a16:creationId xmlns:a16="http://schemas.microsoft.com/office/drawing/2014/main" id="{800DE514-423C-48E3-9916-048591C71DE8}"/>
+                <a16:creationId xmlns:a16="http://schemas.microsoft.com/office/drawing/2014/main" xmlns="" id="{800DE514-423C-48E3-9916-048591C71DE8}"/>
               </a:ext>
             </a:extLst>
           </p:cNvPr>
@@ -13627,7 +13697,7 @@
           <p:cNvPr id="27" name="Círculo: Vazio 26">
             <a:extLst>
               <a:ext uri="{FF2B5EF4-FFF2-40B4-BE49-F238E27FC236}">
-                <a16:creationId xmlns:a16="http://schemas.microsoft.com/office/drawing/2014/main" id="{3C0C634C-6531-4A40-800B-59E5201BD93B}"/>
+                <a16:creationId xmlns:a16="http://schemas.microsoft.com/office/drawing/2014/main" xmlns="" id="{3C0C634C-6531-4A40-800B-59E5201BD93B}"/>
               </a:ext>
             </a:extLst>
           </p:cNvPr>
@@ -13690,7 +13760,7 @@
           <p:cNvPr id="28" name="Conector de Seta Reta 27">
             <a:extLst>
               <a:ext uri="{FF2B5EF4-FFF2-40B4-BE49-F238E27FC236}">
-                <a16:creationId xmlns:a16="http://schemas.microsoft.com/office/drawing/2014/main" id="{E9B26278-720A-4F70-A43A-373D311887E8}"/>
+                <a16:creationId xmlns:a16="http://schemas.microsoft.com/office/drawing/2014/main" xmlns="" id="{E9B26278-720A-4F70-A43A-373D311887E8}"/>
               </a:ext>
             </a:extLst>
           </p:cNvPr>
@@ -13736,7 +13806,7 @@
           <p:cNvPr id="29" name="CaixaDeTexto 28">
             <a:extLst>
               <a:ext uri="{FF2B5EF4-FFF2-40B4-BE49-F238E27FC236}">
-                <a16:creationId xmlns:a16="http://schemas.microsoft.com/office/drawing/2014/main" id="{370B077E-87EF-41C6-9056-D9173F395C2F}"/>
+                <a16:creationId xmlns:a16="http://schemas.microsoft.com/office/drawing/2014/main" xmlns="" id="{370B077E-87EF-41C6-9056-D9173F395C2F}"/>
               </a:ext>
             </a:extLst>
           </p:cNvPr>
@@ -13778,7 +13848,7 @@
           <p:cNvPr id="33" name="Retângulo: Único Canto Recortado 32">
             <a:extLst>
               <a:ext uri="{FF2B5EF4-FFF2-40B4-BE49-F238E27FC236}">
-                <a16:creationId xmlns:a16="http://schemas.microsoft.com/office/drawing/2014/main" id="{C0A0B8BD-F7CB-40C2-A5A7-CF643F96FD2C}"/>
+                <a16:creationId xmlns:a16="http://schemas.microsoft.com/office/drawing/2014/main" xmlns="" id="{C0A0B8BD-F7CB-40C2-A5A7-CF643F96FD2C}"/>
               </a:ext>
             </a:extLst>
           </p:cNvPr>
@@ -13827,7 +13897,7 @@
           <p:cNvPr id="34" name="CaixaDeTexto 33">
             <a:extLst>
               <a:ext uri="{FF2B5EF4-FFF2-40B4-BE49-F238E27FC236}">
-                <a16:creationId xmlns:a16="http://schemas.microsoft.com/office/drawing/2014/main" id="{C066A260-1CDD-43D2-AE83-E7F4E1F2F6E4}"/>
+                <a16:creationId xmlns:a16="http://schemas.microsoft.com/office/drawing/2014/main" xmlns="" id="{C066A260-1CDD-43D2-AE83-E7F4E1F2F6E4}"/>
               </a:ext>
             </a:extLst>
           </p:cNvPr>
@@ -13924,7 +13994,7 @@
           <p:cNvPr id="33" name="Retângulo: Único Canto Recortado 32">
             <a:extLst>
               <a:ext uri="{FF2B5EF4-FFF2-40B4-BE49-F238E27FC236}">
-                <a16:creationId xmlns:a16="http://schemas.microsoft.com/office/drawing/2014/main" id="{C0A0B8BD-F7CB-40C2-A5A7-CF643F96FD2C}"/>
+                <a16:creationId xmlns:a16="http://schemas.microsoft.com/office/drawing/2014/main" xmlns="" id="{C0A0B8BD-F7CB-40C2-A5A7-CF643F96FD2C}"/>
               </a:ext>
             </a:extLst>
           </p:cNvPr>
@@ -13973,7 +14043,7 @@
           <p:cNvPr id="34" name="CaixaDeTexto 33">
             <a:extLst>
               <a:ext uri="{FF2B5EF4-FFF2-40B4-BE49-F238E27FC236}">
-                <a16:creationId xmlns:a16="http://schemas.microsoft.com/office/drawing/2014/main" id="{C066A260-1CDD-43D2-AE83-E7F4E1F2F6E4}"/>
+                <a16:creationId xmlns:a16="http://schemas.microsoft.com/office/drawing/2014/main" xmlns="" id="{C066A260-1CDD-43D2-AE83-E7F4E1F2F6E4}"/>
               </a:ext>
             </a:extLst>
           </p:cNvPr>
@@ -14025,7 +14095,7 @@
           <p:cNvPr id="35" name="Retângulo: Único Canto Recortado 34">
             <a:extLst>
               <a:ext uri="{FF2B5EF4-FFF2-40B4-BE49-F238E27FC236}">
-                <a16:creationId xmlns:a16="http://schemas.microsoft.com/office/drawing/2014/main" id="{C8C1E85B-A5D4-4B09-9590-2FCAEABFF5AF}"/>
+                <a16:creationId xmlns:a16="http://schemas.microsoft.com/office/drawing/2014/main" xmlns="" id="{C8C1E85B-A5D4-4B09-9590-2FCAEABFF5AF}"/>
               </a:ext>
             </a:extLst>
           </p:cNvPr>
@@ -14074,7 +14144,7 @@
           <p:cNvPr id="36" name="CaixaDeTexto 35">
             <a:extLst>
               <a:ext uri="{FF2B5EF4-FFF2-40B4-BE49-F238E27FC236}">
-                <a16:creationId xmlns:a16="http://schemas.microsoft.com/office/drawing/2014/main" id="{F92DEF53-4E15-4526-B2F9-176F3D43F2B8}"/>
+                <a16:creationId xmlns:a16="http://schemas.microsoft.com/office/drawing/2014/main" xmlns="" id="{F92DEF53-4E15-4526-B2F9-176F3D43F2B8}"/>
               </a:ext>
             </a:extLst>
           </p:cNvPr>
@@ -14126,7 +14196,7 @@
           <p:cNvPr id="4" name="Fluxograma: Conector 3">
             <a:extLst>
               <a:ext uri="{FF2B5EF4-FFF2-40B4-BE49-F238E27FC236}">
-                <a16:creationId xmlns:a16="http://schemas.microsoft.com/office/drawing/2014/main" id="{3272DDE6-AD5A-4207-86D4-5FD36093EB43}"/>
+                <a16:creationId xmlns:a16="http://schemas.microsoft.com/office/drawing/2014/main" xmlns="" id="{3272DDE6-AD5A-4207-86D4-5FD36093EB43}"/>
               </a:ext>
             </a:extLst>
           </p:cNvPr>
@@ -14188,7 +14258,7 @@
           <p:cNvPr id="9" name="Conector de Seta Reta 8">
             <a:extLst>
               <a:ext uri="{FF2B5EF4-FFF2-40B4-BE49-F238E27FC236}">
-                <a16:creationId xmlns:a16="http://schemas.microsoft.com/office/drawing/2014/main" id="{D2A2D81A-7AB6-4675-9900-C1EEF7C703EE}"/>
+                <a16:creationId xmlns:a16="http://schemas.microsoft.com/office/drawing/2014/main" xmlns="" id="{D2A2D81A-7AB6-4675-9900-C1EEF7C703EE}"/>
               </a:ext>
             </a:extLst>
           </p:cNvPr>
@@ -14234,7 +14304,7 @@
           <p:cNvPr id="14" name="CaixaDeTexto 13">
             <a:extLst>
               <a:ext uri="{FF2B5EF4-FFF2-40B4-BE49-F238E27FC236}">
-                <a16:creationId xmlns:a16="http://schemas.microsoft.com/office/drawing/2014/main" id="{E2EBDF38-DEA7-42AC-B014-F917F4EC71CA}"/>
+                <a16:creationId xmlns:a16="http://schemas.microsoft.com/office/drawing/2014/main" xmlns="" id="{E2EBDF38-DEA7-42AC-B014-F917F4EC71CA}"/>
               </a:ext>
             </a:extLst>
           </p:cNvPr>
@@ -14272,7 +14342,7 @@
           <p:cNvPr id="18" name="Seta: Circular 17">
             <a:extLst>
               <a:ext uri="{FF2B5EF4-FFF2-40B4-BE49-F238E27FC236}">
-                <a16:creationId xmlns:a16="http://schemas.microsoft.com/office/drawing/2014/main" id="{364652BC-79CA-4267-9ED7-E361A17A0443}"/>
+                <a16:creationId xmlns:a16="http://schemas.microsoft.com/office/drawing/2014/main" xmlns="" id="{364652BC-79CA-4267-9ED7-E361A17A0443}"/>
               </a:ext>
             </a:extLst>
           </p:cNvPr>
@@ -14334,7 +14404,7 @@
           <p:cNvPr id="42" name="CaixaDeTexto 41">
             <a:extLst>
               <a:ext uri="{FF2B5EF4-FFF2-40B4-BE49-F238E27FC236}">
-                <a16:creationId xmlns:a16="http://schemas.microsoft.com/office/drawing/2014/main" id="{4CF31268-74EF-49AA-8A9C-48FFAF98CCF9}"/>
+                <a16:creationId xmlns:a16="http://schemas.microsoft.com/office/drawing/2014/main" xmlns="" id="{4CF31268-74EF-49AA-8A9C-48FFAF98CCF9}"/>
               </a:ext>
             </a:extLst>
           </p:cNvPr>
@@ -14379,7 +14449,7 @@
           <p:cNvPr id="61" name="Círculo: Vazio 60">
             <a:extLst>
               <a:ext uri="{FF2B5EF4-FFF2-40B4-BE49-F238E27FC236}">
-                <a16:creationId xmlns:a16="http://schemas.microsoft.com/office/drawing/2014/main" id="{D5EBEEB5-7544-415F-969C-E3CAE52F894A}"/>
+                <a16:creationId xmlns:a16="http://schemas.microsoft.com/office/drawing/2014/main" xmlns="" id="{D5EBEEB5-7544-415F-969C-E3CAE52F894A}"/>
               </a:ext>
             </a:extLst>
           </p:cNvPr>
@@ -14442,7 +14512,7 @@
           <p:cNvPr id="78" name="CaixaDeTexto 77">
             <a:extLst>
               <a:ext uri="{FF2B5EF4-FFF2-40B4-BE49-F238E27FC236}">
-                <a16:creationId xmlns:a16="http://schemas.microsoft.com/office/drawing/2014/main" id="{F8662209-CC73-4844-98AF-25BAA8574176}"/>
+                <a16:creationId xmlns:a16="http://schemas.microsoft.com/office/drawing/2014/main" xmlns="" id="{F8662209-CC73-4844-98AF-25BAA8574176}"/>
               </a:ext>
             </a:extLst>
           </p:cNvPr>
@@ -14499,7 +14569,7 @@
           <p:cNvPr id="80" name="Conector reto 79">
             <a:extLst>
               <a:ext uri="{FF2B5EF4-FFF2-40B4-BE49-F238E27FC236}">
-                <a16:creationId xmlns:a16="http://schemas.microsoft.com/office/drawing/2014/main" id="{73F74C92-CD30-49B2-8BEC-F84A857A515C}"/>
+                <a16:creationId xmlns:a16="http://schemas.microsoft.com/office/drawing/2014/main" xmlns="" id="{73F74C92-CD30-49B2-8BEC-F84A857A515C}"/>
               </a:ext>
             </a:extLst>
           </p:cNvPr>
@@ -14542,7 +14612,7 @@
           <p:cNvPr id="87" name="Imagem 86" descr="Uma imagem contendo animal, coral&#10;&#10;Descrição gerada automaticamente">
             <a:extLst>
               <a:ext uri="{FF2B5EF4-FFF2-40B4-BE49-F238E27FC236}">
-                <a16:creationId xmlns:a16="http://schemas.microsoft.com/office/drawing/2014/main" id="{79C824A1-4C8D-4573-9C44-4018A1B6C0A4}"/>
+                <a16:creationId xmlns:a16="http://schemas.microsoft.com/office/drawing/2014/main" xmlns="" id="{79C824A1-4C8D-4573-9C44-4018A1B6C0A4}"/>
               </a:ext>
             </a:extLst>
           </p:cNvPr>
@@ -14552,7 +14622,7 @@
           <p:nvPr/>
         </p:nvPicPr>
         <p:blipFill>
-          <a:blip r:embed="rId2">
+          <a:blip r:embed="rId2" cstate="print">
             <a:extLst>
               <a:ext uri="{28A0092B-C50C-407E-A947-70E740481C1C}">
                 <a14:useLocalDpi xmlns:a14="http://schemas.microsoft.com/office/drawing/2010/main" val="0"/>
@@ -14578,7 +14648,7 @@
           <p:cNvPr id="88" name="Retângulo 87">
             <a:extLst>
               <a:ext uri="{FF2B5EF4-FFF2-40B4-BE49-F238E27FC236}">
-                <a16:creationId xmlns:a16="http://schemas.microsoft.com/office/drawing/2014/main" id="{C8800477-D1CB-4ACF-8EFA-88E43DEE4EC5}"/>
+                <a16:creationId xmlns:a16="http://schemas.microsoft.com/office/drawing/2014/main" xmlns="" id="{C8800477-D1CB-4ACF-8EFA-88E43DEE4EC5}"/>
               </a:ext>
             </a:extLst>
           </p:cNvPr>
@@ -14630,7 +14700,7 @@
           <p:cNvPr id="21" name="Fluxograma: Conector 20">
             <a:extLst>
               <a:ext uri="{FF2B5EF4-FFF2-40B4-BE49-F238E27FC236}">
-                <a16:creationId xmlns:a16="http://schemas.microsoft.com/office/drawing/2014/main" id="{1B9B0AF7-92D2-4F4D-A8F6-84CF177929B5}"/>
+                <a16:creationId xmlns:a16="http://schemas.microsoft.com/office/drawing/2014/main" xmlns="" id="{1B9B0AF7-92D2-4F4D-A8F6-84CF177929B5}"/>
               </a:ext>
             </a:extLst>
           </p:cNvPr>
@@ -14692,7 +14762,7 @@
           <p:cNvPr id="27" name="Círculo: Vazio 26">
             <a:extLst>
               <a:ext uri="{FF2B5EF4-FFF2-40B4-BE49-F238E27FC236}">
-                <a16:creationId xmlns:a16="http://schemas.microsoft.com/office/drawing/2014/main" id="{3C0C634C-6531-4A40-800B-59E5201BD93B}"/>
+                <a16:creationId xmlns:a16="http://schemas.microsoft.com/office/drawing/2014/main" xmlns="" id="{3C0C634C-6531-4A40-800B-59E5201BD93B}"/>
               </a:ext>
             </a:extLst>
           </p:cNvPr>
@@ -14755,7 +14825,7 @@
           <p:cNvPr id="28" name="Conector de Seta Reta 27">
             <a:extLst>
               <a:ext uri="{FF2B5EF4-FFF2-40B4-BE49-F238E27FC236}">
-                <a16:creationId xmlns:a16="http://schemas.microsoft.com/office/drawing/2014/main" id="{E9B26278-720A-4F70-A43A-373D311887E8}"/>
+                <a16:creationId xmlns:a16="http://schemas.microsoft.com/office/drawing/2014/main" xmlns="" id="{E9B26278-720A-4F70-A43A-373D311887E8}"/>
               </a:ext>
             </a:extLst>
           </p:cNvPr>
@@ -14801,7 +14871,7 @@
           <p:cNvPr id="29" name="CaixaDeTexto 28">
             <a:extLst>
               <a:ext uri="{FF2B5EF4-FFF2-40B4-BE49-F238E27FC236}">
-                <a16:creationId xmlns:a16="http://schemas.microsoft.com/office/drawing/2014/main" id="{370B077E-87EF-41C6-9056-D9173F395C2F}"/>
+                <a16:creationId xmlns:a16="http://schemas.microsoft.com/office/drawing/2014/main" xmlns="" id="{370B077E-87EF-41C6-9056-D9173F395C2F}"/>
               </a:ext>
             </a:extLst>
           </p:cNvPr>
@@ -14843,7 +14913,7 @@
           <p:cNvPr id="41" name="Fluxograma: Conector 40">
             <a:extLst>
               <a:ext uri="{FF2B5EF4-FFF2-40B4-BE49-F238E27FC236}">
-                <a16:creationId xmlns:a16="http://schemas.microsoft.com/office/drawing/2014/main" id="{D4D90879-75C0-4C85-A76D-2EBD2099FC88}"/>
+                <a16:creationId xmlns:a16="http://schemas.microsoft.com/office/drawing/2014/main" xmlns="" id="{D4D90879-75C0-4C85-A76D-2EBD2099FC88}"/>
               </a:ext>
             </a:extLst>
           </p:cNvPr>
@@ -14905,7 +14975,7 @@
           <p:cNvPr id="43" name="Conector de Seta Reta 42">
             <a:extLst>
               <a:ext uri="{FF2B5EF4-FFF2-40B4-BE49-F238E27FC236}">
-                <a16:creationId xmlns:a16="http://schemas.microsoft.com/office/drawing/2014/main" id="{EDAE786D-66A0-42C3-80F2-9573209DB78D}"/>
+                <a16:creationId xmlns:a16="http://schemas.microsoft.com/office/drawing/2014/main" xmlns="" id="{EDAE786D-66A0-42C3-80F2-9573209DB78D}"/>
               </a:ext>
             </a:extLst>
           </p:cNvPr>
@@ -14951,7 +15021,7 @@
           <p:cNvPr id="45" name="CaixaDeTexto 44">
             <a:extLst>
               <a:ext uri="{FF2B5EF4-FFF2-40B4-BE49-F238E27FC236}">
-                <a16:creationId xmlns:a16="http://schemas.microsoft.com/office/drawing/2014/main" id="{FBB63848-B972-4B72-B7FC-16EE579C5009}"/>
+                <a16:creationId xmlns:a16="http://schemas.microsoft.com/office/drawing/2014/main" xmlns="" id="{FBB63848-B972-4B72-B7FC-16EE579C5009}"/>
               </a:ext>
             </a:extLst>
           </p:cNvPr>
@@ -14989,7 +15059,7 @@
           <p:cNvPr id="47" name="Conector de Seta Reta 46">
             <a:extLst>
               <a:ext uri="{FF2B5EF4-FFF2-40B4-BE49-F238E27FC236}">
-                <a16:creationId xmlns:a16="http://schemas.microsoft.com/office/drawing/2014/main" id="{56E99AD3-01CA-4660-A8C9-63E5D99D3FE9}"/>
+                <a16:creationId xmlns:a16="http://schemas.microsoft.com/office/drawing/2014/main" xmlns="" id="{56E99AD3-01CA-4660-A8C9-63E5D99D3FE9}"/>
               </a:ext>
             </a:extLst>
           </p:cNvPr>
@@ -15035,7 +15105,7 @@
           <p:cNvPr id="50" name="CaixaDeTexto 49">
             <a:extLst>
               <a:ext uri="{FF2B5EF4-FFF2-40B4-BE49-F238E27FC236}">
-                <a16:creationId xmlns:a16="http://schemas.microsoft.com/office/drawing/2014/main" id="{2B25DAE9-9FBF-47BB-84AF-DD539956DC67}"/>
+                <a16:creationId xmlns:a16="http://schemas.microsoft.com/office/drawing/2014/main" xmlns="" id="{2B25DAE9-9FBF-47BB-84AF-DD539956DC67}"/>
               </a:ext>
             </a:extLst>
           </p:cNvPr>
@@ -15077,7 +15147,7 @@
           <p:cNvPr id="51" name="Fluxograma: Conector 50">
             <a:extLst>
               <a:ext uri="{FF2B5EF4-FFF2-40B4-BE49-F238E27FC236}">
-                <a16:creationId xmlns:a16="http://schemas.microsoft.com/office/drawing/2014/main" id="{8339634B-DD8D-45EE-B4B3-5EEFEEB3054C}"/>
+                <a16:creationId xmlns:a16="http://schemas.microsoft.com/office/drawing/2014/main" xmlns="" id="{8339634B-DD8D-45EE-B4B3-5EEFEEB3054C}"/>
               </a:ext>
             </a:extLst>
           </p:cNvPr>
@@ -15139,7 +15209,7 @@
           <p:cNvPr id="52" name="Conector de Seta Reta 51">
             <a:extLst>
               <a:ext uri="{FF2B5EF4-FFF2-40B4-BE49-F238E27FC236}">
-                <a16:creationId xmlns:a16="http://schemas.microsoft.com/office/drawing/2014/main" id="{A997884D-AD5A-4A27-AF4E-F2EE7E33484A}"/>
+                <a16:creationId xmlns:a16="http://schemas.microsoft.com/office/drawing/2014/main" xmlns="" id="{A997884D-AD5A-4A27-AF4E-F2EE7E33484A}"/>
               </a:ext>
             </a:extLst>
           </p:cNvPr>
@@ -15185,7 +15255,7 @@
           <p:cNvPr id="55" name="CaixaDeTexto 54">
             <a:extLst>
               <a:ext uri="{FF2B5EF4-FFF2-40B4-BE49-F238E27FC236}">
-                <a16:creationId xmlns:a16="http://schemas.microsoft.com/office/drawing/2014/main" id="{F98719A9-7102-4359-A9F0-94F3B14A4F0B}"/>
+                <a16:creationId xmlns:a16="http://schemas.microsoft.com/office/drawing/2014/main" xmlns="" id="{F98719A9-7102-4359-A9F0-94F3B14A4F0B}"/>
               </a:ext>
             </a:extLst>
           </p:cNvPr>
@@ -15265,7 +15335,7 @@
           <p:cNvPr id="36" name="Retângulo: Único Canto Recortado 35">
             <a:extLst>
               <a:ext uri="{FF2B5EF4-FFF2-40B4-BE49-F238E27FC236}">
-                <a16:creationId xmlns:a16="http://schemas.microsoft.com/office/drawing/2014/main" id="{AA357EBC-7951-4EFB-8C8A-10098AE1F27D}"/>
+                <a16:creationId xmlns:a16="http://schemas.microsoft.com/office/drawing/2014/main" xmlns="" id="{AA357EBC-7951-4EFB-8C8A-10098AE1F27D}"/>
               </a:ext>
             </a:extLst>
           </p:cNvPr>
@@ -15275,7 +15345,7 @@
         <p:spPr>
           <a:xfrm>
             <a:off x="2933340" y="4955840"/>
-            <a:ext cx="5684056" cy="962009"/>
+            <a:ext cx="6095146" cy="962009"/>
           </a:xfrm>
           <a:prstGeom prst="snip1Rect">
             <a:avLst/>
@@ -15316,7 +15386,7 @@
           <p:cNvPr id="37" name="CaixaDeTexto 36">
             <a:extLst>
               <a:ext uri="{FF2B5EF4-FFF2-40B4-BE49-F238E27FC236}">
-                <a16:creationId xmlns:a16="http://schemas.microsoft.com/office/drawing/2014/main" id="{C8DD7EF8-8BAD-4A01-8EE6-131232181794}"/>
+                <a16:creationId xmlns:a16="http://schemas.microsoft.com/office/drawing/2014/main" xmlns="" id="{C8DD7EF8-8BAD-4A01-8EE6-131232181794}"/>
               </a:ext>
             </a:extLst>
           </p:cNvPr>
@@ -15326,7 +15396,7 @@
         <p:spPr>
           <a:xfrm>
             <a:off x="2933340" y="4955840"/>
-            <a:ext cx="5684056" cy="954107"/>
+            <a:ext cx="6095146" cy="954107"/>
           </a:xfrm>
           <a:prstGeom prst="rect">
             <a:avLst/>
@@ -15480,10 +15550,10 @@
       </p:sp>
       <p:sp>
         <p:nvSpPr>
-          <p:cNvPr id="69" name="Retângulo: Único Canto Recortado 68">
-            <a:extLst>
-              <a:ext uri="{FF2B5EF4-FFF2-40B4-BE49-F238E27FC236}">
-                <a16:creationId xmlns:a16="http://schemas.microsoft.com/office/drawing/2014/main" id="{783C8D63-0708-47DF-B1AC-5F54E9B26435}"/>
+          <p:cNvPr id="16" name="Retângulo: Único Canto Recortado 15">
+            <a:extLst>
+              <a:ext uri="{FF2B5EF4-FFF2-40B4-BE49-F238E27FC236}">
+                <a16:creationId xmlns:a16="http://schemas.microsoft.com/office/drawing/2014/main" xmlns="" id="{52D4208D-6FD7-4F8E-AEBA-E4AD9E4A0FD2}"/>
               </a:ext>
             </a:extLst>
           </p:cNvPr>
@@ -15492,8 +15562,8 @@
         </p:nvSpPr>
         <p:spPr>
           <a:xfrm>
-            <a:off x="6379936" y="2832211"/>
-            <a:ext cx="2459264" cy="307777"/>
+            <a:off x="9593723" y="2044004"/>
+            <a:ext cx="1683877" cy="2552286"/>
           </a:xfrm>
           <a:prstGeom prst="snip1Rect">
             <a:avLst/>
@@ -15529,10 +15599,10 @@
       </p:sp>
       <p:sp>
         <p:nvSpPr>
-          <p:cNvPr id="68" name="CaixaDeTexto 67">
-            <a:extLst>
-              <a:ext uri="{FF2B5EF4-FFF2-40B4-BE49-F238E27FC236}">
-                <a16:creationId xmlns:a16="http://schemas.microsoft.com/office/drawing/2014/main" id="{48DF54F8-43CF-44E9-85E4-646DD4EFC65D}"/>
+          <p:cNvPr id="17" name="CaixaDeTexto 16">
+            <a:extLst>
+              <a:ext uri="{FF2B5EF4-FFF2-40B4-BE49-F238E27FC236}">
+                <a16:creationId xmlns:a16="http://schemas.microsoft.com/office/drawing/2014/main" xmlns="" id="{99C2F8FD-A8C4-4282-A817-3E2445046A8F}"/>
               </a:ext>
             </a:extLst>
           </p:cNvPr>
@@ -15541,8 +15611,8 @@
         </p:nvSpPr>
         <p:spPr>
           <a:xfrm>
-            <a:off x="6379935" y="2832210"/>
-            <a:ext cx="2648551" cy="307777"/>
+            <a:off x="9593722" y="2044005"/>
+            <a:ext cx="1683878" cy="2462213"/>
           </a:xfrm>
           <a:prstGeom prst="rect">
             <a:avLst/>
@@ -15555,6 +15625,18 @@
           </a:bodyPr>
           <a:lstStyle/>
           <a:p>
+            <a:r>
+              <a:rPr lang="pt-BR" sz="1400" dirty="0">
+                <a:solidFill>
+                  <a:schemeClr val="bg1">
+                    <a:lumMod val="85000"/>
+                  </a:schemeClr>
+                </a:solidFill>
+                <a:latin typeface="Biome" panose="020B0502040204020203" pitchFamily="34" charset="0"/>
+                <a:cs typeface="Biome" panose="020B0502040204020203" pitchFamily="34" charset="0"/>
+              </a:rPr>
+              <a:t># </a:t>
+            </a:r>
             <a:r>
               <a:rPr lang="pt-BR" sz="1400" dirty="0" err="1">
                 <a:solidFill>
@@ -15565,7 +15647,7 @@
                 <a:latin typeface="Biome" panose="020B0502040204020203" pitchFamily="34" charset="0"/>
                 <a:cs typeface="Biome" panose="020B0502040204020203" pitchFamily="34" charset="0"/>
               </a:rPr>
-              <a:t>TK_Special_Character</a:t>
+              <a:t>can</a:t>
             </a:r>
             <a:r>
               <a:rPr lang="pt-BR" sz="1400" dirty="0">
@@ -15577,17 +15659,361 @@
                 <a:latin typeface="Biome" panose="020B0502040204020203" pitchFamily="34" charset="0"/>
                 <a:cs typeface="Biome" panose="020B0502040204020203" pitchFamily="34" charset="0"/>
               </a:rPr>
-              <a:t>_#</a:t>
-            </a:r>
-          </a:p>
-        </p:txBody>
-      </p:sp>
-      <p:sp>
-        <p:nvSpPr>
-          <p:cNvPr id="4" name="Fluxograma: Conector 3">
-            <a:extLst>
-              <a:ext uri="{FF2B5EF4-FFF2-40B4-BE49-F238E27FC236}">
-                <a16:creationId xmlns:a16="http://schemas.microsoft.com/office/drawing/2014/main" id="{3272DDE6-AD5A-4207-86D4-5FD36093EB43}"/>
+              <a:t> </a:t>
+            </a:r>
+            <a:r>
+              <a:rPr lang="pt-BR" sz="1400" dirty="0" err="1">
+                <a:solidFill>
+                  <a:schemeClr val="bg1">
+                    <a:lumMod val="85000"/>
+                  </a:schemeClr>
+                </a:solidFill>
+                <a:latin typeface="Biome" panose="020B0502040204020203" pitchFamily="34" charset="0"/>
+                <a:cs typeface="Biome" panose="020B0502040204020203" pitchFamily="34" charset="0"/>
+              </a:rPr>
+              <a:t>be</a:t>
+            </a:r>
+            <a:r>
+              <a:rPr lang="pt-BR" sz="1400" dirty="0">
+                <a:solidFill>
+                  <a:schemeClr val="bg1">
+                    <a:lumMod val="85000"/>
+                  </a:schemeClr>
+                </a:solidFill>
+                <a:latin typeface="Biome" panose="020B0502040204020203" pitchFamily="34" charset="0"/>
+                <a:cs typeface="Biome" panose="020B0502040204020203" pitchFamily="34" charset="0"/>
+              </a:rPr>
+              <a:t>:</a:t>
+            </a:r>
+          </a:p>
+          <a:p>
+            <a:r>
+              <a:rPr lang="pt-BR" sz="1400" dirty="0" err="1" smtClean="0">
+                <a:solidFill>
+                  <a:schemeClr val="bg1">
+                    <a:lumMod val="85000"/>
+                  </a:schemeClr>
+                </a:solidFill>
+                <a:latin typeface="Biome" panose="020B0502040204020203" pitchFamily="34" charset="0"/>
+                <a:cs typeface="Biome" panose="020B0502040204020203" pitchFamily="34" charset="0"/>
+              </a:rPr>
+              <a:t>Parentheses</a:t>
+            </a:r>
+            <a:r>
+              <a:rPr lang="pt-BR" sz="1400" dirty="0" smtClean="0">
+                <a:solidFill>
+                  <a:schemeClr val="bg1">
+                    <a:lumMod val="85000"/>
+                  </a:schemeClr>
+                </a:solidFill>
+                <a:latin typeface="Biome" panose="020B0502040204020203" pitchFamily="34" charset="0"/>
+                <a:cs typeface="Biome" panose="020B0502040204020203" pitchFamily="34" charset="0"/>
+              </a:rPr>
+              <a:t> open</a:t>
+            </a:r>
+            <a:endParaRPr lang="pt-BR" sz="1400" dirty="0">
+              <a:solidFill>
+                <a:schemeClr val="bg1">
+                  <a:lumMod val="85000"/>
+                </a:schemeClr>
+              </a:solidFill>
+              <a:latin typeface="Biome" panose="020B0502040204020203" pitchFamily="34" charset="0"/>
+              <a:cs typeface="Biome" panose="020B0502040204020203" pitchFamily="34" charset="0"/>
+            </a:endParaRPr>
+          </a:p>
+          <a:p>
+            <a:r>
+              <a:rPr lang="pt-BR" sz="1400" dirty="0" err="1" smtClean="0">
+                <a:solidFill>
+                  <a:schemeClr val="bg1">
+                    <a:lumMod val="85000"/>
+                  </a:schemeClr>
+                </a:solidFill>
+                <a:latin typeface="Biome" panose="020B0502040204020203" pitchFamily="34" charset="0"/>
+                <a:cs typeface="Biome" panose="020B0502040204020203" pitchFamily="34" charset="0"/>
+              </a:rPr>
+              <a:t>Parentheses</a:t>
+            </a:r>
+            <a:r>
+              <a:rPr lang="pt-BR" sz="1400" dirty="0" smtClean="0">
+                <a:solidFill>
+                  <a:schemeClr val="bg1">
+                    <a:lumMod val="85000"/>
+                  </a:schemeClr>
+                </a:solidFill>
+                <a:latin typeface="Biome" panose="020B0502040204020203" pitchFamily="34" charset="0"/>
+                <a:cs typeface="Biome" panose="020B0502040204020203" pitchFamily="34" charset="0"/>
+              </a:rPr>
+              <a:t> </a:t>
+            </a:r>
+            <a:r>
+              <a:rPr lang="pt-BR" sz="1400" dirty="0" err="1" smtClean="0">
+                <a:solidFill>
+                  <a:schemeClr val="bg1">
+                    <a:lumMod val="85000"/>
+                  </a:schemeClr>
+                </a:solidFill>
+                <a:latin typeface="Biome" panose="020B0502040204020203" pitchFamily="34" charset="0"/>
+                <a:cs typeface="Biome" panose="020B0502040204020203" pitchFamily="34" charset="0"/>
+              </a:rPr>
+              <a:t>closed</a:t>
+            </a:r>
+            <a:endParaRPr lang="pt-BR" sz="1400" dirty="0" smtClean="0">
+              <a:solidFill>
+                <a:schemeClr val="bg1">
+                  <a:lumMod val="85000"/>
+                </a:schemeClr>
+              </a:solidFill>
+              <a:latin typeface="Biome" panose="020B0502040204020203" pitchFamily="34" charset="0"/>
+              <a:cs typeface="Biome" panose="020B0502040204020203" pitchFamily="34" charset="0"/>
+            </a:endParaRPr>
+          </a:p>
+          <a:p>
+            <a:r>
+              <a:rPr lang="pt-BR" sz="1400" dirty="0" err="1" smtClean="0">
+                <a:solidFill>
+                  <a:schemeClr val="bg1">
+                    <a:lumMod val="85000"/>
+                  </a:schemeClr>
+                </a:solidFill>
+                <a:latin typeface="Biome" panose="020B0502040204020203" pitchFamily="34" charset="0"/>
+                <a:cs typeface="Biome" panose="020B0502040204020203" pitchFamily="34" charset="0"/>
+              </a:rPr>
+              <a:t>Braces</a:t>
+            </a:r>
+            <a:r>
+              <a:rPr lang="pt-BR" sz="1400" dirty="0" smtClean="0">
+                <a:solidFill>
+                  <a:schemeClr val="bg1">
+                    <a:lumMod val="85000"/>
+                  </a:schemeClr>
+                </a:solidFill>
+                <a:latin typeface="Biome" panose="020B0502040204020203" pitchFamily="34" charset="0"/>
+                <a:cs typeface="Biome" panose="020B0502040204020203" pitchFamily="34" charset="0"/>
+              </a:rPr>
+              <a:t> open</a:t>
+            </a:r>
+          </a:p>
+          <a:p>
+            <a:r>
+              <a:rPr lang="pt-BR" sz="1400" dirty="0" err="1" smtClean="0">
+                <a:solidFill>
+                  <a:schemeClr val="bg1">
+                    <a:lumMod val="85000"/>
+                  </a:schemeClr>
+                </a:solidFill>
+                <a:latin typeface="Biome" panose="020B0502040204020203" pitchFamily="34" charset="0"/>
+                <a:cs typeface="Biome" panose="020B0502040204020203" pitchFamily="34" charset="0"/>
+              </a:rPr>
+              <a:t>Braces</a:t>
+            </a:r>
+            <a:r>
+              <a:rPr lang="pt-BR" sz="1400" dirty="0" smtClean="0">
+                <a:solidFill>
+                  <a:schemeClr val="bg1">
+                    <a:lumMod val="85000"/>
+                  </a:schemeClr>
+                </a:solidFill>
+                <a:latin typeface="Biome" panose="020B0502040204020203" pitchFamily="34" charset="0"/>
+                <a:cs typeface="Biome" panose="020B0502040204020203" pitchFamily="34" charset="0"/>
+              </a:rPr>
+              <a:t> </a:t>
+            </a:r>
+            <a:r>
+              <a:rPr lang="pt-BR" sz="1400" dirty="0" err="1" smtClean="0">
+                <a:solidFill>
+                  <a:schemeClr val="bg1">
+                    <a:lumMod val="85000"/>
+                  </a:schemeClr>
+                </a:solidFill>
+                <a:latin typeface="Biome" panose="020B0502040204020203" pitchFamily="34" charset="0"/>
+                <a:cs typeface="Biome" panose="020B0502040204020203" pitchFamily="34" charset="0"/>
+              </a:rPr>
+              <a:t>closed</a:t>
+            </a:r>
+            <a:endParaRPr lang="pt-BR" sz="1400" dirty="0">
+              <a:solidFill>
+                <a:schemeClr val="bg1">
+                  <a:lumMod val="85000"/>
+                </a:schemeClr>
+              </a:solidFill>
+              <a:latin typeface="Biome" panose="020B0502040204020203" pitchFamily="34" charset="0"/>
+              <a:cs typeface="Biome" panose="020B0502040204020203" pitchFamily="34" charset="0"/>
+            </a:endParaRPr>
+          </a:p>
+          <a:p>
+            <a:r>
+              <a:rPr lang="pt-BR" sz="1400" dirty="0" err="1" smtClean="0">
+                <a:solidFill>
+                  <a:schemeClr val="bg1">
+                    <a:lumMod val="85000"/>
+                  </a:schemeClr>
+                </a:solidFill>
+                <a:latin typeface="Biome" panose="020B0502040204020203" pitchFamily="34" charset="0"/>
+                <a:cs typeface="Biome" panose="020B0502040204020203" pitchFamily="34" charset="0"/>
+              </a:rPr>
+              <a:t>Brackets</a:t>
+            </a:r>
+            <a:r>
+              <a:rPr lang="pt-BR" sz="1400" dirty="0" smtClean="0">
+                <a:solidFill>
+                  <a:schemeClr val="bg1">
+                    <a:lumMod val="85000"/>
+                  </a:schemeClr>
+                </a:solidFill>
+                <a:latin typeface="Biome" panose="020B0502040204020203" pitchFamily="34" charset="0"/>
+                <a:cs typeface="Biome" panose="020B0502040204020203" pitchFamily="34" charset="0"/>
+              </a:rPr>
+              <a:t> open</a:t>
+            </a:r>
+          </a:p>
+          <a:p>
+            <a:r>
+              <a:rPr lang="pt-BR" sz="1400" dirty="0" err="1" smtClean="0">
+                <a:solidFill>
+                  <a:schemeClr val="bg1">
+                    <a:lumMod val="85000"/>
+                  </a:schemeClr>
+                </a:solidFill>
+                <a:latin typeface="Biome" panose="020B0502040204020203" pitchFamily="34" charset="0"/>
+                <a:cs typeface="Biome" panose="020B0502040204020203" pitchFamily="34" charset="0"/>
+              </a:rPr>
+              <a:t>Brackets</a:t>
+            </a:r>
+            <a:r>
+              <a:rPr lang="pt-BR" sz="1400" dirty="0" smtClean="0">
+                <a:solidFill>
+                  <a:schemeClr val="bg1">
+                    <a:lumMod val="85000"/>
+                  </a:schemeClr>
+                </a:solidFill>
+                <a:latin typeface="Biome" panose="020B0502040204020203" pitchFamily="34" charset="0"/>
+                <a:cs typeface="Biome" panose="020B0502040204020203" pitchFamily="34" charset="0"/>
+              </a:rPr>
+              <a:t> </a:t>
+            </a:r>
+            <a:r>
+              <a:rPr lang="pt-BR" sz="1400" dirty="0" err="1" smtClean="0">
+                <a:solidFill>
+                  <a:schemeClr val="bg1">
+                    <a:lumMod val="85000"/>
+                  </a:schemeClr>
+                </a:solidFill>
+                <a:latin typeface="Biome" panose="020B0502040204020203" pitchFamily="34" charset="0"/>
+                <a:cs typeface="Biome" panose="020B0502040204020203" pitchFamily="34" charset="0"/>
+              </a:rPr>
+              <a:t>closed</a:t>
+            </a:r>
+            <a:endParaRPr lang="pt-BR" sz="1400" dirty="0">
+              <a:solidFill>
+                <a:schemeClr val="bg1">
+                  <a:lumMod val="85000"/>
+                </a:schemeClr>
+              </a:solidFill>
+              <a:latin typeface="Biome" panose="020B0502040204020203" pitchFamily="34" charset="0"/>
+              <a:cs typeface="Biome" panose="020B0502040204020203" pitchFamily="34" charset="0"/>
+            </a:endParaRPr>
+          </a:p>
+          <a:p>
+            <a:r>
+              <a:rPr lang="pt-BR" sz="1400" dirty="0" err="1">
+                <a:solidFill>
+                  <a:schemeClr val="bg1">
+                    <a:lumMod val="85000"/>
+                  </a:schemeClr>
+                </a:solidFill>
+                <a:latin typeface="Biome" panose="020B0502040204020203" pitchFamily="34" charset="0"/>
+                <a:cs typeface="Biome" panose="020B0502040204020203" pitchFamily="34" charset="0"/>
+              </a:rPr>
+              <a:t>Comma</a:t>
+            </a:r>
+            <a:endParaRPr lang="pt-BR" sz="1400" dirty="0">
+              <a:solidFill>
+                <a:schemeClr val="bg1">
+                  <a:lumMod val="85000"/>
+                </a:schemeClr>
+              </a:solidFill>
+              <a:latin typeface="Biome" panose="020B0502040204020203" pitchFamily="34" charset="0"/>
+              <a:cs typeface="Biome" panose="020B0502040204020203" pitchFamily="34" charset="0"/>
+            </a:endParaRPr>
+          </a:p>
+          <a:p>
+            <a:r>
+              <a:rPr lang="pt-BR" sz="1400" dirty="0" err="1">
+                <a:solidFill>
+                  <a:schemeClr val="bg1">
+                    <a:lumMod val="85000"/>
+                  </a:schemeClr>
+                </a:solidFill>
+                <a:latin typeface="Biome" panose="020B0502040204020203" pitchFamily="34" charset="0"/>
+                <a:cs typeface="Biome" panose="020B0502040204020203" pitchFamily="34" charset="0"/>
+              </a:rPr>
+              <a:t>Semicolon</a:t>
+            </a:r>
+            <a:endParaRPr lang="pt-BR" sz="1400" dirty="0">
+              <a:solidFill>
+                <a:schemeClr val="bg1">
+                  <a:lumMod val="85000"/>
+                </a:schemeClr>
+              </a:solidFill>
+              <a:latin typeface="Biome" panose="020B0502040204020203" pitchFamily="34" charset="0"/>
+              <a:cs typeface="Biome" panose="020B0502040204020203" pitchFamily="34" charset="0"/>
+            </a:endParaRPr>
+          </a:p>
+          <a:p>
+            <a:r>
+              <a:rPr lang="pt-BR" sz="1400" dirty="0" err="1">
+                <a:solidFill>
+                  <a:schemeClr val="bg1">
+                    <a:lumMod val="85000"/>
+                  </a:schemeClr>
+                </a:solidFill>
+                <a:latin typeface="Biome" panose="020B0502040204020203" pitchFamily="34" charset="0"/>
+                <a:cs typeface="Biome" panose="020B0502040204020203" pitchFamily="34" charset="0"/>
+              </a:rPr>
+              <a:t>Two_points</a:t>
+            </a:r>
+            <a:endParaRPr lang="pt-BR" sz="1400" dirty="0">
+              <a:solidFill>
+                <a:schemeClr val="bg1">
+                  <a:lumMod val="85000"/>
+                </a:schemeClr>
+              </a:solidFill>
+              <a:latin typeface="Biome" panose="020B0502040204020203" pitchFamily="34" charset="0"/>
+              <a:cs typeface="Biome" panose="020B0502040204020203" pitchFamily="34" charset="0"/>
+            </a:endParaRPr>
+          </a:p>
+          <a:p>
+            <a:r>
+              <a:rPr lang="pt-BR" sz="1400" dirty="0" err="1">
+                <a:solidFill>
+                  <a:schemeClr val="bg1">
+                    <a:lumMod val="85000"/>
+                  </a:schemeClr>
+                </a:solidFill>
+                <a:latin typeface="Biome" panose="020B0502040204020203" pitchFamily="34" charset="0"/>
+                <a:cs typeface="Biome" panose="020B0502040204020203" pitchFamily="34" charset="0"/>
+              </a:rPr>
+              <a:t>Hash</a:t>
+            </a:r>
+            <a:endParaRPr lang="pt-BR" sz="1400" dirty="0">
+              <a:solidFill>
+                <a:schemeClr val="bg1">
+                  <a:lumMod val="85000"/>
+                </a:schemeClr>
+              </a:solidFill>
+              <a:latin typeface="Biome" panose="020B0502040204020203" pitchFamily="34" charset="0"/>
+              <a:cs typeface="Biome" panose="020B0502040204020203" pitchFamily="34" charset="0"/>
+            </a:endParaRPr>
+          </a:p>
+        </p:txBody>
+      </p:sp>
+      <p:sp>
+        <p:nvSpPr>
+          <p:cNvPr id="69" name="Retângulo: Único Canto Recortado 68">
+            <a:extLst>
+              <a:ext uri="{FF2B5EF4-FFF2-40B4-BE49-F238E27FC236}">
+                <a16:creationId xmlns:a16="http://schemas.microsoft.com/office/drawing/2014/main" xmlns="" id="{783C8D63-0708-47DF-B1AC-5F54E9B26435}"/>
               </a:ext>
             </a:extLst>
           </p:cNvPr>
@@ -15596,18 +16022,15 @@
         </p:nvSpPr>
         <p:spPr>
           <a:xfrm>
-            <a:off x="2927722" y="2873305"/>
-            <a:ext cx="676405" cy="676406"/>
-          </a:xfrm>
-          <a:prstGeom prst="flowChartConnector">
-            <a:avLst/>
-          </a:prstGeom>
-          <a:noFill/>
-          <a:ln w="19050">
-            <a:solidFill>
-              <a:srgbClr val="002060"/>
-            </a:solidFill>
-          </a:ln>
+            <a:off x="6379936" y="2832211"/>
+            <a:ext cx="2459264" cy="307777"/>
+          </a:xfrm>
+          <a:prstGeom prst="snip1Rect">
+            <a:avLst/>
+          </a:prstGeom>
+          <a:solidFill>
+            <a:srgbClr val="002060"/>
+          </a:solidFill>
         </p:spPr>
         <p:style>
           <a:lnRef idx="2">
@@ -15630,6 +16053,113 @@
           <a:lstStyle/>
           <a:p>
             <a:pPr algn="ctr"/>
+            <a:endParaRPr lang="pt-BR"/>
+          </a:p>
+        </p:txBody>
+      </p:sp>
+      <p:sp>
+        <p:nvSpPr>
+          <p:cNvPr id="68" name="CaixaDeTexto 67">
+            <a:extLst>
+              <a:ext uri="{FF2B5EF4-FFF2-40B4-BE49-F238E27FC236}">
+                <a16:creationId xmlns:a16="http://schemas.microsoft.com/office/drawing/2014/main" xmlns="" id="{48DF54F8-43CF-44E9-85E4-646DD4EFC65D}"/>
+              </a:ext>
+            </a:extLst>
+          </p:cNvPr>
+          <p:cNvSpPr txBox="1"/>
+          <p:nvPr/>
+        </p:nvSpPr>
+        <p:spPr>
+          <a:xfrm>
+            <a:off x="6379935" y="2832210"/>
+            <a:ext cx="2648551" cy="307777"/>
+          </a:xfrm>
+          <a:prstGeom prst="rect">
+            <a:avLst/>
+          </a:prstGeom>
+          <a:noFill/>
+        </p:spPr>
+        <p:txBody>
+          <a:bodyPr wrap="square" rtlCol="0">
+            <a:spAutoFit/>
+          </a:bodyPr>
+          <a:lstStyle/>
+          <a:p>
+            <a:r>
+              <a:rPr lang="pt-BR" sz="1400" dirty="0" err="1">
+                <a:solidFill>
+                  <a:schemeClr val="bg1">
+                    <a:lumMod val="85000"/>
+                  </a:schemeClr>
+                </a:solidFill>
+                <a:latin typeface="Biome" panose="020B0502040204020203" pitchFamily="34" charset="0"/>
+                <a:cs typeface="Biome" panose="020B0502040204020203" pitchFamily="34" charset="0"/>
+              </a:rPr>
+              <a:t>TK_Special_Character</a:t>
+            </a:r>
+            <a:r>
+              <a:rPr lang="pt-BR" sz="1400" dirty="0">
+                <a:solidFill>
+                  <a:schemeClr val="bg1">
+                    <a:lumMod val="85000"/>
+                  </a:schemeClr>
+                </a:solidFill>
+                <a:latin typeface="Biome" panose="020B0502040204020203" pitchFamily="34" charset="0"/>
+                <a:cs typeface="Biome" panose="020B0502040204020203" pitchFamily="34" charset="0"/>
+              </a:rPr>
+              <a:t>_#</a:t>
+            </a:r>
+          </a:p>
+        </p:txBody>
+      </p:sp>
+      <p:sp>
+        <p:nvSpPr>
+          <p:cNvPr id="4" name="Fluxograma: Conector 3">
+            <a:extLst>
+              <a:ext uri="{FF2B5EF4-FFF2-40B4-BE49-F238E27FC236}">
+                <a16:creationId xmlns:a16="http://schemas.microsoft.com/office/drawing/2014/main" xmlns="" id="{3272DDE6-AD5A-4207-86D4-5FD36093EB43}"/>
+              </a:ext>
+            </a:extLst>
+          </p:cNvPr>
+          <p:cNvSpPr/>
+          <p:nvPr/>
+        </p:nvSpPr>
+        <p:spPr>
+          <a:xfrm>
+            <a:off x="2927722" y="2873305"/>
+            <a:ext cx="676405" cy="676406"/>
+          </a:xfrm>
+          <a:prstGeom prst="flowChartConnector">
+            <a:avLst/>
+          </a:prstGeom>
+          <a:noFill/>
+          <a:ln w="19050">
+            <a:solidFill>
+              <a:srgbClr val="002060"/>
+            </a:solidFill>
+          </a:ln>
+        </p:spPr>
+        <p:style>
+          <a:lnRef idx="2">
+            <a:schemeClr val="accent1">
+              <a:shade val="50000"/>
+            </a:schemeClr>
+          </a:lnRef>
+          <a:fillRef idx="1">
+            <a:schemeClr val="accent1"/>
+          </a:fillRef>
+          <a:effectRef idx="0">
+            <a:schemeClr val="accent1"/>
+          </a:effectRef>
+          <a:fontRef idx="minor">
+            <a:schemeClr val="lt1"/>
+          </a:fontRef>
+        </p:style>
+        <p:txBody>
+          <a:bodyPr rtlCol="0" anchor="ctr"/>
+          <a:lstStyle/>
+          <a:p>
+            <a:pPr algn="ctr"/>
             <a:r>
               <a:rPr lang="pt-BR" dirty="0">
                 <a:ln w="0"/>
@@ -15649,7 +16179,7 @@
           <p:cNvPr id="9" name="Conector de Seta Reta 8">
             <a:extLst>
               <a:ext uri="{FF2B5EF4-FFF2-40B4-BE49-F238E27FC236}">
-                <a16:creationId xmlns:a16="http://schemas.microsoft.com/office/drawing/2014/main" id="{D2A2D81A-7AB6-4675-9900-C1EEF7C703EE}"/>
+                <a16:creationId xmlns:a16="http://schemas.microsoft.com/office/drawing/2014/main" xmlns="" id="{D2A2D81A-7AB6-4675-9900-C1EEF7C703EE}"/>
               </a:ext>
             </a:extLst>
           </p:cNvPr>
@@ -15695,7 +16225,7 @@
           <p:cNvPr id="14" name="CaixaDeTexto 13">
             <a:extLst>
               <a:ext uri="{FF2B5EF4-FFF2-40B4-BE49-F238E27FC236}">
-                <a16:creationId xmlns:a16="http://schemas.microsoft.com/office/drawing/2014/main" id="{E2EBDF38-DEA7-42AC-B014-F917F4EC71CA}"/>
+                <a16:creationId xmlns:a16="http://schemas.microsoft.com/office/drawing/2014/main" xmlns="" id="{E2EBDF38-DEA7-42AC-B014-F917F4EC71CA}"/>
               </a:ext>
             </a:extLst>
           </p:cNvPr>
@@ -15740,7 +16270,7 @@
           <p:cNvPr id="18" name="Seta: Circular 17">
             <a:extLst>
               <a:ext uri="{FF2B5EF4-FFF2-40B4-BE49-F238E27FC236}">
-                <a16:creationId xmlns:a16="http://schemas.microsoft.com/office/drawing/2014/main" id="{364652BC-79CA-4267-9ED7-E361A17A0443}"/>
+                <a16:creationId xmlns:a16="http://schemas.microsoft.com/office/drawing/2014/main" xmlns="" id="{364652BC-79CA-4267-9ED7-E361A17A0443}"/>
               </a:ext>
             </a:extLst>
           </p:cNvPr>
@@ -15802,7 +16332,7 @@
           <p:cNvPr id="42" name="CaixaDeTexto 41">
             <a:extLst>
               <a:ext uri="{FF2B5EF4-FFF2-40B4-BE49-F238E27FC236}">
-                <a16:creationId xmlns:a16="http://schemas.microsoft.com/office/drawing/2014/main" id="{4CF31268-74EF-49AA-8A9C-48FFAF98CCF9}"/>
+                <a16:creationId xmlns:a16="http://schemas.microsoft.com/office/drawing/2014/main" xmlns="" id="{4CF31268-74EF-49AA-8A9C-48FFAF98CCF9}"/>
               </a:ext>
             </a:extLst>
           </p:cNvPr>
@@ -15844,7 +16374,7 @@
           <p:cNvPr id="61" name="Círculo: Vazio 60">
             <a:extLst>
               <a:ext uri="{FF2B5EF4-FFF2-40B4-BE49-F238E27FC236}">
-                <a16:creationId xmlns:a16="http://schemas.microsoft.com/office/drawing/2014/main" id="{D5EBEEB5-7544-415F-969C-E3CAE52F894A}"/>
+                <a16:creationId xmlns:a16="http://schemas.microsoft.com/office/drawing/2014/main" xmlns="" id="{D5EBEEB5-7544-415F-969C-E3CAE52F894A}"/>
               </a:ext>
             </a:extLst>
           </p:cNvPr>
@@ -15907,7 +16437,7 @@
           <p:cNvPr id="78" name="CaixaDeTexto 77">
             <a:extLst>
               <a:ext uri="{FF2B5EF4-FFF2-40B4-BE49-F238E27FC236}">
-                <a16:creationId xmlns:a16="http://schemas.microsoft.com/office/drawing/2014/main" id="{F8662209-CC73-4844-98AF-25BAA8574176}"/>
+                <a16:creationId xmlns:a16="http://schemas.microsoft.com/office/drawing/2014/main" xmlns="" id="{F8662209-CC73-4844-98AF-25BAA8574176}"/>
               </a:ext>
             </a:extLst>
           </p:cNvPr>
@@ -15978,7 +16508,7 @@
           <p:cNvPr id="80" name="Conector reto 79">
             <a:extLst>
               <a:ext uri="{FF2B5EF4-FFF2-40B4-BE49-F238E27FC236}">
-                <a16:creationId xmlns:a16="http://schemas.microsoft.com/office/drawing/2014/main" id="{73F74C92-CD30-49B2-8BEC-F84A857A515C}"/>
+                <a16:creationId xmlns:a16="http://schemas.microsoft.com/office/drawing/2014/main" xmlns="" id="{73F74C92-CD30-49B2-8BEC-F84A857A515C}"/>
               </a:ext>
             </a:extLst>
           </p:cNvPr>
@@ -16021,7 +16551,7 @@
           <p:cNvPr id="87" name="Imagem 86" descr="Uma imagem contendo animal, coral&#10;&#10;Descrição gerada automaticamente">
             <a:extLst>
               <a:ext uri="{FF2B5EF4-FFF2-40B4-BE49-F238E27FC236}">
-                <a16:creationId xmlns:a16="http://schemas.microsoft.com/office/drawing/2014/main" id="{79C824A1-4C8D-4573-9C44-4018A1B6C0A4}"/>
+                <a16:creationId xmlns:a16="http://schemas.microsoft.com/office/drawing/2014/main" xmlns="" id="{79C824A1-4C8D-4573-9C44-4018A1B6C0A4}"/>
               </a:ext>
             </a:extLst>
           </p:cNvPr>
@@ -16031,7 +16561,7 @@
           <p:nvPr/>
         </p:nvPicPr>
         <p:blipFill>
-          <a:blip r:embed="rId2">
+          <a:blip r:embed="rId2" cstate="print">
             <a:extLst>
               <a:ext uri="{28A0092B-C50C-407E-A947-70E740481C1C}">
                 <a14:useLocalDpi xmlns:a14="http://schemas.microsoft.com/office/drawing/2010/main" val="0"/>
@@ -16057,7 +16587,7 @@
           <p:cNvPr id="88" name="Retângulo 87">
             <a:extLst>
               <a:ext uri="{FF2B5EF4-FFF2-40B4-BE49-F238E27FC236}">
-                <a16:creationId xmlns:a16="http://schemas.microsoft.com/office/drawing/2014/main" id="{C8800477-D1CB-4ACF-8EFA-88E43DEE4EC5}"/>
+                <a16:creationId xmlns:a16="http://schemas.microsoft.com/office/drawing/2014/main" xmlns="" id="{C8800477-D1CB-4ACF-8EFA-88E43DEE4EC5}"/>
               </a:ext>
             </a:extLst>
           </p:cNvPr>
@@ -16101,307 +16631,6 @@
           <a:p>
             <a:pPr algn="ctr"/>
             <a:endParaRPr lang="pt-BR"/>
-          </a:p>
-        </p:txBody>
-      </p:sp>
-      <p:sp>
-        <p:nvSpPr>
-          <p:cNvPr id="16" name="Retângulo: Único Canto Recortado 15">
-            <a:extLst>
-              <a:ext uri="{FF2B5EF4-FFF2-40B4-BE49-F238E27FC236}">
-                <a16:creationId xmlns:a16="http://schemas.microsoft.com/office/drawing/2014/main" id="{52D4208D-6FD7-4F8E-AEBA-E4AD9E4A0FD2}"/>
-              </a:ext>
-            </a:extLst>
-          </p:cNvPr>
-          <p:cNvSpPr/>
-          <p:nvPr/>
-        </p:nvSpPr>
-        <p:spPr>
-          <a:xfrm>
-            <a:off x="9593723" y="2044004"/>
-            <a:ext cx="1505131" cy="1866652"/>
-          </a:xfrm>
-          <a:prstGeom prst="snip1Rect">
-            <a:avLst/>
-          </a:prstGeom>
-          <a:solidFill>
-            <a:srgbClr val="002060"/>
-          </a:solidFill>
-        </p:spPr>
-        <p:style>
-          <a:lnRef idx="2">
-            <a:schemeClr val="accent1">
-              <a:shade val="50000"/>
-            </a:schemeClr>
-          </a:lnRef>
-          <a:fillRef idx="1">
-            <a:schemeClr val="accent1"/>
-          </a:fillRef>
-          <a:effectRef idx="0">
-            <a:schemeClr val="accent1"/>
-          </a:effectRef>
-          <a:fontRef idx="minor">
-            <a:schemeClr val="lt1"/>
-          </a:fontRef>
-        </p:style>
-        <p:txBody>
-          <a:bodyPr rtlCol="0" anchor="ctr"/>
-          <a:lstStyle/>
-          <a:p>
-            <a:pPr algn="ctr"/>
-            <a:endParaRPr lang="pt-BR"/>
-          </a:p>
-        </p:txBody>
-      </p:sp>
-      <p:sp>
-        <p:nvSpPr>
-          <p:cNvPr id="17" name="CaixaDeTexto 16">
-            <a:extLst>
-              <a:ext uri="{FF2B5EF4-FFF2-40B4-BE49-F238E27FC236}">
-                <a16:creationId xmlns:a16="http://schemas.microsoft.com/office/drawing/2014/main" id="{99C2F8FD-A8C4-4282-A817-3E2445046A8F}"/>
-              </a:ext>
-            </a:extLst>
-          </p:cNvPr>
-          <p:cNvSpPr txBox="1"/>
-          <p:nvPr/>
-        </p:nvSpPr>
-        <p:spPr>
-          <a:xfrm>
-            <a:off x="9593722" y="2044005"/>
-            <a:ext cx="1683878" cy="1815882"/>
-          </a:xfrm>
-          <a:prstGeom prst="rect">
-            <a:avLst/>
-          </a:prstGeom>
-          <a:noFill/>
-        </p:spPr>
-        <p:txBody>
-          <a:bodyPr wrap="square" rtlCol="0">
-            <a:spAutoFit/>
-          </a:bodyPr>
-          <a:lstStyle/>
-          <a:p>
-            <a:r>
-              <a:rPr lang="pt-BR" sz="1400" dirty="0">
-                <a:solidFill>
-                  <a:schemeClr val="bg1">
-                    <a:lumMod val="85000"/>
-                  </a:schemeClr>
-                </a:solidFill>
-                <a:latin typeface="Biome" panose="020B0502040204020203" pitchFamily="34" charset="0"/>
-                <a:cs typeface="Biome" panose="020B0502040204020203" pitchFamily="34" charset="0"/>
-              </a:rPr>
-              <a:t># </a:t>
-            </a:r>
-            <a:r>
-              <a:rPr lang="pt-BR" sz="1400" dirty="0" err="1">
-                <a:solidFill>
-                  <a:schemeClr val="bg1">
-                    <a:lumMod val="85000"/>
-                  </a:schemeClr>
-                </a:solidFill>
-                <a:latin typeface="Biome" panose="020B0502040204020203" pitchFamily="34" charset="0"/>
-                <a:cs typeface="Biome" panose="020B0502040204020203" pitchFamily="34" charset="0"/>
-              </a:rPr>
-              <a:t>can</a:t>
-            </a:r>
-            <a:r>
-              <a:rPr lang="pt-BR" sz="1400" dirty="0">
-                <a:solidFill>
-                  <a:schemeClr val="bg1">
-                    <a:lumMod val="85000"/>
-                  </a:schemeClr>
-                </a:solidFill>
-                <a:latin typeface="Biome" panose="020B0502040204020203" pitchFamily="34" charset="0"/>
-                <a:cs typeface="Biome" panose="020B0502040204020203" pitchFamily="34" charset="0"/>
-              </a:rPr>
-              <a:t> </a:t>
-            </a:r>
-            <a:r>
-              <a:rPr lang="pt-BR" sz="1400" dirty="0" err="1">
-                <a:solidFill>
-                  <a:schemeClr val="bg1">
-                    <a:lumMod val="85000"/>
-                  </a:schemeClr>
-                </a:solidFill>
-                <a:latin typeface="Biome" panose="020B0502040204020203" pitchFamily="34" charset="0"/>
-                <a:cs typeface="Biome" panose="020B0502040204020203" pitchFamily="34" charset="0"/>
-              </a:rPr>
-              <a:t>be</a:t>
-            </a:r>
-            <a:r>
-              <a:rPr lang="pt-BR" sz="1400" dirty="0">
-                <a:solidFill>
-                  <a:schemeClr val="bg1">
-                    <a:lumMod val="85000"/>
-                  </a:schemeClr>
-                </a:solidFill>
-                <a:latin typeface="Biome" panose="020B0502040204020203" pitchFamily="34" charset="0"/>
-                <a:cs typeface="Biome" panose="020B0502040204020203" pitchFamily="34" charset="0"/>
-              </a:rPr>
-              <a:t>:</a:t>
-            </a:r>
-          </a:p>
-          <a:p>
-            <a:r>
-              <a:rPr lang="pt-BR" sz="1400" dirty="0" err="1">
-                <a:solidFill>
-                  <a:schemeClr val="bg1">
-                    <a:lumMod val="85000"/>
-                  </a:schemeClr>
-                </a:solidFill>
-                <a:latin typeface="Biome" panose="020B0502040204020203" pitchFamily="34" charset="0"/>
-                <a:cs typeface="Biome" panose="020B0502040204020203" pitchFamily="34" charset="0"/>
-              </a:rPr>
-              <a:t>Parentheses</a:t>
-            </a:r>
-            <a:endParaRPr lang="pt-BR" sz="1400" dirty="0">
-              <a:solidFill>
-                <a:schemeClr val="bg1">
-                  <a:lumMod val="85000"/>
-                </a:schemeClr>
-              </a:solidFill>
-              <a:latin typeface="Biome" panose="020B0502040204020203" pitchFamily="34" charset="0"/>
-              <a:cs typeface="Biome" panose="020B0502040204020203" pitchFamily="34" charset="0"/>
-            </a:endParaRPr>
-          </a:p>
-          <a:p>
-            <a:r>
-              <a:rPr lang="pt-BR" sz="1400" dirty="0" err="1">
-                <a:solidFill>
-                  <a:schemeClr val="bg1">
-                    <a:lumMod val="85000"/>
-                  </a:schemeClr>
-                </a:solidFill>
-                <a:latin typeface="Biome" panose="020B0502040204020203" pitchFamily="34" charset="0"/>
-                <a:cs typeface="Biome" panose="020B0502040204020203" pitchFamily="34" charset="0"/>
-              </a:rPr>
-              <a:t>Braces</a:t>
-            </a:r>
-            <a:endParaRPr lang="pt-BR" sz="1400" dirty="0">
-              <a:solidFill>
-                <a:schemeClr val="bg1">
-                  <a:lumMod val="85000"/>
-                </a:schemeClr>
-              </a:solidFill>
-              <a:latin typeface="Biome" panose="020B0502040204020203" pitchFamily="34" charset="0"/>
-              <a:cs typeface="Biome" panose="020B0502040204020203" pitchFamily="34" charset="0"/>
-            </a:endParaRPr>
-          </a:p>
-          <a:p>
-            <a:r>
-              <a:rPr lang="pt-BR" sz="1400" dirty="0" err="1">
-                <a:solidFill>
-                  <a:schemeClr val="bg1">
-                    <a:lumMod val="85000"/>
-                  </a:schemeClr>
-                </a:solidFill>
-                <a:latin typeface="Biome" panose="020B0502040204020203" pitchFamily="34" charset="0"/>
-                <a:cs typeface="Biome" panose="020B0502040204020203" pitchFamily="34" charset="0"/>
-              </a:rPr>
-              <a:t>Brackets</a:t>
-            </a:r>
-            <a:endParaRPr lang="pt-BR" sz="1400" dirty="0">
-              <a:solidFill>
-                <a:schemeClr val="bg1">
-                  <a:lumMod val="85000"/>
-                </a:schemeClr>
-              </a:solidFill>
-              <a:latin typeface="Biome" panose="020B0502040204020203" pitchFamily="34" charset="0"/>
-              <a:cs typeface="Biome" panose="020B0502040204020203" pitchFamily="34" charset="0"/>
-            </a:endParaRPr>
-          </a:p>
-          <a:p>
-            <a:r>
-              <a:rPr lang="pt-BR" sz="1400" dirty="0" err="1">
-                <a:solidFill>
-                  <a:schemeClr val="bg1">
-                    <a:lumMod val="85000"/>
-                  </a:schemeClr>
-                </a:solidFill>
-                <a:latin typeface="Biome" panose="020B0502040204020203" pitchFamily="34" charset="0"/>
-                <a:cs typeface="Biome" panose="020B0502040204020203" pitchFamily="34" charset="0"/>
-              </a:rPr>
-              <a:t>Comma</a:t>
-            </a:r>
-            <a:endParaRPr lang="pt-BR" sz="1400" dirty="0">
-              <a:solidFill>
-                <a:schemeClr val="bg1">
-                  <a:lumMod val="85000"/>
-                </a:schemeClr>
-              </a:solidFill>
-              <a:latin typeface="Biome" panose="020B0502040204020203" pitchFamily="34" charset="0"/>
-              <a:cs typeface="Biome" panose="020B0502040204020203" pitchFamily="34" charset="0"/>
-            </a:endParaRPr>
-          </a:p>
-          <a:p>
-            <a:r>
-              <a:rPr lang="pt-BR" sz="1400" dirty="0" err="1">
-                <a:solidFill>
-                  <a:schemeClr val="bg1">
-                    <a:lumMod val="85000"/>
-                  </a:schemeClr>
-                </a:solidFill>
-                <a:latin typeface="Biome" panose="020B0502040204020203" pitchFamily="34" charset="0"/>
-                <a:cs typeface="Biome" panose="020B0502040204020203" pitchFamily="34" charset="0"/>
-              </a:rPr>
-              <a:t>Semicolon</a:t>
-            </a:r>
-            <a:endParaRPr lang="pt-BR" sz="1400" dirty="0">
-              <a:solidFill>
-                <a:schemeClr val="bg1">
-                  <a:lumMod val="85000"/>
-                </a:schemeClr>
-              </a:solidFill>
-              <a:latin typeface="Biome" panose="020B0502040204020203" pitchFamily="34" charset="0"/>
-              <a:cs typeface="Biome" panose="020B0502040204020203" pitchFamily="34" charset="0"/>
-            </a:endParaRPr>
-          </a:p>
-          <a:p>
-            <a:r>
-              <a:rPr lang="pt-BR" sz="1400" dirty="0" err="1">
-                <a:solidFill>
-                  <a:schemeClr val="bg1">
-                    <a:lumMod val="85000"/>
-                  </a:schemeClr>
-                </a:solidFill>
-                <a:latin typeface="Biome" panose="020B0502040204020203" pitchFamily="34" charset="0"/>
-                <a:cs typeface="Biome" panose="020B0502040204020203" pitchFamily="34" charset="0"/>
-              </a:rPr>
-              <a:t>Two_points</a:t>
-            </a:r>
-            <a:endParaRPr lang="pt-BR" sz="1400" dirty="0">
-              <a:solidFill>
-                <a:schemeClr val="bg1">
-                  <a:lumMod val="85000"/>
-                </a:schemeClr>
-              </a:solidFill>
-              <a:latin typeface="Biome" panose="020B0502040204020203" pitchFamily="34" charset="0"/>
-              <a:cs typeface="Biome" panose="020B0502040204020203" pitchFamily="34" charset="0"/>
-            </a:endParaRPr>
-          </a:p>
-          <a:p>
-            <a:r>
-              <a:rPr lang="pt-BR" sz="1400" dirty="0" err="1">
-                <a:solidFill>
-                  <a:schemeClr val="bg1">
-                    <a:lumMod val="85000"/>
-                  </a:schemeClr>
-                </a:solidFill>
-                <a:latin typeface="Biome" panose="020B0502040204020203" pitchFamily="34" charset="0"/>
-                <a:cs typeface="Biome" panose="020B0502040204020203" pitchFamily="34" charset="0"/>
-              </a:rPr>
-              <a:t>Hash</a:t>
-            </a:r>
-            <a:endParaRPr lang="pt-BR" sz="1400" dirty="0">
-              <a:solidFill>
-                <a:schemeClr val="bg1">
-                  <a:lumMod val="85000"/>
-                </a:schemeClr>
-              </a:solidFill>
-              <a:latin typeface="Biome" panose="020B0502040204020203" pitchFamily="34" charset="0"/>
-              <a:cs typeface="Biome" panose="020B0502040204020203" pitchFamily="34" charset="0"/>
-            </a:endParaRPr>
           </a:p>
         </p:txBody>
       </p:sp>
@@ -16452,7 +16681,7 @@
           <p:cNvPr id="4" name="Fluxograma: Conector 3">
             <a:extLst>
               <a:ext uri="{FF2B5EF4-FFF2-40B4-BE49-F238E27FC236}">
-                <a16:creationId xmlns:a16="http://schemas.microsoft.com/office/drawing/2014/main" id="{3272DDE6-AD5A-4207-86D4-5FD36093EB43}"/>
+                <a16:creationId xmlns:a16="http://schemas.microsoft.com/office/drawing/2014/main" xmlns="" id="{3272DDE6-AD5A-4207-86D4-5FD36093EB43}"/>
               </a:ext>
             </a:extLst>
           </p:cNvPr>
@@ -16514,7 +16743,7 @@
           <p:cNvPr id="9" name="Conector de Seta Reta 8">
             <a:extLst>
               <a:ext uri="{FF2B5EF4-FFF2-40B4-BE49-F238E27FC236}">
-                <a16:creationId xmlns:a16="http://schemas.microsoft.com/office/drawing/2014/main" id="{D2A2D81A-7AB6-4675-9900-C1EEF7C703EE}"/>
+                <a16:creationId xmlns:a16="http://schemas.microsoft.com/office/drawing/2014/main" xmlns="" id="{D2A2D81A-7AB6-4675-9900-C1EEF7C703EE}"/>
               </a:ext>
             </a:extLst>
           </p:cNvPr>
@@ -16560,7 +16789,7 @@
           <p:cNvPr id="14" name="CaixaDeTexto 13">
             <a:extLst>
               <a:ext uri="{FF2B5EF4-FFF2-40B4-BE49-F238E27FC236}">
-                <a16:creationId xmlns:a16="http://schemas.microsoft.com/office/drawing/2014/main" id="{E2EBDF38-DEA7-42AC-B014-F917F4EC71CA}"/>
+                <a16:creationId xmlns:a16="http://schemas.microsoft.com/office/drawing/2014/main" xmlns="" id="{E2EBDF38-DEA7-42AC-B014-F917F4EC71CA}"/>
               </a:ext>
             </a:extLst>
           </p:cNvPr>
@@ -16569,8 +16798,8 @@
         </p:nvSpPr>
         <p:spPr>
           <a:xfrm>
-            <a:off x="5132504" y="3286396"/>
-            <a:ext cx="238528" cy="307777"/>
+            <a:off x="4299950" y="3333016"/>
+            <a:ext cx="1795676" cy="307777"/>
           </a:xfrm>
           <a:prstGeom prst="rect">
             <a:avLst/>
@@ -16584,12 +16813,23 @@
           <a:lstStyle/>
           <a:p>
             <a:r>
-              <a:rPr lang="pt-BR" sz="1400" dirty="0">
+              <a:rPr lang="pt-BR" sz="1400" dirty="0" err="1" smtClean="0">
                 <a:latin typeface="Biome" panose="020B0502040204020203" pitchFamily="34" charset="0"/>
                 <a:cs typeface="Biome" panose="020B0502040204020203" pitchFamily="34" charset="0"/>
               </a:rPr>
-              <a:t>.</a:t>
-            </a:r>
+              <a:t>isPunctuation</a:t>
+            </a:r>
+            <a:r>
+              <a:rPr lang="pt-BR" sz="1400" dirty="0" smtClean="0">
+                <a:latin typeface="Biome" panose="020B0502040204020203" pitchFamily="34" charset="0"/>
+                <a:cs typeface="Biome" panose="020B0502040204020203" pitchFamily="34" charset="0"/>
+              </a:rPr>
+              <a:t>(c)</a:t>
+            </a:r>
+            <a:endParaRPr lang="pt-BR" sz="1400" dirty="0">
+              <a:latin typeface="Biome" panose="020B0502040204020203" pitchFamily="34" charset="0"/>
+              <a:cs typeface="Biome" panose="020B0502040204020203" pitchFamily="34" charset="0"/>
+            </a:endParaRPr>
           </a:p>
         </p:txBody>
       </p:sp>
@@ -16598,7 +16838,7 @@
           <p:cNvPr id="18" name="Seta: Circular 17">
             <a:extLst>
               <a:ext uri="{FF2B5EF4-FFF2-40B4-BE49-F238E27FC236}">
-                <a16:creationId xmlns:a16="http://schemas.microsoft.com/office/drawing/2014/main" id="{364652BC-79CA-4267-9ED7-E361A17A0443}"/>
+                <a16:creationId xmlns:a16="http://schemas.microsoft.com/office/drawing/2014/main" xmlns="" id="{364652BC-79CA-4267-9ED7-E361A17A0443}"/>
               </a:ext>
             </a:extLst>
           </p:cNvPr>
@@ -16660,7 +16900,7 @@
           <p:cNvPr id="42" name="CaixaDeTexto 41">
             <a:extLst>
               <a:ext uri="{FF2B5EF4-FFF2-40B4-BE49-F238E27FC236}">
-                <a16:creationId xmlns:a16="http://schemas.microsoft.com/office/drawing/2014/main" id="{4CF31268-74EF-49AA-8A9C-48FFAF98CCF9}"/>
+                <a16:creationId xmlns:a16="http://schemas.microsoft.com/office/drawing/2014/main" xmlns="" id="{4CF31268-74EF-49AA-8A9C-48FFAF98CCF9}"/>
               </a:ext>
             </a:extLst>
           </p:cNvPr>
@@ -16702,7 +16942,7 @@
           <p:cNvPr id="78" name="CaixaDeTexto 77">
             <a:extLst>
               <a:ext uri="{FF2B5EF4-FFF2-40B4-BE49-F238E27FC236}">
-                <a16:creationId xmlns:a16="http://schemas.microsoft.com/office/drawing/2014/main" id="{F8662209-CC73-4844-98AF-25BAA8574176}"/>
+                <a16:creationId xmlns:a16="http://schemas.microsoft.com/office/drawing/2014/main" xmlns="" id="{F8662209-CC73-4844-98AF-25BAA8574176}"/>
               </a:ext>
             </a:extLst>
           </p:cNvPr>
@@ -16759,7 +16999,7 @@
           <p:cNvPr id="80" name="Conector reto 79">
             <a:extLst>
               <a:ext uri="{FF2B5EF4-FFF2-40B4-BE49-F238E27FC236}">
-                <a16:creationId xmlns:a16="http://schemas.microsoft.com/office/drawing/2014/main" id="{73F74C92-CD30-49B2-8BEC-F84A857A515C}"/>
+                <a16:creationId xmlns:a16="http://schemas.microsoft.com/office/drawing/2014/main" xmlns="" id="{73F74C92-CD30-49B2-8BEC-F84A857A515C}"/>
               </a:ext>
             </a:extLst>
           </p:cNvPr>
@@ -16802,7 +17042,7 @@
           <p:cNvPr id="87" name="Imagem 86" descr="Uma imagem contendo animal, coral&#10;&#10;Descrição gerada automaticamente">
             <a:extLst>
               <a:ext uri="{FF2B5EF4-FFF2-40B4-BE49-F238E27FC236}">
-                <a16:creationId xmlns:a16="http://schemas.microsoft.com/office/drawing/2014/main" id="{79C824A1-4C8D-4573-9C44-4018A1B6C0A4}"/>
+                <a16:creationId xmlns:a16="http://schemas.microsoft.com/office/drawing/2014/main" xmlns="" id="{79C824A1-4C8D-4573-9C44-4018A1B6C0A4}"/>
               </a:ext>
             </a:extLst>
           </p:cNvPr>
@@ -16812,7 +17052,7 @@
           <p:nvPr/>
         </p:nvPicPr>
         <p:blipFill>
-          <a:blip r:embed="rId2">
+          <a:blip r:embed="rId2" cstate="print">
             <a:extLst>
               <a:ext uri="{28A0092B-C50C-407E-A947-70E740481C1C}">
                 <a14:useLocalDpi xmlns:a14="http://schemas.microsoft.com/office/drawing/2010/main" val="0"/>
@@ -16838,7 +17078,7 @@
           <p:cNvPr id="88" name="Retângulo 87">
             <a:extLst>
               <a:ext uri="{FF2B5EF4-FFF2-40B4-BE49-F238E27FC236}">
-                <a16:creationId xmlns:a16="http://schemas.microsoft.com/office/drawing/2014/main" id="{C8800477-D1CB-4ACF-8EFA-88E43DEE4EC5}"/>
+                <a16:creationId xmlns:a16="http://schemas.microsoft.com/office/drawing/2014/main" xmlns="" id="{C8800477-D1CB-4ACF-8EFA-88E43DEE4EC5}"/>
               </a:ext>
             </a:extLst>
           </p:cNvPr>
@@ -16890,7 +17130,7 @@
           <p:cNvPr id="21" name="Fluxograma: Conector 20">
             <a:extLst>
               <a:ext uri="{FF2B5EF4-FFF2-40B4-BE49-F238E27FC236}">
-                <a16:creationId xmlns:a16="http://schemas.microsoft.com/office/drawing/2014/main" id="{8085707A-6CAD-46C5-930A-A779AD578522}"/>
+                <a16:creationId xmlns:a16="http://schemas.microsoft.com/office/drawing/2014/main" xmlns="" id="{8085707A-6CAD-46C5-930A-A779AD578522}"/>
               </a:ext>
             </a:extLst>
           </p:cNvPr>
@@ -16952,7 +17192,7 @@
           <p:cNvPr id="23" name="Fluxograma: Conector 22">
             <a:extLst>
               <a:ext uri="{FF2B5EF4-FFF2-40B4-BE49-F238E27FC236}">
-                <a16:creationId xmlns:a16="http://schemas.microsoft.com/office/drawing/2014/main" id="{3AD66AF6-F264-4EE0-9776-468FBE531FC1}"/>
+                <a16:creationId xmlns:a16="http://schemas.microsoft.com/office/drawing/2014/main" xmlns="" id="{3AD66AF6-F264-4EE0-9776-468FBE531FC1}"/>
               </a:ext>
             </a:extLst>
           </p:cNvPr>
@@ -17014,7 +17254,7 @@
           <p:cNvPr id="24" name="Conector de Seta Reta 23">
             <a:extLst>
               <a:ext uri="{FF2B5EF4-FFF2-40B4-BE49-F238E27FC236}">
-                <a16:creationId xmlns:a16="http://schemas.microsoft.com/office/drawing/2014/main" id="{ADBA826C-D64E-4F39-825E-24C8693FA8B1}"/>
+                <a16:creationId xmlns:a16="http://schemas.microsoft.com/office/drawing/2014/main" xmlns="" id="{ADBA826C-D64E-4F39-825E-24C8693FA8B1}"/>
               </a:ext>
             </a:extLst>
           </p:cNvPr>
@@ -17060,7 +17300,7 @@
           <p:cNvPr id="27" name="CaixaDeTexto 26">
             <a:extLst>
               <a:ext uri="{FF2B5EF4-FFF2-40B4-BE49-F238E27FC236}">
-                <a16:creationId xmlns:a16="http://schemas.microsoft.com/office/drawing/2014/main" id="{A31EB483-044E-48C9-943D-CA5376CDC29D}"/>
+                <a16:creationId xmlns:a16="http://schemas.microsoft.com/office/drawing/2014/main" xmlns="" id="{A31EB483-044E-48C9-943D-CA5376CDC29D}"/>
               </a:ext>
             </a:extLst>
           </p:cNvPr>
@@ -17123,7 +17363,7 @@
           <p:cNvPr id="28" name="Seta: Circular 27">
             <a:extLst>
               <a:ext uri="{FF2B5EF4-FFF2-40B4-BE49-F238E27FC236}">
-                <a16:creationId xmlns:a16="http://schemas.microsoft.com/office/drawing/2014/main" id="{B0E68B07-D0A2-4F57-AEDE-7E7A91599D2A}"/>
+                <a16:creationId xmlns:a16="http://schemas.microsoft.com/office/drawing/2014/main" xmlns="" id="{B0E68B07-D0A2-4F57-AEDE-7E7A91599D2A}"/>
               </a:ext>
             </a:extLst>
           </p:cNvPr>
@@ -17185,7 +17425,7 @@
           <p:cNvPr id="29" name="CaixaDeTexto 28">
             <a:extLst>
               <a:ext uri="{FF2B5EF4-FFF2-40B4-BE49-F238E27FC236}">
-                <a16:creationId xmlns:a16="http://schemas.microsoft.com/office/drawing/2014/main" id="{D97B2A2D-85F3-49A9-A4B9-0F479769A61F}"/>
+                <a16:creationId xmlns:a16="http://schemas.microsoft.com/office/drawing/2014/main" xmlns="" id="{D97B2A2D-85F3-49A9-A4B9-0F479769A61F}"/>
               </a:ext>
             </a:extLst>
           </p:cNvPr>
@@ -17290,7 +17530,7 @@
           <p:cNvPr id="26" name="Retângulo: Único Canto Recortado 25">
             <a:extLst>
               <a:ext uri="{FF2B5EF4-FFF2-40B4-BE49-F238E27FC236}">
-                <a16:creationId xmlns:a16="http://schemas.microsoft.com/office/drawing/2014/main" id="{ABE2B027-E490-4DDB-84D6-CBDB98AA3E41}"/>
+                <a16:creationId xmlns:a16="http://schemas.microsoft.com/office/drawing/2014/main" xmlns="" id="{ABE2B027-E490-4DDB-84D6-CBDB98AA3E41}"/>
               </a:ext>
             </a:extLst>
           </p:cNvPr>
@@ -17339,7 +17579,7 @@
           <p:cNvPr id="30" name="CaixaDeTexto 29">
             <a:extLst>
               <a:ext uri="{FF2B5EF4-FFF2-40B4-BE49-F238E27FC236}">
-                <a16:creationId xmlns:a16="http://schemas.microsoft.com/office/drawing/2014/main" id="{C69A1F25-B230-4923-B310-5BD1F99792AC}"/>
+                <a16:creationId xmlns:a16="http://schemas.microsoft.com/office/drawing/2014/main" xmlns="" id="{C69A1F25-B230-4923-B310-5BD1F99792AC}"/>
               </a:ext>
             </a:extLst>
           </p:cNvPr>
@@ -17391,7 +17631,7 @@
           <p:cNvPr id="4" name="Fluxograma: Conector 3">
             <a:extLst>
               <a:ext uri="{FF2B5EF4-FFF2-40B4-BE49-F238E27FC236}">
-                <a16:creationId xmlns:a16="http://schemas.microsoft.com/office/drawing/2014/main" id="{3272DDE6-AD5A-4207-86D4-5FD36093EB43}"/>
+                <a16:creationId xmlns:a16="http://schemas.microsoft.com/office/drawing/2014/main" xmlns="" id="{3272DDE6-AD5A-4207-86D4-5FD36093EB43}"/>
               </a:ext>
             </a:extLst>
           </p:cNvPr>
@@ -17453,7 +17693,7 @@
           <p:cNvPr id="9" name="Conector de Seta Reta 8">
             <a:extLst>
               <a:ext uri="{FF2B5EF4-FFF2-40B4-BE49-F238E27FC236}">
-                <a16:creationId xmlns:a16="http://schemas.microsoft.com/office/drawing/2014/main" id="{D2A2D81A-7AB6-4675-9900-C1EEF7C703EE}"/>
+                <a16:creationId xmlns:a16="http://schemas.microsoft.com/office/drawing/2014/main" xmlns="" id="{D2A2D81A-7AB6-4675-9900-C1EEF7C703EE}"/>
               </a:ext>
             </a:extLst>
           </p:cNvPr>
@@ -17499,7 +17739,7 @@
           <p:cNvPr id="14" name="CaixaDeTexto 13">
             <a:extLst>
               <a:ext uri="{FF2B5EF4-FFF2-40B4-BE49-F238E27FC236}">
-                <a16:creationId xmlns:a16="http://schemas.microsoft.com/office/drawing/2014/main" id="{E2EBDF38-DEA7-42AC-B014-F917F4EC71CA}"/>
+                <a16:creationId xmlns:a16="http://schemas.microsoft.com/office/drawing/2014/main" xmlns="" id="{E2EBDF38-DEA7-42AC-B014-F917F4EC71CA}"/>
               </a:ext>
             </a:extLst>
           </p:cNvPr>
@@ -17537,7 +17777,7 @@
           <p:cNvPr id="18" name="Seta: Circular 17">
             <a:extLst>
               <a:ext uri="{FF2B5EF4-FFF2-40B4-BE49-F238E27FC236}">
-                <a16:creationId xmlns:a16="http://schemas.microsoft.com/office/drawing/2014/main" id="{364652BC-79CA-4267-9ED7-E361A17A0443}"/>
+                <a16:creationId xmlns:a16="http://schemas.microsoft.com/office/drawing/2014/main" xmlns="" id="{364652BC-79CA-4267-9ED7-E361A17A0443}"/>
               </a:ext>
             </a:extLst>
           </p:cNvPr>
@@ -17599,7 +17839,7 @@
           <p:cNvPr id="42" name="CaixaDeTexto 41">
             <a:extLst>
               <a:ext uri="{FF2B5EF4-FFF2-40B4-BE49-F238E27FC236}">
-                <a16:creationId xmlns:a16="http://schemas.microsoft.com/office/drawing/2014/main" id="{4CF31268-74EF-49AA-8A9C-48FFAF98CCF9}"/>
+                <a16:creationId xmlns:a16="http://schemas.microsoft.com/office/drawing/2014/main" xmlns="" id="{4CF31268-74EF-49AA-8A9C-48FFAF98CCF9}"/>
               </a:ext>
             </a:extLst>
           </p:cNvPr>
@@ -17641,7 +17881,7 @@
           <p:cNvPr id="78" name="CaixaDeTexto 77">
             <a:extLst>
               <a:ext uri="{FF2B5EF4-FFF2-40B4-BE49-F238E27FC236}">
-                <a16:creationId xmlns:a16="http://schemas.microsoft.com/office/drawing/2014/main" id="{F8662209-CC73-4844-98AF-25BAA8574176}"/>
+                <a16:creationId xmlns:a16="http://schemas.microsoft.com/office/drawing/2014/main" xmlns="" id="{F8662209-CC73-4844-98AF-25BAA8574176}"/>
               </a:ext>
             </a:extLst>
           </p:cNvPr>
@@ -17687,7 +17927,7 @@
           <p:cNvPr id="80" name="Conector reto 79">
             <a:extLst>
               <a:ext uri="{FF2B5EF4-FFF2-40B4-BE49-F238E27FC236}">
-                <a16:creationId xmlns:a16="http://schemas.microsoft.com/office/drawing/2014/main" id="{73F74C92-CD30-49B2-8BEC-F84A857A515C}"/>
+                <a16:creationId xmlns:a16="http://schemas.microsoft.com/office/drawing/2014/main" xmlns="" id="{73F74C92-CD30-49B2-8BEC-F84A857A515C}"/>
               </a:ext>
             </a:extLst>
           </p:cNvPr>
@@ -17730,7 +17970,7 @@
           <p:cNvPr id="87" name="Imagem 86" descr="Uma imagem contendo animal, coral&#10;&#10;Descrição gerada automaticamente">
             <a:extLst>
               <a:ext uri="{FF2B5EF4-FFF2-40B4-BE49-F238E27FC236}">
-                <a16:creationId xmlns:a16="http://schemas.microsoft.com/office/drawing/2014/main" id="{79C824A1-4C8D-4573-9C44-4018A1B6C0A4}"/>
+                <a16:creationId xmlns:a16="http://schemas.microsoft.com/office/drawing/2014/main" xmlns="" id="{79C824A1-4C8D-4573-9C44-4018A1B6C0A4}"/>
               </a:ext>
             </a:extLst>
           </p:cNvPr>
@@ -17740,7 +17980,7 @@
           <p:nvPr/>
         </p:nvPicPr>
         <p:blipFill>
-          <a:blip r:embed="rId2">
+          <a:blip r:embed="rId2" cstate="print">
             <a:extLst>
               <a:ext uri="{28A0092B-C50C-407E-A947-70E740481C1C}">
                 <a14:useLocalDpi xmlns:a14="http://schemas.microsoft.com/office/drawing/2010/main" val="0"/>
@@ -17766,7 +18006,7 @@
           <p:cNvPr id="88" name="Retângulo 87">
             <a:extLst>
               <a:ext uri="{FF2B5EF4-FFF2-40B4-BE49-F238E27FC236}">
-                <a16:creationId xmlns:a16="http://schemas.microsoft.com/office/drawing/2014/main" id="{C8800477-D1CB-4ACF-8EFA-88E43DEE4EC5}"/>
+                <a16:creationId xmlns:a16="http://schemas.microsoft.com/office/drawing/2014/main" xmlns="" id="{C8800477-D1CB-4ACF-8EFA-88E43DEE4EC5}"/>
               </a:ext>
             </a:extLst>
           </p:cNvPr>
@@ -17818,7 +18058,7 @@
           <p:cNvPr id="21" name="Fluxograma: Conector 20">
             <a:extLst>
               <a:ext uri="{FF2B5EF4-FFF2-40B4-BE49-F238E27FC236}">
-                <a16:creationId xmlns:a16="http://schemas.microsoft.com/office/drawing/2014/main" id="{8085707A-6CAD-46C5-930A-A779AD578522}"/>
+                <a16:creationId xmlns:a16="http://schemas.microsoft.com/office/drawing/2014/main" xmlns="" id="{8085707A-6CAD-46C5-930A-A779AD578522}"/>
               </a:ext>
             </a:extLst>
           </p:cNvPr>
@@ -17880,7 +18120,7 @@
           <p:cNvPr id="24" name="Conector de Seta Reta 23">
             <a:extLst>
               <a:ext uri="{FF2B5EF4-FFF2-40B4-BE49-F238E27FC236}">
-                <a16:creationId xmlns:a16="http://schemas.microsoft.com/office/drawing/2014/main" id="{ADBA826C-D64E-4F39-825E-24C8693FA8B1}"/>
+                <a16:creationId xmlns:a16="http://schemas.microsoft.com/office/drawing/2014/main" xmlns="" id="{ADBA826C-D64E-4F39-825E-24C8693FA8B1}"/>
               </a:ext>
             </a:extLst>
           </p:cNvPr>
@@ -17926,7 +18166,7 @@
           <p:cNvPr id="27" name="CaixaDeTexto 26">
             <a:extLst>
               <a:ext uri="{FF2B5EF4-FFF2-40B4-BE49-F238E27FC236}">
-                <a16:creationId xmlns:a16="http://schemas.microsoft.com/office/drawing/2014/main" id="{A31EB483-044E-48C9-943D-CA5376CDC29D}"/>
+                <a16:creationId xmlns:a16="http://schemas.microsoft.com/office/drawing/2014/main" xmlns="" id="{A31EB483-044E-48C9-943D-CA5376CDC29D}"/>
               </a:ext>
             </a:extLst>
           </p:cNvPr>
@@ -17964,7 +18204,7 @@
           <p:cNvPr id="19" name="Fluxograma: Conector 18">
             <a:extLst>
               <a:ext uri="{FF2B5EF4-FFF2-40B4-BE49-F238E27FC236}">
-                <a16:creationId xmlns:a16="http://schemas.microsoft.com/office/drawing/2014/main" id="{19FD2E01-91BC-4243-BE53-8EC26F0D02D8}"/>
+                <a16:creationId xmlns:a16="http://schemas.microsoft.com/office/drawing/2014/main" xmlns="" id="{19FD2E01-91BC-4243-BE53-8EC26F0D02D8}"/>
               </a:ext>
             </a:extLst>
           </p:cNvPr>
@@ -18026,7 +18266,7 @@
           <p:cNvPr id="22" name="Conector de Seta Reta 21">
             <a:extLst>
               <a:ext uri="{FF2B5EF4-FFF2-40B4-BE49-F238E27FC236}">
-                <a16:creationId xmlns:a16="http://schemas.microsoft.com/office/drawing/2014/main" id="{99F15100-5560-49E5-8208-A099E7044DB5}"/>
+                <a16:creationId xmlns:a16="http://schemas.microsoft.com/office/drawing/2014/main" xmlns="" id="{99F15100-5560-49E5-8208-A099E7044DB5}"/>
               </a:ext>
             </a:extLst>
           </p:cNvPr>
@@ -18071,7 +18311,7 @@
           <p:cNvPr id="25" name="CaixaDeTexto 24">
             <a:extLst>
               <a:ext uri="{FF2B5EF4-FFF2-40B4-BE49-F238E27FC236}">
-                <a16:creationId xmlns:a16="http://schemas.microsoft.com/office/drawing/2014/main" id="{242EFDF6-EACA-48A1-B26A-2D8EB9AC8CD8}"/>
+                <a16:creationId xmlns:a16="http://schemas.microsoft.com/office/drawing/2014/main" xmlns="" id="{242EFDF6-EACA-48A1-B26A-2D8EB9AC8CD8}"/>
               </a:ext>
             </a:extLst>
           </p:cNvPr>
@@ -18113,7 +18353,7 @@
           <p:cNvPr id="31" name="Círculo: Vazio 30">
             <a:extLst>
               <a:ext uri="{FF2B5EF4-FFF2-40B4-BE49-F238E27FC236}">
-                <a16:creationId xmlns:a16="http://schemas.microsoft.com/office/drawing/2014/main" id="{2948A5A5-C6BC-4DE2-B0F0-A59790A1CB21}"/>
+                <a16:creationId xmlns:a16="http://schemas.microsoft.com/office/drawing/2014/main" xmlns="" id="{2948A5A5-C6BC-4DE2-B0F0-A59790A1CB21}"/>
               </a:ext>
             </a:extLst>
           </p:cNvPr>
@@ -18176,7 +18416,7 @@
           <p:cNvPr id="32" name="Seta: Circular 31">
             <a:extLst>
               <a:ext uri="{FF2B5EF4-FFF2-40B4-BE49-F238E27FC236}">
-                <a16:creationId xmlns:a16="http://schemas.microsoft.com/office/drawing/2014/main" id="{FE1DA02D-77AB-479B-9EDD-5C1C41A0EDAF}"/>
+                <a16:creationId xmlns:a16="http://schemas.microsoft.com/office/drawing/2014/main" xmlns="" id="{FE1DA02D-77AB-479B-9EDD-5C1C41A0EDAF}"/>
               </a:ext>
             </a:extLst>
           </p:cNvPr>
@@ -18238,7 +18478,7 @@
           <p:cNvPr id="33" name="CaixaDeTexto 32">
             <a:extLst>
               <a:ext uri="{FF2B5EF4-FFF2-40B4-BE49-F238E27FC236}">
-                <a16:creationId xmlns:a16="http://schemas.microsoft.com/office/drawing/2014/main" id="{0A7C818B-AFE3-46FC-A45B-C961ED64C32A}"/>
+                <a16:creationId xmlns:a16="http://schemas.microsoft.com/office/drawing/2014/main" xmlns="" id="{0A7C818B-AFE3-46FC-A45B-C961ED64C32A}"/>
               </a:ext>
             </a:extLst>
           </p:cNvPr>
@@ -18283,7 +18523,7 @@
           <p:cNvPr id="13" name="Conector: Curvo 12">
             <a:extLst>
               <a:ext uri="{FF2B5EF4-FFF2-40B4-BE49-F238E27FC236}">
-                <a16:creationId xmlns:a16="http://schemas.microsoft.com/office/drawing/2014/main" id="{22C7C1E1-C991-44AE-A0F1-A2330949B159}"/>
+                <a16:creationId xmlns:a16="http://schemas.microsoft.com/office/drawing/2014/main" xmlns="" id="{22C7C1E1-C991-44AE-A0F1-A2330949B159}"/>
               </a:ext>
             </a:extLst>
           </p:cNvPr>
@@ -18330,7 +18570,7 @@
           <p:cNvPr id="38" name="CaixaDeTexto 37">
             <a:extLst>
               <a:ext uri="{FF2B5EF4-FFF2-40B4-BE49-F238E27FC236}">
-                <a16:creationId xmlns:a16="http://schemas.microsoft.com/office/drawing/2014/main" id="{521A9C69-B40A-4337-871D-E6168BB79163}"/>
+                <a16:creationId xmlns:a16="http://schemas.microsoft.com/office/drawing/2014/main" xmlns="" id="{521A9C69-B40A-4337-871D-E6168BB79163}"/>
               </a:ext>
             </a:extLst>
           </p:cNvPr>

--- a/docs/PavoAutomatons.pptx
+++ b/docs/PavoAutomatons.pptx
@@ -146,7 +146,7 @@
           <p:cNvPr id="2" name="Título 1">
             <a:extLst>
               <a:ext uri="{FF2B5EF4-FFF2-40B4-BE49-F238E27FC236}">
-                <a16:creationId xmlns:a16="http://schemas.microsoft.com/office/drawing/2014/main" xmlns="" id="{BD66A311-8912-4D39-A9FC-30422B2B734E}"/>
+                <a16:creationId xmlns="" xmlns:a16="http://schemas.microsoft.com/office/drawing/2014/main" id="{BD66A311-8912-4D39-A9FC-30422B2B734E}"/>
               </a:ext>
             </a:extLst>
           </p:cNvPr>
@@ -183,7 +183,7 @@
           <p:cNvPr id="3" name="Subtítulo 2">
             <a:extLst>
               <a:ext uri="{FF2B5EF4-FFF2-40B4-BE49-F238E27FC236}">
-                <a16:creationId xmlns:a16="http://schemas.microsoft.com/office/drawing/2014/main" xmlns="" id="{35F74D8A-2650-4AF8-8D93-91E2F2549861}"/>
+                <a16:creationId xmlns="" xmlns:a16="http://schemas.microsoft.com/office/drawing/2014/main" id="{35F74D8A-2650-4AF8-8D93-91E2F2549861}"/>
               </a:ext>
             </a:extLst>
           </p:cNvPr>
@@ -253,7 +253,7 @@
           <p:cNvPr id="4" name="Espaço Reservado para Data 3">
             <a:extLst>
               <a:ext uri="{FF2B5EF4-FFF2-40B4-BE49-F238E27FC236}">
-                <a16:creationId xmlns:a16="http://schemas.microsoft.com/office/drawing/2014/main" xmlns="" id="{1495EC4D-7F52-4B68-99A4-A7AEFDE7E82F}"/>
+                <a16:creationId xmlns="" xmlns:a16="http://schemas.microsoft.com/office/drawing/2014/main" id="{1495EC4D-7F52-4B68-99A4-A7AEFDE7E82F}"/>
               </a:ext>
             </a:extLst>
           </p:cNvPr>
@@ -271,7 +271,7 @@
           <a:p>
             <a:fld id="{951E67F8-B24B-4D0A-9786-15B6C19B3912}" type="datetimeFigureOut">
               <a:rPr lang="pt-BR" smtClean="0"/>
-              <a:t>17/03/2021</a:t>
+              <a:t>18/03/2021</a:t>
             </a:fld>
             <a:endParaRPr lang="pt-BR"/>
           </a:p>
@@ -282,7 +282,7 @@
           <p:cNvPr id="5" name="Espaço Reservado para Rodapé 4">
             <a:extLst>
               <a:ext uri="{FF2B5EF4-FFF2-40B4-BE49-F238E27FC236}">
-                <a16:creationId xmlns:a16="http://schemas.microsoft.com/office/drawing/2014/main" xmlns="" id="{B78B97E1-08F5-48F8-8CA7-33A1F5247CC4}"/>
+                <a16:creationId xmlns="" xmlns:a16="http://schemas.microsoft.com/office/drawing/2014/main" id="{B78B97E1-08F5-48F8-8CA7-33A1F5247CC4}"/>
               </a:ext>
             </a:extLst>
           </p:cNvPr>
@@ -307,7 +307,7 @@
           <p:cNvPr id="6" name="Espaço Reservado para Número de Slide 5">
             <a:extLst>
               <a:ext uri="{FF2B5EF4-FFF2-40B4-BE49-F238E27FC236}">
-                <a16:creationId xmlns:a16="http://schemas.microsoft.com/office/drawing/2014/main" xmlns="" id="{DF0DF2C5-8C42-40D9-B26B-8DBA56669E4C}"/>
+                <a16:creationId xmlns="" xmlns:a16="http://schemas.microsoft.com/office/drawing/2014/main" id="{DF0DF2C5-8C42-40D9-B26B-8DBA56669E4C}"/>
               </a:ext>
             </a:extLst>
           </p:cNvPr>
@@ -366,7 +366,7 @@
           <p:cNvPr id="2" name="Título 1">
             <a:extLst>
               <a:ext uri="{FF2B5EF4-FFF2-40B4-BE49-F238E27FC236}">
-                <a16:creationId xmlns:a16="http://schemas.microsoft.com/office/drawing/2014/main" xmlns="" id="{617D669C-7BA9-40CF-95B8-02C6FBD3018C}"/>
+                <a16:creationId xmlns="" xmlns:a16="http://schemas.microsoft.com/office/drawing/2014/main" id="{617D669C-7BA9-40CF-95B8-02C6FBD3018C}"/>
               </a:ext>
             </a:extLst>
           </p:cNvPr>
@@ -394,7 +394,7 @@
           <p:cNvPr id="3" name="Espaço Reservado para Texto Vertical 2">
             <a:extLst>
               <a:ext uri="{FF2B5EF4-FFF2-40B4-BE49-F238E27FC236}">
-                <a16:creationId xmlns:a16="http://schemas.microsoft.com/office/drawing/2014/main" xmlns="" id="{4E708098-607B-43E3-BEBC-3F59E3D3901E}"/>
+                <a16:creationId xmlns="" xmlns:a16="http://schemas.microsoft.com/office/drawing/2014/main" id="{4E708098-607B-43E3-BEBC-3F59E3D3901E}"/>
               </a:ext>
             </a:extLst>
           </p:cNvPr>
@@ -451,7 +451,7 @@
           <p:cNvPr id="4" name="Espaço Reservado para Data 3">
             <a:extLst>
               <a:ext uri="{FF2B5EF4-FFF2-40B4-BE49-F238E27FC236}">
-                <a16:creationId xmlns:a16="http://schemas.microsoft.com/office/drawing/2014/main" xmlns="" id="{5BE6CA55-E9C2-424D-A3DA-A8ECC356714A}"/>
+                <a16:creationId xmlns="" xmlns:a16="http://schemas.microsoft.com/office/drawing/2014/main" id="{5BE6CA55-E9C2-424D-A3DA-A8ECC356714A}"/>
               </a:ext>
             </a:extLst>
           </p:cNvPr>
@@ -469,7 +469,7 @@
           <a:p>
             <a:fld id="{951E67F8-B24B-4D0A-9786-15B6C19B3912}" type="datetimeFigureOut">
               <a:rPr lang="pt-BR" smtClean="0"/>
-              <a:t>17/03/2021</a:t>
+              <a:t>18/03/2021</a:t>
             </a:fld>
             <a:endParaRPr lang="pt-BR"/>
           </a:p>
@@ -480,7 +480,7 @@
           <p:cNvPr id="5" name="Espaço Reservado para Rodapé 4">
             <a:extLst>
               <a:ext uri="{FF2B5EF4-FFF2-40B4-BE49-F238E27FC236}">
-                <a16:creationId xmlns:a16="http://schemas.microsoft.com/office/drawing/2014/main" xmlns="" id="{B045E2D5-E4FC-4BFD-AFB7-83A67434CA43}"/>
+                <a16:creationId xmlns="" xmlns:a16="http://schemas.microsoft.com/office/drawing/2014/main" id="{B045E2D5-E4FC-4BFD-AFB7-83A67434CA43}"/>
               </a:ext>
             </a:extLst>
           </p:cNvPr>
@@ -505,7 +505,7 @@
           <p:cNvPr id="6" name="Espaço Reservado para Número de Slide 5">
             <a:extLst>
               <a:ext uri="{FF2B5EF4-FFF2-40B4-BE49-F238E27FC236}">
-                <a16:creationId xmlns:a16="http://schemas.microsoft.com/office/drawing/2014/main" xmlns="" id="{64CDD58C-3DE4-45D1-8470-398CC60C385A}"/>
+                <a16:creationId xmlns="" xmlns:a16="http://schemas.microsoft.com/office/drawing/2014/main" id="{64CDD58C-3DE4-45D1-8470-398CC60C385A}"/>
               </a:ext>
             </a:extLst>
           </p:cNvPr>
@@ -564,7 +564,7 @@
           <p:cNvPr id="2" name="Título Vertical 1">
             <a:extLst>
               <a:ext uri="{FF2B5EF4-FFF2-40B4-BE49-F238E27FC236}">
-                <a16:creationId xmlns:a16="http://schemas.microsoft.com/office/drawing/2014/main" xmlns="" id="{E27814E1-70A8-41B6-A0BA-69ED1D87B0BB}"/>
+                <a16:creationId xmlns="" xmlns:a16="http://schemas.microsoft.com/office/drawing/2014/main" id="{E27814E1-70A8-41B6-A0BA-69ED1D87B0BB}"/>
               </a:ext>
             </a:extLst>
           </p:cNvPr>
@@ -597,7 +597,7 @@
           <p:cNvPr id="3" name="Espaço Reservado para Texto Vertical 2">
             <a:extLst>
               <a:ext uri="{FF2B5EF4-FFF2-40B4-BE49-F238E27FC236}">
-                <a16:creationId xmlns:a16="http://schemas.microsoft.com/office/drawing/2014/main" xmlns="" id="{0000A23C-A402-4748-8138-1E57473DD49B}"/>
+                <a16:creationId xmlns="" xmlns:a16="http://schemas.microsoft.com/office/drawing/2014/main" id="{0000A23C-A402-4748-8138-1E57473DD49B}"/>
               </a:ext>
             </a:extLst>
           </p:cNvPr>
@@ -659,7 +659,7 @@
           <p:cNvPr id="4" name="Espaço Reservado para Data 3">
             <a:extLst>
               <a:ext uri="{FF2B5EF4-FFF2-40B4-BE49-F238E27FC236}">
-                <a16:creationId xmlns:a16="http://schemas.microsoft.com/office/drawing/2014/main" xmlns="" id="{41A87BC4-DCE5-4519-B238-AF473EE3658A}"/>
+                <a16:creationId xmlns="" xmlns:a16="http://schemas.microsoft.com/office/drawing/2014/main" id="{41A87BC4-DCE5-4519-B238-AF473EE3658A}"/>
               </a:ext>
             </a:extLst>
           </p:cNvPr>
@@ -677,7 +677,7 @@
           <a:p>
             <a:fld id="{951E67F8-B24B-4D0A-9786-15B6C19B3912}" type="datetimeFigureOut">
               <a:rPr lang="pt-BR" smtClean="0"/>
-              <a:t>17/03/2021</a:t>
+              <a:t>18/03/2021</a:t>
             </a:fld>
             <a:endParaRPr lang="pt-BR"/>
           </a:p>
@@ -688,7 +688,7 @@
           <p:cNvPr id="5" name="Espaço Reservado para Rodapé 4">
             <a:extLst>
               <a:ext uri="{FF2B5EF4-FFF2-40B4-BE49-F238E27FC236}">
-                <a16:creationId xmlns:a16="http://schemas.microsoft.com/office/drawing/2014/main" xmlns="" id="{FFC50C47-0A45-408D-9247-3C95E5148176}"/>
+                <a16:creationId xmlns="" xmlns:a16="http://schemas.microsoft.com/office/drawing/2014/main" id="{FFC50C47-0A45-408D-9247-3C95E5148176}"/>
               </a:ext>
             </a:extLst>
           </p:cNvPr>
@@ -713,7 +713,7 @@
           <p:cNvPr id="6" name="Espaço Reservado para Número de Slide 5">
             <a:extLst>
               <a:ext uri="{FF2B5EF4-FFF2-40B4-BE49-F238E27FC236}">
-                <a16:creationId xmlns:a16="http://schemas.microsoft.com/office/drawing/2014/main" xmlns="" id="{1A64D067-24C7-4D27-83BD-5ECD49F28290}"/>
+                <a16:creationId xmlns="" xmlns:a16="http://schemas.microsoft.com/office/drawing/2014/main" id="{1A64D067-24C7-4D27-83BD-5ECD49F28290}"/>
               </a:ext>
             </a:extLst>
           </p:cNvPr>
@@ -772,7 +772,7 @@
           <p:cNvPr id="2" name="Título 1">
             <a:extLst>
               <a:ext uri="{FF2B5EF4-FFF2-40B4-BE49-F238E27FC236}">
-                <a16:creationId xmlns:a16="http://schemas.microsoft.com/office/drawing/2014/main" xmlns="" id="{634E9FB8-B617-49EA-800C-A916B80A2A84}"/>
+                <a16:creationId xmlns="" xmlns:a16="http://schemas.microsoft.com/office/drawing/2014/main" id="{634E9FB8-B617-49EA-800C-A916B80A2A84}"/>
               </a:ext>
             </a:extLst>
           </p:cNvPr>
@@ -800,7 +800,7 @@
           <p:cNvPr id="3" name="Espaço Reservado para Conteúdo 2">
             <a:extLst>
               <a:ext uri="{FF2B5EF4-FFF2-40B4-BE49-F238E27FC236}">
-                <a16:creationId xmlns:a16="http://schemas.microsoft.com/office/drawing/2014/main" xmlns="" id="{90834B35-9A6F-42C5-839A-FE0679DD0B79}"/>
+                <a16:creationId xmlns="" xmlns:a16="http://schemas.microsoft.com/office/drawing/2014/main" id="{90834B35-9A6F-42C5-839A-FE0679DD0B79}"/>
               </a:ext>
             </a:extLst>
           </p:cNvPr>
@@ -857,7 +857,7 @@
           <p:cNvPr id="4" name="Espaço Reservado para Data 3">
             <a:extLst>
               <a:ext uri="{FF2B5EF4-FFF2-40B4-BE49-F238E27FC236}">
-                <a16:creationId xmlns:a16="http://schemas.microsoft.com/office/drawing/2014/main" xmlns="" id="{C7331BC0-77A5-438A-B7E9-CE405EF0DCD1}"/>
+                <a16:creationId xmlns="" xmlns:a16="http://schemas.microsoft.com/office/drawing/2014/main" id="{C7331BC0-77A5-438A-B7E9-CE405EF0DCD1}"/>
               </a:ext>
             </a:extLst>
           </p:cNvPr>
@@ -875,7 +875,7 @@
           <a:p>
             <a:fld id="{951E67F8-B24B-4D0A-9786-15B6C19B3912}" type="datetimeFigureOut">
               <a:rPr lang="pt-BR" smtClean="0"/>
-              <a:t>17/03/2021</a:t>
+              <a:t>18/03/2021</a:t>
             </a:fld>
             <a:endParaRPr lang="pt-BR"/>
           </a:p>
@@ -886,7 +886,7 @@
           <p:cNvPr id="5" name="Espaço Reservado para Rodapé 4">
             <a:extLst>
               <a:ext uri="{FF2B5EF4-FFF2-40B4-BE49-F238E27FC236}">
-                <a16:creationId xmlns:a16="http://schemas.microsoft.com/office/drawing/2014/main" xmlns="" id="{BC39C987-29FF-4FA9-8D31-4369B1A70547}"/>
+                <a16:creationId xmlns="" xmlns:a16="http://schemas.microsoft.com/office/drawing/2014/main" id="{BC39C987-29FF-4FA9-8D31-4369B1A70547}"/>
               </a:ext>
             </a:extLst>
           </p:cNvPr>
@@ -911,7 +911,7 @@
           <p:cNvPr id="6" name="Espaço Reservado para Número de Slide 5">
             <a:extLst>
               <a:ext uri="{FF2B5EF4-FFF2-40B4-BE49-F238E27FC236}">
-                <a16:creationId xmlns:a16="http://schemas.microsoft.com/office/drawing/2014/main" xmlns="" id="{85082046-23FF-4582-9353-09B683733DED}"/>
+                <a16:creationId xmlns="" xmlns:a16="http://schemas.microsoft.com/office/drawing/2014/main" id="{85082046-23FF-4582-9353-09B683733DED}"/>
               </a:ext>
             </a:extLst>
           </p:cNvPr>
@@ -970,7 +970,7 @@
           <p:cNvPr id="2" name="Título 1">
             <a:extLst>
               <a:ext uri="{FF2B5EF4-FFF2-40B4-BE49-F238E27FC236}">
-                <a16:creationId xmlns:a16="http://schemas.microsoft.com/office/drawing/2014/main" xmlns="" id="{3A8CFEE3-5A6E-4CA3-A6D8-BE9C40E644EB}"/>
+                <a16:creationId xmlns="" xmlns:a16="http://schemas.microsoft.com/office/drawing/2014/main" id="{3A8CFEE3-5A6E-4CA3-A6D8-BE9C40E644EB}"/>
               </a:ext>
             </a:extLst>
           </p:cNvPr>
@@ -1007,7 +1007,7 @@
           <p:cNvPr id="3" name="Espaço Reservado para Texto 2">
             <a:extLst>
               <a:ext uri="{FF2B5EF4-FFF2-40B4-BE49-F238E27FC236}">
-                <a16:creationId xmlns:a16="http://schemas.microsoft.com/office/drawing/2014/main" xmlns="" id="{4DB1213E-17CD-4907-B8CC-71B532DB68A2}"/>
+                <a16:creationId xmlns="" xmlns:a16="http://schemas.microsoft.com/office/drawing/2014/main" id="{4DB1213E-17CD-4907-B8CC-71B532DB68A2}"/>
               </a:ext>
             </a:extLst>
           </p:cNvPr>
@@ -1132,7 +1132,7 @@
           <p:cNvPr id="4" name="Espaço Reservado para Data 3">
             <a:extLst>
               <a:ext uri="{FF2B5EF4-FFF2-40B4-BE49-F238E27FC236}">
-                <a16:creationId xmlns:a16="http://schemas.microsoft.com/office/drawing/2014/main" xmlns="" id="{62CABD4C-1502-4718-A1C9-ACFB67617680}"/>
+                <a16:creationId xmlns="" xmlns:a16="http://schemas.microsoft.com/office/drawing/2014/main" id="{62CABD4C-1502-4718-A1C9-ACFB67617680}"/>
               </a:ext>
             </a:extLst>
           </p:cNvPr>
@@ -1150,7 +1150,7 @@
           <a:p>
             <a:fld id="{951E67F8-B24B-4D0A-9786-15B6C19B3912}" type="datetimeFigureOut">
               <a:rPr lang="pt-BR" smtClean="0"/>
-              <a:t>17/03/2021</a:t>
+              <a:t>18/03/2021</a:t>
             </a:fld>
             <a:endParaRPr lang="pt-BR"/>
           </a:p>
@@ -1161,7 +1161,7 @@
           <p:cNvPr id="5" name="Espaço Reservado para Rodapé 4">
             <a:extLst>
               <a:ext uri="{FF2B5EF4-FFF2-40B4-BE49-F238E27FC236}">
-                <a16:creationId xmlns:a16="http://schemas.microsoft.com/office/drawing/2014/main" xmlns="" id="{311603AE-8E1B-4705-8000-4A5D8F32CD1F}"/>
+                <a16:creationId xmlns="" xmlns:a16="http://schemas.microsoft.com/office/drawing/2014/main" id="{311603AE-8E1B-4705-8000-4A5D8F32CD1F}"/>
               </a:ext>
             </a:extLst>
           </p:cNvPr>
@@ -1186,7 +1186,7 @@
           <p:cNvPr id="6" name="Espaço Reservado para Número de Slide 5">
             <a:extLst>
               <a:ext uri="{FF2B5EF4-FFF2-40B4-BE49-F238E27FC236}">
-                <a16:creationId xmlns:a16="http://schemas.microsoft.com/office/drawing/2014/main" xmlns="" id="{20CF23D3-2B86-4518-8045-A5214A535F5E}"/>
+                <a16:creationId xmlns="" xmlns:a16="http://schemas.microsoft.com/office/drawing/2014/main" id="{20CF23D3-2B86-4518-8045-A5214A535F5E}"/>
               </a:ext>
             </a:extLst>
           </p:cNvPr>
@@ -1245,7 +1245,7 @@
           <p:cNvPr id="2" name="Título 1">
             <a:extLst>
               <a:ext uri="{FF2B5EF4-FFF2-40B4-BE49-F238E27FC236}">
-                <a16:creationId xmlns:a16="http://schemas.microsoft.com/office/drawing/2014/main" xmlns="" id="{B2284708-7DDC-4557-98CA-8CE2A2FF659F}"/>
+                <a16:creationId xmlns="" xmlns:a16="http://schemas.microsoft.com/office/drawing/2014/main" id="{B2284708-7DDC-4557-98CA-8CE2A2FF659F}"/>
               </a:ext>
             </a:extLst>
           </p:cNvPr>
@@ -1273,7 +1273,7 @@
           <p:cNvPr id="3" name="Espaço Reservado para Conteúdo 2">
             <a:extLst>
               <a:ext uri="{FF2B5EF4-FFF2-40B4-BE49-F238E27FC236}">
-                <a16:creationId xmlns:a16="http://schemas.microsoft.com/office/drawing/2014/main" xmlns="" id="{40128E3F-965B-418C-877E-AFE91AA34AE9}"/>
+                <a16:creationId xmlns="" xmlns:a16="http://schemas.microsoft.com/office/drawing/2014/main" id="{40128E3F-965B-418C-877E-AFE91AA34AE9}"/>
               </a:ext>
             </a:extLst>
           </p:cNvPr>
@@ -1335,7 +1335,7 @@
           <p:cNvPr id="4" name="Espaço Reservado para Conteúdo 3">
             <a:extLst>
               <a:ext uri="{FF2B5EF4-FFF2-40B4-BE49-F238E27FC236}">
-                <a16:creationId xmlns:a16="http://schemas.microsoft.com/office/drawing/2014/main" xmlns="" id="{89639A2F-BA47-4D0F-921C-4026B689BC3F}"/>
+                <a16:creationId xmlns="" xmlns:a16="http://schemas.microsoft.com/office/drawing/2014/main" id="{89639A2F-BA47-4D0F-921C-4026B689BC3F}"/>
               </a:ext>
             </a:extLst>
           </p:cNvPr>
@@ -1397,7 +1397,7 @@
           <p:cNvPr id="5" name="Espaço Reservado para Data 4">
             <a:extLst>
               <a:ext uri="{FF2B5EF4-FFF2-40B4-BE49-F238E27FC236}">
-                <a16:creationId xmlns:a16="http://schemas.microsoft.com/office/drawing/2014/main" xmlns="" id="{3A7A99E6-F7E4-45B4-81D8-45A0D37334DA}"/>
+                <a16:creationId xmlns="" xmlns:a16="http://schemas.microsoft.com/office/drawing/2014/main" id="{3A7A99E6-F7E4-45B4-81D8-45A0D37334DA}"/>
               </a:ext>
             </a:extLst>
           </p:cNvPr>
@@ -1415,7 +1415,7 @@
           <a:p>
             <a:fld id="{951E67F8-B24B-4D0A-9786-15B6C19B3912}" type="datetimeFigureOut">
               <a:rPr lang="pt-BR" smtClean="0"/>
-              <a:t>17/03/2021</a:t>
+              <a:t>18/03/2021</a:t>
             </a:fld>
             <a:endParaRPr lang="pt-BR"/>
           </a:p>
@@ -1426,7 +1426,7 @@
           <p:cNvPr id="6" name="Espaço Reservado para Rodapé 5">
             <a:extLst>
               <a:ext uri="{FF2B5EF4-FFF2-40B4-BE49-F238E27FC236}">
-                <a16:creationId xmlns:a16="http://schemas.microsoft.com/office/drawing/2014/main" xmlns="" id="{35885325-F69F-442A-95EE-E8FE8A20CAD7}"/>
+                <a16:creationId xmlns="" xmlns:a16="http://schemas.microsoft.com/office/drawing/2014/main" id="{35885325-F69F-442A-95EE-E8FE8A20CAD7}"/>
               </a:ext>
             </a:extLst>
           </p:cNvPr>
@@ -1451,7 +1451,7 @@
           <p:cNvPr id="7" name="Espaço Reservado para Número de Slide 6">
             <a:extLst>
               <a:ext uri="{FF2B5EF4-FFF2-40B4-BE49-F238E27FC236}">
-                <a16:creationId xmlns:a16="http://schemas.microsoft.com/office/drawing/2014/main" xmlns="" id="{6E3C4328-B437-483A-B4C5-CB722DB06DD0}"/>
+                <a16:creationId xmlns="" xmlns:a16="http://schemas.microsoft.com/office/drawing/2014/main" id="{6E3C4328-B437-483A-B4C5-CB722DB06DD0}"/>
               </a:ext>
             </a:extLst>
           </p:cNvPr>
@@ -1510,7 +1510,7 @@
           <p:cNvPr id="2" name="Título 1">
             <a:extLst>
               <a:ext uri="{FF2B5EF4-FFF2-40B4-BE49-F238E27FC236}">
-                <a16:creationId xmlns:a16="http://schemas.microsoft.com/office/drawing/2014/main" xmlns="" id="{40EEE825-3501-4ACA-96DF-00AD46689B16}"/>
+                <a16:creationId xmlns="" xmlns:a16="http://schemas.microsoft.com/office/drawing/2014/main" id="{40EEE825-3501-4ACA-96DF-00AD46689B16}"/>
               </a:ext>
             </a:extLst>
           </p:cNvPr>
@@ -1543,7 +1543,7 @@
           <p:cNvPr id="3" name="Espaço Reservado para Texto 2">
             <a:extLst>
               <a:ext uri="{FF2B5EF4-FFF2-40B4-BE49-F238E27FC236}">
-                <a16:creationId xmlns:a16="http://schemas.microsoft.com/office/drawing/2014/main" xmlns="" id="{F48C4B22-0376-48CF-B218-1AF86CCF8C25}"/>
+                <a16:creationId xmlns="" xmlns:a16="http://schemas.microsoft.com/office/drawing/2014/main" id="{F48C4B22-0376-48CF-B218-1AF86CCF8C25}"/>
               </a:ext>
             </a:extLst>
           </p:cNvPr>
@@ -1614,7 +1614,7 @@
           <p:cNvPr id="4" name="Espaço Reservado para Conteúdo 3">
             <a:extLst>
               <a:ext uri="{FF2B5EF4-FFF2-40B4-BE49-F238E27FC236}">
-                <a16:creationId xmlns:a16="http://schemas.microsoft.com/office/drawing/2014/main" xmlns="" id="{043CD7FD-DC6A-43FD-B6C5-352531A72210}"/>
+                <a16:creationId xmlns="" xmlns:a16="http://schemas.microsoft.com/office/drawing/2014/main" id="{043CD7FD-DC6A-43FD-B6C5-352531A72210}"/>
               </a:ext>
             </a:extLst>
           </p:cNvPr>
@@ -1676,7 +1676,7 @@
           <p:cNvPr id="5" name="Espaço Reservado para Texto 4">
             <a:extLst>
               <a:ext uri="{FF2B5EF4-FFF2-40B4-BE49-F238E27FC236}">
-                <a16:creationId xmlns:a16="http://schemas.microsoft.com/office/drawing/2014/main" xmlns="" id="{C9C24974-D366-4AE3-B538-442EC1C3621A}"/>
+                <a16:creationId xmlns="" xmlns:a16="http://schemas.microsoft.com/office/drawing/2014/main" id="{C9C24974-D366-4AE3-B538-442EC1C3621A}"/>
               </a:ext>
             </a:extLst>
           </p:cNvPr>
@@ -1747,7 +1747,7 @@
           <p:cNvPr id="6" name="Espaço Reservado para Conteúdo 5">
             <a:extLst>
               <a:ext uri="{FF2B5EF4-FFF2-40B4-BE49-F238E27FC236}">
-                <a16:creationId xmlns:a16="http://schemas.microsoft.com/office/drawing/2014/main" xmlns="" id="{5E0AF07B-F753-436C-B83A-702CFDE00663}"/>
+                <a16:creationId xmlns="" xmlns:a16="http://schemas.microsoft.com/office/drawing/2014/main" id="{5E0AF07B-F753-436C-B83A-702CFDE00663}"/>
               </a:ext>
             </a:extLst>
           </p:cNvPr>
@@ -1809,7 +1809,7 @@
           <p:cNvPr id="7" name="Espaço Reservado para Data 6">
             <a:extLst>
               <a:ext uri="{FF2B5EF4-FFF2-40B4-BE49-F238E27FC236}">
-                <a16:creationId xmlns:a16="http://schemas.microsoft.com/office/drawing/2014/main" xmlns="" id="{BBBFC63E-FD09-4983-AF2A-EFDBD7E5D2CB}"/>
+                <a16:creationId xmlns="" xmlns:a16="http://schemas.microsoft.com/office/drawing/2014/main" id="{BBBFC63E-FD09-4983-AF2A-EFDBD7E5D2CB}"/>
               </a:ext>
             </a:extLst>
           </p:cNvPr>
@@ -1827,7 +1827,7 @@
           <a:p>
             <a:fld id="{951E67F8-B24B-4D0A-9786-15B6C19B3912}" type="datetimeFigureOut">
               <a:rPr lang="pt-BR" smtClean="0"/>
-              <a:t>17/03/2021</a:t>
+              <a:t>18/03/2021</a:t>
             </a:fld>
             <a:endParaRPr lang="pt-BR"/>
           </a:p>
@@ -1838,7 +1838,7 @@
           <p:cNvPr id="8" name="Espaço Reservado para Rodapé 7">
             <a:extLst>
               <a:ext uri="{FF2B5EF4-FFF2-40B4-BE49-F238E27FC236}">
-                <a16:creationId xmlns:a16="http://schemas.microsoft.com/office/drawing/2014/main" xmlns="" id="{94BD2FEE-CC7E-443A-9BE9-C43598235114}"/>
+                <a16:creationId xmlns="" xmlns:a16="http://schemas.microsoft.com/office/drawing/2014/main" id="{94BD2FEE-CC7E-443A-9BE9-C43598235114}"/>
               </a:ext>
             </a:extLst>
           </p:cNvPr>
@@ -1863,7 +1863,7 @@
           <p:cNvPr id="9" name="Espaço Reservado para Número de Slide 8">
             <a:extLst>
               <a:ext uri="{FF2B5EF4-FFF2-40B4-BE49-F238E27FC236}">
-                <a16:creationId xmlns:a16="http://schemas.microsoft.com/office/drawing/2014/main" xmlns="" id="{9722C2BD-DCD7-4CEF-813A-F553EC1423C1}"/>
+                <a16:creationId xmlns="" xmlns:a16="http://schemas.microsoft.com/office/drawing/2014/main" id="{9722C2BD-DCD7-4CEF-813A-F553EC1423C1}"/>
               </a:ext>
             </a:extLst>
           </p:cNvPr>
@@ -1922,7 +1922,7 @@
           <p:cNvPr id="2" name="Título 1">
             <a:extLst>
               <a:ext uri="{FF2B5EF4-FFF2-40B4-BE49-F238E27FC236}">
-                <a16:creationId xmlns:a16="http://schemas.microsoft.com/office/drawing/2014/main" xmlns="" id="{647B4EAC-54BA-467E-A866-D7A724841CB0}"/>
+                <a16:creationId xmlns="" xmlns:a16="http://schemas.microsoft.com/office/drawing/2014/main" id="{647B4EAC-54BA-467E-A866-D7A724841CB0}"/>
               </a:ext>
             </a:extLst>
           </p:cNvPr>
@@ -1950,7 +1950,7 @@
           <p:cNvPr id="3" name="Espaço Reservado para Data 2">
             <a:extLst>
               <a:ext uri="{FF2B5EF4-FFF2-40B4-BE49-F238E27FC236}">
-                <a16:creationId xmlns:a16="http://schemas.microsoft.com/office/drawing/2014/main" xmlns="" id="{99EFB1E0-6A3C-4938-B517-9C866880C656}"/>
+                <a16:creationId xmlns="" xmlns:a16="http://schemas.microsoft.com/office/drawing/2014/main" id="{99EFB1E0-6A3C-4938-B517-9C866880C656}"/>
               </a:ext>
             </a:extLst>
           </p:cNvPr>
@@ -1968,7 +1968,7 @@
           <a:p>
             <a:fld id="{951E67F8-B24B-4D0A-9786-15B6C19B3912}" type="datetimeFigureOut">
               <a:rPr lang="pt-BR" smtClean="0"/>
-              <a:t>17/03/2021</a:t>
+              <a:t>18/03/2021</a:t>
             </a:fld>
             <a:endParaRPr lang="pt-BR"/>
           </a:p>
@@ -1979,7 +1979,7 @@
           <p:cNvPr id="4" name="Espaço Reservado para Rodapé 3">
             <a:extLst>
               <a:ext uri="{FF2B5EF4-FFF2-40B4-BE49-F238E27FC236}">
-                <a16:creationId xmlns:a16="http://schemas.microsoft.com/office/drawing/2014/main" xmlns="" id="{A860C58C-62B4-4D69-A7B7-DDE634B54A6C}"/>
+                <a16:creationId xmlns="" xmlns:a16="http://schemas.microsoft.com/office/drawing/2014/main" id="{A860C58C-62B4-4D69-A7B7-DDE634B54A6C}"/>
               </a:ext>
             </a:extLst>
           </p:cNvPr>
@@ -2004,7 +2004,7 @@
           <p:cNvPr id="5" name="Espaço Reservado para Número de Slide 4">
             <a:extLst>
               <a:ext uri="{FF2B5EF4-FFF2-40B4-BE49-F238E27FC236}">
-                <a16:creationId xmlns:a16="http://schemas.microsoft.com/office/drawing/2014/main" xmlns="" id="{71548BEA-D17B-4511-A0A1-5776950BB054}"/>
+                <a16:creationId xmlns="" xmlns:a16="http://schemas.microsoft.com/office/drawing/2014/main" id="{71548BEA-D17B-4511-A0A1-5776950BB054}"/>
               </a:ext>
             </a:extLst>
           </p:cNvPr>
@@ -2063,7 +2063,7 @@
           <p:cNvPr id="2" name="Espaço Reservado para Data 1">
             <a:extLst>
               <a:ext uri="{FF2B5EF4-FFF2-40B4-BE49-F238E27FC236}">
-                <a16:creationId xmlns:a16="http://schemas.microsoft.com/office/drawing/2014/main" xmlns="" id="{EB8A6655-E27F-4247-8A5D-7DA951E25E42}"/>
+                <a16:creationId xmlns="" xmlns:a16="http://schemas.microsoft.com/office/drawing/2014/main" id="{EB8A6655-E27F-4247-8A5D-7DA951E25E42}"/>
               </a:ext>
             </a:extLst>
           </p:cNvPr>
@@ -2081,7 +2081,7 @@
           <a:p>
             <a:fld id="{951E67F8-B24B-4D0A-9786-15B6C19B3912}" type="datetimeFigureOut">
               <a:rPr lang="pt-BR" smtClean="0"/>
-              <a:t>17/03/2021</a:t>
+              <a:t>18/03/2021</a:t>
             </a:fld>
             <a:endParaRPr lang="pt-BR"/>
           </a:p>
@@ -2092,7 +2092,7 @@
           <p:cNvPr id="3" name="Espaço Reservado para Rodapé 2">
             <a:extLst>
               <a:ext uri="{FF2B5EF4-FFF2-40B4-BE49-F238E27FC236}">
-                <a16:creationId xmlns:a16="http://schemas.microsoft.com/office/drawing/2014/main" xmlns="" id="{CC892FF3-8594-464C-9AFD-E460B5198726}"/>
+                <a16:creationId xmlns="" xmlns:a16="http://schemas.microsoft.com/office/drawing/2014/main" id="{CC892FF3-8594-464C-9AFD-E460B5198726}"/>
               </a:ext>
             </a:extLst>
           </p:cNvPr>
@@ -2117,7 +2117,7 @@
           <p:cNvPr id="4" name="Espaço Reservado para Número de Slide 3">
             <a:extLst>
               <a:ext uri="{FF2B5EF4-FFF2-40B4-BE49-F238E27FC236}">
-                <a16:creationId xmlns:a16="http://schemas.microsoft.com/office/drawing/2014/main" xmlns="" id="{8EDA4BEF-F612-4581-8F6E-4645927DDFCC}"/>
+                <a16:creationId xmlns="" xmlns:a16="http://schemas.microsoft.com/office/drawing/2014/main" id="{8EDA4BEF-F612-4581-8F6E-4645927DDFCC}"/>
               </a:ext>
             </a:extLst>
           </p:cNvPr>
@@ -2176,7 +2176,7 @@
           <p:cNvPr id="2" name="Título 1">
             <a:extLst>
               <a:ext uri="{FF2B5EF4-FFF2-40B4-BE49-F238E27FC236}">
-                <a16:creationId xmlns:a16="http://schemas.microsoft.com/office/drawing/2014/main" xmlns="" id="{746E1CEC-6A75-4B1E-A02F-0832A1E4017A}"/>
+                <a16:creationId xmlns="" xmlns:a16="http://schemas.microsoft.com/office/drawing/2014/main" id="{746E1CEC-6A75-4B1E-A02F-0832A1E4017A}"/>
               </a:ext>
             </a:extLst>
           </p:cNvPr>
@@ -2213,7 +2213,7 @@
           <p:cNvPr id="3" name="Espaço Reservado para Conteúdo 2">
             <a:extLst>
               <a:ext uri="{FF2B5EF4-FFF2-40B4-BE49-F238E27FC236}">
-                <a16:creationId xmlns:a16="http://schemas.microsoft.com/office/drawing/2014/main" xmlns="" id="{90961888-4B2B-4AED-9EB2-590E66B17971}"/>
+                <a16:creationId xmlns="" xmlns:a16="http://schemas.microsoft.com/office/drawing/2014/main" id="{90961888-4B2B-4AED-9EB2-590E66B17971}"/>
               </a:ext>
             </a:extLst>
           </p:cNvPr>
@@ -2303,7 +2303,7 @@
           <p:cNvPr id="4" name="Espaço Reservado para Texto 3">
             <a:extLst>
               <a:ext uri="{FF2B5EF4-FFF2-40B4-BE49-F238E27FC236}">
-                <a16:creationId xmlns:a16="http://schemas.microsoft.com/office/drawing/2014/main" xmlns="" id="{27476BEF-59D1-48C7-8146-5BFB969910A3}"/>
+                <a16:creationId xmlns="" xmlns:a16="http://schemas.microsoft.com/office/drawing/2014/main" id="{27476BEF-59D1-48C7-8146-5BFB969910A3}"/>
               </a:ext>
             </a:extLst>
           </p:cNvPr>
@@ -2374,7 +2374,7 @@
           <p:cNvPr id="5" name="Espaço Reservado para Data 4">
             <a:extLst>
               <a:ext uri="{FF2B5EF4-FFF2-40B4-BE49-F238E27FC236}">
-                <a16:creationId xmlns:a16="http://schemas.microsoft.com/office/drawing/2014/main" xmlns="" id="{A4E618A5-284B-49D2-BA94-8A19DC6824C4}"/>
+                <a16:creationId xmlns="" xmlns:a16="http://schemas.microsoft.com/office/drawing/2014/main" id="{A4E618A5-284B-49D2-BA94-8A19DC6824C4}"/>
               </a:ext>
             </a:extLst>
           </p:cNvPr>
@@ -2392,7 +2392,7 @@
           <a:p>
             <a:fld id="{951E67F8-B24B-4D0A-9786-15B6C19B3912}" type="datetimeFigureOut">
               <a:rPr lang="pt-BR" smtClean="0"/>
-              <a:t>17/03/2021</a:t>
+              <a:t>18/03/2021</a:t>
             </a:fld>
             <a:endParaRPr lang="pt-BR"/>
           </a:p>
@@ -2403,7 +2403,7 @@
           <p:cNvPr id="6" name="Espaço Reservado para Rodapé 5">
             <a:extLst>
               <a:ext uri="{FF2B5EF4-FFF2-40B4-BE49-F238E27FC236}">
-                <a16:creationId xmlns:a16="http://schemas.microsoft.com/office/drawing/2014/main" xmlns="" id="{F1B4C2FB-4FF7-40ED-AB8F-55E727DE5B4C}"/>
+                <a16:creationId xmlns="" xmlns:a16="http://schemas.microsoft.com/office/drawing/2014/main" id="{F1B4C2FB-4FF7-40ED-AB8F-55E727DE5B4C}"/>
               </a:ext>
             </a:extLst>
           </p:cNvPr>
@@ -2428,7 +2428,7 @@
           <p:cNvPr id="7" name="Espaço Reservado para Número de Slide 6">
             <a:extLst>
               <a:ext uri="{FF2B5EF4-FFF2-40B4-BE49-F238E27FC236}">
-                <a16:creationId xmlns:a16="http://schemas.microsoft.com/office/drawing/2014/main" xmlns="" id="{BE65A9A1-53FE-45CB-BC89-4A095326FEBE}"/>
+                <a16:creationId xmlns="" xmlns:a16="http://schemas.microsoft.com/office/drawing/2014/main" id="{BE65A9A1-53FE-45CB-BC89-4A095326FEBE}"/>
               </a:ext>
             </a:extLst>
           </p:cNvPr>
@@ -2487,7 +2487,7 @@
           <p:cNvPr id="2" name="Título 1">
             <a:extLst>
               <a:ext uri="{FF2B5EF4-FFF2-40B4-BE49-F238E27FC236}">
-                <a16:creationId xmlns:a16="http://schemas.microsoft.com/office/drawing/2014/main" xmlns="" id="{853AE835-A8B4-4A90-A350-ADA0B08A1BC7}"/>
+                <a16:creationId xmlns="" xmlns:a16="http://schemas.microsoft.com/office/drawing/2014/main" id="{853AE835-A8B4-4A90-A350-ADA0B08A1BC7}"/>
               </a:ext>
             </a:extLst>
           </p:cNvPr>
@@ -2524,7 +2524,7 @@
           <p:cNvPr id="3" name="Espaço Reservado para Imagem 2">
             <a:extLst>
               <a:ext uri="{FF2B5EF4-FFF2-40B4-BE49-F238E27FC236}">
-                <a16:creationId xmlns:a16="http://schemas.microsoft.com/office/drawing/2014/main" xmlns="" id="{77333538-E6FE-4893-B65A-B931F75FFCE6}"/>
+                <a16:creationId xmlns="" xmlns:a16="http://schemas.microsoft.com/office/drawing/2014/main" id="{77333538-E6FE-4893-B65A-B931F75FFCE6}"/>
               </a:ext>
             </a:extLst>
           </p:cNvPr>
@@ -2591,7 +2591,7 @@
           <p:cNvPr id="4" name="Espaço Reservado para Texto 3">
             <a:extLst>
               <a:ext uri="{FF2B5EF4-FFF2-40B4-BE49-F238E27FC236}">
-                <a16:creationId xmlns:a16="http://schemas.microsoft.com/office/drawing/2014/main" xmlns="" id="{DCD8B8DA-73FC-43EF-9934-52A69F4E1E0C}"/>
+                <a16:creationId xmlns="" xmlns:a16="http://schemas.microsoft.com/office/drawing/2014/main" id="{DCD8B8DA-73FC-43EF-9934-52A69F4E1E0C}"/>
               </a:ext>
             </a:extLst>
           </p:cNvPr>
@@ -2662,7 +2662,7 @@
           <p:cNvPr id="5" name="Espaço Reservado para Data 4">
             <a:extLst>
               <a:ext uri="{FF2B5EF4-FFF2-40B4-BE49-F238E27FC236}">
-                <a16:creationId xmlns:a16="http://schemas.microsoft.com/office/drawing/2014/main" xmlns="" id="{F78FC7ED-BE30-4864-864B-EC167C710A26}"/>
+                <a16:creationId xmlns="" xmlns:a16="http://schemas.microsoft.com/office/drawing/2014/main" id="{F78FC7ED-BE30-4864-864B-EC167C710A26}"/>
               </a:ext>
             </a:extLst>
           </p:cNvPr>
@@ -2680,7 +2680,7 @@
           <a:p>
             <a:fld id="{951E67F8-B24B-4D0A-9786-15B6C19B3912}" type="datetimeFigureOut">
               <a:rPr lang="pt-BR" smtClean="0"/>
-              <a:t>17/03/2021</a:t>
+              <a:t>18/03/2021</a:t>
             </a:fld>
             <a:endParaRPr lang="pt-BR"/>
           </a:p>
@@ -2691,7 +2691,7 @@
           <p:cNvPr id="6" name="Espaço Reservado para Rodapé 5">
             <a:extLst>
               <a:ext uri="{FF2B5EF4-FFF2-40B4-BE49-F238E27FC236}">
-                <a16:creationId xmlns:a16="http://schemas.microsoft.com/office/drawing/2014/main" xmlns="" id="{FC0F43A3-1424-49F8-9784-88612ED35F24}"/>
+                <a16:creationId xmlns="" xmlns:a16="http://schemas.microsoft.com/office/drawing/2014/main" id="{FC0F43A3-1424-49F8-9784-88612ED35F24}"/>
               </a:ext>
             </a:extLst>
           </p:cNvPr>
@@ -2716,7 +2716,7 @@
           <p:cNvPr id="7" name="Espaço Reservado para Número de Slide 6">
             <a:extLst>
               <a:ext uri="{FF2B5EF4-FFF2-40B4-BE49-F238E27FC236}">
-                <a16:creationId xmlns:a16="http://schemas.microsoft.com/office/drawing/2014/main" xmlns="" id="{EEFC24BD-220D-4296-9414-E1CD2A668C0F}"/>
+                <a16:creationId xmlns="" xmlns:a16="http://schemas.microsoft.com/office/drawing/2014/main" id="{EEFC24BD-220D-4296-9414-E1CD2A668C0F}"/>
               </a:ext>
             </a:extLst>
           </p:cNvPr>
@@ -2780,7 +2780,7 @@
           <p:cNvPr id="2" name="Espaço Reservado para Título 1">
             <a:extLst>
               <a:ext uri="{FF2B5EF4-FFF2-40B4-BE49-F238E27FC236}">
-                <a16:creationId xmlns:a16="http://schemas.microsoft.com/office/drawing/2014/main" xmlns="" id="{610C15E5-1C3C-4AEE-B13F-F952A7C67E5A}"/>
+                <a16:creationId xmlns="" xmlns:a16="http://schemas.microsoft.com/office/drawing/2014/main" id="{610C15E5-1C3C-4AEE-B13F-F952A7C67E5A}"/>
               </a:ext>
             </a:extLst>
           </p:cNvPr>
@@ -2818,7 +2818,7 @@
           <p:cNvPr id="3" name="Espaço Reservado para Texto 2">
             <a:extLst>
               <a:ext uri="{FF2B5EF4-FFF2-40B4-BE49-F238E27FC236}">
-                <a16:creationId xmlns:a16="http://schemas.microsoft.com/office/drawing/2014/main" xmlns="" id="{777CED18-6193-458E-9E02-41C15AC88724}"/>
+                <a16:creationId xmlns="" xmlns:a16="http://schemas.microsoft.com/office/drawing/2014/main" id="{777CED18-6193-458E-9E02-41C15AC88724}"/>
               </a:ext>
             </a:extLst>
           </p:cNvPr>
@@ -2885,7 +2885,7 @@
           <p:cNvPr id="4" name="Espaço Reservado para Data 3">
             <a:extLst>
               <a:ext uri="{FF2B5EF4-FFF2-40B4-BE49-F238E27FC236}">
-                <a16:creationId xmlns:a16="http://schemas.microsoft.com/office/drawing/2014/main" xmlns="" id="{6C795E5E-1AC0-4243-B102-AA7428356DAE}"/>
+                <a16:creationId xmlns="" xmlns:a16="http://schemas.microsoft.com/office/drawing/2014/main" id="{6C795E5E-1AC0-4243-B102-AA7428356DAE}"/>
               </a:ext>
             </a:extLst>
           </p:cNvPr>
@@ -2921,7 +2921,7 @@
           <a:p>
             <a:fld id="{951E67F8-B24B-4D0A-9786-15B6C19B3912}" type="datetimeFigureOut">
               <a:rPr lang="pt-BR" smtClean="0"/>
-              <a:t>17/03/2021</a:t>
+              <a:t>18/03/2021</a:t>
             </a:fld>
             <a:endParaRPr lang="pt-BR"/>
           </a:p>
@@ -2932,7 +2932,7 @@
           <p:cNvPr id="5" name="Espaço Reservado para Rodapé 4">
             <a:extLst>
               <a:ext uri="{FF2B5EF4-FFF2-40B4-BE49-F238E27FC236}">
-                <a16:creationId xmlns:a16="http://schemas.microsoft.com/office/drawing/2014/main" xmlns="" id="{44282249-BD84-498D-A0FF-47D912D17E30}"/>
+                <a16:creationId xmlns="" xmlns:a16="http://schemas.microsoft.com/office/drawing/2014/main" id="{44282249-BD84-498D-A0FF-47D912D17E30}"/>
               </a:ext>
             </a:extLst>
           </p:cNvPr>
@@ -2975,7 +2975,7 @@
           <p:cNvPr id="6" name="Espaço Reservado para Número de Slide 5">
             <a:extLst>
               <a:ext uri="{FF2B5EF4-FFF2-40B4-BE49-F238E27FC236}">
-                <a16:creationId xmlns:a16="http://schemas.microsoft.com/office/drawing/2014/main" xmlns="" id="{C6FBE80A-9DF4-45C4-95BE-6B20C9AF8839}"/>
+                <a16:creationId xmlns="" xmlns:a16="http://schemas.microsoft.com/office/drawing/2014/main" id="{C6FBE80A-9DF4-45C4-95BE-6B20C9AF8839}"/>
               </a:ext>
             </a:extLst>
           </p:cNvPr>
@@ -3343,7 +3343,7 @@
           <p:cNvPr id="78" name="CaixaDeTexto 77">
             <a:extLst>
               <a:ext uri="{FF2B5EF4-FFF2-40B4-BE49-F238E27FC236}">
-                <a16:creationId xmlns:a16="http://schemas.microsoft.com/office/drawing/2014/main" xmlns="" id="{F8662209-CC73-4844-98AF-25BAA8574176}"/>
+                <a16:creationId xmlns="" xmlns:a16="http://schemas.microsoft.com/office/drawing/2014/main" id="{F8662209-CC73-4844-98AF-25BAA8574176}"/>
               </a:ext>
             </a:extLst>
           </p:cNvPr>
@@ -3429,7 +3429,7 @@
           <p:cNvPr id="87" name="Imagem 86" descr="Uma imagem contendo animal, coral&#10;&#10;Descrição gerada automaticamente">
             <a:extLst>
               <a:ext uri="{FF2B5EF4-FFF2-40B4-BE49-F238E27FC236}">
-                <a16:creationId xmlns:a16="http://schemas.microsoft.com/office/drawing/2014/main" xmlns="" id="{79C824A1-4C8D-4573-9C44-4018A1B6C0A4}"/>
+                <a16:creationId xmlns="" xmlns:a16="http://schemas.microsoft.com/office/drawing/2014/main" id="{79C824A1-4C8D-4573-9C44-4018A1B6C0A4}"/>
               </a:ext>
             </a:extLst>
           </p:cNvPr>
@@ -3465,7 +3465,7 @@
           <p:cNvPr id="88" name="Retângulo 87">
             <a:extLst>
               <a:ext uri="{FF2B5EF4-FFF2-40B4-BE49-F238E27FC236}">
-                <a16:creationId xmlns:a16="http://schemas.microsoft.com/office/drawing/2014/main" xmlns="" id="{C8800477-D1CB-4ACF-8EFA-88E43DEE4EC5}"/>
+                <a16:creationId xmlns="" xmlns:a16="http://schemas.microsoft.com/office/drawing/2014/main" id="{C8800477-D1CB-4ACF-8EFA-88E43DEE4EC5}"/>
               </a:ext>
             </a:extLst>
           </p:cNvPr>
@@ -3523,7 +3523,7 @@
     <a:masterClrMapping/>
   </p:clrMapOvr>
   <mc:AlternateContent xmlns:mc="http://schemas.openxmlformats.org/markup-compatibility/2006">
-    <mc:Choice xmlns:p159="http://schemas.microsoft.com/office/powerpoint/2015/09/main" xmlns="" Requires="p159">
+    <mc:Choice xmlns="" xmlns:p159="http://schemas.microsoft.com/office/powerpoint/2015/09/main" Requires="p159">
       <p:transition xmlns:p14="http://schemas.microsoft.com/office/powerpoint/2010/main" spd="slow" p14:dur="2000">
         <p159:morph option="byObject"/>
       </p:transition>
@@ -3559,7 +3559,7 @@
           <p:cNvPr id="26" name="Retângulo: Único Canto Recortado 25">
             <a:extLst>
               <a:ext uri="{FF2B5EF4-FFF2-40B4-BE49-F238E27FC236}">
-                <a16:creationId xmlns:a16="http://schemas.microsoft.com/office/drawing/2014/main" xmlns="" id="{ABE2B027-E490-4DDB-84D6-CBDB98AA3E41}"/>
+                <a16:creationId xmlns="" xmlns:a16="http://schemas.microsoft.com/office/drawing/2014/main" id="{ABE2B027-E490-4DDB-84D6-CBDB98AA3E41}"/>
               </a:ext>
             </a:extLst>
           </p:cNvPr>
@@ -3608,7 +3608,7 @@
           <p:cNvPr id="30" name="CaixaDeTexto 29">
             <a:extLst>
               <a:ext uri="{FF2B5EF4-FFF2-40B4-BE49-F238E27FC236}">
-                <a16:creationId xmlns:a16="http://schemas.microsoft.com/office/drawing/2014/main" xmlns="" id="{C69A1F25-B230-4923-B310-5BD1F99792AC}"/>
+                <a16:creationId xmlns="" xmlns:a16="http://schemas.microsoft.com/office/drawing/2014/main" id="{C69A1F25-B230-4923-B310-5BD1F99792AC}"/>
               </a:ext>
             </a:extLst>
           </p:cNvPr>
@@ -3660,7 +3660,7 @@
           <p:cNvPr id="4" name="Fluxograma: Conector 3">
             <a:extLst>
               <a:ext uri="{FF2B5EF4-FFF2-40B4-BE49-F238E27FC236}">
-                <a16:creationId xmlns:a16="http://schemas.microsoft.com/office/drawing/2014/main" xmlns="" id="{3272DDE6-AD5A-4207-86D4-5FD36093EB43}"/>
+                <a16:creationId xmlns="" xmlns:a16="http://schemas.microsoft.com/office/drawing/2014/main" id="{3272DDE6-AD5A-4207-86D4-5FD36093EB43}"/>
               </a:ext>
             </a:extLst>
           </p:cNvPr>
@@ -3722,7 +3722,7 @@
           <p:cNvPr id="9" name="Conector de Seta Reta 8">
             <a:extLst>
               <a:ext uri="{FF2B5EF4-FFF2-40B4-BE49-F238E27FC236}">
-                <a16:creationId xmlns:a16="http://schemas.microsoft.com/office/drawing/2014/main" xmlns="" id="{D2A2D81A-7AB6-4675-9900-C1EEF7C703EE}"/>
+                <a16:creationId xmlns="" xmlns:a16="http://schemas.microsoft.com/office/drawing/2014/main" id="{D2A2D81A-7AB6-4675-9900-C1EEF7C703EE}"/>
               </a:ext>
             </a:extLst>
           </p:cNvPr>
@@ -3768,7 +3768,7 @@
           <p:cNvPr id="18" name="Seta: Circular 17">
             <a:extLst>
               <a:ext uri="{FF2B5EF4-FFF2-40B4-BE49-F238E27FC236}">
-                <a16:creationId xmlns:a16="http://schemas.microsoft.com/office/drawing/2014/main" xmlns="" id="{364652BC-79CA-4267-9ED7-E361A17A0443}"/>
+                <a16:creationId xmlns="" xmlns:a16="http://schemas.microsoft.com/office/drawing/2014/main" id="{364652BC-79CA-4267-9ED7-E361A17A0443}"/>
               </a:ext>
             </a:extLst>
           </p:cNvPr>
@@ -3830,7 +3830,7 @@
           <p:cNvPr id="42" name="CaixaDeTexto 41">
             <a:extLst>
               <a:ext uri="{FF2B5EF4-FFF2-40B4-BE49-F238E27FC236}">
-                <a16:creationId xmlns:a16="http://schemas.microsoft.com/office/drawing/2014/main" xmlns="" id="{4CF31268-74EF-49AA-8A9C-48FFAF98CCF9}"/>
+                <a16:creationId xmlns="" xmlns:a16="http://schemas.microsoft.com/office/drawing/2014/main" id="{4CF31268-74EF-49AA-8A9C-48FFAF98CCF9}"/>
               </a:ext>
             </a:extLst>
           </p:cNvPr>
@@ -3872,7 +3872,7 @@
           <p:cNvPr id="78" name="CaixaDeTexto 77">
             <a:extLst>
               <a:ext uri="{FF2B5EF4-FFF2-40B4-BE49-F238E27FC236}">
-                <a16:creationId xmlns:a16="http://schemas.microsoft.com/office/drawing/2014/main" xmlns="" id="{F8662209-CC73-4844-98AF-25BAA8574176}"/>
+                <a16:creationId xmlns="" xmlns:a16="http://schemas.microsoft.com/office/drawing/2014/main" id="{F8662209-CC73-4844-98AF-25BAA8574176}"/>
               </a:ext>
             </a:extLst>
           </p:cNvPr>
@@ -3918,7 +3918,7 @@
           <p:cNvPr id="80" name="Conector reto 79">
             <a:extLst>
               <a:ext uri="{FF2B5EF4-FFF2-40B4-BE49-F238E27FC236}">
-                <a16:creationId xmlns:a16="http://schemas.microsoft.com/office/drawing/2014/main" xmlns="" id="{73F74C92-CD30-49B2-8BEC-F84A857A515C}"/>
+                <a16:creationId xmlns="" xmlns:a16="http://schemas.microsoft.com/office/drawing/2014/main" id="{73F74C92-CD30-49B2-8BEC-F84A857A515C}"/>
               </a:ext>
             </a:extLst>
           </p:cNvPr>
@@ -3961,7 +3961,7 @@
           <p:cNvPr id="87" name="Imagem 86" descr="Uma imagem contendo animal, coral&#10;&#10;Descrição gerada automaticamente">
             <a:extLst>
               <a:ext uri="{FF2B5EF4-FFF2-40B4-BE49-F238E27FC236}">
-                <a16:creationId xmlns:a16="http://schemas.microsoft.com/office/drawing/2014/main" xmlns="" id="{79C824A1-4C8D-4573-9C44-4018A1B6C0A4}"/>
+                <a16:creationId xmlns="" xmlns:a16="http://schemas.microsoft.com/office/drawing/2014/main" id="{79C824A1-4C8D-4573-9C44-4018A1B6C0A4}"/>
               </a:ext>
             </a:extLst>
           </p:cNvPr>
@@ -3997,7 +3997,7 @@
           <p:cNvPr id="88" name="Retângulo 87">
             <a:extLst>
               <a:ext uri="{FF2B5EF4-FFF2-40B4-BE49-F238E27FC236}">
-                <a16:creationId xmlns:a16="http://schemas.microsoft.com/office/drawing/2014/main" xmlns="" id="{C8800477-D1CB-4ACF-8EFA-88E43DEE4EC5}"/>
+                <a16:creationId xmlns="" xmlns:a16="http://schemas.microsoft.com/office/drawing/2014/main" id="{C8800477-D1CB-4ACF-8EFA-88E43DEE4EC5}"/>
               </a:ext>
             </a:extLst>
           </p:cNvPr>
@@ -4049,7 +4049,7 @@
           <p:cNvPr id="21" name="Fluxograma: Conector 20">
             <a:extLst>
               <a:ext uri="{FF2B5EF4-FFF2-40B4-BE49-F238E27FC236}">
-                <a16:creationId xmlns:a16="http://schemas.microsoft.com/office/drawing/2014/main" xmlns="" id="{8085707A-6CAD-46C5-930A-A779AD578522}"/>
+                <a16:creationId xmlns="" xmlns:a16="http://schemas.microsoft.com/office/drawing/2014/main" id="{8085707A-6CAD-46C5-930A-A779AD578522}"/>
               </a:ext>
             </a:extLst>
           </p:cNvPr>
@@ -4111,7 +4111,7 @@
           <p:cNvPr id="24" name="Conector de Seta Reta 23">
             <a:extLst>
               <a:ext uri="{FF2B5EF4-FFF2-40B4-BE49-F238E27FC236}">
-                <a16:creationId xmlns:a16="http://schemas.microsoft.com/office/drawing/2014/main" xmlns="" id="{ADBA826C-D64E-4F39-825E-24C8693FA8B1}"/>
+                <a16:creationId xmlns="" xmlns:a16="http://schemas.microsoft.com/office/drawing/2014/main" id="{ADBA826C-D64E-4F39-825E-24C8693FA8B1}"/>
               </a:ext>
             </a:extLst>
           </p:cNvPr>
@@ -4157,7 +4157,7 @@
           <p:cNvPr id="22" name="Conector de Seta Reta 21">
             <a:extLst>
               <a:ext uri="{FF2B5EF4-FFF2-40B4-BE49-F238E27FC236}">
-                <a16:creationId xmlns:a16="http://schemas.microsoft.com/office/drawing/2014/main" xmlns="" id="{99F15100-5560-49E5-8208-A099E7044DB5}"/>
+                <a16:creationId xmlns="" xmlns:a16="http://schemas.microsoft.com/office/drawing/2014/main" id="{99F15100-5560-49E5-8208-A099E7044DB5}"/>
               </a:ext>
             </a:extLst>
           </p:cNvPr>
@@ -4202,7 +4202,7 @@
           <p:cNvPr id="25" name="CaixaDeTexto 24">
             <a:extLst>
               <a:ext uri="{FF2B5EF4-FFF2-40B4-BE49-F238E27FC236}">
-                <a16:creationId xmlns:a16="http://schemas.microsoft.com/office/drawing/2014/main" xmlns="" id="{242EFDF6-EACA-48A1-B26A-2D8EB9AC8CD8}"/>
+                <a16:creationId xmlns="" xmlns:a16="http://schemas.microsoft.com/office/drawing/2014/main" id="{242EFDF6-EACA-48A1-B26A-2D8EB9AC8CD8}"/>
               </a:ext>
             </a:extLst>
           </p:cNvPr>
@@ -4240,7 +4240,7 @@
           <p:cNvPr id="38" name="CaixaDeTexto 37">
             <a:extLst>
               <a:ext uri="{FF2B5EF4-FFF2-40B4-BE49-F238E27FC236}">
-                <a16:creationId xmlns:a16="http://schemas.microsoft.com/office/drawing/2014/main" xmlns="" id="{521A9C69-B40A-4337-871D-E6168BB79163}"/>
+                <a16:creationId xmlns="" xmlns:a16="http://schemas.microsoft.com/office/drawing/2014/main" id="{521A9C69-B40A-4337-871D-E6168BB79163}"/>
               </a:ext>
             </a:extLst>
           </p:cNvPr>
@@ -4285,7 +4285,7 @@
           <p:cNvPr id="34" name="CaixaDeTexto 33">
             <a:extLst>
               <a:ext uri="{FF2B5EF4-FFF2-40B4-BE49-F238E27FC236}">
-                <a16:creationId xmlns:a16="http://schemas.microsoft.com/office/drawing/2014/main" xmlns="" id="{EC2A4912-DBAF-4BB4-893B-601A84034174}"/>
+                <a16:creationId xmlns="" xmlns:a16="http://schemas.microsoft.com/office/drawing/2014/main" id="{EC2A4912-DBAF-4BB4-893B-601A84034174}"/>
               </a:ext>
             </a:extLst>
           </p:cNvPr>
@@ -4330,7 +4330,7 @@
           <p:cNvPr id="35" name="Fluxograma: Conector 34">
             <a:extLst>
               <a:ext uri="{FF2B5EF4-FFF2-40B4-BE49-F238E27FC236}">
-                <a16:creationId xmlns:a16="http://schemas.microsoft.com/office/drawing/2014/main" xmlns="" id="{76C37594-BBD2-4033-A68B-439C16D38817}"/>
+                <a16:creationId xmlns="" xmlns:a16="http://schemas.microsoft.com/office/drawing/2014/main" id="{76C37594-BBD2-4033-A68B-439C16D38817}"/>
               </a:ext>
             </a:extLst>
           </p:cNvPr>
@@ -4392,7 +4392,7 @@
           <p:cNvPr id="36" name="Fluxograma: Conector 35">
             <a:extLst>
               <a:ext uri="{FF2B5EF4-FFF2-40B4-BE49-F238E27FC236}">
-                <a16:creationId xmlns:a16="http://schemas.microsoft.com/office/drawing/2014/main" xmlns="" id="{5E5A5F35-E7A2-4C07-90BC-0810E44BA054}"/>
+                <a16:creationId xmlns="" xmlns:a16="http://schemas.microsoft.com/office/drawing/2014/main" id="{5E5A5F35-E7A2-4C07-90BC-0810E44BA054}"/>
               </a:ext>
             </a:extLst>
           </p:cNvPr>
@@ -4454,7 +4454,7 @@
           <p:cNvPr id="37" name="Fluxograma: Conector 36">
             <a:extLst>
               <a:ext uri="{FF2B5EF4-FFF2-40B4-BE49-F238E27FC236}">
-                <a16:creationId xmlns:a16="http://schemas.microsoft.com/office/drawing/2014/main" xmlns="" id="{71A3469C-B986-40F2-8298-E68D21283B57}"/>
+                <a16:creationId xmlns="" xmlns:a16="http://schemas.microsoft.com/office/drawing/2014/main" id="{71A3469C-B986-40F2-8298-E68D21283B57}"/>
               </a:ext>
             </a:extLst>
           </p:cNvPr>
@@ -4516,7 +4516,7 @@
           <p:cNvPr id="39" name="Conector de Seta Reta 38">
             <a:extLst>
               <a:ext uri="{FF2B5EF4-FFF2-40B4-BE49-F238E27FC236}">
-                <a16:creationId xmlns:a16="http://schemas.microsoft.com/office/drawing/2014/main" xmlns="" id="{32538B54-BCB9-4401-ACE8-19B7D106217F}"/>
+                <a16:creationId xmlns="" xmlns:a16="http://schemas.microsoft.com/office/drawing/2014/main" id="{32538B54-BCB9-4401-ACE8-19B7D106217F}"/>
               </a:ext>
             </a:extLst>
           </p:cNvPr>
@@ -4562,7 +4562,7 @@
           <p:cNvPr id="41" name="Conector de Seta Reta 40">
             <a:extLst>
               <a:ext uri="{FF2B5EF4-FFF2-40B4-BE49-F238E27FC236}">
-                <a16:creationId xmlns:a16="http://schemas.microsoft.com/office/drawing/2014/main" xmlns="" id="{3E6BB663-1BC4-44C0-9EDB-CBF4487A1652}"/>
+                <a16:creationId xmlns="" xmlns:a16="http://schemas.microsoft.com/office/drawing/2014/main" id="{3E6BB663-1BC4-44C0-9EDB-CBF4487A1652}"/>
               </a:ext>
             </a:extLst>
           </p:cNvPr>
@@ -4607,7 +4607,7 @@
           <p:cNvPr id="43" name="CaixaDeTexto 42">
             <a:extLst>
               <a:ext uri="{FF2B5EF4-FFF2-40B4-BE49-F238E27FC236}">
-                <a16:creationId xmlns:a16="http://schemas.microsoft.com/office/drawing/2014/main" xmlns="" id="{9916328E-93CD-45E0-B378-0CA3111070CD}"/>
+                <a16:creationId xmlns="" xmlns:a16="http://schemas.microsoft.com/office/drawing/2014/main" id="{9916328E-93CD-45E0-B378-0CA3111070CD}"/>
               </a:ext>
             </a:extLst>
           </p:cNvPr>
@@ -4652,7 +4652,7 @@
           <p:cNvPr id="45" name="Círculo: Vazio 44">
             <a:extLst>
               <a:ext uri="{FF2B5EF4-FFF2-40B4-BE49-F238E27FC236}">
-                <a16:creationId xmlns:a16="http://schemas.microsoft.com/office/drawing/2014/main" xmlns="" id="{46E27D34-B687-4BFF-B5C3-C4043644A7D4}"/>
+                <a16:creationId xmlns="" xmlns:a16="http://schemas.microsoft.com/office/drawing/2014/main" id="{46E27D34-B687-4BFF-B5C3-C4043644A7D4}"/>
               </a:ext>
             </a:extLst>
           </p:cNvPr>
@@ -4715,7 +4715,7 @@
           <p:cNvPr id="46" name="CaixaDeTexto 45">
             <a:extLst>
               <a:ext uri="{FF2B5EF4-FFF2-40B4-BE49-F238E27FC236}">
-                <a16:creationId xmlns:a16="http://schemas.microsoft.com/office/drawing/2014/main" xmlns="" id="{D5D35B9A-F6C5-42E8-85E9-864429FF219E}"/>
+                <a16:creationId xmlns="" xmlns:a16="http://schemas.microsoft.com/office/drawing/2014/main" id="{D5D35B9A-F6C5-42E8-85E9-864429FF219E}"/>
               </a:ext>
             </a:extLst>
           </p:cNvPr>
@@ -4757,7 +4757,7 @@
           <p:cNvPr id="47" name="Conector de Seta Reta 46">
             <a:extLst>
               <a:ext uri="{FF2B5EF4-FFF2-40B4-BE49-F238E27FC236}">
-                <a16:creationId xmlns:a16="http://schemas.microsoft.com/office/drawing/2014/main" xmlns="" id="{613A7134-2FAB-41C0-AC3C-9C72E51C010E}"/>
+                <a16:creationId xmlns="" xmlns:a16="http://schemas.microsoft.com/office/drawing/2014/main" id="{613A7134-2FAB-41C0-AC3C-9C72E51C010E}"/>
               </a:ext>
             </a:extLst>
           </p:cNvPr>
@@ -4802,7 +4802,7 @@
           <p:cNvPr id="48" name="CaixaDeTexto 47">
             <a:extLst>
               <a:ext uri="{FF2B5EF4-FFF2-40B4-BE49-F238E27FC236}">
-                <a16:creationId xmlns:a16="http://schemas.microsoft.com/office/drawing/2014/main" xmlns="" id="{24F8F501-A914-4E73-AA95-D8072B981B43}"/>
+                <a16:creationId xmlns="" xmlns:a16="http://schemas.microsoft.com/office/drawing/2014/main" id="{24F8F501-A914-4E73-AA95-D8072B981B43}"/>
               </a:ext>
             </a:extLst>
           </p:cNvPr>
@@ -4844,7 +4844,7 @@
           <p:cNvPr id="53" name="Fluxograma: Conector 52">
             <a:extLst>
               <a:ext uri="{FF2B5EF4-FFF2-40B4-BE49-F238E27FC236}">
-                <a16:creationId xmlns:a16="http://schemas.microsoft.com/office/drawing/2014/main" xmlns="" id="{03F10EB5-F5D4-41A7-A229-B611ACF6FF82}"/>
+                <a16:creationId xmlns="" xmlns:a16="http://schemas.microsoft.com/office/drawing/2014/main" id="{03F10EB5-F5D4-41A7-A229-B611ACF6FF82}"/>
               </a:ext>
             </a:extLst>
           </p:cNvPr>
@@ -4948,7 +4948,7 @@
           <p:cNvPr id="31" name="Retângulo: Único Canto Recortado 30">
             <a:extLst>
               <a:ext uri="{FF2B5EF4-FFF2-40B4-BE49-F238E27FC236}">
-                <a16:creationId xmlns:a16="http://schemas.microsoft.com/office/drawing/2014/main" xmlns="" id="{CCEAD134-E1E8-4B32-A271-8CF5EB8F010B}"/>
+                <a16:creationId xmlns="" xmlns:a16="http://schemas.microsoft.com/office/drawing/2014/main" id="{CCEAD134-E1E8-4B32-A271-8CF5EB8F010B}"/>
               </a:ext>
             </a:extLst>
           </p:cNvPr>
@@ -4997,7 +4997,7 @@
           <p:cNvPr id="32" name="CaixaDeTexto 31">
             <a:extLst>
               <a:ext uri="{FF2B5EF4-FFF2-40B4-BE49-F238E27FC236}">
-                <a16:creationId xmlns:a16="http://schemas.microsoft.com/office/drawing/2014/main" xmlns="" id="{6DBEF09E-B0C5-4EC7-B950-6E002034B9B2}"/>
+                <a16:creationId xmlns="" xmlns:a16="http://schemas.microsoft.com/office/drawing/2014/main" id="{6DBEF09E-B0C5-4EC7-B950-6E002034B9B2}"/>
               </a:ext>
             </a:extLst>
           </p:cNvPr>
@@ -5049,7 +5049,7 @@
           <p:cNvPr id="4" name="Fluxograma: Conector 3">
             <a:extLst>
               <a:ext uri="{FF2B5EF4-FFF2-40B4-BE49-F238E27FC236}">
-                <a16:creationId xmlns:a16="http://schemas.microsoft.com/office/drawing/2014/main" xmlns="" id="{3272DDE6-AD5A-4207-86D4-5FD36093EB43}"/>
+                <a16:creationId xmlns="" xmlns:a16="http://schemas.microsoft.com/office/drawing/2014/main" id="{3272DDE6-AD5A-4207-86D4-5FD36093EB43}"/>
               </a:ext>
             </a:extLst>
           </p:cNvPr>
@@ -5111,7 +5111,7 @@
           <p:cNvPr id="9" name="Conector de Seta Reta 8">
             <a:extLst>
               <a:ext uri="{FF2B5EF4-FFF2-40B4-BE49-F238E27FC236}">
-                <a16:creationId xmlns:a16="http://schemas.microsoft.com/office/drawing/2014/main" xmlns="" id="{D2A2D81A-7AB6-4675-9900-C1EEF7C703EE}"/>
+                <a16:creationId xmlns="" xmlns:a16="http://schemas.microsoft.com/office/drawing/2014/main" id="{D2A2D81A-7AB6-4675-9900-C1EEF7C703EE}"/>
               </a:ext>
             </a:extLst>
           </p:cNvPr>
@@ -5157,7 +5157,7 @@
           <p:cNvPr id="18" name="Seta: Circular 17">
             <a:extLst>
               <a:ext uri="{FF2B5EF4-FFF2-40B4-BE49-F238E27FC236}">
-                <a16:creationId xmlns:a16="http://schemas.microsoft.com/office/drawing/2014/main" xmlns="" id="{364652BC-79CA-4267-9ED7-E361A17A0443}"/>
+                <a16:creationId xmlns="" xmlns:a16="http://schemas.microsoft.com/office/drawing/2014/main" id="{364652BC-79CA-4267-9ED7-E361A17A0443}"/>
               </a:ext>
             </a:extLst>
           </p:cNvPr>
@@ -5219,7 +5219,7 @@
           <p:cNvPr id="42" name="CaixaDeTexto 41">
             <a:extLst>
               <a:ext uri="{FF2B5EF4-FFF2-40B4-BE49-F238E27FC236}">
-                <a16:creationId xmlns:a16="http://schemas.microsoft.com/office/drawing/2014/main" xmlns="" id="{4CF31268-74EF-49AA-8A9C-48FFAF98CCF9}"/>
+                <a16:creationId xmlns="" xmlns:a16="http://schemas.microsoft.com/office/drawing/2014/main" id="{4CF31268-74EF-49AA-8A9C-48FFAF98CCF9}"/>
               </a:ext>
             </a:extLst>
           </p:cNvPr>
@@ -5261,7 +5261,7 @@
           <p:cNvPr id="78" name="CaixaDeTexto 77">
             <a:extLst>
               <a:ext uri="{FF2B5EF4-FFF2-40B4-BE49-F238E27FC236}">
-                <a16:creationId xmlns:a16="http://schemas.microsoft.com/office/drawing/2014/main" xmlns="" id="{F8662209-CC73-4844-98AF-25BAA8574176}"/>
+                <a16:creationId xmlns="" xmlns:a16="http://schemas.microsoft.com/office/drawing/2014/main" id="{F8662209-CC73-4844-98AF-25BAA8574176}"/>
               </a:ext>
             </a:extLst>
           </p:cNvPr>
@@ -5318,7 +5318,7 @@
           <p:cNvPr id="80" name="Conector reto 79">
             <a:extLst>
               <a:ext uri="{FF2B5EF4-FFF2-40B4-BE49-F238E27FC236}">
-                <a16:creationId xmlns:a16="http://schemas.microsoft.com/office/drawing/2014/main" xmlns="" id="{73F74C92-CD30-49B2-8BEC-F84A857A515C}"/>
+                <a16:creationId xmlns="" xmlns:a16="http://schemas.microsoft.com/office/drawing/2014/main" id="{73F74C92-CD30-49B2-8BEC-F84A857A515C}"/>
               </a:ext>
             </a:extLst>
           </p:cNvPr>
@@ -5361,7 +5361,7 @@
           <p:cNvPr id="87" name="Imagem 86" descr="Uma imagem contendo animal, coral&#10;&#10;Descrição gerada automaticamente">
             <a:extLst>
               <a:ext uri="{FF2B5EF4-FFF2-40B4-BE49-F238E27FC236}">
-                <a16:creationId xmlns:a16="http://schemas.microsoft.com/office/drawing/2014/main" xmlns="" id="{79C824A1-4C8D-4573-9C44-4018A1B6C0A4}"/>
+                <a16:creationId xmlns="" xmlns:a16="http://schemas.microsoft.com/office/drawing/2014/main" id="{79C824A1-4C8D-4573-9C44-4018A1B6C0A4}"/>
               </a:ext>
             </a:extLst>
           </p:cNvPr>
@@ -5397,7 +5397,7 @@
           <p:cNvPr id="88" name="Retângulo 87">
             <a:extLst>
               <a:ext uri="{FF2B5EF4-FFF2-40B4-BE49-F238E27FC236}">
-                <a16:creationId xmlns:a16="http://schemas.microsoft.com/office/drawing/2014/main" xmlns="" id="{C8800477-D1CB-4ACF-8EFA-88E43DEE4EC5}"/>
+                <a16:creationId xmlns="" xmlns:a16="http://schemas.microsoft.com/office/drawing/2014/main" id="{C8800477-D1CB-4ACF-8EFA-88E43DEE4EC5}"/>
               </a:ext>
             </a:extLst>
           </p:cNvPr>
@@ -5449,7 +5449,7 @@
           <p:cNvPr id="21" name="Fluxograma: Conector 20">
             <a:extLst>
               <a:ext uri="{FF2B5EF4-FFF2-40B4-BE49-F238E27FC236}">
-                <a16:creationId xmlns:a16="http://schemas.microsoft.com/office/drawing/2014/main" xmlns="" id="{8085707A-6CAD-46C5-930A-A779AD578522}"/>
+                <a16:creationId xmlns="" xmlns:a16="http://schemas.microsoft.com/office/drawing/2014/main" id="{8085707A-6CAD-46C5-930A-A779AD578522}"/>
               </a:ext>
             </a:extLst>
           </p:cNvPr>
@@ -5511,7 +5511,7 @@
           <p:cNvPr id="24" name="Conector de Seta Reta 23">
             <a:extLst>
               <a:ext uri="{FF2B5EF4-FFF2-40B4-BE49-F238E27FC236}">
-                <a16:creationId xmlns:a16="http://schemas.microsoft.com/office/drawing/2014/main" xmlns="" id="{ADBA826C-D64E-4F39-825E-24C8693FA8B1}"/>
+                <a16:creationId xmlns="" xmlns:a16="http://schemas.microsoft.com/office/drawing/2014/main" id="{ADBA826C-D64E-4F39-825E-24C8693FA8B1}"/>
               </a:ext>
             </a:extLst>
           </p:cNvPr>
@@ -5556,7 +5556,7 @@
           <p:cNvPr id="22" name="Conector de Seta Reta 21">
             <a:extLst>
               <a:ext uri="{FF2B5EF4-FFF2-40B4-BE49-F238E27FC236}">
-                <a16:creationId xmlns:a16="http://schemas.microsoft.com/office/drawing/2014/main" xmlns="" id="{99F15100-5560-49E5-8208-A099E7044DB5}"/>
+                <a16:creationId xmlns="" xmlns:a16="http://schemas.microsoft.com/office/drawing/2014/main" id="{99F15100-5560-49E5-8208-A099E7044DB5}"/>
               </a:ext>
             </a:extLst>
           </p:cNvPr>
@@ -5601,7 +5601,7 @@
           <p:cNvPr id="25" name="CaixaDeTexto 24">
             <a:extLst>
               <a:ext uri="{FF2B5EF4-FFF2-40B4-BE49-F238E27FC236}">
-                <a16:creationId xmlns:a16="http://schemas.microsoft.com/office/drawing/2014/main" xmlns="" id="{242EFDF6-EACA-48A1-B26A-2D8EB9AC8CD8}"/>
+                <a16:creationId xmlns="" xmlns:a16="http://schemas.microsoft.com/office/drawing/2014/main" id="{242EFDF6-EACA-48A1-B26A-2D8EB9AC8CD8}"/>
               </a:ext>
             </a:extLst>
           </p:cNvPr>
@@ -5639,7 +5639,7 @@
           <p:cNvPr id="38" name="CaixaDeTexto 37">
             <a:extLst>
               <a:ext uri="{FF2B5EF4-FFF2-40B4-BE49-F238E27FC236}">
-                <a16:creationId xmlns:a16="http://schemas.microsoft.com/office/drawing/2014/main" xmlns="" id="{521A9C69-B40A-4337-871D-E6168BB79163}"/>
+                <a16:creationId xmlns="" xmlns:a16="http://schemas.microsoft.com/office/drawing/2014/main" id="{521A9C69-B40A-4337-871D-E6168BB79163}"/>
               </a:ext>
             </a:extLst>
           </p:cNvPr>
@@ -5684,7 +5684,7 @@
           <p:cNvPr id="34" name="CaixaDeTexto 33">
             <a:extLst>
               <a:ext uri="{FF2B5EF4-FFF2-40B4-BE49-F238E27FC236}">
-                <a16:creationId xmlns:a16="http://schemas.microsoft.com/office/drawing/2014/main" xmlns="" id="{EC2A4912-DBAF-4BB4-893B-601A84034174}"/>
+                <a16:creationId xmlns="" xmlns:a16="http://schemas.microsoft.com/office/drawing/2014/main" id="{EC2A4912-DBAF-4BB4-893B-601A84034174}"/>
               </a:ext>
             </a:extLst>
           </p:cNvPr>
@@ -5729,7 +5729,7 @@
           <p:cNvPr id="36" name="Fluxograma: Conector 35">
             <a:extLst>
               <a:ext uri="{FF2B5EF4-FFF2-40B4-BE49-F238E27FC236}">
-                <a16:creationId xmlns:a16="http://schemas.microsoft.com/office/drawing/2014/main" xmlns="" id="{5E5A5F35-E7A2-4C07-90BC-0810E44BA054}"/>
+                <a16:creationId xmlns="" xmlns:a16="http://schemas.microsoft.com/office/drawing/2014/main" id="{5E5A5F35-E7A2-4C07-90BC-0810E44BA054}"/>
               </a:ext>
             </a:extLst>
           </p:cNvPr>
@@ -5791,7 +5791,7 @@
           <p:cNvPr id="46" name="CaixaDeTexto 45">
             <a:extLst>
               <a:ext uri="{FF2B5EF4-FFF2-40B4-BE49-F238E27FC236}">
-                <a16:creationId xmlns:a16="http://schemas.microsoft.com/office/drawing/2014/main" xmlns="" id="{D5D35B9A-F6C5-42E8-85E9-864429FF219E}"/>
+                <a16:creationId xmlns="" xmlns:a16="http://schemas.microsoft.com/office/drawing/2014/main" id="{D5D35B9A-F6C5-42E8-85E9-864429FF219E}"/>
               </a:ext>
             </a:extLst>
           </p:cNvPr>
@@ -5833,7 +5833,7 @@
           <p:cNvPr id="33" name="Círculo: Vazio 32">
             <a:extLst>
               <a:ext uri="{FF2B5EF4-FFF2-40B4-BE49-F238E27FC236}">
-                <a16:creationId xmlns:a16="http://schemas.microsoft.com/office/drawing/2014/main" xmlns="" id="{DEC98BB9-6AA7-4D90-9210-A0A6123BEC44}"/>
+                <a16:creationId xmlns="" xmlns:a16="http://schemas.microsoft.com/office/drawing/2014/main" id="{DEC98BB9-6AA7-4D90-9210-A0A6123BEC44}"/>
               </a:ext>
             </a:extLst>
           </p:cNvPr>
@@ -5896,7 +5896,7 @@
           <p:cNvPr id="40" name="Seta: Circular 39">
             <a:extLst>
               <a:ext uri="{FF2B5EF4-FFF2-40B4-BE49-F238E27FC236}">
-                <a16:creationId xmlns:a16="http://schemas.microsoft.com/office/drawing/2014/main" xmlns="" id="{9ED255A9-38CE-4408-904A-7E1529F03991}"/>
+                <a16:creationId xmlns="" xmlns:a16="http://schemas.microsoft.com/office/drawing/2014/main" id="{9ED255A9-38CE-4408-904A-7E1529F03991}"/>
               </a:ext>
             </a:extLst>
           </p:cNvPr>
@@ -6000,7 +6000,7 @@
           <p:cNvPr id="4" name="Fluxograma: Conector 3">
             <a:extLst>
               <a:ext uri="{FF2B5EF4-FFF2-40B4-BE49-F238E27FC236}">
-                <a16:creationId xmlns:a16="http://schemas.microsoft.com/office/drawing/2014/main" xmlns="" id="{3272DDE6-AD5A-4207-86D4-5FD36093EB43}"/>
+                <a16:creationId xmlns="" xmlns:a16="http://schemas.microsoft.com/office/drawing/2014/main" id="{3272DDE6-AD5A-4207-86D4-5FD36093EB43}"/>
               </a:ext>
             </a:extLst>
           </p:cNvPr>
@@ -6062,7 +6062,7 @@
           <p:cNvPr id="9" name="Conector de Seta Reta 8">
             <a:extLst>
               <a:ext uri="{FF2B5EF4-FFF2-40B4-BE49-F238E27FC236}">
-                <a16:creationId xmlns:a16="http://schemas.microsoft.com/office/drawing/2014/main" xmlns="" id="{D2A2D81A-7AB6-4675-9900-C1EEF7C703EE}"/>
+                <a16:creationId xmlns="" xmlns:a16="http://schemas.microsoft.com/office/drawing/2014/main" id="{D2A2D81A-7AB6-4675-9900-C1EEF7C703EE}"/>
               </a:ext>
             </a:extLst>
           </p:cNvPr>
@@ -6108,7 +6108,7 @@
           <p:cNvPr id="18" name="Seta: Circular 17">
             <a:extLst>
               <a:ext uri="{FF2B5EF4-FFF2-40B4-BE49-F238E27FC236}">
-                <a16:creationId xmlns:a16="http://schemas.microsoft.com/office/drawing/2014/main" xmlns="" id="{364652BC-79CA-4267-9ED7-E361A17A0443}"/>
+                <a16:creationId xmlns="" xmlns:a16="http://schemas.microsoft.com/office/drawing/2014/main" id="{364652BC-79CA-4267-9ED7-E361A17A0443}"/>
               </a:ext>
             </a:extLst>
           </p:cNvPr>
@@ -6170,7 +6170,7 @@
           <p:cNvPr id="42" name="CaixaDeTexto 41">
             <a:extLst>
               <a:ext uri="{FF2B5EF4-FFF2-40B4-BE49-F238E27FC236}">
-                <a16:creationId xmlns:a16="http://schemas.microsoft.com/office/drawing/2014/main" xmlns="" id="{4CF31268-74EF-49AA-8A9C-48FFAF98CCF9}"/>
+                <a16:creationId xmlns="" xmlns:a16="http://schemas.microsoft.com/office/drawing/2014/main" id="{4CF31268-74EF-49AA-8A9C-48FFAF98CCF9}"/>
               </a:ext>
             </a:extLst>
           </p:cNvPr>
@@ -6212,7 +6212,7 @@
           <p:cNvPr id="78" name="CaixaDeTexto 77">
             <a:extLst>
               <a:ext uri="{FF2B5EF4-FFF2-40B4-BE49-F238E27FC236}">
-                <a16:creationId xmlns:a16="http://schemas.microsoft.com/office/drawing/2014/main" xmlns="" id="{F8662209-CC73-4844-98AF-25BAA8574176}"/>
+                <a16:creationId xmlns="" xmlns:a16="http://schemas.microsoft.com/office/drawing/2014/main" id="{F8662209-CC73-4844-98AF-25BAA8574176}"/>
               </a:ext>
             </a:extLst>
           </p:cNvPr>
@@ -6283,7 +6283,7 @@
           <p:cNvPr id="80" name="Conector reto 79">
             <a:extLst>
               <a:ext uri="{FF2B5EF4-FFF2-40B4-BE49-F238E27FC236}">
-                <a16:creationId xmlns:a16="http://schemas.microsoft.com/office/drawing/2014/main" xmlns="" id="{73F74C92-CD30-49B2-8BEC-F84A857A515C}"/>
+                <a16:creationId xmlns="" xmlns:a16="http://schemas.microsoft.com/office/drawing/2014/main" id="{73F74C92-CD30-49B2-8BEC-F84A857A515C}"/>
               </a:ext>
             </a:extLst>
           </p:cNvPr>
@@ -6326,7 +6326,7 @@
           <p:cNvPr id="87" name="Imagem 86" descr="Uma imagem contendo animal, coral&#10;&#10;Descrição gerada automaticamente">
             <a:extLst>
               <a:ext uri="{FF2B5EF4-FFF2-40B4-BE49-F238E27FC236}">
-                <a16:creationId xmlns:a16="http://schemas.microsoft.com/office/drawing/2014/main" xmlns="" id="{79C824A1-4C8D-4573-9C44-4018A1B6C0A4}"/>
+                <a16:creationId xmlns="" xmlns:a16="http://schemas.microsoft.com/office/drawing/2014/main" id="{79C824A1-4C8D-4573-9C44-4018A1B6C0A4}"/>
               </a:ext>
             </a:extLst>
           </p:cNvPr>
@@ -6362,7 +6362,7 @@
           <p:cNvPr id="88" name="Retângulo 87">
             <a:extLst>
               <a:ext uri="{FF2B5EF4-FFF2-40B4-BE49-F238E27FC236}">
-                <a16:creationId xmlns:a16="http://schemas.microsoft.com/office/drawing/2014/main" xmlns="" id="{C8800477-D1CB-4ACF-8EFA-88E43DEE4EC5}"/>
+                <a16:creationId xmlns="" xmlns:a16="http://schemas.microsoft.com/office/drawing/2014/main" id="{C8800477-D1CB-4ACF-8EFA-88E43DEE4EC5}"/>
               </a:ext>
             </a:extLst>
           </p:cNvPr>
@@ -6414,7 +6414,7 @@
           <p:cNvPr id="38" name="CaixaDeTexto 37">
             <a:extLst>
               <a:ext uri="{FF2B5EF4-FFF2-40B4-BE49-F238E27FC236}">
-                <a16:creationId xmlns:a16="http://schemas.microsoft.com/office/drawing/2014/main" xmlns="" id="{521A9C69-B40A-4337-871D-E6168BB79163}"/>
+                <a16:creationId xmlns="" xmlns:a16="http://schemas.microsoft.com/office/drawing/2014/main" id="{521A9C69-B40A-4337-871D-E6168BB79163}"/>
               </a:ext>
             </a:extLst>
           </p:cNvPr>
@@ -6459,7 +6459,7 @@
           <p:cNvPr id="31" name="Fluxograma: Conector 30">
             <a:extLst>
               <a:ext uri="{FF2B5EF4-FFF2-40B4-BE49-F238E27FC236}">
-                <a16:creationId xmlns:a16="http://schemas.microsoft.com/office/drawing/2014/main" xmlns="" id="{D5D23B87-A469-407F-AA69-95AE7CF2CA2D}"/>
+                <a16:creationId xmlns="" xmlns:a16="http://schemas.microsoft.com/office/drawing/2014/main" id="{D5D23B87-A469-407F-AA69-95AE7CF2CA2D}"/>
               </a:ext>
             </a:extLst>
           </p:cNvPr>
@@ -6563,7 +6563,7 @@
           <p:cNvPr id="78" name="CaixaDeTexto 77">
             <a:extLst>
               <a:ext uri="{FF2B5EF4-FFF2-40B4-BE49-F238E27FC236}">
-                <a16:creationId xmlns:a16="http://schemas.microsoft.com/office/drawing/2014/main" xmlns="" id="{F8662209-CC73-4844-98AF-25BAA8574176}"/>
+                <a16:creationId xmlns="" xmlns:a16="http://schemas.microsoft.com/office/drawing/2014/main" id="{F8662209-CC73-4844-98AF-25BAA8574176}"/>
               </a:ext>
             </a:extLst>
           </p:cNvPr>
@@ -6606,7 +6606,7 @@
           <p:cNvPr id="80" name="Conector reto 79">
             <a:extLst>
               <a:ext uri="{FF2B5EF4-FFF2-40B4-BE49-F238E27FC236}">
-                <a16:creationId xmlns:a16="http://schemas.microsoft.com/office/drawing/2014/main" xmlns="" id="{73F74C92-CD30-49B2-8BEC-F84A857A515C}"/>
+                <a16:creationId xmlns="" xmlns:a16="http://schemas.microsoft.com/office/drawing/2014/main" id="{73F74C92-CD30-49B2-8BEC-F84A857A515C}"/>
               </a:ext>
             </a:extLst>
           </p:cNvPr>
@@ -6649,7 +6649,7 @@
           <p:cNvPr id="87" name="Imagem 86" descr="Uma imagem contendo animal, coral&#10;&#10;Descrição gerada automaticamente">
             <a:extLst>
               <a:ext uri="{FF2B5EF4-FFF2-40B4-BE49-F238E27FC236}">
-                <a16:creationId xmlns:a16="http://schemas.microsoft.com/office/drawing/2014/main" xmlns="" id="{79C824A1-4C8D-4573-9C44-4018A1B6C0A4}"/>
+                <a16:creationId xmlns="" xmlns:a16="http://schemas.microsoft.com/office/drawing/2014/main" id="{79C824A1-4C8D-4573-9C44-4018A1B6C0A4}"/>
               </a:ext>
             </a:extLst>
           </p:cNvPr>
@@ -6685,7 +6685,7 @@
           <p:cNvPr id="88" name="Retângulo 87">
             <a:extLst>
               <a:ext uri="{FF2B5EF4-FFF2-40B4-BE49-F238E27FC236}">
-                <a16:creationId xmlns:a16="http://schemas.microsoft.com/office/drawing/2014/main" xmlns="" id="{C8800477-D1CB-4ACF-8EFA-88E43DEE4EC5}"/>
+                <a16:creationId xmlns="" xmlns:a16="http://schemas.microsoft.com/office/drawing/2014/main" id="{C8800477-D1CB-4ACF-8EFA-88E43DEE4EC5}"/>
               </a:ext>
             </a:extLst>
           </p:cNvPr>
@@ -6737,7 +6737,7 @@
           <p:cNvPr id="2" name="Tabela 2">
             <a:extLst>
               <a:ext uri="{FF2B5EF4-FFF2-40B4-BE49-F238E27FC236}">
-                <a16:creationId xmlns:a16="http://schemas.microsoft.com/office/drawing/2014/main" xmlns="" id="{AB9678CA-6416-4141-8A97-E099A2E1C0D7}"/>
+                <a16:creationId xmlns="" xmlns:a16="http://schemas.microsoft.com/office/drawing/2014/main" id="{AB9678CA-6416-4141-8A97-E099A2E1C0D7}"/>
               </a:ext>
             </a:extLst>
           </p:cNvPr>
@@ -6766,21 +6766,21 @@
                 <a:gridCol w="715321">
                   <a:extLst>
                     <a:ext uri="{9D8B030D-6E8A-4147-A177-3AD203B41FA5}">
-                      <a16:colId xmlns:a16="http://schemas.microsoft.com/office/drawing/2014/main" xmlns="" val="2043689713"/>
+                      <a16:colId xmlns="" xmlns:a16="http://schemas.microsoft.com/office/drawing/2014/main" val="2043689713"/>
                     </a:ext>
                   </a:extLst>
                 </a:gridCol>
                 <a:gridCol w="2179290">
                   <a:extLst>
                     <a:ext uri="{9D8B030D-6E8A-4147-A177-3AD203B41FA5}">
-                      <a16:colId xmlns:a16="http://schemas.microsoft.com/office/drawing/2014/main" xmlns="" val="3855636959"/>
+                      <a16:colId xmlns="" xmlns:a16="http://schemas.microsoft.com/office/drawing/2014/main" val="3855636959"/>
                     </a:ext>
                   </a:extLst>
                 </a:gridCol>
                 <a:gridCol w="7955720">
                   <a:extLst>
                     <a:ext uri="{9D8B030D-6E8A-4147-A177-3AD203B41FA5}">
-                      <a16:colId xmlns:a16="http://schemas.microsoft.com/office/drawing/2014/main" xmlns="" val="410480492"/>
+                      <a16:colId xmlns="" xmlns:a16="http://schemas.microsoft.com/office/drawing/2014/main" val="410480492"/>
                     </a:ext>
                   </a:extLst>
                 </a:gridCol>
@@ -6830,7 +6830,7 @@
                 </a:tc>
                 <a:extLst>
                   <a:ext uri="{0D108BD9-81ED-4DB2-BD59-A6C34878D82A}">
-                    <a16:rowId xmlns:a16="http://schemas.microsoft.com/office/drawing/2014/main" xmlns="" val="1058233801"/>
+                    <a16:rowId xmlns="" xmlns:a16="http://schemas.microsoft.com/office/drawing/2014/main" val="1058233801"/>
                   </a:ext>
                 </a:extLst>
               </a:tr>
@@ -6921,7 +6921,7 @@
                 </a:tc>
                 <a:extLst>
                   <a:ext uri="{0D108BD9-81ED-4DB2-BD59-A6C34878D82A}">
-                    <a16:rowId xmlns:a16="http://schemas.microsoft.com/office/drawing/2014/main" xmlns="" val="1691059939"/>
+                    <a16:rowId xmlns="" xmlns:a16="http://schemas.microsoft.com/office/drawing/2014/main" val="1691059939"/>
                   </a:ext>
                 </a:extLst>
               </a:tr>
@@ -6976,7 +6976,7 @@
                 </a:tc>
                 <a:extLst>
                   <a:ext uri="{0D108BD9-81ED-4DB2-BD59-A6C34878D82A}">
-                    <a16:rowId xmlns:a16="http://schemas.microsoft.com/office/drawing/2014/main" xmlns="" val="4245011894"/>
+                    <a16:rowId xmlns="" xmlns:a16="http://schemas.microsoft.com/office/drawing/2014/main" val="4245011894"/>
                   </a:ext>
                 </a:extLst>
               </a:tr>
@@ -7032,7 +7032,7 @@
                 </a:tc>
                 <a:extLst>
                   <a:ext uri="{0D108BD9-81ED-4DB2-BD59-A6C34878D82A}">
-                    <a16:rowId xmlns:a16="http://schemas.microsoft.com/office/drawing/2014/main" xmlns="" val="3373888963"/>
+                    <a16:rowId xmlns="" xmlns:a16="http://schemas.microsoft.com/office/drawing/2014/main" val="3373888963"/>
                   </a:ext>
                 </a:extLst>
               </a:tr>
@@ -7115,7 +7115,7 @@
                 </a:tc>
                 <a:extLst>
                   <a:ext uri="{0D108BD9-81ED-4DB2-BD59-A6C34878D82A}">
-                    <a16:rowId xmlns:a16="http://schemas.microsoft.com/office/drawing/2014/main" xmlns="" val="1377226683"/>
+                    <a16:rowId xmlns="" xmlns:a16="http://schemas.microsoft.com/office/drawing/2014/main" val="1377226683"/>
                   </a:ext>
                 </a:extLst>
               </a:tr>
@@ -7171,7 +7171,7 @@
                 </a:tc>
                 <a:extLst>
                   <a:ext uri="{0D108BD9-81ED-4DB2-BD59-A6C34878D82A}">
-                    <a16:rowId xmlns:a16="http://schemas.microsoft.com/office/drawing/2014/main" xmlns="" val="4268883850"/>
+                    <a16:rowId xmlns="" xmlns:a16="http://schemas.microsoft.com/office/drawing/2014/main" val="4268883850"/>
                   </a:ext>
                 </a:extLst>
               </a:tr>
@@ -7244,7 +7244,7 @@
                 </a:tc>
                 <a:extLst>
                   <a:ext uri="{0D108BD9-81ED-4DB2-BD59-A6C34878D82A}">
-                    <a16:rowId xmlns:a16="http://schemas.microsoft.com/office/drawing/2014/main" xmlns="" val="2636009454"/>
+                    <a16:rowId xmlns="" xmlns:a16="http://schemas.microsoft.com/office/drawing/2014/main" val="2636009454"/>
                   </a:ext>
                 </a:extLst>
               </a:tr>
@@ -7317,7 +7317,7 @@
                 </a:tc>
                 <a:extLst>
                   <a:ext uri="{0D108BD9-81ED-4DB2-BD59-A6C34878D82A}">
-                    <a16:rowId xmlns:a16="http://schemas.microsoft.com/office/drawing/2014/main" xmlns="" val="44677869"/>
+                    <a16:rowId xmlns="" xmlns:a16="http://schemas.microsoft.com/office/drawing/2014/main" val="44677869"/>
                   </a:ext>
                 </a:extLst>
               </a:tr>
@@ -7372,7 +7372,7 @@
           <p:cNvPr id="76" name="Retângulo: Único Canto Recortado 75">
             <a:extLst>
               <a:ext uri="{FF2B5EF4-FFF2-40B4-BE49-F238E27FC236}">
-                <a16:creationId xmlns:a16="http://schemas.microsoft.com/office/drawing/2014/main" xmlns="" id="{D9443C8E-E977-429C-A77E-673E83DAC037}"/>
+                <a16:creationId xmlns="" xmlns:a16="http://schemas.microsoft.com/office/drawing/2014/main" id="{D9443C8E-E977-429C-A77E-673E83DAC037}"/>
               </a:ext>
             </a:extLst>
           </p:cNvPr>
@@ -7421,7 +7421,7 @@
           <p:cNvPr id="69" name="Retângulo: Único Canto Recortado 68">
             <a:extLst>
               <a:ext uri="{FF2B5EF4-FFF2-40B4-BE49-F238E27FC236}">
-                <a16:creationId xmlns:a16="http://schemas.microsoft.com/office/drawing/2014/main" xmlns="" id="{783C8D63-0708-47DF-B1AC-5F54E9B26435}"/>
+                <a16:creationId xmlns="" xmlns:a16="http://schemas.microsoft.com/office/drawing/2014/main" id="{783C8D63-0708-47DF-B1AC-5F54E9B26435}"/>
               </a:ext>
             </a:extLst>
           </p:cNvPr>
@@ -7470,7 +7470,7 @@
           <p:cNvPr id="68" name="CaixaDeTexto 67">
             <a:extLst>
               <a:ext uri="{FF2B5EF4-FFF2-40B4-BE49-F238E27FC236}">
-                <a16:creationId xmlns:a16="http://schemas.microsoft.com/office/drawing/2014/main" xmlns="" id="{48DF54F8-43CF-44E9-85E4-646DD4EFC65D}"/>
+                <a16:creationId xmlns="" xmlns:a16="http://schemas.microsoft.com/office/drawing/2014/main" id="{48DF54F8-43CF-44E9-85E4-646DD4EFC65D}"/>
               </a:ext>
             </a:extLst>
           </p:cNvPr>
@@ -7522,7 +7522,7 @@
           <p:cNvPr id="4" name="Fluxograma: Conector 3">
             <a:extLst>
               <a:ext uri="{FF2B5EF4-FFF2-40B4-BE49-F238E27FC236}">
-                <a16:creationId xmlns:a16="http://schemas.microsoft.com/office/drawing/2014/main" xmlns="" id="{3272DDE6-AD5A-4207-86D4-5FD36093EB43}"/>
+                <a16:creationId xmlns="" xmlns:a16="http://schemas.microsoft.com/office/drawing/2014/main" id="{3272DDE6-AD5A-4207-86D4-5FD36093EB43}"/>
               </a:ext>
             </a:extLst>
           </p:cNvPr>
@@ -7584,7 +7584,7 @@
           <p:cNvPr id="7" name="Fluxograma: Conector 6">
             <a:extLst>
               <a:ext uri="{FF2B5EF4-FFF2-40B4-BE49-F238E27FC236}">
-                <a16:creationId xmlns:a16="http://schemas.microsoft.com/office/drawing/2014/main" xmlns="" id="{9418CAFE-35DA-463C-83B9-D627DFACBE69}"/>
+                <a16:creationId xmlns="" xmlns:a16="http://schemas.microsoft.com/office/drawing/2014/main" id="{9418CAFE-35DA-463C-83B9-D627DFACBE69}"/>
               </a:ext>
             </a:extLst>
           </p:cNvPr>
@@ -7646,7 +7646,7 @@
           <p:cNvPr id="9" name="Conector de Seta Reta 8">
             <a:extLst>
               <a:ext uri="{FF2B5EF4-FFF2-40B4-BE49-F238E27FC236}">
-                <a16:creationId xmlns:a16="http://schemas.microsoft.com/office/drawing/2014/main" xmlns="" id="{D2A2D81A-7AB6-4675-9900-C1EEF7C703EE}"/>
+                <a16:creationId xmlns="" xmlns:a16="http://schemas.microsoft.com/office/drawing/2014/main" id="{D2A2D81A-7AB6-4675-9900-C1EEF7C703EE}"/>
               </a:ext>
             </a:extLst>
           </p:cNvPr>
@@ -7692,7 +7692,7 @@
           <p:cNvPr id="14" name="CaixaDeTexto 13">
             <a:extLst>
               <a:ext uri="{FF2B5EF4-FFF2-40B4-BE49-F238E27FC236}">
-                <a16:creationId xmlns:a16="http://schemas.microsoft.com/office/drawing/2014/main" xmlns="" id="{E2EBDF38-DEA7-42AC-B014-F917F4EC71CA}"/>
+                <a16:creationId xmlns="" xmlns:a16="http://schemas.microsoft.com/office/drawing/2014/main" id="{E2EBDF38-DEA7-42AC-B014-F917F4EC71CA}"/>
               </a:ext>
             </a:extLst>
           </p:cNvPr>
@@ -7744,7 +7744,7 @@
           <p:cNvPr id="18" name="Seta: Circular 17">
             <a:extLst>
               <a:ext uri="{FF2B5EF4-FFF2-40B4-BE49-F238E27FC236}">
-                <a16:creationId xmlns:a16="http://schemas.microsoft.com/office/drawing/2014/main" xmlns="" id="{364652BC-79CA-4267-9ED7-E361A17A0443}"/>
+                <a16:creationId xmlns="" xmlns:a16="http://schemas.microsoft.com/office/drawing/2014/main" id="{364652BC-79CA-4267-9ED7-E361A17A0443}"/>
               </a:ext>
             </a:extLst>
           </p:cNvPr>
@@ -7806,7 +7806,7 @@
           <p:cNvPr id="30" name="Fluxograma: Conector 29">
             <a:extLst>
               <a:ext uri="{FF2B5EF4-FFF2-40B4-BE49-F238E27FC236}">
-                <a16:creationId xmlns:a16="http://schemas.microsoft.com/office/drawing/2014/main" xmlns="" id="{8B108C3F-7165-4195-8988-2B8276C3BFF4}"/>
+                <a16:creationId xmlns="" xmlns:a16="http://schemas.microsoft.com/office/drawing/2014/main" id="{8B108C3F-7165-4195-8988-2B8276C3BFF4}"/>
               </a:ext>
             </a:extLst>
           </p:cNvPr>
@@ -7868,7 +7868,7 @@
           <p:cNvPr id="31" name="Conector de Seta Reta 30">
             <a:extLst>
               <a:ext uri="{FF2B5EF4-FFF2-40B4-BE49-F238E27FC236}">
-                <a16:creationId xmlns:a16="http://schemas.microsoft.com/office/drawing/2014/main" xmlns="" id="{ADF5FF3D-AE25-4B74-B907-6405784AB9B6}"/>
+                <a16:creationId xmlns="" xmlns:a16="http://schemas.microsoft.com/office/drawing/2014/main" id="{ADF5FF3D-AE25-4B74-B907-6405784AB9B6}"/>
               </a:ext>
             </a:extLst>
           </p:cNvPr>
@@ -7914,7 +7914,7 @@
           <p:cNvPr id="32" name="CaixaDeTexto 31">
             <a:extLst>
               <a:ext uri="{FF2B5EF4-FFF2-40B4-BE49-F238E27FC236}">
-                <a16:creationId xmlns:a16="http://schemas.microsoft.com/office/drawing/2014/main" xmlns="" id="{B4B1D426-FAE4-49A1-85F2-60C3D3EE04E6}"/>
+                <a16:creationId xmlns="" xmlns:a16="http://schemas.microsoft.com/office/drawing/2014/main" id="{B4B1D426-FAE4-49A1-85F2-60C3D3EE04E6}"/>
               </a:ext>
             </a:extLst>
           </p:cNvPr>
@@ -7952,7 +7952,7 @@
           <p:cNvPr id="42" name="CaixaDeTexto 41">
             <a:extLst>
               <a:ext uri="{FF2B5EF4-FFF2-40B4-BE49-F238E27FC236}">
-                <a16:creationId xmlns:a16="http://schemas.microsoft.com/office/drawing/2014/main" xmlns="" id="{4CF31268-74EF-49AA-8A9C-48FFAF98CCF9}"/>
+                <a16:creationId xmlns="" xmlns:a16="http://schemas.microsoft.com/office/drawing/2014/main" id="{4CF31268-74EF-49AA-8A9C-48FFAF98CCF9}"/>
               </a:ext>
             </a:extLst>
           </p:cNvPr>
@@ -7994,7 +7994,7 @@
           <p:cNvPr id="43" name="Seta: Circular 42">
             <a:extLst>
               <a:ext uri="{FF2B5EF4-FFF2-40B4-BE49-F238E27FC236}">
-                <a16:creationId xmlns:a16="http://schemas.microsoft.com/office/drawing/2014/main" xmlns="" id="{BD2527F8-3FC8-43E7-AB21-A84B3E7F0FEC}"/>
+                <a16:creationId xmlns="" xmlns:a16="http://schemas.microsoft.com/office/drawing/2014/main" id="{BD2527F8-3FC8-43E7-AB21-A84B3E7F0FEC}"/>
               </a:ext>
             </a:extLst>
           </p:cNvPr>
@@ -8056,7 +8056,7 @@
           <p:cNvPr id="44" name="CaixaDeTexto 43">
             <a:extLst>
               <a:ext uri="{FF2B5EF4-FFF2-40B4-BE49-F238E27FC236}">
-                <a16:creationId xmlns:a16="http://schemas.microsoft.com/office/drawing/2014/main" xmlns="" id="{65D3868A-07F4-4AB4-B197-F2C84D20B519}"/>
+                <a16:creationId xmlns="" xmlns:a16="http://schemas.microsoft.com/office/drawing/2014/main" id="{65D3868A-07F4-4AB4-B197-F2C84D20B519}"/>
               </a:ext>
             </a:extLst>
           </p:cNvPr>
@@ -8136,7 +8136,7 @@
           <p:cNvPr id="51" name="Fluxograma: Conector 50">
             <a:extLst>
               <a:ext uri="{FF2B5EF4-FFF2-40B4-BE49-F238E27FC236}">
-                <a16:creationId xmlns:a16="http://schemas.microsoft.com/office/drawing/2014/main" xmlns="" id="{8FD4AABA-465D-44AC-AB3F-FA8EEAA42ECF}"/>
+                <a16:creationId xmlns="" xmlns:a16="http://schemas.microsoft.com/office/drawing/2014/main" id="{8FD4AABA-465D-44AC-AB3F-FA8EEAA42ECF}"/>
               </a:ext>
             </a:extLst>
           </p:cNvPr>
@@ -8198,7 +8198,7 @@
           <p:cNvPr id="52" name="Conector de Seta Reta 51">
             <a:extLst>
               <a:ext uri="{FF2B5EF4-FFF2-40B4-BE49-F238E27FC236}">
-                <a16:creationId xmlns:a16="http://schemas.microsoft.com/office/drawing/2014/main" xmlns="" id="{59317C52-B2A6-4015-B738-65F649E573C0}"/>
+                <a16:creationId xmlns="" xmlns:a16="http://schemas.microsoft.com/office/drawing/2014/main" id="{59317C52-B2A6-4015-B738-65F649E573C0}"/>
               </a:ext>
             </a:extLst>
           </p:cNvPr>
@@ -8244,7 +8244,7 @@
           <p:cNvPr id="53" name="CaixaDeTexto 52">
             <a:extLst>
               <a:ext uri="{FF2B5EF4-FFF2-40B4-BE49-F238E27FC236}">
-                <a16:creationId xmlns:a16="http://schemas.microsoft.com/office/drawing/2014/main" xmlns="" id="{720E3027-473F-49DE-A69B-4F2DC2D16834}"/>
+                <a16:creationId xmlns="" xmlns:a16="http://schemas.microsoft.com/office/drawing/2014/main" id="{720E3027-473F-49DE-A69B-4F2DC2D16834}"/>
               </a:ext>
             </a:extLst>
           </p:cNvPr>
@@ -8287,7 +8287,7 @@
           <p:cNvPr id="61" name="Círculo: Vazio 60">
             <a:extLst>
               <a:ext uri="{FF2B5EF4-FFF2-40B4-BE49-F238E27FC236}">
-                <a16:creationId xmlns:a16="http://schemas.microsoft.com/office/drawing/2014/main" xmlns="" id="{D5EBEEB5-7544-415F-969C-E3CAE52F894A}"/>
+                <a16:creationId xmlns="" xmlns:a16="http://schemas.microsoft.com/office/drawing/2014/main" id="{D5EBEEB5-7544-415F-969C-E3CAE52F894A}"/>
               </a:ext>
             </a:extLst>
           </p:cNvPr>
@@ -8350,7 +8350,7 @@
           <p:cNvPr id="63" name="Conector de Seta Reta 62">
             <a:extLst>
               <a:ext uri="{FF2B5EF4-FFF2-40B4-BE49-F238E27FC236}">
-                <a16:creationId xmlns:a16="http://schemas.microsoft.com/office/drawing/2014/main" xmlns="" id="{C7931570-EDCD-413E-B7A6-AA2675A9EFC7}"/>
+                <a16:creationId xmlns="" xmlns:a16="http://schemas.microsoft.com/office/drawing/2014/main" id="{C7931570-EDCD-413E-B7A6-AA2675A9EFC7}"/>
               </a:ext>
             </a:extLst>
           </p:cNvPr>
@@ -8396,7 +8396,7 @@
           <p:cNvPr id="64" name="CaixaDeTexto 63">
             <a:extLst>
               <a:ext uri="{FF2B5EF4-FFF2-40B4-BE49-F238E27FC236}">
-                <a16:creationId xmlns:a16="http://schemas.microsoft.com/office/drawing/2014/main" xmlns="" id="{F498037A-F849-4CD7-9B97-EFF2EE47012C}"/>
+                <a16:creationId xmlns="" xmlns:a16="http://schemas.microsoft.com/office/drawing/2014/main" id="{F498037A-F849-4CD7-9B97-EFF2EE47012C}"/>
               </a:ext>
             </a:extLst>
           </p:cNvPr>
@@ -8438,7 +8438,7 @@
           <p:cNvPr id="70" name="Círculo: Vazio 69">
             <a:extLst>
               <a:ext uri="{FF2B5EF4-FFF2-40B4-BE49-F238E27FC236}">
-                <a16:creationId xmlns:a16="http://schemas.microsoft.com/office/drawing/2014/main" xmlns="" id="{6D7ED839-57BC-47EC-A3BD-75CB6D8EBAF6}"/>
+                <a16:creationId xmlns="" xmlns:a16="http://schemas.microsoft.com/office/drawing/2014/main" id="{6D7ED839-57BC-47EC-A3BD-75CB6D8EBAF6}"/>
               </a:ext>
             </a:extLst>
           </p:cNvPr>
@@ -8501,7 +8501,7 @@
           <p:cNvPr id="71" name="Conector de Seta Reta 70">
             <a:extLst>
               <a:ext uri="{FF2B5EF4-FFF2-40B4-BE49-F238E27FC236}">
-                <a16:creationId xmlns:a16="http://schemas.microsoft.com/office/drawing/2014/main" xmlns="" id="{F058A7D6-A033-4969-A0E9-D5387F80B06B}"/>
+                <a16:creationId xmlns="" xmlns:a16="http://schemas.microsoft.com/office/drawing/2014/main" id="{F058A7D6-A033-4969-A0E9-D5387F80B06B}"/>
               </a:ext>
             </a:extLst>
           </p:cNvPr>
@@ -8547,7 +8547,7 @@
           <p:cNvPr id="72" name="CaixaDeTexto 71">
             <a:extLst>
               <a:ext uri="{FF2B5EF4-FFF2-40B4-BE49-F238E27FC236}">
-                <a16:creationId xmlns:a16="http://schemas.microsoft.com/office/drawing/2014/main" xmlns="" id="{A1AD0EA8-D74B-412F-B087-FAA68F0D2125}"/>
+                <a16:creationId xmlns="" xmlns:a16="http://schemas.microsoft.com/office/drawing/2014/main" id="{A1AD0EA8-D74B-412F-B087-FAA68F0D2125}"/>
               </a:ext>
             </a:extLst>
           </p:cNvPr>
@@ -8596,7 +8596,7 @@
           <p:cNvPr id="73" name="CaixaDeTexto 72">
             <a:extLst>
               <a:ext uri="{FF2B5EF4-FFF2-40B4-BE49-F238E27FC236}">
-                <a16:creationId xmlns:a16="http://schemas.microsoft.com/office/drawing/2014/main" xmlns="" id="{54117930-50A0-4B78-AFE1-50BBF9194C5E}"/>
+                <a16:creationId xmlns="" xmlns:a16="http://schemas.microsoft.com/office/drawing/2014/main" id="{54117930-50A0-4B78-AFE1-50BBF9194C5E}"/>
               </a:ext>
             </a:extLst>
           </p:cNvPr>
@@ -8648,7 +8648,7 @@
           <p:cNvPr id="78" name="CaixaDeTexto 77">
             <a:extLst>
               <a:ext uri="{FF2B5EF4-FFF2-40B4-BE49-F238E27FC236}">
-                <a16:creationId xmlns:a16="http://schemas.microsoft.com/office/drawing/2014/main" xmlns="" id="{F8662209-CC73-4844-98AF-25BAA8574176}"/>
+                <a16:creationId xmlns="" xmlns:a16="http://schemas.microsoft.com/office/drawing/2014/main" id="{F8662209-CC73-4844-98AF-25BAA8574176}"/>
               </a:ext>
             </a:extLst>
           </p:cNvPr>
@@ -8733,7 +8733,7 @@
           <p:cNvPr id="80" name="Conector reto 79">
             <a:extLst>
               <a:ext uri="{FF2B5EF4-FFF2-40B4-BE49-F238E27FC236}">
-                <a16:creationId xmlns:a16="http://schemas.microsoft.com/office/drawing/2014/main" xmlns="" id="{73F74C92-CD30-49B2-8BEC-F84A857A515C}"/>
+                <a16:creationId xmlns="" xmlns:a16="http://schemas.microsoft.com/office/drawing/2014/main" id="{73F74C92-CD30-49B2-8BEC-F84A857A515C}"/>
               </a:ext>
             </a:extLst>
           </p:cNvPr>
@@ -8776,7 +8776,7 @@
           <p:cNvPr id="87" name="Imagem 86" descr="Uma imagem contendo animal, coral&#10;&#10;Descrição gerada automaticamente">
             <a:extLst>
               <a:ext uri="{FF2B5EF4-FFF2-40B4-BE49-F238E27FC236}">
-                <a16:creationId xmlns:a16="http://schemas.microsoft.com/office/drawing/2014/main" xmlns="" id="{79C824A1-4C8D-4573-9C44-4018A1B6C0A4}"/>
+                <a16:creationId xmlns="" xmlns:a16="http://schemas.microsoft.com/office/drawing/2014/main" id="{79C824A1-4C8D-4573-9C44-4018A1B6C0A4}"/>
               </a:ext>
             </a:extLst>
           </p:cNvPr>
@@ -8812,7 +8812,7 @@
           <p:cNvPr id="88" name="Retângulo 87">
             <a:extLst>
               <a:ext uri="{FF2B5EF4-FFF2-40B4-BE49-F238E27FC236}">
-                <a16:creationId xmlns:a16="http://schemas.microsoft.com/office/drawing/2014/main" xmlns="" id="{C8800477-D1CB-4ACF-8EFA-88E43DEE4EC5}"/>
+                <a16:creationId xmlns="" xmlns:a16="http://schemas.microsoft.com/office/drawing/2014/main" id="{C8800477-D1CB-4ACF-8EFA-88E43DEE4EC5}"/>
               </a:ext>
             </a:extLst>
           </p:cNvPr>
@@ -8864,7 +8864,7 @@
           <p:cNvPr id="33" name="CaixaDeTexto 32">
             <a:extLst>
               <a:ext uri="{FF2B5EF4-FFF2-40B4-BE49-F238E27FC236}">
-                <a16:creationId xmlns:a16="http://schemas.microsoft.com/office/drawing/2014/main" xmlns="" id="{B4B1D426-FAE4-49A1-85F2-60C3D3EE04E6}"/>
+                <a16:creationId xmlns="" xmlns:a16="http://schemas.microsoft.com/office/drawing/2014/main" id="{B4B1D426-FAE4-49A1-85F2-60C3D3EE04E6}"/>
               </a:ext>
             </a:extLst>
           </p:cNvPr>
@@ -8940,7 +8940,7 @@
     <a:masterClrMapping/>
   </p:clrMapOvr>
   <mc:AlternateContent xmlns:mc="http://schemas.openxmlformats.org/markup-compatibility/2006">
-    <mc:Choice xmlns:p159="http://schemas.microsoft.com/office/powerpoint/2015/09/main" xmlns="" Requires="p159">
+    <mc:Choice xmlns="" xmlns:p159="http://schemas.microsoft.com/office/powerpoint/2015/09/main" Requires="p159">
       <p:transition xmlns:p14="http://schemas.microsoft.com/office/powerpoint/2010/main" spd="slow" p14:dur="2000">
         <p159:morph option="byObject"/>
       </p:transition>
@@ -8976,7 +8976,7 @@
           <p:cNvPr id="76" name="Retângulo: Único Canto Recortado 75">
             <a:extLst>
               <a:ext uri="{FF2B5EF4-FFF2-40B4-BE49-F238E27FC236}">
-                <a16:creationId xmlns:a16="http://schemas.microsoft.com/office/drawing/2014/main" xmlns="" id="{D9443C8E-E977-429C-A77E-673E83DAC037}"/>
+                <a16:creationId xmlns="" xmlns:a16="http://schemas.microsoft.com/office/drawing/2014/main" id="{D9443C8E-E977-429C-A77E-673E83DAC037}"/>
               </a:ext>
             </a:extLst>
           </p:cNvPr>
@@ -9025,7 +9025,7 @@
           <p:cNvPr id="69" name="Retângulo: Único Canto Recortado 68">
             <a:extLst>
               <a:ext uri="{FF2B5EF4-FFF2-40B4-BE49-F238E27FC236}">
-                <a16:creationId xmlns:a16="http://schemas.microsoft.com/office/drawing/2014/main" xmlns="" id="{783C8D63-0708-47DF-B1AC-5F54E9B26435}"/>
+                <a16:creationId xmlns="" xmlns:a16="http://schemas.microsoft.com/office/drawing/2014/main" id="{783C8D63-0708-47DF-B1AC-5F54E9B26435}"/>
               </a:ext>
             </a:extLst>
           </p:cNvPr>
@@ -9074,7 +9074,7 @@
           <p:cNvPr id="68" name="CaixaDeTexto 67">
             <a:extLst>
               <a:ext uri="{FF2B5EF4-FFF2-40B4-BE49-F238E27FC236}">
-                <a16:creationId xmlns:a16="http://schemas.microsoft.com/office/drawing/2014/main" xmlns="" id="{48DF54F8-43CF-44E9-85E4-646DD4EFC65D}"/>
+                <a16:creationId xmlns="" xmlns:a16="http://schemas.microsoft.com/office/drawing/2014/main" id="{48DF54F8-43CF-44E9-85E4-646DD4EFC65D}"/>
               </a:ext>
             </a:extLst>
           </p:cNvPr>
@@ -9126,7 +9126,7 @@
           <p:cNvPr id="4" name="Fluxograma: Conector 3">
             <a:extLst>
               <a:ext uri="{FF2B5EF4-FFF2-40B4-BE49-F238E27FC236}">
-                <a16:creationId xmlns:a16="http://schemas.microsoft.com/office/drawing/2014/main" xmlns="" id="{3272DDE6-AD5A-4207-86D4-5FD36093EB43}"/>
+                <a16:creationId xmlns="" xmlns:a16="http://schemas.microsoft.com/office/drawing/2014/main" id="{3272DDE6-AD5A-4207-86D4-5FD36093EB43}"/>
               </a:ext>
             </a:extLst>
           </p:cNvPr>
@@ -9188,7 +9188,7 @@
           <p:cNvPr id="7" name="Fluxograma: Conector 6">
             <a:extLst>
               <a:ext uri="{FF2B5EF4-FFF2-40B4-BE49-F238E27FC236}">
-                <a16:creationId xmlns:a16="http://schemas.microsoft.com/office/drawing/2014/main" xmlns="" id="{9418CAFE-35DA-463C-83B9-D627DFACBE69}"/>
+                <a16:creationId xmlns="" xmlns:a16="http://schemas.microsoft.com/office/drawing/2014/main" id="{9418CAFE-35DA-463C-83B9-D627DFACBE69}"/>
               </a:ext>
             </a:extLst>
           </p:cNvPr>
@@ -9250,7 +9250,7 @@
           <p:cNvPr id="9" name="Conector de Seta Reta 8">
             <a:extLst>
               <a:ext uri="{FF2B5EF4-FFF2-40B4-BE49-F238E27FC236}">
-                <a16:creationId xmlns:a16="http://schemas.microsoft.com/office/drawing/2014/main" xmlns="" id="{D2A2D81A-7AB6-4675-9900-C1EEF7C703EE}"/>
+                <a16:creationId xmlns="" xmlns:a16="http://schemas.microsoft.com/office/drawing/2014/main" id="{D2A2D81A-7AB6-4675-9900-C1EEF7C703EE}"/>
               </a:ext>
             </a:extLst>
           </p:cNvPr>
@@ -9296,7 +9296,7 @@
           <p:cNvPr id="14" name="CaixaDeTexto 13">
             <a:extLst>
               <a:ext uri="{FF2B5EF4-FFF2-40B4-BE49-F238E27FC236}">
-                <a16:creationId xmlns:a16="http://schemas.microsoft.com/office/drawing/2014/main" xmlns="" id="{E2EBDF38-DEA7-42AC-B014-F917F4EC71CA}"/>
+                <a16:creationId xmlns="" xmlns:a16="http://schemas.microsoft.com/office/drawing/2014/main" id="{E2EBDF38-DEA7-42AC-B014-F917F4EC71CA}"/>
               </a:ext>
             </a:extLst>
           </p:cNvPr>
@@ -9338,7 +9338,7 @@
           <p:cNvPr id="18" name="Seta: Circular 17">
             <a:extLst>
               <a:ext uri="{FF2B5EF4-FFF2-40B4-BE49-F238E27FC236}">
-                <a16:creationId xmlns:a16="http://schemas.microsoft.com/office/drawing/2014/main" xmlns="" id="{364652BC-79CA-4267-9ED7-E361A17A0443}"/>
+                <a16:creationId xmlns="" xmlns:a16="http://schemas.microsoft.com/office/drawing/2014/main" id="{364652BC-79CA-4267-9ED7-E361A17A0443}"/>
               </a:ext>
             </a:extLst>
           </p:cNvPr>
@@ -9400,7 +9400,7 @@
           <p:cNvPr id="30" name="Fluxograma: Conector 29">
             <a:extLst>
               <a:ext uri="{FF2B5EF4-FFF2-40B4-BE49-F238E27FC236}">
-                <a16:creationId xmlns:a16="http://schemas.microsoft.com/office/drawing/2014/main" xmlns="" id="{8B108C3F-7165-4195-8988-2B8276C3BFF4}"/>
+                <a16:creationId xmlns="" xmlns:a16="http://schemas.microsoft.com/office/drawing/2014/main" id="{8B108C3F-7165-4195-8988-2B8276C3BFF4}"/>
               </a:ext>
             </a:extLst>
           </p:cNvPr>
@@ -9462,7 +9462,7 @@
           <p:cNvPr id="31" name="Conector de Seta Reta 30">
             <a:extLst>
               <a:ext uri="{FF2B5EF4-FFF2-40B4-BE49-F238E27FC236}">
-                <a16:creationId xmlns:a16="http://schemas.microsoft.com/office/drawing/2014/main" xmlns="" id="{ADF5FF3D-AE25-4B74-B907-6405784AB9B6}"/>
+                <a16:creationId xmlns="" xmlns:a16="http://schemas.microsoft.com/office/drawing/2014/main" id="{ADF5FF3D-AE25-4B74-B907-6405784AB9B6}"/>
               </a:ext>
             </a:extLst>
           </p:cNvPr>
@@ -9508,7 +9508,7 @@
           <p:cNvPr id="32" name="CaixaDeTexto 31">
             <a:extLst>
               <a:ext uri="{FF2B5EF4-FFF2-40B4-BE49-F238E27FC236}">
-                <a16:creationId xmlns:a16="http://schemas.microsoft.com/office/drawing/2014/main" xmlns="" id="{B4B1D426-FAE4-49A1-85F2-60C3D3EE04E6}"/>
+                <a16:creationId xmlns="" xmlns:a16="http://schemas.microsoft.com/office/drawing/2014/main" id="{B4B1D426-FAE4-49A1-85F2-60C3D3EE04E6}"/>
               </a:ext>
             </a:extLst>
           </p:cNvPr>
@@ -9546,7 +9546,7 @@
           <p:cNvPr id="42" name="CaixaDeTexto 41">
             <a:extLst>
               <a:ext uri="{FF2B5EF4-FFF2-40B4-BE49-F238E27FC236}">
-                <a16:creationId xmlns:a16="http://schemas.microsoft.com/office/drawing/2014/main" xmlns="" id="{4CF31268-74EF-49AA-8A9C-48FFAF98CCF9}"/>
+                <a16:creationId xmlns="" xmlns:a16="http://schemas.microsoft.com/office/drawing/2014/main" id="{4CF31268-74EF-49AA-8A9C-48FFAF98CCF9}"/>
               </a:ext>
             </a:extLst>
           </p:cNvPr>
@@ -9588,7 +9588,7 @@
           <p:cNvPr id="43" name="Seta: Circular 42">
             <a:extLst>
               <a:ext uri="{FF2B5EF4-FFF2-40B4-BE49-F238E27FC236}">
-                <a16:creationId xmlns:a16="http://schemas.microsoft.com/office/drawing/2014/main" xmlns="" id="{BD2527F8-3FC8-43E7-AB21-A84B3E7F0FEC}"/>
+                <a16:creationId xmlns="" xmlns:a16="http://schemas.microsoft.com/office/drawing/2014/main" id="{BD2527F8-3FC8-43E7-AB21-A84B3E7F0FEC}"/>
               </a:ext>
             </a:extLst>
           </p:cNvPr>
@@ -9650,7 +9650,7 @@
           <p:cNvPr id="44" name="CaixaDeTexto 43">
             <a:extLst>
               <a:ext uri="{FF2B5EF4-FFF2-40B4-BE49-F238E27FC236}">
-                <a16:creationId xmlns:a16="http://schemas.microsoft.com/office/drawing/2014/main" xmlns="" id="{65D3868A-07F4-4AB4-B197-F2C84D20B519}"/>
+                <a16:creationId xmlns="" xmlns:a16="http://schemas.microsoft.com/office/drawing/2014/main" id="{65D3868A-07F4-4AB4-B197-F2C84D20B519}"/>
               </a:ext>
             </a:extLst>
           </p:cNvPr>
@@ -9695,7 +9695,7 @@
           <p:cNvPr id="51" name="Fluxograma: Conector 50">
             <a:extLst>
               <a:ext uri="{FF2B5EF4-FFF2-40B4-BE49-F238E27FC236}">
-                <a16:creationId xmlns:a16="http://schemas.microsoft.com/office/drawing/2014/main" xmlns="" id="{8FD4AABA-465D-44AC-AB3F-FA8EEAA42ECF}"/>
+                <a16:creationId xmlns="" xmlns:a16="http://schemas.microsoft.com/office/drawing/2014/main" id="{8FD4AABA-465D-44AC-AB3F-FA8EEAA42ECF}"/>
               </a:ext>
             </a:extLst>
           </p:cNvPr>
@@ -9757,7 +9757,7 @@
           <p:cNvPr id="52" name="Conector de Seta Reta 51">
             <a:extLst>
               <a:ext uri="{FF2B5EF4-FFF2-40B4-BE49-F238E27FC236}">
-                <a16:creationId xmlns:a16="http://schemas.microsoft.com/office/drawing/2014/main" xmlns="" id="{59317C52-B2A6-4015-B738-65F649E573C0}"/>
+                <a16:creationId xmlns="" xmlns:a16="http://schemas.microsoft.com/office/drawing/2014/main" id="{59317C52-B2A6-4015-B738-65F649E573C0}"/>
               </a:ext>
             </a:extLst>
           </p:cNvPr>
@@ -9803,7 +9803,7 @@
           <p:cNvPr id="53" name="CaixaDeTexto 52">
             <a:extLst>
               <a:ext uri="{FF2B5EF4-FFF2-40B4-BE49-F238E27FC236}">
-                <a16:creationId xmlns:a16="http://schemas.microsoft.com/office/drawing/2014/main" xmlns="" id="{720E3027-473F-49DE-A69B-4F2DC2D16834}"/>
+                <a16:creationId xmlns="" xmlns:a16="http://schemas.microsoft.com/office/drawing/2014/main" id="{720E3027-473F-49DE-A69B-4F2DC2D16834}"/>
               </a:ext>
             </a:extLst>
           </p:cNvPr>
@@ -9845,7 +9845,7 @@
           <p:cNvPr id="63" name="Conector de Seta Reta 62">
             <a:extLst>
               <a:ext uri="{FF2B5EF4-FFF2-40B4-BE49-F238E27FC236}">
-                <a16:creationId xmlns:a16="http://schemas.microsoft.com/office/drawing/2014/main" xmlns="" id="{C7931570-EDCD-413E-B7A6-AA2675A9EFC7}"/>
+                <a16:creationId xmlns="" xmlns:a16="http://schemas.microsoft.com/office/drawing/2014/main" id="{C7931570-EDCD-413E-B7A6-AA2675A9EFC7}"/>
               </a:ext>
             </a:extLst>
           </p:cNvPr>
@@ -9891,7 +9891,7 @@
           <p:cNvPr id="71" name="Conector de Seta Reta 70">
             <a:extLst>
               <a:ext uri="{FF2B5EF4-FFF2-40B4-BE49-F238E27FC236}">
-                <a16:creationId xmlns:a16="http://schemas.microsoft.com/office/drawing/2014/main" xmlns="" id="{F058A7D6-A033-4969-A0E9-D5387F80B06B}"/>
+                <a16:creationId xmlns="" xmlns:a16="http://schemas.microsoft.com/office/drawing/2014/main" id="{F058A7D6-A033-4969-A0E9-D5387F80B06B}"/>
               </a:ext>
             </a:extLst>
           </p:cNvPr>
@@ -9937,7 +9937,7 @@
           <p:cNvPr id="73" name="CaixaDeTexto 72">
             <a:extLst>
               <a:ext uri="{FF2B5EF4-FFF2-40B4-BE49-F238E27FC236}">
-                <a16:creationId xmlns:a16="http://schemas.microsoft.com/office/drawing/2014/main" xmlns="" id="{54117930-50A0-4B78-AFE1-50BBF9194C5E}"/>
+                <a16:creationId xmlns="" xmlns:a16="http://schemas.microsoft.com/office/drawing/2014/main" id="{54117930-50A0-4B78-AFE1-50BBF9194C5E}"/>
               </a:ext>
             </a:extLst>
           </p:cNvPr>
@@ -9989,7 +9989,7 @@
           <p:cNvPr id="78" name="CaixaDeTexto 77">
             <a:extLst>
               <a:ext uri="{FF2B5EF4-FFF2-40B4-BE49-F238E27FC236}">
-                <a16:creationId xmlns:a16="http://schemas.microsoft.com/office/drawing/2014/main" xmlns="" id="{F8662209-CC73-4844-98AF-25BAA8574176}"/>
+                <a16:creationId xmlns="" xmlns:a16="http://schemas.microsoft.com/office/drawing/2014/main" id="{F8662209-CC73-4844-98AF-25BAA8574176}"/>
               </a:ext>
             </a:extLst>
           </p:cNvPr>
@@ -10074,7 +10074,7 @@
           <p:cNvPr id="87" name="Imagem 86" descr="Uma imagem contendo animal, coral&#10;&#10;Descrição gerada automaticamente">
             <a:extLst>
               <a:ext uri="{FF2B5EF4-FFF2-40B4-BE49-F238E27FC236}">
-                <a16:creationId xmlns:a16="http://schemas.microsoft.com/office/drawing/2014/main" xmlns="" id="{79C824A1-4C8D-4573-9C44-4018A1B6C0A4}"/>
+                <a16:creationId xmlns="" xmlns:a16="http://schemas.microsoft.com/office/drawing/2014/main" id="{79C824A1-4C8D-4573-9C44-4018A1B6C0A4}"/>
               </a:ext>
             </a:extLst>
           </p:cNvPr>
@@ -10110,7 +10110,7 @@
           <p:cNvPr id="88" name="Retângulo 87">
             <a:extLst>
               <a:ext uri="{FF2B5EF4-FFF2-40B4-BE49-F238E27FC236}">
-                <a16:creationId xmlns:a16="http://schemas.microsoft.com/office/drawing/2014/main" xmlns="" id="{C8800477-D1CB-4ACF-8EFA-88E43DEE4EC5}"/>
+                <a16:creationId xmlns="" xmlns:a16="http://schemas.microsoft.com/office/drawing/2014/main" id="{C8800477-D1CB-4ACF-8EFA-88E43DEE4EC5}"/>
               </a:ext>
             </a:extLst>
           </p:cNvPr>
@@ -10162,7 +10162,7 @@
           <p:cNvPr id="48" name="Fluxograma: Conector 47">
             <a:extLst>
               <a:ext uri="{FF2B5EF4-FFF2-40B4-BE49-F238E27FC236}">
-                <a16:creationId xmlns:a16="http://schemas.microsoft.com/office/drawing/2014/main" xmlns="" id="{1F2B5098-2FAE-42FB-AC09-544C8632A712}"/>
+                <a16:creationId xmlns="" xmlns:a16="http://schemas.microsoft.com/office/drawing/2014/main" id="{1F2B5098-2FAE-42FB-AC09-544C8632A712}"/>
               </a:ext>
             </a:extLst>
           </p:cNvPr>
@@ -10224,7 +10224,7 @@
           <p:cNvPr id="49" name="Conector de Seta Reta 48">
             <a:extLst>
               <a:ext uri="{FF2B5EF4-FFF2-40B4-BE49-F238E27FC236}">
-                <a16:creationId xmlns:a16="http://schemas.microsoft.com/office/drawing/2014/main" xmlns="" id="{51B1E61A-7A64-4A3E-AF27-B34A2FAD774B}"/>
+                <a16:creationId xmlns="" xmlns:a16="http://schemas.microsoft.com/office/drawing/2014/main" id="{51B1E61A-7A64-4A3E-AF27-B34A2FAD774B}"/>
               </a:ext>
             </a:extLst>
           </p:cNvPr>
@@ -10270,7 +10270,7 @@
           <p:cNvPr id="54" name="Seta: Circular 53">
             <a:extLst>
               <a:ext uri="{FF2B5EF4-FFF2-40B4-BE49-F238E27FC236}">
-                <a16:creationId xmlns:a16="http://schemas.microsoft.com/office/drawing/2014/main" xmlns="" id="{9DA1F575-C422-4A82-AA70-CCDED0FF1906}"/>
+                <a16:creationId xmlns="" xmlns:a16="http://schemas.microsoft.com/office/drawing/2014/main" id="{9DA1F575-C422-4A82-AA70-CCDED0FF1906}"/>
               </a:ext>
             </a:extLst>
           </p:cNvPr>
@@ -10332,7 +10332,7 @@
           <p:cNvPr id="56" name="CaixaDeTexto 55">
             <a:extLst>
               <a:ext uri="{FF2B5EF4-FFF2-40B4-BE49-F238E27FC236}">
-                <a16:creationId xmlns:a16="http://schemas.microsoft.com/office/drawing/2014/main" xmlns="" id="{3228C3AD-71CF-4D7E-81F2-2A4CB8F568BF}"/>
+                <a16:creationId xmlns="" xmlns:a16="http://schemas.microsoft.com/office/drawing/2014/main" id="{3228C3AD-71CF-4D7E-81F2-2A4CB8F568BF}"/>
               </a:ext>
             </a:extLst>
           </p:cNvPr>
@@ -10370,7 +10370,7 @@
           <p:cNvPr id="60" name="Círculo: Vazio 59">
             <a:extLst>
               <a:ext uri="{FF2B5EF4-FFF2-40B4-BE49-F238E27FC236}">
-                <a16:creationId xmlns:a16="http://schemas.microsoft.com/office/drawing/2014/main" xmlns="" id="{8387A9D5-66E0-46DB-8FB6-9B4FA549F1F0}"/>
+                <a16:creationId xmlns="" xmlns:a16="http://schemas.microsoft.com/office/drawing/2014/main" id="{8387A9D5-66E0-46DB-8FB6-9B4FA549F1F0}"/>
               </a:ext>
             </a:extLst>
           </p:cNvPr>
@@ -10433,7 +10433,7 @@
           <p:cNvPr id="62" name="Conector de Seta Reta 61">
             <a:extLst>
               <a:ext uri="{FF2B5EF4-FFF2-40B4-BE49-F238E27FC236}">
-                <a16:creationId xmlns:a16="http://schemas.microsoft.com/office/drawing/2014/main" xmlns="" id="{257C131D-70F9-43F9-BB4F-91BFCCD9E32E}"/>
+                <a16:creationId xmlns="" xmlns:a16="http://schemas.microsoft.com/office/drawing/2014/main" id="{257C131D-70F9-43F9-BB4F-91BFCCD9E32E}"/>
               </a:ext>
             </a:extLst>
           </p:cNvPr>
@@ -10479,7 +10479,7 @@
           <p:cNvPr id="67" name="CaixaDeTexto 66">
             <a:extLst>
               <a:ext uri="{FF2B5EF4-FFF2-40B4-BE49-F238E27FC236}">
-                <a16:creationId xmlns:a16="http://schemas.microsoft.com/office/drawing/2014/main" xmlns="" id="{40418496-DDCD-4AD6-9BBC-4D8B8DAF4D50}"/>
+                <a16:creationId xmlns="" xmlns:a16="http://schemas.microsoft.com/office/drawing/2014/main" id="{40418496-DDCD-4AD6-9BBC-4D8B8DAF4D50}"/>
               </a:ext>
             </a:extLst>
           </p:cNvPr>
@@ -10517,7 +10517,7 @@
           <p:cNvPr id="74" name="CaixaDeTexto 73">
             <a:extLst>
               <a:ext uri="{FF2B5EF4-FFF2-40B4-BE49-F238E27FC236}">
-                <a16:creationId xmlns:a16="http://schemas.microsoft.com/office/drawing/2014/main" xmlns="" id="{9E6A57DF-D9C1-403C-9D95-F70CCC228090}"/>
+                <a16:creationId xmlns="" xmlns:a16="http://schemas.microsoft.com/office/drawing/2014/main" id="{9E6A57DF-D9C1-403C-9D95-F70CCC228090}"/>
               </a:ext>
             </a:extLst>
           </p:cNvPr>
@@ -10555,7 +10555,7 @@
           <p:cNvPr id="89" name="Fluxograma: Conector 88">
             <a:extLst>
               <a:ext uri="{FF2B5EF4-FFF2-40B4-BE49-F238E27FC236}">
-                <a16:creationId xmlns:a16="http://schemas.microsoft.com/office/drawing/2014/main" xmlns="" id="{C1FE97F8-462D-439E-A7F1-7F7141635361}"/>
+                <a16:creationId xmlns="" xmlns:a16="http://schemas.microsoft.com/office/drawing/2014/main" id="{C1FE97F8-462D-439E-A7F1-7F7141635361}"/>
               </a:ext>
             </a:extLst>
           </p:cNvPr>
@@ -10617,7 +10617,7 @@
           <p:cNvPr id="92" name="CaixaDeTexto 91">
             <a:extLst>
               <a:ext uri="{FF2B5EF4-FFF2-40B4-BE49-F238E27FC236}">
-                <a16:creationId xmlns:a16="http://schemas.microsoft.com/office/drawing/2014/main" xmlns="" id="{0DE70EF5-2513-431A-A2DB-23CD79274BA7}"/>
+                <a16:creationId xmlns="" xmlns:a16="http://schemas.microsoft.com/office/drawing/2014/main" id="{0DE70EF5-2513-431A-A2DB-23CD79274BA7}"/>
               </a:ext>
             </a:extLst>
           </p:cNvPr>
@@ -10659,7 +10659,7 @@
           <p:cNvPr id="93" name="Seta: Circular 92">
             <a:extLst>
               <a:ext uri="{FF2B5EF4-FFF2-40B4-BE49-F238E27FC236}">
-                <a16:creationId xmlns:a16="http://schemas.microsoft.com/office/drawing/2014/main" xmlns="" id="{E0ACCA57-9D35-48F4-A530-0C5E378CC01C}"/>
+                <a16:creationId xmlns="" xmlns:a16="http://schemas.microsoft.com/office/drawing/2014/main" id="{E0ACCA57-9D35-48F4-A530-0C5E378CC01C}"/>
               </a:ext>
             </a:extLst>
           </p:cNvPr>
@@ -10721,7 +10721,7 @@
           <p:cNvPr id="94" name="CaixaDeTexto 93">
             <a:extLst>
               <a:ext uri="{FF2B5EF4-FFF2-40B4-BE49-F238E27FC236}">
-                <a16:creationId xmlns:a16="http://schemas.microsoft.com/office/drawing/2014/main" xmlns="" id="{A58CF161-7D5F-477C-ADEB-685A53B4CAA6}"/>
+                <a16:creationId xmlns="" xmlns:a16="http://schemas.microsoft.com/office/drawing/2014/main" id="{A58CF161-7D5F-477C-ADEB-685A53B4CAA6}"/>
               </a:ext>
             </a:extLst>
           </p:cNvPr>
@@ -10763,7 +10763,7 @@
           <p:cNvPr id="97" name="Círculo: Vazio 96">
             <a:extLst>
               <a:ext uri="{FF2B5EF4-FFF2-40B4-BE49-F238E27FC236}">
-                <a16:creationId xmlns:a16="http://schemas.microsoft.com/office/drawing/2014/main" xmlns="" id="{4BE44059-BC3A-4177-8AEE-7F0E03AE4892}"/>
+                <a16:creationId xmlns="" xmlns:a16="http://schemas.microsoft.com/office/drawing/2014/main" id="{4BE44059-BC3A-4177-8AEE-7F0E03AE4892}"/>
               </a:ext>
             </a:extLst>
           </p:cNvPr>
@@ -10826,7 +10826,7 @@
           <p:cNvPr id="98" name="Conector de Seta Reta 97">
             <a:extLst>
               <a:ext uri="{FF2B5EF4-FFF2-40B4-BE49-F238E27FC236}">
-                <a16:creationId xmlns:a16="http://schemas.microsoft.com/office/drawing/2014/main" xmlns="" id="{E20BCA5D-F055-4FFB-923D-E038A90F777D}"/>
+                <a16:creationId xmlns="" xmlns:a16="http://schemas.microsoft.com/office/drawing/2014/main" id="{E20BCA5D-F055-4FFB-923D-E038A90F777D}"/>
               </a:ext>
             </a:extLst>
           </p:cNvPr>
@@ -10872,7 +10872,7 @@
           <p:cNvPr id="99" name="CaixaDeTexto 98">
             <a:extLst>
               <a:ext uri="{FF2B5EF4-FFF2-40B4-BE49-F238E27FC236}">
-                <a16:creationId xmlns:a16="http://schemas.microsoft.com/office/drawing/2014/main" xmlns="" id="{D1D559E8-B029-48CB-85AC-C21B0D992EBF}"/>
+                <a16:creationId xmlns="" xmlns:a16="http://schemas.microsoft.com/office/drawing/2014/main" id="{D1D559E8-B029-48CB-85AC-C21B0D992EBF}"/>
               </a:ext>
             </a:extLst>
           </p:cNvPr>
@@ -10910,7 +10910,7 @@
           <p:cNvPr id="107" name="Fluxograma: Conector 106">
             <a:extLst>
               <a:ext uri="{FF2B5EF4-FFF2-40B4-BE49-F238E27FC236}">
-                <a16:creationId xmlns:a16="http://schemas.microsoft.com/office/drawing/2014/main" xmlns="" id="{FEA9989D-00CC-464D-90F0-D9E645FBDBCD}"/>
+                <a16:creationId xmlns="" xmlns:a16="http://schemas.microsoft.com/office/drawing/2014/main" id="{FEA9989D-00CC-464D-90F0-D9E645FBDBCD}"/>
               </a:ext>
             </a:extLst>
           </p:cNvPr>
@@ -10972,7 +10972,7 @@
           <p:cNvPr id="108" name="Conector de Seta Reta 107">
             <a:extLst>
               <a:ext uri="{FF2B5EF4-FFF2-40B4-BE49-F238E27FC236}">
-                <a16:creationId xmlns:a16="http://schemas.microsoft.com/office/drawing/2014/main" xmlns="" id="{44618F8D-E93E-4D40-A8B4-3D7D50644057}"/>
+                <a16:creationId xmlns="" xmlns:a16="http://schemas.microsoft.com/office/drawing/2014/main" id="{44618F8D-E93E-4D40-A8B4-3D7D50644057}"/>
               </a:ext>
             </a:extLst>
           </p:cNvPr>
@@ -11018,7 +11018,7 @@
           <p:cNvPr id="112" name="CaixaDeTexto 111">
             <a:extLst>
               <a:ext uri="{FF2B5EF4-FFF2-40B4-BE49-F238E27FC236}">
-                <a16:creationId xmlns:a16="http://schemas.microsoft.com/office/drawing/2014/main" xmlns="" id="{303CD408-CDC1-4363-8C4E-50EB9699F101}"/>
+                <a16:creationId xmlns="" xmlns:a16="http://schemas.microsoft.com/office/drawing/2014/main" id="{303CD408-CDC1-4363-8C4E-50EB9699F101}"/>
               </a:ext>
             </a:extLst>
           </p:cNvPr>
@@ -11056,7 +11056,7 @@
           <p:cNvPr id="113" name="Seta: Circular 112">
             <a:extLst>
               <a:ext uri="{FF2B5EF4-FFF2-40B4-BE49-F238E27FC236}">
-                <a16:creationId xmlns:a16="http://schemas.microsoft.com/office/drawing/2014/main" xmlns="" id="{87E99686-140A-4813-9B08-78A968AB47A9}"/>
+                <a16:creationId xmlns="" xmlns:a16="http://schemas.microsoft.com/office/drawing/2014/main" id="{87E99686-140A-4813-9B08-78A968AB47A9}"/>
               </a:ext>
             </a:extLst>
           </p:cNvPr>
@@ -11118,7 +11118,7 @@
           <p:cNvPr id="114" name="CaixaDeTexto 113">
             <a:extLst>
               <a:ext uri="{FF2B5EF4-FFF2-40B4-BE49-F238E27FC236}">
-                <a16:creationId xmlns:a16="http://schemas.microsoft.com/office/drawing/2014/main" xmlns="" id="{7AB11AE8-B319-4CD7-B683-C61F8FCD75F8}"/>
+                <a16:creationId xmlns="" xmlns:a16="http://schemas.microsoft.com/office/drawing/2014/main" id="{7AB11AE8-B319-4CD7-B683-C61F8FCD75F8}"/>
               </a:ext>
             </a:extLst>
           </p:cNvPr>
@@ -11156,7 +11156,7 @@
           <p:cNvPr id="119" name="Fluxograma: Conector 118">
             <a:extLst>
               <a:ext uri="{FF2B5EF4-FFF2-40B4-BE49-F238E27FC236}">
-                <a16:creationId xmlns:a16="http://schemas.microsoft.com/office/drawing/2014/main" xmlns="" id="{84928E80-E7D1-465A-8149-F55D10343D6B}"/>
+                <a16:creationId xmlns="" xmlns:a16="http://schemas.microsoft.com/office/drawing/2014/main" id="{84928E80-E7D1-465A-8149-F55D10343D6B}"/>
               </a:ext>
             </a:extLst>
           </p:cNvPr>
@@ -11218,7 +11218,7 @@
           <p:cNvPr id="128" name="Conector de Seta Reta 127">
             <a:extLst>
               <a:ext uri="{FF2B5EF4-FFF2-40B4-BE49-F238E27FC236}">
-                <a16:creationId xmlns:a16="http://schemas.microsoft.com/office/drawing/2014/main" xmlns="" id="{98180A62-EBCF-49A4-8FA1-397A0E02499F}"/>
+                <a16:creationId xmlns="" xmlns:a16="http://schemas.microsoft.com/office/drawing/2014/main" id="{98180A62-EBCF-49A4-8FA1-397A0E02499F}"/>
               </a:ext>
             </a:extLst>
           </p:cNvPr>
@@ -11264,7 +11264,7 @@
           <p:cNvPr id="136" name="CaixaDeTexto 135">
             <a:extLst>
               <a:ext uri="{FF2B5EF4-FFF2-40B4-BE49-F238E27FC236}">
-                <a16:creationId xmlns:a16="http://schemas.microsoft.com/office/drawing/2014/main" xmlns="" id="{AAE31CA6-4295-4460-833C-EBAA12548A1B}"/>
+                <a16:creationId xmlns="" xmlns:a16="http://schemas.microsoft.com/office/drawing/2014/main" id="{AAE31CA6-4295-4460-833C-EBAA12548A1B}"/>
               </a:ext>
             </a:extLst>
           </p:cNvPr>
@@ -11302,7 +11302,7 @@
           <p:cNvPr id="140" name="Fluxograma: Conector 139">
             <a:extLst>
               <a:ext uri="{FF2B5EF4-FFF2-40B4-BE49-F238E27FC236}">
-                <a16:creationId xmlns:a16="http://schemas.microsoft.com/office/drawing/2014/main" xmlns="" id="{C817E228-EC4E-4EED-893F-FFE5F2818CC7}"/>
+                <a16:creationId xmlns="" xmlns:a16="http://schemas.microsoft.com/office/drawing/2014/main" id="{C817E228-EC4E-4EED-893F-FFE5F2818CC7}"/>
               </a:ext>
             </a:extLst>
           </p:cNvPr>
@@ -11364,7 +11364,7 @@
           <p:cNvPr id="143" name="CaixaDeTexto 142">
             <a:extLst>
               <a:ext uri="{FF2B5EF4-FFF2-40B4-BE49-F238E27FC236}">
-                <a16:creationId xmlns:a16="http://schemas.microsoft.com/office/drawing/2014/main" xmlns="" id="{3C70B3CB-F913-428B-89BB-7E83198F8E94}"/>
+                <a16:creationId xmlns="" xmlns:a16="http://schemas.microsoft.com/office/drawing/2014/main" id="{3C70B3CB-F913-428B-89BB-7E83198F8E94}"/>
               </a:ext>
             </a:extLst>
           </p:cNvPr>
@@ -11402,7 +11402,7 @@
           <p:cNvPr id="145" name="Seta: Circular 144">
             <a:extLst>
               <a:ext uri="{FF2B5EF4-FFF2-40B4-BE49-F238E27FC236}">
-                <a16:creationId xmlns:a16="http://schemas.microsoft.com/office/drawing/2014/main" xmlns="" id="{51E61C50-070B-405E-BDD9-80CDBD5AED72}"/>
+                <a16:creationId xmlns="" xmlns:a16="http://schemas.microsoft.com/office/drawing/2014/main" id="{51E61C50-070B-405E-BDD9-80CDBD5AED72}"/>
               </a:ext>
             </a:extLst>
           </p:cNvPr>
@@ -11464,7 +11464,7 @@
           <p:cNvPr id="146" name="CaixaDeTexto 145">
             <a:extLst>
               <a:ext uri="{FF2B5EF4-FFF2-40B4-BE49-F238E27FC236}">
-                <a16:creationId xmlns:a16="http://schemas.microsoft.com/office/drawing/2014/main" xmlns="" id="{05C85160-96F6-42C6-AA32-BC758F27C462}"/>
+                <a16:creationId xmlns="" xmlns:a16="http://schemas.microsoft.com/office/drawing/2014/main" id="{05C85160-96F6-42C6-AA32-BC758F27C462}"/>
               </a:ext>
             </a:extLst>
           </p:cNvPr>
@@ -11502,7 +11502,7 @@
           <p:cNvPr id="148" name="CaixaDeTexto 147">
             <a:extLst>
               <a:ext uri="{FF2B5EF4-FFF2-40B4-BE49-F238E27FC236}">
-                <a16:creationId xmlns:a16="http://schemas.microsoft.com/office/drawing/2014/main" xmlns="" id="{B441EFE9-A76E-4E9C-87ED-6BACD88F69FC}"/>
+                <a16:creationId xmlns="" xmlns:a16="http://schemas.microsoft.com/office/drawing/2014/main" id="{B441EFE9-A76E-4E9C-87ED-6BACD88F69FC}"/>
               </a:ext>
             </a:extLst>
           </p:cNvPr>
@@ -11540,7 +11540,7 @@
           <p:cNvPr id="154" name="Conector: Angulado 153">
             <a:extLst>
               <a:ext uri="{FF2B5EF4-FFF2-40B4-BE49-F238E27FC236}">
-                <a16:creationId xmlns:a16="http://schemas.microsoft.com/office/drawing/2014/main" xmlns="" id="{47487E4E-4219-498E-9EDF-0CA77D4FF407}"/>
+                <a16:creationId xmlns="" xmlns:a16="http://schemas.microsoft.com/office/drawing/2014/main" id="{47487E4E-4219-498E-9EDF-0CA77D4FF407}"/>
               </a:ext>
             </a:extLst>
           </p:cNvPr>
@@ -11586,7 +11586,7 @@
           <p:cNvPr id="157" name="Conector de Seta Reta 156">
             <a:extLst>
               <a:ext uri="{FF2B5EF4-FFF2-40B4-BE49-F238E27FC236}">
-                <a16:creationId xmlns:a16="http://schemas.microsoft.com/office/drawing/2014/main" xmlns="" id="{B0F00E3A-5466-4DDB-ABDE-B5F17142A2A0}"/>
+                <a16:creationId xmlns="" xmlns:a16="http://schemas.microsoft.com/office/drawing/2014/main" id="{B0F00E3A-5466-4DDB-ABDE-B5F17142A2A0}"/>
               </a:ext>
             </a:extLst>
           </p:cNvPr>
@@ -11632,7 +11632,7 @@
           <p:cNvPr id="158" name="CaixaDeTexto 157">
             <a:extLst>
               <a:ext uri="{FF2B5EF4-FFF2-40B4-BE49-F238E27FC236}">
-                <a16:creationId xmlns:a16="http://schemas.microsoft.com/office/drawing/2014/main" xmlns="" id="{6E046D96-495C-4E67-8A9D-98FFB67850CF}"/>
+                <a16:creationId xmlns="" xmlns:a16="http://schemas.microsoft.com/office/drawing/2014/main" id="{6E046D96-495C-4E67-8A9D-98FFB67850CF}"/>
               </a:ext>
             </a:extLst>
           </p:cNvPr>
@@ -11670,7 +11670,7 @@
           <p:cNvPr id="161" name="Conector reto 160">
             <a:extLst>
               <a:ext uri="{FF2B5EF4-FFF2-40B4-BE49-F238E27FC236}">
-                <a16:creationId xmlns:a16="http://schemas.microsoft.com/office/drawing/2014/main" xmlns="" id="{D5D022BA-8192-4E09-9E87-E5ED37A4B0C7}"/>
+                <a16:creationId xmlns="" xmlns:a16="http://schemas.microsoft.com/office/drawing/2014/main" id="{D5D022BA-8192-4E09-9E87-E5ED37A4B0C7}"/>
               </a:ext>
             </a:extLst>
           </p:cNvPr>
@@ -11755,7 +11755,7 @@
           <p:cNvPr id="36" name="Retângulo: Único Canto Recortado 35">
             <a:extLst>
               <a:ext uri="{FF2B5EF4-FFF2-40B4-BE49-F238E27FC236}">
-                <a16:creationId xmlns:a16="http://schemas.microsoft.com/office/drawing/2014/main" xmlns="" id="{AA357EBC-7951-4EFB-8C8A-10098AE1F27D}"/>
+                <a16:creationId xmlns="" xmlns:a16="http://schemas.microsoft.com/office/drawing/2014/main" id="{AA357EBC-7951-4EFB-8C8A-10098AE1F27D}"/>
               </a:ext>
             </a:extLst>
           </p:cNvPr>
@@ -11804,7 +11804,7 @@
           <p:cNvPr id="37" name="CaixaDeTexto 36">
             <a:extLst>
               <a:ext uri="{FF2B5EF4-FFF2-40B4-BE49-F238E27FC236}">
-                <a16:creationId xmlns:a16="http://schemas.microsoft.com/office/drawing/2014/main" xmlns="" id="{C8DD7EF8-8BAD-4A01-8EE6-131232181794}"/>
+                <a16:creationId xmlns="" xmlns:a16="http://schemas.microsoft.com/office/drawing/2014/main" id="{C8DD7EF8-8BAD-4A01-8EE6-131232181794}"/>
               </a:ext>
             </a:extLst>
           </p:cNvPr>
@@ -11969,7 +11969,7 @@
           <p:cNvPr id="69" name="Retângulo: Único Canto Recortado 68">
             <a:extLst>
               <a:ext uri="{FF2B5EF4-FFF2-40B4-BE49-F238E27FC236}">
-                <a16:creationId xmlns:a16="http://schemas.microsoft.com/office/drawing/2014/main" xmlns="" id="{783C8D63-0708-47DF-B1AC-5F54E9B26435}"/>
+                <a16:creationId xmlns="" xmlns:a16="http://schemas.microsoft.com/office/drawing/2014/main" id="{783C8D63-0708-47DF-B1AC-5F54E9B26435}"/>
               </a:ext>
             </a:extLst>
           </p:cNvPr>
@@ -12018,7 +12018,7 @@
           <p:cNvPr id="68" name="CaixaDeTexto 67">
             <a:extLst>
               <a:ext uri="{FF2B5EF4-FFF2-40B4-BE49-F238E27FC236}">
-                <a16:creationId xmlns:a16="http://schemas.microsoft.com/office/drawing/2014/main" xmlns="" id="{48DF54F8-43CF-44E9-85E4-646DD4EFC65D}"/>
+                <a16:creationId xmlns="" xmlns:a16="http://schemas.microsoft.com/office/drawing/2014/main" id="{48DF54F8-43CF-44E9-85E4-646DD4EFC65D}"/>
               </a:ext>
             </a:extLst>
           </p:cNvPr>
@@ -12073,7 +12073,7 @@
           <p:cNvPr id="4" name="Fluxograma: Conector 3">
             <a:extLst>
               <a:ext uri="{FF2B5EF4-FFF2-40B4-BE49-F238E27FC236}">
-                <a16:creationId xmlns:a16="http://schemas.microsoft.com/office/drawing/2014/main" xmlns="" id="{3272DDE6-AD5A-4207-86D4-5FD36093EB43}"/>
+                <a16:creationId xmlns="" xmlns:a16="http://schemas.microsoft.com/office/drawing/2014/main" id="{3272DDE6-AD5A-4207-86D4-5FD36093EB43}"/>
               </a:ext>
             </a:extLst>
           </p:cNvPr>
@@ -12135,7 +12135,7 @@
           <p:cNvPr id="9" name="Conector de Seta Reta 8">
             <a:extLst>
               <a:ext uri="{FF2B5EF4-FFF2-40B4-BE49-F238E27FC236}">
-                <a16:creationId xmlns:a16="http://schemas.microsoft.com/office/drawing/2014/main" xmlns="" id="{D2A2D81A-7AB6-4675-9900-C1EEF7C703EE}"/>
+                <a16:creationId xmlns="" xmlns:a16="http://schemas.microsoft.com/office/drawing/2014/main" id="{D2A2D81A-7AB6-4675-9900-C1EEF7C703EE}"/>
               </a:ext>
             </a:extLst>
           </p:cNvPr>
@@ -12181,7 +12181,7 @@
           <p:cNvPr id="14" name="CaixaDeTexto 13">
             <a:extLst>
               <a:ext uri="{FF2B5EF4-FFF2-40B4-BE49-F238E27FC236}">
-                <a16:creationId xmlns:a16="http://schemas.microsoft.com/office/drawing/2014/main" xmlns="" id="{E2EBDF38-DEA7-42AC-B014-F917F4EC71CA}"/>
+                <a16:creationId xmlns="" xmlns:a16="http://schemas.microsoft.com/office/drawing/2014/main" id="{E2EBDF38-DEA7-42AC-B014-F917F4EC71CA}"/>
               </a:ext>
             </a:extLst>
           </p:cNvPr>
@@ -12261,7 +12261,7 @@
           <p:cNvPr id="18" name="Seta: Circular 17">
             <a:extLst>
               <a:ext uri="{FF2B5EF4-FFF2-40B4-BE49-F238E27FC236}">
-                <a16:creationId xmlns:a16="http://schemas.microsoft.com/office/drawing/2014/main" xmlns="" id="{364652BC-79CA-4267-9ED7-E361A17A0443}"/>
+                <a16:creationId xmlns="" xmlns:a16="http://schemas.microsoft.com/office/drawing/2014/main" id="{364652BC-79CA-4267-9ED7-E361A17A0443}"/>
               </a:ext>
             </a:extLst>
           </p:cNvPr>
@@ -12323,7 +12323,7 @@
           <p:cNvPr id="42" name="CaixaDeTexto 41">
             <a:extLst>
               <a:ext uri="{FF2B5EF4-FFF2-40B4-BE49-F238E27FC236}">
-                <a16:creationId xmlns:a16="http://schemas.microsoft.com/office/drawing/2014/main" xmlns="" id="{4CF31268-74EF-49AA-8A9C-48FFAF98CCF9}"/>
+                <a16:creationId xmlns="" xmlns:a16="http://schemas.microsoft.com/office/drawing/2014/main" id="{4CF31268-74EF-49AA-8A9C-48FFAF98CCF9}"/>
               </a:ext>
             </a:extLst>
           </p:cNvPr>
@@ -12365,7 +12365,7 @@
           <p:cNvPr id="61" name="Círculo: Vazio 60">
             <a:extLst>
               <a:ext uri="{FF2B5EF4-FFF2-40B4-BE49-F238E27FC236}">
-                <a16:creationId xmlns:a16="http://schemas.microsoft.com/office/drawing/2014/main" xmlns="" id="{D5EBEEB5-7544-415F-969C-E3CAE52F894A}"/>
+                <a16:creationId xmlns="" xmlns:a16="http://schemas.microsoft.com/office/drawing/2014/main" id="{D5EBEEB5-7544-415F-969C-E3CAE52F894A}"/>
               </a:ext>
             </a:extLst>
           </p:cNvPr>
@@ -12428,7 +12428,7 @@
           <p:cNvPr id="78" name="CaixaDeTexto 77">
             <a:extLst>
               <a:ext uri="{FF2B5EF4-FFF2-40B4-BE49-F238E27FC236}">
-                <a16:creationId xmlns:a16="http://schemas.microsoft.com/office/drawing/2014/main" xmlns="" id="{F8662209-CC73-4844-98AF-25BAA8574176}"/>
+                <a16:creationId xmlns="" xmlns:a16="http://schemas.microsoft.com/office/drawing/2014/main" id="{F8662209-CC73-4844-98AF-25BAA8574176}"/>
               </a:ext>
             </a:extLst>
           </p:cNvPr>
@@ -12499,7 +12499,7 @@
           <p:cNvPr id="80" name="Conector reto 79">
             <a:extLst>
               <a:ext uri="{FF2B5EF4-FFF2-40B4-BE49-F238E27FC236}">
-                <a16:creationId xmlns:a16="http://schemas.microsoft.com/office/drawing/2014/main" xmlns="" id="{73F74C92-CD30-49B2-8BEC-F84A857A515C}"/>
+                <a16:creationId xmlns="" xmlns:a16="http://schemas.microsoft.com/office/drawing/2014/main" id="{73F74C92-CD30-49B2-8BEC-F84A857A515C}"/>
               </a:ext>
             </a:extLst>
           </p:cNvPr>
@@ -12542,7 +12542,7 @@
           <p:cNvPr id="87" name="Imagem 86" descr="Uma imagem contendo animal, coral&#10;&#10;Descrição gerada automaticamente">
             <a:extLst>
               <a:ext uri="{FF2B5EF4-FFF2-40B4-BE49-F238E27FC236}">
-                <a16:creationId xmlns:a16="http://schemas.microsoft.com/office/drawing/2014/main" xmlns="" id="{79C824A1-4C8D-4573-9C44-4018A1B6C0A4}"/>
+                <a16:creationId xmlns="" xmlns:a16="http://schemas.microsoft.com/office/drawing/2014/main" id="{79C824A1-4C8D-4573-9C44-4018A1B6C0A4}"/>
               </a:ext>
             </a:extLst>
           </p:cNvPr>
@@ -12578,7 +12578,7 @@
           <p:cNvPr id="88" name="Retângulo 87">
             <a:extLst>
               <a:ext uri="{FF2B5EF4-FFF2-40B4-BE49-F238E27FC236}">
-                <a16:creationId xmlns:a16="http://schemas.microsoft.com/office/drawing/2014/main" xmlns="" id="{C8800477-D1CB-4ACF-8EFA-88E43DEE4EC5}"/>
+                <a16:creationId xmlns="" xmlns:a16="http://schemas.microsoft.com/office/drawing/2014/main" id="{C8800477-D1CB-4ACF-8EFA-88E43DEE4EC5}"/>
               </a:ext>
             </a:extLst>
           </p:cNvPr>
@@ -12672,7 +12672,7 @@
           <p:cNvPr id="69" name="Retângulo: Único Canto Recortado 68">
             <a:extLst>
               <a:ext uri="{FF2B5EF4-FFF2-40B4-BE49-F238E27FC236}">
-                <a16:creationId xmlns:a16="http://schemas.microsoft.com/office/drawing/2014/main" xmlns="" id="{783C8D63-0708-47DF-B1AC-5F54E9B26435}"/>
+                <a16:creationId xmlns="" xmlns:a16="http://schemas.microsoft.com/office/drawing/2014/main" id="{783C8D63-0708-47DF-B1AC-5F54E9B26435}"/>
               </a:ext>
             </a:extLst>
           </p:cNvPr>
@@ -12721,7 +12721,7 @@
           <p:cNvPr id="68" name="CaixaDeTexto 67">
             <a:extLst>
               <a:ext uri="{FF2B5EF4-FFF2-40B4-BE49-F238E27FC236}">
-                <a16:creationId xmlns:a16="http://schemas.microsoft.com/office/drawing/2014/main" xmlns="" id="{48DF54F8-43CF-44E9-85E4-646DD4EFC65D}"/>
+                <a16:creationId xmlns="" xmlns:a16="http://schemas.microsoft.com/office/drawing/2014/main" id="{48DF54F8-43CF-44E9-85E4-646DD4EFC65D}"/>
               </a:ext>
             </a:extLst>
           </p:cNvPr>
@@ -12809,7 +12809,7 @@
           <p:cNvPr id="76" name="Retângulo: Único Canto Recortado 75">
             <a:extLst>
               <a:ext uri="{FF2B5EF4-FFF2-40B4-BE49-F238E27FC236}">
-                <a16:creationId xmlns:a16="http://schemas.microsoft.com/office/drawing/2014/main" xmlns="" id="{D9443C8E-E977-429C-A77E-673E83DAC037}"/>
+                <a16:creationId xmlns="" xmlns:a16="http://schemas.microsoft.com/office/drawing/2014/main" id="{D9443C8E-E977-429C-A77E-673E83DAC037}"/>
               </a:ext>
             </a:extLst>
           </p:cNvPr>
@@ -12858,7 +12858,7 @@
           <p:cNvPr id="73" name="CaixaDeTexto 72">
             <a:extLst>
               <a:ext uri="{FF2B5EF4-FFF2-40B4-BE49-F238E27FC236}">
-                <a16:creationId xmlns:a16="http://schemas.microsoft.com/office/drawing/2014/main" xmlns="" id="{54117930-50A0-4B78-AFE1-50BBF9194C5E}"/>
+                <a16:creationId xmlns="" xmlns:a16="http://schemas.microsoft.com/office/drawing/2014/main" id="{54117930-50A0-4B78-AFE1-50BBF9194C5E}"/>
               </a:ext>
             </a:extLst>
           </p:cNvPr>
@@ -13009,7 +13009,7 @@
           <p:cNvPr id="4" name="Fluxograma: Conector 3">
             <a:extLst>
               <a:ext uri="{FF2B5EF4-FFF2-40B4-BE49-F238E27FC236}">
-                <a16:creationId xmlns:a16="http://schemas.microsoft.com/office/drawing/2014/main" xmlns="" id="{3272DDE6-AD5A-4207-86D4-5FD36093EB43}"/>
+                <a16:creationId xmlns="" xmlns:a16="http://schemas.microsoft.com/office/drawing/2014/main" id="{3272DDE6-AD5A-4207-86D4-5FD36093EB43}"/>
               </a:ext>
             </a:extLst>
           </p:cNvPr>
@@ -13071,7 +13071,7 @@
           <p:cNvPr id="9" name="Conector de Seta Reta 8">
             <a:extLst>
               <a:ext uri="{FF2B5EF4-FFF2-40B4-BE49-F238E27FC236}">
-                <a16:creationId xmlns:a16="http://schemas.microsoft.com/office/drawing/2014/main" xmlns="" id="{D2A2D81A-7AB6-4675-9900-C1EEF7C703EE}"/>
+                <a16:creationId xmlns="" xmlns:a16="http://schemas.microsoft.com/office/drawing/2014/main" id="{D2A2D81A-7AB6-4675-9900-C1EEF7C703EE}"/>
               </a:ext>
             </a:extLst>
           </p:cNvPr>
@@ -13116,7 +13116,7 @@
           <p:cNvPr id="14" name="CaixaDeTexto 13">
             <a:extLst>
               <a:ext uri="{FF2B5EF4-FFF2-40B4-BE49-F238E27FC236}">
-                <a16:creationId xmlns:a16="http://schemas.microsoft.com/office/drawing/2014/main" xmlns="" id="{E2EBDF38-DEA7-42AC-B014-F917F4EC71CA}"/>
+                <a16:creationId xmlns="" xmlns:a16="http://schemas.microsoft.com/office/drawing/2014/main" id="{E2EBDF38-DEA7-42AC-B014-F917F4EC71CA}"/>
               </a:ext>
             </a:extLst>
           </p:cNvPr>
@@ -13182,7 +13182,7 @@
           <p:cNvPr id="18" name="Seta: Circular 17">
             <a:extLst>
               <a:ext uri="{FF2B5EF4-FFF2-40B4-BE49-F238E27FC236}">
-                <a16:creationId xmlns:a16="http://schemas.microsoft.com/office/drawing/2014/main" xmlns="" id="{364652BC-79CA-4267-9ED7-E361A17A0443}"/>
+                <a16:creationId xmlns="" xmlns:a16="http://schemas.microsoft.com/office/drawing/2014/main" id="{364652BC-79CA-4267-9ED7-E361A17A0443}"/>
               </a:ext>
             </a:extLst>
           </p:cNvPr>
@@ -13244,7 +13244,7 @@
           <p:cNvPr id="42" name="CaixaDeTexto 41">
             <a:extLst>
               <a:ext uri="{FF2B5EF4-FFF2-40B4-BE49-F238E27FC236}">
-                <a16:creationId xmlns:a16="http://schemas.microsoft.com/office/drawing/2014/main" xmlns="" id="{4CF31268-74EF-49AA-8A9C-48FFAF98CCF9}"/>
+                <a16:creationId xmlns="" xmlns:a16="http://schemas.microsoft.com/office/drawing/2014/main" id="{4CF31268-74EF-49AA-8A9C-48FFAF98CCF9}"/>
               </a:ext>
             </a:extLst>
           </p:cNvPr>
@@ -13286,7 +13286,7 @@
           <p:cNvPr id="61" name="Círculo: Vazio 60">
             <a:extLst>
               <a:ext uri="{FF2B5EF4-FFF2-40B4-BE49-F238E27FC236}">
-                <a16:creationId xmlns:a16="http://schemas.microsoft.com/office/drawing/2014/main" xmlns="" id="{D5EBEEB5-7544-415F-969C-E3CAE52F894A}"/>
+                <a16:creationId xmlns="" xmlns:a16="http://schemas.microsoft.com/office/drawing/2014/main" id="{D5EBEEB5-7544-415F-969C-E3CAE52F894A}"/>
               </a:ext>
             </a:extLst>
           </p:cNvPr>
@@ -13349,7 +13349,7 @@
           <p:cNvPr id="78" name="CaixaDeTexto 77">
             <a:extLst>
               <a:ext uri="{FF2B5EF4-FFF2-40B4-BE49-F238E27FC236}">
-                <a16:creationId xmlns:a16="http://schemas.microsoft.com/office/drawing/2014/main" xmlns="" id="{F8662209-CC73-4844-98AF-25BAA8574176}"/>
+                <a16:creationId xmlns="" xmlns:a16="http://schemas.microsoft.com/office/drawing/2014/main" id="{F8662209-CC73-4844-98AF-25BAA8574176}"/>
               </a:ext>
             </a:extLst>
           </p:cNvPr>
@@ -13420,7 +13420,7 @@
           <p:cNvPr id="80" name="Conector reto 79">
             <a:extLst>
               <a:ext uri="{FF2B5EF4-FFF2-40B4-BE49-F238E27FC236}">
-                <a16:creationId xmlns:a16="http://schemas.microsoft.com/office/drawing/2014/main" xmlns="" id="{73F74C92-CD30-49B2-8BEC-F84A857A515C}"/>
+                <a16:creationId xmlns="" xmlns:a16="http://schemas.microsoft.com/office/drawing/2014/main" id="{73F74C92-CD30-49B2-8BEC-F84A857A515C}"/>
               </a:ext>
             </a:extLst>
           </p:cNvPr>
@@ -13463,7 +13463,7 @@
           <p:cNvPr id="87" name="Imagem 86" descr="Uma imagem contendo animal, coral&#10;&#10;Descrição gerada automaticamente">
             <a:extLst>
               <a:ext uri="{FF2B5EF4-FFF2-40B4-BE49-F238E27FC236}">
-                <a16:creationId xmlns:a16="http://schemas.microsoft.com/office/drawing/2014/main" xmlns="" id="{79C824A1-4C8D-4573-9C44-4018A1B6C0A4}"/>
+                <a16:creationId xmlns="" xmlns:a16="http://schemas.microsoft.com/office/drawing/2014/main" id="{79C824A1-4C8D-4573-9C44-4018A1B6C0A4}"/>
               </a:ext>
             </a:extLst>
           </p:cNvPr>
@@ -13499,7 +13499,7 @@
           <p:cNvPr id="88" name="Retângulo 87">
             <a:extLst>
               <a:ext uri="{FF2B5EF4-FFF2-40B4-BE49-F238E27FC236}">
-                <a16:creationId xmlns:a16="http://schemas.microsoft.com/office/drawing/2014/main" xmlns="" id="{C8800477-D1CB-4ACF-8EFA-88E43DEE4EC5}"/>
+                <a16:creationId xmlns="" xmlns:a16="http://schemas.microsoft.com/office/drawing/2014/main" id="{C8800477-D1CB-4ACF-8EFA-88E43DEE4EC5}"/>
               </a:ext>
             </a:extLst>
           </p:cNvPr>
@@ -13551,7 +13551,7 @@
           <p:cNvPr id="21" name="Fluxograma: Conector 20">
             <a:extLst>
               <a:ext uri="{FF2B5EF4-FFF2-40B4-BE49-F238E27FC236}">
-                <a16:creationId xmlns:a16="http://schemas.microsoft.com/office/drawing/2014/main" xmlns="" id="{1B9B0AF7-92D2-4F4D-A8F6-84CF177929B5}"/>
+                <a16:creationId xmlns="" xmlns:a16="http://schemas.microsoft.com/office/drawing/2014/main" id="{1B9B0AF7-92D2-4F4D-A8F6-84CF177929B5}"/>
               </a:ext>
             </a:extLst>
           </p:cNvPr>
@@ -13613,7 +13613,7 @@
           <p:cNvPr id="22" name="Conector de Seta Reta 21">
             <a:extLst>
               <a:ext uri="{FF2B5EF4-FFF2-40B4-BE49-F238E27FC236}">
-                <a16:creationId xmlns:a16="http://schemas.microsoft.com/office/drawing/2014/main" xmlns="" id="{898CC9BD-A20D-4495-B03C-C5227E9A0E75}"/>
+                <a16:creationId xmlns="" xmlns:a16="http://schemas.microsoft.com/office/drawing/2014/main" id="{898CC9BD-A20D-4495-B03C-C5227E9A0E75}"/>
               </a:ext>
             </a:extLst>
           </p:cNvPr>
@@ -13659,7 +13659,7 @@
           <p:cNvPr id="25" name="CaixaDeTexto 24">
             <a:extLst>
               <a:ext uri="{FF2B5EF4-FFF2-40B4-BE49-F238E27FC236}">
-                <a16:creationId xmlns:a16="http://schemas.microsoft.com/office/drawing/2014/main" xmlns="" id="{800DE514-423C-48E3-9916-048591C71DE8}"/>
+                <a16:creationId xmlns="" xmlns:a16="http://schemas.microsoft.com/office/drawing/2014/main" id="{800DE514-423C-48E3-9916-048591C71DE8}"/>
               </a:ext>
             </a:extLst>
           </p:cNvPr>
@@ -13697,7 +13697,7 @@
           <p:cNvPr id="27" name="Círculo: Vazio 26">
             <a:extLst>
               <a:ext uri="{FF2B5EF4-FFF2-40B4-BE49-F238E27FC236}">
-                <a16:creationId xmlns:a16="http://schemas.microsoft.com/office/drawing/2014/main" xmlns="" id="{3C0C634C-6531-4A40-800B-59E5201BD93B}"/>
+                <a16:creationId xmlns="" xmlns:a16="http://schemas.microsoft.com/office/drawing/2014/main" id="{3C0C634C-6531-4A40-800B-59E5201BD93B}"/>
               </a:ext>
             </a:extLst>
           </p:cNvPr>
@@ -13760,7 +13760,7 @@
           <p:cNvPr id="28" name="Conector de Seta Reta 27">
             <a:extLst>
               <a:ext uri="{FF2B5EF4-FFF2-40B4-BE49-F238E27FC236}">
-                <a16:creationId xmlns:a16="http://schemas.microsoft.com/office/drawing/2014/main" xmlns="" id="{E9B26278-720A-4F70-A43A-373D311887E8}"/>
+                <a16:creationId xmlns="" xmlns:a16="http://schemas.microsoft.com/office/drawing/2014/main" id="{E9B26278-720A-4F70-A43A-373D311887E8}"/>
               </a:ext>
             </a:extLst>
           </p:cNvPr>
@@ -13806,7 +13806,7 @@
           <p:cNvPr id="29" name="CaixaDeTexto 28">
             <a:extLst>
               <a:ext uri="{FF2B5EF4-FFF2-40B4-BE49-F238E27FC236}">
-                <a16:creationId xmlns:a16="http://schemas.microsoft.com/office/drawing/2014/main" xmlns="" id="{370B077E-87EF-41C6-9056-D9173F395C2F}"/>
+                <a16:creationId xmlns="" xmlns:a16="http://schemas.microsoft.com/office/drawing/2014/main" id="{370B077E-87EF-41C6-9056-D9173F395C2F}"/>
               </a:ext>
             </a:extLst>
           </p:cNvPr>
@@ -13848,7 +13848,7 @@
           <p:cNvPr id="33" name="Retângulo: Único Canto Recortado 32">
             <a:extLst>
               <a:ext uri="{FF2B5EF4-FFF2-40B4-BE49-F238E27FC236}">
-                <a16:creationId xmlns:a16="http://schemas.microsoft.com/office/drawing/2014/main" xmlns="" id="{C0A0B8BD-F7CB-40C2-A5A7-CF643F96FD2C}"/>
+                <a16:creationId xmlns="" xmlns:a16="http://schemas.microsoft.com/office/drawing/2014/main" id="{C0A0B8BD-F7CB-40C2-A5A7-CF643F96FD2C}"/>
               </a:ext>
             </a:extLst>
           </p:cNvPr>
@@ -13897,7 +13897,7 @@
           <p:cNvPr id="34" name="CaixaDeTexto 33">
             <a:extLst>
               <a:ext uri="{FF2B5EF4-FFF2-40B4-BE49-F238E27FC236}">
-                <a16:creationId xmlns:a16="http://schemas.microsoft.com/office/drawing/2014/main" xmlns="" id="{C066A260-1CDD-43D2-AE83-E7F4E1F2F6E4}"/>
+                <a16:creationId xmlns="" xmlns:a16="http://schemas.microsoft.com/office/drawing/2014/main" id="{C066A260-1CDD-43D2-AE83-E7F4E1F2F6E4}"/>
               </a:ext>
             </a:extLst>
           </p:cNvPr>
@@ -13994,7 +13994,7 @@
           <p:cNvPr id="33" name="Retângulo: Único Canto Recortado 32">
             <a:extLst>
               <a:ext uri="{FF2B5EF4-FFF2-40B4-BE49-F238E27FC236}">
-                <a16:creationId xmlns:a16="http://schemas.microsoft.com/office/drawing/2014/main" xmlns="" id="{C0A0B8BD-F7CB-40C2-A5A7-CF643F96FD2C}"/>
+                <a16:creationId xmlns="" xmlns:a16="http://schemas.microsoft.com/office/drawing/2014/main" id="{C0A0B8BD-F7CB-40C2-A5A7-CF643F96FD2C}"/>
               </a:ext>
             </a:extLst>
           </p:cNvPr>
@@ -14043,7 +14043,7 @@
           <p:cNvPr id="34" name="CaixaDeTexto 33">
             <a:extLst>
               <a:ext uri="{FF2B5EF4-FFF2-40B4-BE49-F238E27FC236}">
-                <a16:creationId xmlns:a16="http://schemas.microsoft.com/office/drawing/2014/main" xmlns="" id="{C066A260-1CDD-43D2-AE83-E7F4E1F2F6E4}"/>
+                <a16:creationId xmlns="" xmlns:a16="http://schemas.microsoft.com/office/drawing/2014/main" id="{C066A260-1CDD-43D2-AE83-E7F4E1F2F6E4}"/>
               </a:ext>
             </a:extLst>
           </p:cNvPr>
@@ -14095,7 +14095,7 @@
           <p:cNvPr id="35" name="Retângulo: Único Canto Recortado 34">
             <a:extLst>
               <a:ext uri="{FF2B5EF4-FFF2-40B4-BE49-F238E27FC236}">
-                <a16:creationId xmlns:a16="http://schemas.microsoft.com/office/drawing/2014/main" xmlns="" id="{C8C1E85B-A5D4-4B09-9590-2FCAEABFF5AF}"/>
+                <a16:creationId xmlns="" xmlns:a16="http://schemas.microsoft.com/office/drawing/2014/main" id="{C8C1E85B-A5D4-4B09-9590-2FCAEABFF5AF}"/>
               </a:ext>
             </a:extLst>
           </p:cNvPr>
@@ -14144,7 +14144,7 @@
           <p:cNvPr id="36" name="CaixaDeTexto 35">
             <a:extLst>
               <a:ext uri="{FF2B5EF4-FFF2-40B4-BE49-F238E27FC236}">
-                <a16:creationId xmlns:a16="http://schemas.microsoft.com/office/drawing/2014/main" xmlns="" id="{F92DEF53-4E15-4526-B2F9-176F3D43F2B8}"/>
+                <a16:creationId xmlns="" xmlns:a16="http://schemas.microsoft.com/office/drawing/2014/main" id="{F92DEF53-4E15-4526-B2F9-176F3D43F2B8}"/>
               </a:ext>
             </a:extLst>
           </p:cNvPr>
@@ -14196,7 +14196,7 @@
           <p:cNvPr id="4" name="Fluxograma: Conector 3">
             <a:extLst>
               <a:ext uri="{FF2B5EF4-FFF2-40B4-BE49-F238E27FC236}">
-                <a16:creationId xmlns:a16="http://schemas.microsoft.com/office/drawing/2014/main" xmlns="" id="{3272DDE6-AD5A-4207-86D4-5FD36093EB43}"/>
+                <a16:creationId xmlns="" xmlns:a16="http://schemas.microsoft.com/office/drawing/2014/main" id="{3272DDE6-AD5A-4207-86D4-5FD36093EB43}"/>
               </a:ext>
             </a:extLst>
           </p:cNvPr>
@@ -14258,7 +14258,7 @@
           <p:cNvPr id="9" name="Conector de Seta Reta 8">
             <a:extLst>
               <a:ext uri="{FF2B5EF4-FFF2-40B4-BE49-F238E27FC236}">
-                <a16:creationId xmlns:a16="http://schemas.microsoft.com/office/drawing/2014/main" xmlns="" id="{D2A2D81A-7AB6-4675-9900-C1EEF7C703EE}"/>
+                <a16:creationId xmlns="" xmlns:a16="http://schemas.microsoft.com/office/drawing/2014/main" id="{D2A2D81A-7AB6-4675-9900-C1EEF7C703EE}"/>
               </a:ext>
             </a:extLst>
           </p:cNvPr>
@@ -14304,7 +14304,7 @@
           <p:cNvPr id="14" name="CaixaDeTexto 13">
             <a:extLst>
               <a:ext uri="{FF2B5EF4-FFF2-40B4-BE49-F238E27FC236}">
-                <a16:creationId xmlns:a16="http://schemas.microsoft.com/office/drawing/2014/main" xmlns="" id="{E2EBDF38-DEA7-42AC-B014-F917F4EC71CA}"/>
+                <a16:creationId xmlns="" xmlns:a16="http://schemas.microsoft.com/office/drawing/2014/main" id="{E2EBDF38-DEA7-42AC-B014-F917F4EC71CA}"/>
               </a:ext>
             </a:extLst>
           </p:cNvPr>
@@ -14342,7 +14342,7 @@
           <p:cNvPr id="18" name="Seta: Circular 17">
             <a:extLst>
               <a:ext uri="{FF2B5EF4-FFF2-40B4-BE49-F238E27FC236}">
-                <a16:creationId xmlns:a16="http://schemas.microsoft.com/office/drawing/2014/main" xmlns="" id="{364652BC-79CA-4267-9ED7-E361A17A0443}"/>
+                <a16:creationId xmlns="" xmlns:a16="http://schemas.microsoft.com/office/drawing/2014/main" id="{364652BC-79CA-4267-9ED7-E361A17A0443}"/>
               </a:ext>
             </a:extLst>
           </p:cNvPr>
@@ -14404,7 +14404,7 @@
           <p:cNvPr id="42" name="CaixaDeTexto 41">
             <a:extLst>
               <a:ext uri="{FF2B5EF4-FFF2-40B4-BE49-F238E27FC236}">
-                <a16:creationId xmlns:a16="http://schemas.microsoft.com/office/drawing/2014/main" xmlns="" id="{4CF31268-74EF-49AA-8A9C-48FFAF98CCF9}"/>
+                <a16:creationId xmlns="" xmlns:a16="http://schemas.microsoft.com/office/drawing/2014/main" id="{4CF31268-74EF-49AA-8A9C-48FFAF98CCF9}"/>
               </a:ext>
             </a:extLst>
           </p:cNvPr>
@@ -14449,7 +14449,7 @@
           <p:cNvPr id="61" name="Círculo: Vazio 60">
             <a:extLst>
               <a:ext uri="{FF2B5EF4-FFF2-40B4-BE49-F238E27FC236}">
-                <a16:creationId xmlns:a16="http://schemas.microsoft.com/office/drawing/2014/main" xmlns="" id="{D5EBEEB5-7544-415F-969C-E3CAE52F894A}"/>
+                <a16:creationId xmlns="" xmlns:a16="http://schemas.microsoft.com/office/drawing/2014/main" id="{D5EBEEB5-7544-415F-969C-E3CAE52F894A}"/>
               </a:ext>
             </a:extLst>
           </p:cNvPr>
@@ -14512,7 +14512,7 @@
           <p:cNvPr id="78" name="CaixaDeTexto 77">
             <a:extLst>
               <a:ext uri="{FF2B5EF4-FFF2-40B4-BE49-F238E27FC236}">
-                <a16:creationId xmlns:a16="http://schemas.microsoft.com/office/drawing/2014/main" xmlns="" id="{F8662209-CC73-4844-98AF-25BAA8574176}"/>
+                <a16:creationId xmlns="" xmlns:a16="http://schemas.microsoft.com/office/drawing/2014/main" id="{F8662209-CC73-4844-98AF-25BAA8574176}"/>
               </a:ext>
             </a:extLst>
           </p:cNvPr>
@@ -14569,7 +14569,7 @@
           <p:cNvPr id="80" name="Conector reto 79">
             <a:extLst>
               <a:ext uri="{FF2B5EF4-FFF2-40B4-BE49-F238E27FC236}">
-                <a16:creationId xmlns:a16="http://schemas.microsoft.com/office/drawing/2014/main" xmlns="" id="{73F74C92-CD30-49B2-8BEC-F84A857A515C}"/>
+                <a16:creationId xmlns="" xmlns:a16="http://schemas.microsoft.com/office/drawing/2014/main" id="{73F74C92-CD30-49B2-8BEC-F84A857A515C}"/>
               </a:ext>
             </a:extLst>
           </p:cNvPr>
@@ -14612,7 +14612,7 @@
           <p:cNvPr id="87" name="Imagem 86" descr="Uma imagem contendo animal, coral&#10;&#10;Descrição gerada automaticamente">
             <a:extLst>
               <a:ext uri="{FF2B5EF4-FFF2-40B4-BE49-F238E27FC236}">
-                <a16:creationId xmlns:a16="http://schemas.microsoft.com/office/drawing/2014/main" xmlns="" id="{79C824A1-4C8D-4573-9C44-4018A1B6C0A4}"/>
+                <a16:creationId xmlns="" xmlns:a16="http://schemas.microsoft.com/office/drawing/2014/main" id="{79C824A1-4C8D-4573-9C44-4018A1B6C0A4}"/>
               </a:ext>
             </a:extLst>
           </p:cNvPr>
@@ -14648,7 +14648,7 @@
           <p:cNvPr id="88" name="Retângulo 87">
             <a:extLst>
               <a:ext uri="{FF2B5EF4-FFF2-40B4-BE49-F238E27FC236}">
-                <a16:creationId xmlns:a16="http://schemas.microsoft.com/office/drawing/2014/main" xmlns="" id="{C8800477-D1CB-4ACF-8EFA-88E43DEE4EC5}"/>
+                <a16:creationId xmlns="" xmlns:a16="http://schemas.microsoft.com/office/drawing/2014/main" id="{C8800477-D1CB-4ACF-8EFA-88E43DEE4EC5}"/>
               </a:ext>
             </a:extLst>
           </p:cNvPr>
@@ -14700,7 +14700,7 @@
           <p:cNvPr id="21" name="Fluxograma: Conector 20">
             <a:extLst>
               <a:ext uri="{FF2B5EF4-FFF2-40B4-BE49-F238E27FC236}">
-                <a16:creationId xmlns:a16="http://schemas.microsoft.com/office/drawing/2014/main" xmlns="" id="{1B9B0AF7-92D2-4F4D-A8F6-84CF177929B5}"/>
+                <a16:creationId xmlns="" xmlns:a16="http://schemas.microsoft.com/office/drawing/2014/main" id="{1B9B0AF7-92D2-4F4D-A8F6-84CF177929B5}"/>
               </a:ext>
             </a:extLst>
           </p:cNvPr>
@@ -14762,7 +14762,7 @@
           <p:cNvPr id="27" name="Círculo: Vazio 26">
             <a:extLst>
               <a:ext uri="{FF2B5EF4-FFF2-40B4-BE49-F238E27FC236}">
-                <a16:creationId xmlns:a16="http://schemas.microsoft.com/office/drawing/2014/main" xmlns="" id="{3C0C634C-6531-4A40-800B-59E5201BD93B}"/>
+                <a16:creationId xmlns="" xmlns:a16="http://schemas.microsoft.com/office/drawing/2014/main" id="{3C0C634C-6531-4A40-800B-59E5201BD93B}"/>
               </a:ext>
             </a:extLst>
           </p:cNvPr>
@@ -14825,7 +14825,7 @@
           <p:cNvPr id="28" name="Conector de Seta Reta 27">
             <a:extLst>
               <a:ext uri="{FF2B5EF4-FFF2-40B4-BE49-F238E27FC236}">
-                <a16:creationId xmlns:a16="http://schemas.microsoft.com/office/drawing/2014/main" xmlns="" id="{E9B26278-720A-4F70-A43A-373D311887E8}"/>
+                <a16:creationId xmlns="" xmlns:a16="http://schemas.microsoft.com/office/drawing/2014/main" id="{E9B26278-720A-4F70-A43A-373D311887E8}"/>
               </a:ext>
             </a:extLst>
           </p:cNvPr>
@@ -14871,7 +14871,7 @@
           <p:cNvPr id="29" name="CaixaDeTexto 28">
             <a:extLst>
               <a:ext uri="{FF2B5EF4-FFF2-40B4-BE49-F238E27FC236}">
-                <a16:creationId xmlns:a16="http://schemas.microsoft.com/office/drawing/2014/main" xmlns="" id="{370B077E-87EF-41C6-9056-D9173F395C2F}"/>
+                <a16:creationId xmlns="" xmlns:a16="http://schemas.microsoft.com/office/drawing/2014/main" id="{370B077E-87EF-41C6-9056-D9173F395C2F}"/>
               </a:ext>
             </a:extLst>
           </p:cNvPr>
@@ -14913,7 +14913,7 @@
           <p:cNvPr id="41" name="Fluxograma: Conector 40">
             <a:extLst>
               <a:ext uri="{FF2B5EF4-FFF2-40B4-BE49-F238E27FC236}">
-                <a16:creationId xmlns:a16="http://schemas.microsoft.com/office/drawing/2014/main" xmlns="" id="{D4D90879-75C0-4C85-A76D-2EBD2099FC88}"/>
+                <a16:creationId xmlns="" xmlns:a16="http://schemas.microsoft.com/office/drawing/2014/main" id="{D4D90879-75C0-4C85-A76D-2EBD2099FC88}"/>
               </a:ext>
             </a:extLst>
           </p:cNvPr>
@@ -14975,7 +14975,7 @@
           <p:cNvPr id="43" name="Conector de Seta Reta 42">
             <a:extLst>
               <a:ext uri="{FF2B5EF4-FFF2-40B4-BE49-F238E27FC236}">
-                <a16:creationId xmlns:a16="http://schemas.microsoft.com/office/drawing/2014/main" xmlns="" id="{EDAE786D-66A0-42C3-80F2-9573209DB78D}"/>
+                <a16:creationId xmlns="" xmlns:a16="http://schemas.microsoft.com/office/drawing/2014/main" id="{EDAE786D-66A0-42C3-80F2-9573209DB78D}"/>
               </a:ext>
             </a:extLst>
           </p:cNvPr>
@@ -15021,7 +15021,7 @@
           <p:cNvPr id="45" name="CaixaDeTexto 44">
             <a:extLst>
               <a:ext uri="{FF2B5EF4-FFF2-40B4-BE49-F238E27FC236}">
-                <a16:creationId xmlns:a16="http://schemas.microsoft.com/office/drawing/2014/main" xmlns="" id="{FBB63848-B972-4B72-B7FC-16EE579C5009}"/>
+                <a16:creationId xmlns="" xmlns:a16="http://schemas.microsoft.com/office/drawing/2014/main" id="{FBB63848-B972-4B72-B7FC-16EE579C5009}"/>
               </a:ext>
             </a:extLst>
           </p:cNvPr>
@@ -15059,7 +15059,7 @@
           <p:cNvPr id="47" name="Conector de Seta Reta 46">
             <a:extLst>
               <a:ext uri="{FF2B5EF4-FFF2-40B4-BE49-F238E27FC236}">
-                <a16:creationId xmlns:a16="http://schemas.microsoft.com/office/drawing/2014/main" xmlns="" id="{56E99AD3-01CA-4660-A8C9-63E5D99D3FE9}"/>
+                <a16:creationId xmlns="" xmlns:a16="http://schemas.microsoft.com/office/drawing/2014/main" id="{56E99AD3-01CA-4660-A8C9-63E5D99D3FE9}"/>
               </a:ext>
             </a:extLst>
           </p:cNvPr>
@@ -15105,7 +15105,7 @@
           <p:cNvPr id="50" name="CaixaDeTexto 49">
             <a:extLst>
               <a:ext uri="{FF2B5EF4-FFF2-40B4-BE49-F238E27FC236}">
-                <a16:creationId xmlns:a16="http://schemas.microsoft.com/office/drawing/2014/main" xmlns="" id="{2B25DAE9-9FBF-47BB-84AF-DD539956DC67}"/>
+                <a16:creationId xmlns="" xmlns:a16="http://schemas.microsoft.com/office/drawing/2014/main" id="{2B25DAE9-9FBF-47BB-84AF-DD539956DC67}"/>
               </a:ext>
             </a:extLst>
           </p:cNvPr>
@@ -15147,7 +15147,7 @@
           <p:cNvPr id="51" name="Fluxograma: Conector 50">
             <a:extLst>
               <a:ext uri="{FF2B5EF4-FFF2-40B4-BE49-F238E27FC236}">
-                <a16:creationId xmlns:a16="http://schemas.microsoft.com/office/drawing/2014/main" xmlns="" id="{8339634B-DD8D-45EE-B4B3-5EEFEEB3054C}"/>
+                <a16:creationId xmlns="" xmlns:a16="http://schemas.microsoft.com/office/drawing/2014/main" id="{8339634B-DD8D-45EE-B4B3-5EEFEEB3054C}"/>
               </a:ext>
             </a:extLst>
           </p:cNvPr>
@@ -15209,7 +15209,7 @@
           <p:cNvPr id="52" name="Conector de Seta Reta 51">
             <a:extLst>
               <a:ext uri="{FF2B5EF4-FFF2-40B4-BE49-F238E27FC236}">
-                <a16:creationId xmlns:a16="http://schemas.microsoft.com/office/drawing/2014/main" xmlns="" id="{A997884D-AD5A-4A27-AF4E-F2EE7E33484A}"/>
+                <a16:creationId xmlns="" xmlns:a16="http://schemas.microsoft.com/office/drawing/2014/main" id="{A997884D-AD5A-4A27-AF4E-F2EE7E33484A}"/>
               </a:ext>
             </a:extLst>
           </p:cNvPr>
@@ -15255,7 +15255,7 @@
           <p:cNvPr id="55" name="CaixaDeTexto 54">
             <a:extLst>
               <a:ext uri="{FF2B5EF4-FFF2-40B4-BE49-F238E27FC236}">
-                <a16:creationId xmlns:a16="http://schemas.microsoft.com/office/drawing/2014/main" xmlns="" id="{F98719A9-7102-4359-A9F0-94F3B14A4F0B}"/>
+                <a16:creationId xmlns="" xmlns:a16="http://schemas.microsoft.com/office/drawing/2014/main" id="{F98719A9-7102-4359-A9F0-94F3B14A4F0B}"/>
               </a:ext>
             </a:extLst>
           </p:cNvPr>
@@ -15332,10 +15332,10 @@
       </p:grpSpPr>
       <p:sp>
         <p:nvSpPr>
-          <p:cNvPr id="36" name="Retângulo: Único Canto Recortado 35">
-            <a:extLst>
-              <a:ext uri="{FF2B5EF4-FFF2-40B4-BE49-F238E27FC236}">
-                <a16:creationId xmlns:a16="http://schemas.microsoft.com/office/drawing/2014/main" xmlns="" id="{AA357EBC-7951-4EFB-8C8A-10098AE1F27D}"/>
+          <p:cNvPr id="16" name="Retângulo: Único Canto Recortado 15">
+            <a:extLst>
+              <a:ext uri="{FF2B5EF4-FFF2-40B4-BE49-F238E27FC236}">
+                <a16:creationId xmlns="" xmlns:a16="http://schemas.microsoft.com/office/drawing/2014/main" id="{52D4208D-6FD7-4F8E-AEBA-E4AD9E4A0FD2}"/>
               </a:ext>
             </a:extLst>
           </p:cNvPr>
@@ -15344,16 +15344,14 @@
         </p:nvSpPr>
         <p:spPr>
           <a:xfrm>
-            <a:off x="2933340" y="4955840"/>
-            <a:ext cx="6095146" cy="962009"/>
+            <a:off x="9593723" y="2044003"/>
+            <a:ext cx="1683877" cy="2677657"/>
           </a:xfrm>
           <a:prstGeom prst="snip1Rect">
             <a:avLst/>
           </a:prstGeom>
           <a:solidFill>
-            <a:schemeClr val="bg1">
-              <a:lumMod val="85000"/>
-            </a:schemeClr>
+            <a:srgbClr val="002060"/>
           </a:solidFill>
         </p:spPr>
         <p:style>
@@ -15383,10 +15381,10 @@
       </p:sp>
       <p:sp>
         <p:nvSpPr>
-          <p:cNvPr id="37" name="CaixaDeTexto 36">
-            <a:extLst>
-              <a:ext uri="{FF2B5EF4-FFF2-40B4-BE49-F238E27FC236}">
-                <a16:creationId xmlns:a16="http://schemas.microsoft.com/office/drawing/2014/main" xmlns="" id="{C8DD7EF8-8BAD-4A01-8EE6-131232181794}"/>
+          <p:cNvPr id="17" name="CaixaDeTexto 16">
+            <a:extLst>
+              <a:ext uri="{FF2B5EF4-FFF2-40B4-BE49-F238E27FC236}">
+                <a16:creationId xmlns="" xmlns:a16="http://schemas.microsoft.com/office/drawing/2014/main" id="{99C2F8FD-A8C4-4282-A817-3E2445046A8F}"/>
               </a:ext>
             </a:extLst>
           </p:cNvPr>
@@ -15395,224 +15393,8 @@
         </p:nvSpPr>
         <p:spPr>
           <a:xfrm>
-            <a:off x="2933340" y="4955840"/>
-            <a:ext cx="6095146" cy="954107"/>
-          </a:xfrm>
-          <a:prstGeom prst="rect">
-            <a:avLst/>
-          </a:prstGeom>
-          <a:noFill/>
-        </p:spPr>
-        <p:txBody>
-          <a:bodyPr wrap="square" rtlCol="0">
-            <a:spAutoFit/>
-          </a:bodyPr>
-          <a:lstStyle/>
-          <a:p>
-            <a:r>
-              <a:rPr lang="pt-BR" sz="1400" dirty="0" err="1">
-                <a:solidFill>
-                  <a:srgbClr val="002060"/>
-                </a:solidFill>
-                <a:latin typeface="Biome" panose="020B0502040204020203" pitchFamily="34" charset="0"/>
-                <a:cs typeface="Biome" panose="020B0502040204020203" pitchFamily="34" charset="0"/>
-              </a:rPr>
-              <a:t>public</a:t>
-            </a:r>
-            <a:r>
-              <a:rPr lang="pt-BR" sz="1400" dirty="0">
-                <a:solidFill>
-                  <a:srgbClr val="002060"/>
-                </a:solidFill>
-                <a:latin typeface="Biome" panose="020B0502040204020203" pitchFamily="34" charset="0"/>
-                <a:cs typeface="Biome" panose="020B0502040204020203" pitchFamily="34" charset="0"/>
-              </a:rPr>
-              <a:t> </a:t>
-            </a:r>
-            <a:r>
-              <a:rPr lang="pt-BR" sz="1400" dirty="0" err="1">
-                <a:solidFill>
-                  <a:srgbClr val="002060"/>
-                </a:solidFill>
-                <a:latin typeface="Biome" panose="020B0502040204020203" pitchFamily="34" charset="0"/>
-                <a:cs typeface="Biome" panose="020B0502040204020203" pitchFamily="34" charset="0"/>
-              </a:rPr>
-              <a:t>static</a:t>
-            </a:r>
-            <a:r>
-              <a:rPr lang="pt-BR" sz="1400" dirty="0">
-                <a:solidFill>
-                  <a:srgbClr val="002060"/>
-                </a:solidFill>
-                <a:latin typeface="Biome" panose="020B0502040204020203" pitchFamily="34" charset="0"/>
-                <a:cs typeface="Biome" panose="020B0502040204020203" pitchFamily="34" charset="0"/>
-              </a:rPr>
-              <a:t> </a:t>
-            </a:r>
-            <a:r>
-              <a:rPr lang="pt-BR" sz="1400" dirty="0" err="1">
-                <a:solidFill>
-                  <a:srgbClr val="002060"/>
-                </a:solidFill>
-                <a:latin typeface="Biome" panose="020B0502040204020203" pitchFamily="34" charset="0"/>
-                <a:cs typeface="Biome" panose="020B0502040204020203" pitchFamily="34" charset="0"/>
-              </a:rPr>
-              <a:t>boolean</a:t>
-            </a:r>
-            <a:r>
-              <a:rPr lang="pt-BR" sz="1400" dirty="0">
-                <a:solidFill>
-                  <a:srgbClr val="002060"/>
-                </a:solidFill>
-                <a:latin typeface="Biome" panose="020B0502040204020203" pitchFamily="34" charset="0"/>
-                <a:cs typeface="Biome" panose="020B0502040204020203" pitchFamily="34" charset="0"/>
-              </a:rPr>
-              <a:t> </a:t>
-            </a:r>
-            <a:r>
-              <a:rPr lang="pt-BR" sz="1400" dirty="0" err="1">
-                <a:solidFill>
-                  <a:srgbClr val="002060"/>
-                </a:solidFill>
-                <a:latin typeface="Biome" panose="020B0502040204020203" pitchFamily="34" charset="0"/>
-                <a:cs typeface="Biome" panose="020B0502040204020203" pitchFamily="34" charset="0"/>
-              </a:rPr>
-              <a:t>isSpecialCharacter</a:t>
-            </a:r>
-            <a:r>
-              <a:rPr lang="pt-BR" sz="1400" dirty="0">
-                <a:solidFill>
-                  <a:srgbClr val="002060"/>
-                </a:solidFill>
-                <a:latin typeface="Biome" panose="020B0502040204020203" pitchFamily="34" charset="0"/>
-                <a:cs typeface="Biome" panose="020B0502040204020203" pitchFamily="34" charset="0"/>
-              </a:rPr>
-              <a:t>(char c){</a:t>
-            </a:r>
-          </a:p>
-          <a:p>
-            <a:r>
-              <a:rPr lang="pt-BR" sz="1400" dirty="0">
-                <a:solidFill>
-                  <a:srgbClr val="002060"/>
-                </a:solidFill>
-                <a:latin typeface="Biome" panose="020B0502040204020203" pitchFamily="34" charset="0"/>
-                <a:cs typeface="Biome" panose="020B0502040204020203" pitchFamily="34" charset="0"/>
-              </a:rPr>
-              <a:t>        </a:t>
-            </a:r>
-            <a:r>
-              <a:rPr lang="pt-BR" sz="1400" dirty="0" err="1">
-                <a:solidFill>
-                  <a:srgbClr val="002060"/>
-                </a:solidFill>
-                <a:latin typeface="Biome" panose="020B0502040204020203" pitchFamily="34" charset="0"/>
-                <a:cs typeface="Biome" panose="020B0502040204020203" pitchFamily="34" charset="0"/>
-              </a:rPr>
-              <a:t>return</a:t>
-            </a:r>
-            <a:r>
-              <a:rPr lang="pt-BR" sz="1400" dirty="0">
-                <a:solidFill>
-                  <a:srgbClr val="002060"/>
-                </a:solidFill>
-                <a:latin typeface="Biome" panose="020B0502040204020203" pitchFamily="34" charset="0"/>
-                <a:cs typeface="Biome" panose="020B0502040204020203" pitchFamily="34" charset="0"/>
-              </a:rPr>
-              <a:t> c==')' || c=='(' || c=='{' || c=='}' || c=='[' || c==']'|| c==',' || c==';' </a:t>
-            </a:r>
-          </a:p>
-          <a:p>
-            <a:r>
-              <a:rPr lang="pt-BR" sz="1400" dirty="0">
-                <a:solidFill>
-                  <a:srgbClr val="002060"/>
-                </a:solidFill>
-                <a:latin typeface="Biome" panose="020B0502040204020203" pitchFamily="34" charset="0"/>
-                <a:cs typeface="Biome" panose="020B0502040204020203" pitchFamily="34" charset="0"/>
-              </a:rPr>
-              <a:t>                || c == ':' || c=='#';</a:t>
-            </a:r>
-          </a:p>
-          <a:p>
-            <a:r>
-              <a:rPr lang="pt-BR" sz="1400" dirty="0">
-                <a:solidFill>
-                  <a:srgbClr val="002060"/>
-                </a:solidFill>
-                <a:latin typeface="Biome" panose="020B0502040204020203" pitchFamily="34" charset="0"/>
-                <a:cs typeface="Biome" panose="020B0502040204020203" pitchFamily="34" charset="0"/>
-              </a:rPr>
-              <a:t>    }</a:t>
-            </a:r>
-          </a:p>
-        </p:txBody>
-      </p:sp>
-      <p:sp>
-        <p:nvSpPr>
-          <p:cNvPr id="16" name="Retângulo: Único Canto Recortado 15">
-            <a:extLst>
-              <a:ext uri="{FF2B5EF4-FFF2-40B4-BE49-F238E27FC236}">
-                <a16:creationId xmlns:a16="http://schemas.microsoft.com/office/drawing/2014/main" xmlns="" id="{52D4208D-6FD7-4F8E-AEBA-E4AD9E4A0FD2}"/>
-              </a:ext>
-            </a:extLst>
-          </p:cNvPr>
-          <p:cNvSpPr/>
-          <p:nvPr/>
-        </p:nvSpPr>
-        <p:spPr>
-          <a:xfrm>
-            <a:off x="9593723" y="2044004"/>
-            <a:ext cx="1683877" cy="2552286"/>
-          </a:xfrm>
-          <a:prstGeom prst="snip1Rect">
-            <a:avLst/>
-          </a:prstGeom>
-          <a:solidFill>
-            <a:srgbClr val="002060"/>
-          </a:solidFill>
-        </p:spPr>
-        <p:style>
-          <a:lnRef idx="2">
-            <a:schemeClr val="accent1">
-              <a:shade val="50000"/>
-            </a:schemeClr>
-          </a:lnRef>
-          <a:fillRef idx="1">
-            <a:schemeClr val="accent1"/>
-          </a:fillRef>
-          <a:effectRef idx="0">
-            <a:schemeClr val="accent1"/>
-          </a:effectRef>
-          <a:fontRef idx="minor">
-            <a:schemeClr val="lt1"/>
-          </a:fontRef>
-        </p:style>
-        <p:txBody>
-          <a:bodyPr rtlCol="0" anchor="ctr"/>
-          <a:lstStyle/>
-          <a:p>
-            <a:pPr algn="ctr"/>
-            <a:endParaRPr lang="pt-BR"/>
-          </a:p>
-        </p:txBody>
-      </p:sp>
-      <p:sp>
-        <p:nvSpPr>
-          <p:cNvPr id="17" name="CaixaDeTexto 16">
-            <a:extLst>
-              <a:ext uri="{FF2B5EF4-FFF2-40B4-BE49-F238E27FC236}">
-                <a16:creationId xmlns:a16="http://schemas.microsoft.com/office/drawing/2014/main" xmlns="" id="{99C2F8FD-A8C4-4282-A817-3E2445046A8F}"/>
-              </a:ext>
-            </a:extLst>
-          </p:cNvPr>
-          <p:cNvSpPr txBox="1"/>
-          <p:nvPr/>
-        </p:nvSpPr>
-        <p:spPr>
-          <a:xfrm>
             <a:off x="9593722" y="2044005"/>
-            <a:ext cx="1683878" cy="2462213"/>
+            <a:ext cx="1683878" cy="2677656"/>
           </a:xfrm>
           <a:prstGeom prst="rect">
             <a:avLst/>
@@ -15985,7 +15767,7 @@
           </a:p>
           <a:p>
             <a:r>
-              <a:rPr lang="pt-BR" sz="1400" dirty="0" err="1">
+              <a:rPr lang="pt-BR" sz="1400" dirty="0" err="1" smtClean="0">
                 <a:solidFill>
                   <a:schemeClr val="bg1">
                     <a:lumMod val="85000"/>
@@ -15995,6 +15777,29 @@
                 <a:cs typeface="Biome" panose="020B0502040204020203" pitchFamily="34" charset="0"/>
               </a:rPr>
               <a:t>Hash</a:t>
+            </a:r>
+            <a:endParaRPr lang="pt-BR" sz="1400" dirty="0" smtClean="0">
+              <a:solidFill>
+                <a:schemeClr val="bg1">
+                  <a:lumMod val="85000"/>
+                </a:schemeClr>
+              </a:solidFill>
+              <a:latin typeface="Biome" panose="020B0502040204020203" pitchFamily="34" charset="0"/>
+              <a:cs typeface="Biome" panose="020B0502040204020203" pitchFamily="34" charset="0"/>
+            </a:endParaRPr>
+          </a:p>
+          <a:p>
+            <a:r>
+              <a:rPr lang="pt-BR" sz="1400" dirty="0" err="1" smtClean="0">
+                <a:solidFill>
+                  <a:schemeClr val="bg1">
+                    <a:lumMod val="85000"/>
+                  </a:schemeClr>
+                </a:solidFill>
+                <a:latin typeface="Biome" panose="020B0502040204020203" pitchFamily="34" charset="0"/>
+                <a:cs typeface="Biome" panose="020B0502040204020203" pitchFamily="34" charset="0"/>
+              </a:rPr>
+              <a:t>Address</a:t>
             </a:r>
             <a:endParaRPr lang="pt-BR" sz="1400" dirty="0">
               <a:solidFill>
@@ -16010,10 +15815,10 @@
       </p:sp>
       <p:sp>
         <p:nvSpPr>
-          <p:cNvPr id="69" name="Retângulo: Único Canto Recortado 68">
-            <a:extLst>
-              <a:ext uri="{FF2B5EF4-FFF2-40B4-BE49-F238E27FC236}">
-                <a16:creationId xmlns:a16="http://schemas.microsoft.com/office/drawing/2014/main" xmlns="" id="{783C8D63-0708-47DF-B1AC-5F54E9B26435}"/>
+          <p:cNvPr id="36" name="Retângulo: Único Canto Recortado 35">
+            <a:extLst>
+              <a:ext uri="{FF2B5EF4-FFF2-40B4-BE49-F238E27FC236}">
+                <a16:creationId xmlns="" xmlns:a16="http://schemas.microsoft.com/office/drawing/2014/main" id="{AA357EBC-7951-4EFB-8C8A-10098AE1F27D}"/>
               </a:ext>
             </a:extLst>
           </p:cNvPr>
@@ -16022,14 +15827,16 @@
         </p:nvSpPr>
         <p:spPr>
           <a:xfrm>
-            <a:off x="6379936" y="2832211"/>
-            <a:ext cx="2459264" cy="307777"/>
+            <a:off x="2933340" y="4955840"/>
+            <a:ext cx="6095146" cy="962009"/>
           </a:xfrm>
           <a:prstGeom prst="snip1Rect">
             <a:avLst/>
           </a:prstGeom>
           <a:solidFill>
-            <a:srgbClr val="002060"/>
+            <a:schemeClr val="bg1">
+              <a:lumMod val="85000"/>
+            </a:schemeClr>
           </a:solidFill>
         </p:spPr>
         <p:style>
@@ -16059,10 +15866,243 @@
       </p:sp>
       <p:sp>
         <p:nvSpPr>
+          <p:cNvPr id="37" name="CaixaDeTexto 36">
+            <a:extLst>
+              <a:ext uri="{FF2B5EF4-FFF2-40B4-BE49-F238E27FC236}">
+                <a16:creationId xmlns="" xmlns:a16="http://schemas.microsoft.com/office/drawing/2014/main" id="{C8DD7EF8-8BAD-4A01-8EE6-131232181794}"/>
+              </a:ext>
+            </a:extLst>
+          </p:cNvPr>
+          <p:cNvSpPr txBox="1"/>
+          <p:nvPr/>
+        </p:nvSpPr>
+        <p:spPr>
+          <a:xfrm>
+            <a:off x="2933340" y="4955840"/>
+            <a:ext cx="6095146" cy="954107"/>
+          </a:xfrm>
+          <a:prstGeom prst="rect">
+            <a:avLst/>
+          </a:prstGeom>
+          <a:noFill/>
+        </p:spPr>
+        <p:txBody>
+          <a:bodyPr wrap="square" rtlCol="0">
+            <a:spAutoFit/>
+          </a:bodyPr>
+          <a:lstStyle/>
+          <a:p>
+            <a:r>
+              <a:rPr lang="pt-BR" sz="1400" dirty="0" err="1">
+                <a:solidFill>
+                  <a:srgbClr val="002060"/>
+                </a:solidFill>
+                <a:latin typeface="Biome" panose="020B0502040204020203" pitchFamily="34" charset="0"/>
+                <a:cs typeface="Biome" panose="020B0502040204020203" pitchFamily="34" charset="0"/>
+              </a:rPr>
+              <a:t>public</a:t>
+            </a:r>
+            <a:r>
+              <a:rPr lang="pt-BR" sz="1400" dirty="0">
+                <a:solidFill>
+                  <a:srgbClr val="002060"/>
+                </a:solidFill>
+                <a:latin typeface="Biome" panose="020B0502040204020203" pitchFamily="34" charset="0"/>
+                <a:cs typeface="Biome" panose="020B0502040204020203" pitchFamily="34" charset="0"/>
+              </a:rPr>
+              <a:t> </a:t>
+            </a:r>
+            <a:r>
+              <a:rPr lang="pt-BR" sz="1400" dirty="0" err="1">
+                <a:solidFill>
+                  <a:srgbClr val="002060"/>
+                </a:solidFill>
+                <a:latin typeface="Biome" panose="020B0502040204020203" pitchFamily="34" charset="0"/>
+                <a:cs typeface="Biome" panose="020B0502040204020203" pitchFamily="34" charset="0"/>
+              </a:rPr>
+              <a:t>static</a:t>
+            </a:r>
+            <a:r>
+              <a:rPr lang="pt-BR" sz="1400" dirty="0">
+                <a:solidFill>
+                  <a:srgbClr val="002060"/>
+                </a:solidFill>
+                <a:latin typeface="Biome" panose="020B0502040204020203" pitchFamily="34" charset="0"/>
+                <a:cs typeface="Biome" panose="020B0502040204020203" pitchFamily="34" charset="0"/>
+              </a:rPr>
+              <a:t> </a:t>
+            </a:r>
+            <a:r>
+              <a:rPr lang="pt-BR" sz="1400" dirty="0" err="1">
+                <a:solidFill>
+                  <a:srgbClr val="002060"/>
+                </a:solidFill>
+                <a:latin typeface="Biome" panose="020B0502040204020203" pitchFamily="34" charset="0"/>
+                <a:cs typeface="Biome" panose="020B0502040204020203" pitchFamily="34" charset="0"/>
+              </a:rPr>
+              <a:t>boolean</a:t>
+            </a:r>
+            <a:r>
+              <a:rPr lang="pt-BR" sz="1400" dirty="0">
+                <a:solidFill>
+                  <a:srgbClr val="002060"/>
+                </a:solidFill>
+                <a:latin typeface="Biome" panose="020B0502040204020203" pitchFamily="34" charset="0"/>
+                <a:cs typeface="Biome" panose="020B0502040204020203" pitchFamily="34" charset="0"/>
+              </a:rPr>
+              <a:t> </a:t>
+            </a:r>
+            <a:r>
+              <a:rPr lang="pt-BR" sz="1400" dirty="0" err="1">
+                <a:solidFill>
+                  <a:srgbClr val="002060"/>
+                </a:solidFill>
+                <a:latin typeface="Biome" panose="020B0502040204020203" pitchFamily="34" charset="0"/>
+                <a:cs typeface="Biome" panose="020B0502040204020203" pitchFamily="34" charset="0"/>
+              </a:rPr>
+              <a:t>isSpecialCharacter</a:t>
+            </a:r>
+            <a:r>
+              <a:rPr lang="pt-BR" sz="1400" dirty="0">
+                <a:solidFill>
+                  <a:srgbClr val="002060"/>
+                </a:solidFill>
+                <a:latin typeface="Biome" panose="020B0502040204020203" pitchFamily="34" charset="0"/>
+                <a:cs typeface="Biome" panose="020B0502040204020203" pitchFamily="34" charset="0"/>
+              </a:rPr>
+              <a:t>(char c){</a:t>
+            </a:r>
+          </a:p>
+          <a:p>
+            <a:r>
+              <a:rPr lang="pt-BR" sz="1400" dirty="0">
+                <a:solidFill>
+                  <a:srgbClr val="002060"/>
+                </a:solidFill>
+                <a:latin typeface="Biome" panose="020B0502040204020203" pitchFamily="34" charset="0"/>
+                <a:cs typeface="Biome" panose="020B0502040204020203" pitchFamily="34" charset="0"/>
+              </a:rPr>
+              <a:t>        </a:t>
+            </a:r>
+            <a:r>
+              <a:rPr lang="pt-BR" sz="1400" dirty="0" err="1">
+                <a:solidFill>
+                  <a:srgbClr val="002060"/>
+                </a:solidFill>
+                <a:latin typeface="Biome" panose="020B0502040204020203" pitchFamily="34" charset="0"/>
+                <a:cs typeface="Biome" panose="020B0502040204020203" pitchFamily="34" charset="0"/>
+              </a:rPr>
+              <a:t>return</a:t>
+            </a:r>
+            <a:r>
+              <a:rPr lang="pt-BR" sz="1400" dirty="0">
+                <a:solidFill>
+                  <a:srgbClr val="002060"/>
+                </a:solidFill>
+                <a:latin typeface="Biome" panose="020B0502040204020203" pitchFamily="34" charset="0"/>
+                <a:cs typeface="Biome" panose="020B0502040204020203" pitchFamily="34" charset="0"/>
+              </a:rPr>
+              <a:t> c==')' || c=='(' || c=='{' || c=='}' || c=='[' || c==']'|| c==',' || c==';' </a:t>
+            </a:r>
+          </a:p>
+          <a:p>
+            <a:r>
+              <a:rPr lang="pt-BR" sz="1400" dirty="0">
+                <a:solidFill>
+                  <a:srgbClr val="002060"/>
+                </a:solidFill>
+                <a:latin typeface="Biome" panose="020B0502040204020203" pitchFamily="34" charset="0"/>
+                <a:cs typeface="Biome" panose="020B0502040204020203" pitchFamily="34" charset="0"/>
+              </a:rPr>
+              <a:t>                || c == ':' || c</a:t>
+            </a:r>
+            <a:r>
+              <a:rPr lang="pt-BR" sz="1400" dirty="0" smtClean="0">
+                <a:solidFill>
+                  <a:srgbClr val="002060"/>
+                </a:solidFill>
+                <a:latin typeface="Biome" panose="020B0502040204020203" pitchFamily="34" charset="0"/>
+                <a:cs typeface="Biome" panose="020B0502040204020203" pitchFamily="34" charset="0"/>
+              </a:rPr>
+              <a:t>=='#‘ || c==‘&amp;’;</a:t>
+            </a:r>
+            <a:endParaRPr lang="pt-BR" sz="1400" dirty="0">
+              <a:solidFill>
+                <a:srgbClr val="002060"/>
+              </a:solidFill>
+              <a:latin typeface="Biome" panose="020B0502040204020203" pitchFamily="34" charset="0"/>
+              <a:cs typeface="Biome" panose="020B0502040204020203" pitchFamily="34" charset="0"/>
+            </a:endParaRPr>
+          </a:p>
+          <a:p>
+            <a:r>
+              <a:rPr lang="pt-BR" sz="1400" dirty="0">
+                <a:solidFill>
+                  <a:srgbClr val="002060"/>
+                </a:solidFill>
+                <a:latin typeface="Biome" panose="020B0502040204020203" pitchFamily="34" charset="0"/>
+                <a:cs typeface="Biome" panose="020B0502040204020203" pitchFamily="34" charset="0"/>
+              </a:rPr>
+              <a:t>    }</a:t>
+            </a:r>
+          </a:p>
+        </p:txBody>
+      </p:sp>
+      <p:sp>
+        <p:nvSpPr>
+          <p:cNvPr id="69" name="Retângulo: Único Canto Recortado 68">
+            <a:extLst>
+              <a:ext uri="{FF2B5EF4-FFF2-40B4-BE49-F238E27FC236}">
+                <a16:creationId xmlns="" xmlns:a16="http://schemas.microsoft.com/office/drawing/2014/main" id="{783C8D63-0708-47DF-B1AC-5F54E9B26435}"/>
+              </a:ext>
+            </a:extLst>
+          </p:cNvPr>
+          <p:cNvSpPr/>
+          <p:nvPr/>
+        </p:nvSpPr>
+        <p:spPr>
+          <a:xfrm>
+            <a:off x="6379936" y="2832211"/>
+            <a:ext cx="2459264" cy="307777"/>
+          </a:xfrm>
+          <a:prstGeom prst="snip1Rect">
+            <a:avLst/>
+          </a:prstGeom>
+          <a:solidFill>
+            <a:srgbClr val="002060"/>
+          </a:solidFill>
+        </p:spPr>
+        <p:style>
+          <a:lnRef idx="2">
+            <a:schemeClr val="accent1">
+              <a:shade val="50000"/>
+            </a:schemeClr>
+          </a:lnRef>
+          <a:fillRef idx="1">
+            <a:schemeClr val="accent1"/>
+          </a:fillRef>
+          <a:effectRef idx="0">
+            <a:schemeClr val="accent1"/>
+          </a:effectRef>
+          <a:fontRef idx="minor">
+            <a:schemeClr val="lt1"/>
+          </a:fontRef>
+        </p:style>
+        <p:txBody>
+          <a:bodyPr rtlCol="0" anchor="ctr"/>
+          <a:lstStyle/>
+          <a:p>
+            <a:pPr algn="ctr"/>
+            <a:endParaRPr lang="pt-BR"/>
+          </a:p>
+        </p:txBody>
+      </p:sp>
+      <p:sp>
+        <p:nvSpPr>
           <p:cNvPr id="68" name="CaixaDeTexto 67">
             <a:extLst>
               <a:ext uri="{FF2B5EF4-FFF2-40B4-BE49-F238E27FC236}">
-                <a16:creationId xmlns:a16="http://schemas.microsoft.com/office/drawing/2014/main" xmlns="" id="{48DF54F8-43CF-44E9-85E4-646DD4EFC65D}"/>
+                <a16:creationId xmlns="" xmlns:a16="http://schemas.microsoft.com/office/drawing/2014/main" id="{48DF54F8-43CF-44E9-85E4-646DD4EFC65D}"/>
               </a:ext>
             </a:extLst>
           </p:cNvPr>
@@ -16117,7 +16157,7 @@
           <p:cNvPr id="4" name="Fluxograma: Conector 3">
             <a:extLst>
               <a:ext uri="{FF2B5EF4-FFF2-40B4-BE49-F238E27FC236}">
-                <a16:creationId xmlns:a16="http://schemas.microsoft.com/office/drawing/2014/main" xmlns="" id="{3272DDE6-AD5A-4207-86D4-5FD36093EB43}"/>
+                <a16:creationId xmlns="" xmlns:a16="http://schemas.microsoft.com/office/drawing/2014/main" id="{3272DDE6-AD5A-4207-86D4-5FD36093EB43}"/>
               </a:ext>
             </a:extLst>
           </p:cNvPr>
@@ -16179,7 +16219,7 @@
           <p:cNvPr id="9" name="Conector de Seta Reta 8">
             <a:extLst>
               <a:ext uri="{FF2B5EF4-FFF2-40B4-BE49-F238E27FC236}">
-                <a16:creationId xmlns:a16="http://schemas.microsoft.com/office/drawing/2014/main" xmlns="" id="{D2A2D81A-7AB6-4675-9900-C1EEF7C703EE}"/>
+                <a16:creationId xmlns="" xmlns:a16="http://schemas.microsoft.com/office/drawing/2014/main" id="{D2A2D81A-7AB6-4675-9900-C1EEF7C703EE}"/>
               </a:ext>
             </a:extLst>
           </p:cNvPr>
@@ -16225,7 +16265,7 @@
           <p:cNvPr id="14" name="CaixaDeTexto 13">
             <a:extLst>
               <a:ext uri="{FF2B5EF4-FFF2-40B4-BE49-F238E27FC236}">
-                <a16:creationId xmlns:a16="http://schemas.microsoft.com/office/drawing/2014/main" xmlns="" id="{E2EBDF38-DEA7-42AC-B014-F917F4EC71CA}"/>
+                <a16:creationId xmlns="" xmlns:a16="http://schemas.microsoft.com/office/drawing/2014/main" id="{E2EBDF38-DEA7-42AC-B014-F917F4EC71CA}"/>
               </a:ext>
             </a:extLst>
           </p:cNvPr>
@@ -16270,7 +16310,7 @@
           <p:cNvPr id="18" name="Seta: Circular 17">
             <a:extLst>
               <a:ext uri="{FF2B5EF4-FFF2-40B4-BE49-F238E27FC236}">
-                <a16:creationId xmlns:a16="http://schemas.microsoft.com/office/drawing/2014/main" xmlns="" id="{364652BC-79CA-4267-9ED7-E361A17A0443}"/>
+                <a16:creationId xmlns="" xmlns:a16="http://schemas.microsoft.com/office/drawing/2014/main" id="{364652BC-79CA-4267-9ED7-E361A17A0443}"/>
               </a:ext>
             </a:extLst>
           </p:cNvPr>
@@ -16332,7 +16372,7 @@
           <p:cNvPr id="42" name="CaixaDeTexto 41">
             <a:extLst>
               <a:ext uri="{FF2B5EF4-FFF2-40B4-BE49-F238E27FC236}">
-                <a16:creationId xmlns:a16="http://schemas.microsoft.com/office/drawing/2014/main" xmlns="" id="{4CF31268-74EF-49AA-8A9C-48FFAF98CCF9}"/>
+                <a16:creationId xmlns="" xmlns:a16="http://schemas.microsoft.com/office/drawing/2014/main" id="{4CF31268-74EF-49AA-8A9C-48FFAF98CCF9}"/>
               </a:ext>
             </a:extLst>
           </p:cNvPr>
@@ -16374,7 +16414,7 @@
           <p:cNvPr id="61" name="Círculo: Vazio 60">
             <a:extLst>
               <a:ext uri="{FF2B5EF4-FFF2-40B4-BE49-F238E27FC236}">
-                <a16:creationId xmlns:a16="http://schemas.microsoft.com/office/drawing/2014/main" xmlns="" id="{D5EBEEB5-7544-415F-969C-E3CAE52F894A}"/>
+                <a16:creationId xmlns="" xmlns:a16="http://schemas.microsoft.com/office/drawing/2014/main" id="{D5EBEEB5-7544-415F-969C-E3CAE52F894A}"/>
               </a:ext>
             </a:extLst>
           </p:cNvPr>
@@ -16437,7 +16477,7 @@
           <p:cNvPr id="78" name="CaixaDeTexto 77">
             <a:extLst>
               <a:ext uri="{FF2B5EF4-FFF2-40B4-BE49-F238E27FC236}">
-                <a16:creationId xmlns:a16="http://schemas.microsoft.com/office/drawing/2014/main" xmlns="" id="{F8662209-CC73-4844-98AF-25BAA8574176}"/>
+                <a16:creationId xmlns="" xmlns:a16="http://schemas.microsoft.com/office/drawing/2014/main" id="{F8662209-CC73-4844-98AF-25BAA8574176}"/>
               </a:ext>
             </a:extLst>
           </p:cNvPr>
@@ -16508,7 +16548,7 @@
           <p:cNvPr id="80" name="Conector reto 79">
             <a:extLst>
               <a:ext uri="{FF2B5EF4-FFF2-40B4-BE49-F238E27FC236}">
-                <a16:creationId xmlns:a16="http://schemas.microsoft.com/office/drawing/2014/main" xmlns="" id="{73F74C92-CD30-49B2-8BEC-F84A857A515C}"/>
+                <a16:creationId xmlns="" xmlns:a16="http://schemas.microsoft.com/office/drawing/2014/main" id="{73F74C92-CD30-49B2-8BEC-F84A857A515C}"/>
               </a:ext>
             </a:extLst>
           </p:cNvPr>
@@ -16551,7 +16591,7 @@
           <p:cNvPr id="87" name="Imagem 86" descr="Uma imagem contendo animal, coral&#10;&#10;Descrição gerada automaticamente">
             <a:extLst>
               <a:ext uri="{FF2B5EF4-FFF2-40B4-BE49-F238E27FC236}">
-                <a16:creationId xmlns:a16="http://schemas.microsoft.com/office/drawing/2014/main" xmlns="" id="{79C824A1-4C8D-4573-9C44-4018A1B6C0A4}"/>
+                <a16:creationId xmlns="" xmlns:a16="http://schemas.microsoft.com/office/drawing/2014/main" id="{79C824A1-4C8D-4573-9C44-4018A1B6C0A4}"/>
               </a:ext>
             </a:extLst>
           </p:cNvPr>
@@ -16587,7 +16627,7 @@
           <p:cNvPr id="88" name="Retângulo 87">
             <a:extLst>
               <a:ext uri="{FF2B5EF4-FFF2-40B4-BE49-F238E27FC236}">
-                <a16:creationId xmlns:a16="http://schemas.microsoft.com/office/drawing/2014/main" xmlns="" id="{C8800477-D1CB-4ACF-8EFA-88E43DEE4EC5}"/>
+                <a16:creationId xmlns="" xmlns:a16="http://schemas.microsoft.com/office/drawing/2014/main" id="{C8800477-D1CB-4ACF-8EFA-88E43DEE4EC5}"/>
               </a:ext>
             </a:extLst>
           </p:cNvPr>
@@ -16681,7 +16721,7 @@
           <p:cNvPr id="4" name="Fluxograma: Conector 3">
             <a:extLst>
               <a:ext uri="{FF2B5EF4-FFF2-40B4-BE49-F238E27FC236}">
-                <a16:creationId xmlns:a16="http://schemas.microsoft.com/office/drawing/2014/main" xmlns="" id="{3272DDE6-AD5A-4207-86D4-5FD36093EB43}"/>
+                <a16:creationId xmlns="" xmlns:a16="http://schemas.microsoft.com/office/drawing/2014/main" id="{3272DDE6-AD5A-4207-86D4-5FD36093EB43}"/>
               </a:ext>
             </a:extLst>
           </p:cNvPr>
@@ -16743,7 +16783,7 @@
           <p:cNvPr id="9" name="Conector de Seta Reta 8">
             <a:extLst>
               <a:ext uri="{FF2B5EF4-FFF2-40B4-BE49-F238E27FC236}">
-                <a16:creationId xmlns:a16="http://schemas.microsoft.com/office/drawing/2014/main" xmlns="" id="{D2A2D81A-7AB6-4675-9900-C1EEF7C703EE}"/>
+                <a16:creationId xmlns="" xmlns:a16="http://schemas.microsoft.com/office/drawing/2014/main" id="{D2A2D81A-7AB6-4675-9900-C1EEF7C703EE}"/>
               </a:ext>
             </a:extLst>
           </p:cNvPr>
@@ -16789,7 +16829,7 @@
           <p:cNvPr id="14" name="CaixaDeTexto 13">
             <a:extLst>
               <a:ext uri="{FF2B5EF4-FFF2-40B4-BE49-F238E27FC236}">
-                <a16:creationId xmlns:a16="http://schemas.microsoft.com/office/drawing/2014/main" xmlns="" id="{E2EBDF38-DEA7-42AC-B014-F917F4EC71CA}"/>
+                <a16:creationId xmlns="" xmlns:a16="http://schemas.microsoft.com/office/drawing/2014/main" id="{E2EBDF38-DEA7-42AC-B014-F917F4EC71CA}"/>
               </a:ext>
             </a:extLst>
           </p:cNvPr>
@@ -16838,7 +16878,7 @@
           <p:cNvPr id="18" name="Seta: Circular 17">
             <a:extLst>
               <a:ext uri="{FF2B5EF4-FFF2-40B4-BE49-F238E27FC236}">
-                <a16:creationId xmlns:a16="http://schemas.microsoft.com/office/drawing/2014/main" xmlns="" id="{364652BC-79CA-4267-9ED7-E361A17A0443}"/>
+                <a16:creationId xmlns="" xmlns:a16="http://schemas.microsoft.com/office/drawing/2014/main" id="{364652BC-79CA-4267-9ED7-E361A17A0443}"/>
               </a:ext>
             </a:extLst>
           </p:cNvPr>
@@ -16900,7 +16940,7 @@
           <p:cNvPr id="42" name="CaixaDeTexto 41">
             <a:extLst>
               <a:ext uri="{FF2B5EF4-FFF2-40B4-BE49-F238E27FC236}">
-                <a16:creationId xmlns:a16="http://schemas.microsoft.com/office/drawing/2014/main" xmlns="" id="{4CF31268-74EF-49AA-8A9C-48FFAF98CCF9}"/>
+                <a16:creationId xmlns="" xmlns:a16="http://schemas.microsoft.com/office/drawing/2014/main" id="{4CF31268-74EF-49AA-8A9C-48FFAF98CCF9}"/>
               </a:ext>
             </a:extLst>
           </p:cNvPr>
@@ -16942,7 +16982,7 @@
           <p:cNvPr id="78" name="CaixaDeTexto 77">
             <a:extLst>
               <a:ext uri="{FF2B5EF4-FFF2-40B4-BE49-F238E27FC236}">
-                <a16:creationId xmlns:a16="http://schemas.microsoft.com/office/drawing/2014/main" xmlns="" id="{F8662209-CC73-4844-98AF-25BAA8574176}"/>
+                <a16:creationId xmlns="" xmlns:a16="http://schemas.microsoft.com/office/drawing/2014/main" id="{F8662209-CC73-4844-98AF-25BAA8574176}"/>
               </a:ext>
             </a:extLst>
           </p:cNvPr>
@@ -16999,7 +17039,7 @@
           <p:cNvPr id="80" name="Conector reto 79">
             <a:extLst>
               <a:ext uri="{FF2B5EF4-FFF2-40B4-BE49-F238E27FC236}">
-                <a16:creationId xmlns:a16="http://schemas.microsoft.com/office/drawing/2014/main" xmlns="" id="{73F74C92-CD30-49B2-8BEC-F84A857A515C}"/>
+                <a16:creationId xmlns="" xmlns:a16="http://schemas.microsoft.com/office/drawing/2014/main" id="{73F74C92-CD30-49B2-8BEC-F84A857A515C}"/>
               </a:ext>
             </a:extLst>
           </p:cNvPr>
@@ -17042,7 +17082,7 @@
           <p:cNvPr id="87" name="Imagem 86" descr="Uma imagem contendo animal, coral&#10;&#10;Descrição gerada automaticamente">
             <a:extLst>
               <a:ext uri="{FF2B5EF4-FFF2-40B4-BE49-F238E27FC236}">
-                <a16:creationId xmlns:a16="http://schemas.microsoft.com/office/drawing/2014/main" xmlns="" id="{79C824A1-4C8D-4573-9C44-4018A1B6C0A4}"/>
+                <a16:creationId xmlns="" xmlns:a16="http://schemas.microsoft.com/office/drawing/2014/main" id="{79C824A1-4C8D-4573-9C44-4018A1B6C0A4}"/>
               </a:ext>
             </a:extLst>
           </p:cNvPr>
@@ -17078,7 +17118,7 @@
           <p:cNvPr id="88" name="Retângulo 87">
             <a:extLst>
               <a:ext uri="{FF2B5EF4-FFF2-40B4-BE49-F238E27FC236}">
-                <a16:creationId xmlns:a16="http://schemas.microsoft.com/office/drawing/2014/main" xmlns="" id="{C8800477-D1CB-4ACF-8EFA-88E43DEE4EC5}"/>
+                <a16:creationId xmlns="" xmlns:a16="http://schemas.microsoft.com/office/drawing/2014/main" id="{C8800477-D1CB-4ACF-8EFA-88E43DEE4EC5}"/>
               </a:ext>
             </a:extLst>
           </p:cNvPr>
@@ -17130,7 +17170,7 @@
           <p:cNvPr id="21" name="Fluxograma: Conector 20">
             <a:extLst>
               <a:ext uri="{FF2B5EF4-FFF2-40B4-BE49-F238E27FC236}">
-                <a16:creationId xmlns:a16="http://schemas.microsoft.com/office/drawing/2014/main" xmlns="" id="{8085707A-6CAD-46C5-930A-A779AD578522}"/>
+                <a16:creationId xmlns="" xmlns:a16="http://schemas.microsoft.com/office/drawing/2014/main" id="{8085707A-6CAD-46C5-930A-A779AD578522}"/>
               </a:ext>
             </a:extLst>
           </p:cNvPr>
@@ -17192,7 +17232,7 @@
           <p:cNvPr id="23" name="Fluxograma: Conector 22">
             <a:extLst>
               <a:ext uri="{FF2B5EF4-FFF2-40B4-BE49-F238E27FC236}">
-                <a16:creationId xmlns:a16="http://schemas.microsoft.com/office/drawing/2014/main" xmlns="" id="{3AD66AF6-F264-4EE0-9776-468FBE531FC1}"/>
+                <a16:creationId xmlns="" xmlns:a16="http://schemas.microsoft.com/office/drawing/2014/main" id="{3AD66AF6-F264-4EE0-9776-468FBE531FC1}"/>
               </a:ext>
             </a:extLst>
           </p:cNvPr>
@@ -17254,7 +17294,7 @@
           <p:cNvPr id="24" name="Conector de Seta Reta 23">
             <a:extLst>
               <a:ext uri="{FF2B5EF4-FFF2-40B4-BE49-F238E27FC236}">
-                <a16:creationId xmlns:a16="http://schemas.microsoft.com/office/drawing/2014/main" xmlns="" id="{ADBA826C-D64E-4F39-825E-24C8693FA8B1}"/>
+                <a16:creationId xmlns="" xmlns:a16="http://schemas.microsoft.com/office/drawing/2014/main" id="{ADBA826C-D64E-4F39-825E-24C8693FA8B1}"/>
               </a:ext>
             </a:extLst>
           </p:cNvPr>
@@ -17300,7 +17340,7 @@
           <p:cNvPr id="27" name="CaixaDeTexto 26">
             <a:extLst>
               <a:ext uri="{FF2B5EF4-FFF2-40B4-BE49-F238E27FC236}">
-                <a16:creationId xmlns:a16="http://schemas.microsoft.com/office/drawing/2014/main" xmlns="" id="{A31EB483-044E-48C9-943D-CA5376CDC29D}"/>
+                <a16:creationId xmlns="" xmlns:a16="http://schemas.microsoft.com/office/drawing/2014/main" id="{A31EB483-044E-48C9-943D-CA5376CDC29D}"/>
               </a:ext>
             </a:extLst>
           </p:cNvPr>
@@ -17363,7 +17403,7 @@
           <p:cNvPr id="28" name="Seta: Circular 27">
             <a:extLst>
               <a:ext uri="{FF2B5EF4-FFF2-40B4-BE49-F238E27FC236}">
-                <a16:creationId xmlns:a16="http://schemas.microsoft.com/office/drawing/2014/main" xmlns="" id="{B0E68B07-D0A2-4F57-AEDE-7E7A91599D2A}"/>
+                <a16:creationId xmlns="" xmlns:a16="http://schemas.microsoft.com/office/drawing/2014/main" id="{B0E68B07-D0A2-4F57-AEDE-7E7A91599D2A}"/>
               </a:ext>
             </a:extLst>
           </p:cNvPr>
@@ -17425,7 +17465,7 @@
           <p:cNvPr id="29" name="CaixaDeTexto 28">
             <a:extLst>
               <a:ext uri="{FF2B5EF4-FFF2-40B4-BE49-F238E27FC236}">
-                <a16:creationId xmlns:a16="http://schemas.microsoft.com/office/drawing/2014/main" xmlns="" id="{D97B2A2D-85F3-49A9-A4B9-0F479769A61F}"/>
+                <a16:creationId xmlns="" xmlns:a16="http://schemas.microsoft.com/office/drawing/2014/main" id="{D97B2A2D-85F3-49A9-A4B9-0F479769A61F}"/>
               </a:ext>
             </a:extLst>
           </p:cNvPr>
@@ -17530,7 +17570,7 @@
           <p:cNvPr id="26" name="Retângulo: Único Canto Recortado 25">
             <a:extLst>
               <a:ext uri="{FF2B5EF4-FFF2-40B4-BE49-F238E27FC236}">
-                <a16:creationId xmlns:a16="http://schemas.microsoft.com/office/drawing/2014/main" xmlns="" id="{ABE2B027-E490-4DDB-84D6-CBDB98AA3E41}"/>
+                <a16:creationId xmlns="" xmlns:a16="http://schemas.microsoft.com/office/drawing/2014/main" id="{ABE2B027-E490-4DDB-84D6-CBDB98AA3E41}"/>
               </a:ext>
             </a:extLst>
           </p:cNvPr>
@@ -17579,7 +17619,7 @@
           <p:cNvPr id="30" name="CaixaDeTexto 29">
             <a:extLst>
               <a:ext uri="{FF2B5EF4-FFF2-40B4-BE49-F238E27FC236}">
-                <a16:creationId xmlns:a16="http://schemas.microsoft.com/office/drawing/2014/main" xmlns="" id="{C69A1F25-B230-4923-B310-5BD1F99792AC}"/>
+                <a16:creationId xmlns="" xmlns:a16="http://schemas.microsoft.com/office/drawing/2014/main" id="{C69A1F25-B230-4923-B310-5BD1F99792AC}"/>
               </a:ext>
             </a:extLst>
           </p:cNvPr>
@@ -17631,7 +17671,7 @@
           <p:cNvPr id="4" name="Fluxograma: Conector 3">
             <a:extLst>
               <a:ext uri="{FF2B5EF4-FFF2-40B4-BE49-F238E27FC236}">
-                <a16:creationId xmlns:a16="http://schemas.microsoft.com/office/drawing/2014/main" xmlns="" id="{3272DDE6-AD5A-4207-86D4-5FD36093EB43}"/>
+                <a16:creationId xmlns="" xmlns:a16="http://schemas.microsoft.com/office/drawing/2014/main" id="{3272DDE6-AD5A-4207-86D4-5FD36093EB43}"/>
               </a:ext>
             </a:extLst>
           </p:cNvPr>
@@ -17693,7 +17733,7 @@
           <p:cNvPr id="9" name="Conector de Seta Reta 8">
             <a:extLst>
               <a:ext uri="{FF2B5EF4-FFF2-40B4-BE49-F238E27FC236}">
-                <a16:creationId xmlns:a16="http://schemas.microsoft.com/office/drawing/2014/main" xmlns="" id="{D2A2D81A-7AB6-4675-9900-C1EEF7C703EE}"/>
+                <a16:creationId xmlns="" xmlns:a16="http://schemas.microsoft.com/office/drawing/2014/main" id="{D2A2D81A-7AB6-4675-9900-C1EEF7C703EE}"/>
               </a:ext>
             </a:extLst>
           </p:cNvPr>
@@ -17739,7 +17779,7 @@
           <p:cNvPr id="14" name="CaixaDeTexto 13">
             <a:extLst>
               <a:ext uri="{FF2B5EF4-FFF2-40B4-BE49-F238E27FC236}">
-                <a16:creationId xmlns:a16="http://schemas.microsoft.com/office/drawing/2014/main" xmlns="" id="{E2EBDF38-DEA7-42AC-B014-F917F4EC71CA}"/>
+                <a16:creationId xmlns="" xmlns:a16="http://schemas.microsoft.com/office/drawing/2014/main" id="{E2EBDF38-DEA7-42AC-B014-F917F4EC71CA}"/>
               </a:ext>
             </a:extLst>
           </p:cNvPr>
@@ -17777,7 +17817,7 @@
           <p:cNvPr id="18" name="Seta: Circular 17">
             <a:extLst>
               <a:ext uri="{FF2B5EF4-FFF2-40B4-BE49-F238E27FC236}">
-                <a16:creationId xmlns:a16="http://schemas.microsoft.com/office/drawing/2014/main" xmlns="" id="{364652BC-79CA-4267-9ED7-E361A17A0443}"/>
+                <a16:creationId xmlns="" xmlns:a16="http://schemas.microsoft.com/office/drawing/2014/main" id="{364652BC-79CA-4267-9ED7-E361A17A0443}"/>
               </a:ext>
             </a:extLst>
           </p:cNvPr>
@@ -17839,7 +17879,7 @@
           <p:cNvPr id="42" name="CaixaDeTexto 41">
             <a:extLst>
               <a:ext uri="{FF2B5EF4-FFF2-40B4-BE49-F238E27FC236}">
-                <a16:creationId xmlns:a16="http://schemas.microsoft.com/office/drawing/2014/main" xmlns="" id="{4CF31268-74EF-49AA-8A9C-48FFAF98CCF9}"/>
+                <a16:creationId xmlns="" xmlns:a16="http://schemas.microsoft.com/office/drawing/2014/main" id="{4CF31268-74EF-49AA-8A9C-48FFAF98CCF9}"/>
               </a:ext>
             </a:extLst>
           </p:cNvPr>
@@ -17881,7 +17921,7 @@
           <p:cNvPr id="78" name="CaixaDeTexto 77">
             <a:extLst>
               <a:ext uri="{FF2B5EF4-FFF2-40B4-BE49-F238E27FC236}">
-                <a16:creationId xmlns:a16="http://schemas.microsoft.com/office/drawing/2014/main" xmlns="" id="{F8662209-CC73-4844-98AF-25BAA8574176}"/>
+                <a16:creationId xmlns="" xmlns:a16="http://schemas.microsoft.com/office/drawing/2014/main" id="{F8662209-CC73-4844-98AF-25BAA8574176}"/>
               </a:ext>
             </a:extLst>
           </p:cNvPr>
@@ -17927,7 +17967,7 @@
           <p:cNvPr id="80" name="Conector reto 79">
             <a:extLst>
               <a:ext uri="{FF2B5EF4-FFF2-40B4-BE49-F238E27FC236}">
-                <a16:creationId xmlns:a16="http://schemas.microsoft.com/office/drawing/2014/main" xmlns="" id="{73F74C92-CD30-49B2-8BEC-F84A857A515C}"/>
+                <a16:creationId xmlns="" xmlns:a16="http://schemas.microsoft.com/office/drawing/2014/main" id="{73F74C92-CD30-49B2-8BEC-F84A857A515C}"/>
               </a:ext>
             </a:extLst>
           </p:cNvPr>
@@ -17970,7 +18010,7 @@
           <p:cNvPr id="87" name="Imagem 86" descr="Uma imagem contendo animal, coral&#10;&#10;Descrição gerada automaticamente">
             <a:extLst>
               <a:ext uri="{FF2B5EF4-FFF2-40B4-BE49-F238E27FC236}">
-                <a16:creationId xmlns:a16="http://schemas.microsoft.com/office/drawing/2014/main" xmlns="" id="{79C824A1-4C8D-4573-9C44-4018A1B6C0A4}"/>
+                <a16:creationId xmlns="" xmlns:a16="http://schemas.microsoft.com/office/drawing/2014/main" id="{79C824A1-4C8D-4573-9C44-4018A1B6C0A4}"/>
               </a:ext>
             </a:extLst>
           </p:cNvPr>
@@ -18006,7 +18046,7 @@
           <p:cNvPr id="88" name="Retângulo 87">
             <a:extLst>
               <a:ext uri="{FF2B5EF4-FFF2-40B4-BE49-F238E27FC236}">
-                <a16:creationId xmlns:a16="http://schemas.microsoft.com/office/drawing/2014/main" xmlns="" id="{C8800477-D1CB-4ACF-8EFA-88E43DEE4EC5}"/>
+                <a16:creationId xmlns="" xmlns:a16="http://schemas.microsoft.com/office/drawing/2014/main" id="{C8800477-D1CB-4ACF-8EFA-88E43DEE4EC5}"/>
               </a:ext>
             </a:extLst>
           </p:cNvPr>
@@ -18058,7 +18098,7 @@
           <p:cNvPr id="21" name="Fluxograma: Conector 20">
             <a:extLst>
               <a:ext uri="{FF2B5EF4-FFF2-40B4-BE49-F238E27FC236}">
-                <a16:creationId xmlns:a16="http://schemas.microsoft.com/office/drawing/2014/main" xmlns="" id="{8085707A-6CAD-46C5-930A-A779AD578522}"/>
+                <a16:creationId xmlns="" xmlns:a16="http://schemas.microsoft.com/office/drawing/2014/main" id="{8085707A-6CAD-46C5-930A-A779AD578522}"/>
               </a:ext>
             </a:extLst>
           </p:cNvPr>
@@ -18120,7 +18160,7 @@
           <p:cNvPr id="24" name="Conector de Seta Reta 23">
             <a:extLst>
               <a:ext uri="{FF2B5EF4-FFF2-40B4-BE49-F238E27FC236}">
-                <a16:creationId xmlns:a16="http://schemas.microsoft.com/office/drawing/2014/main" xmlns="" id="{ADBA826C-D64E-4F39-825E-24C8693FA8B1}"/>
+                <a16:creationId xmlns="" xmlns:a16="http://schemas.microsoft.com/office/drawing/2014/main" id="{ADBA826C-D64E-4F39-825E-24C8693FA8B1}"/>
               </a:ext>
             </a:extLst>
           </p:cNvPr>
@@ -18166,7 +18206,7 @@
           <p:cNvPr id="27" name="CaixaDeTexto 26">
             <a:extLst>
               <a:ext uri="{FF2B5EF4-FFF2-40B4-BE49-F238E27FC236}">
-                <a16:creationId xmlns:a16="http://schemas.microsoft.com/office/drawing/2014/main" xmlns="" id="{A31EB483-044E-48C9-943D-CA5376CDC29D}"/>
+                <a16:creationId xmlns="" xmlns:a16="http://schemas.microsoft.com/office/drawing/2014/main" id="{A31EB483-044E-48C9-943D-CA5376CDC29D}"/>
               </a:ext>
             </a:extLst>
           </p:cNvPr>
@@ -18204,7 +18244,7 @@
           <p:cNvPr id="19" name="Fluxograma: Conector 18">
             <a:extLst>
               <a:ext uri="{FF2B5EF4-FFF2-40B4-BE49-F238E27FC236}">
-                <a16:creationId xmlns:a16="http://schemas.microsoft.com/office/drawing/2014/main" xmlns="" id="{19FD2E01-91BC-4243-BE53-8EC26F0D02D8}"/>
+                <a16:creationId xmlns="" xmlns:a16="http://schemas.microsoft.com/office/drawing/2014/main" id="{19FD2E01-91BC-4243-BE53-8EC26F0D02D8}"/>
               </a:ext>
             </a:extLst>
           </p:cNvPr>
@@ -18266,7 +18306,7 @@
           <p:cNvPr id="22" name="Conector de Seta Reta 21">
             <a:extLst>
               <a:ext uri="{FF2B5EF4-FFF2-40B4-BE49-F238E27FC236}">
-                <a16:creationId xmlns:a16="http://schemas.microsoft.com/office/drawing/2014/main" xmlns="" id="{99F15100-5560-49E5-8208-A099E7044DB5}"/>
+                <a16:creationId xmlns="" xmlns:a16="http://schemas.microsoft.com/office/drawing/2014/main" id="{99F15100-5560-49E5-8208-A099E7044DB5}"/>
               </a:ext>
             </a:extLst>
           </p:cNvPr>
@@ -18311,7 +18351,7 @@
           <p:cNvPr id="25" name="CaixaDeTexto 24">
             <a:extLst>
               <a:ext uri="{FF2B5EF4-FFF2-40B4-BE49-F238E27FC236}">
-                <a16:creationId xmlns:a16="http://schemas.microsoft.com/office/drawing/2014/main" xmlns="" id="{242EFDF6-EACA-48A1-B26A-2D8EB9AC8CD8}"/>
+                <a16:creationId xmlns="" xmlns:a16="http://schemas.microsoft.com/office/drawing/2014/main" id="{242EFDF6-EACA-48A1-B26A-2D8EB9AC8CD8}"/>
               </a:ext>
             </a:extLst>
           </p:cNvPr>
@@ -18353,7 +18393,7 @@
           <p:cNvPr id="31" name="Círculo: Vazio 30">
             <a:extLst>
               <a:ext uri="{FF2B5EF4-FFF2-40B4-BE49-F238E27FC236}">
-                <a16:creationId xmlns:a16="http://schemas.microsoft.com/office/drawing/2014/main" xmlns="" id="{2948A5A5-C6BC-4DE2-B0F0-A59790A1CB21}"/>
+                <a16:creationId xmlns="" xmlns:a16="http://schemas.microsoft.com/office/drawing/2014/main" id="{2948A5A5-C6BC-4DE2-B0F0-A59790A1CB21}"/>
               </a:ext>
             </a:extLst>
           </p:cNvPr>
@@ -18416,7 +18456,7 @@
           <p:cNvPr id="32" name="Seta: Circular 31">
             <a:extLst>
               <a:ext uri="{FF2B5EF4-FFF2-40B4-BE49-F238E27FC236}">
-                <a16:creationId xmlns:a16="http://schemas.microsoft.com/office/drawing/2014/main" xmlns="" id="{FE1DA02D-77AB-479B-9EDD-5C1C41A0EDAF}"/>
+                <a16:creationId xmlns="" xmlns:a16="http://schemas.microsoft.com/office/drawing/2014/main" id="{FE1DA02D-77AB-479B-9EDD-5C1C41A0EDAF}"/>
               </a:ext>
             </a:extLst>
           </p:cNvPr>
@@ -18478,7 +18518,7 @@
           <p:cNvPr id="33" name="CaixaDeTexto 32">
             <a:extLst>
               <a:ext uri="{FF2B5EF4-FFF2-40B4-BE49-F238E27FC236}">
-                <a16:creationId xmlns:a16="http://schemas.microsoft.com/office/drawing/2014/main" xmlns="" id="{0A7C818B-AFE3-46FC-A45B-C961ED64C32A}"/>
+                <a16:creationId xmlns="" xmlns:a16="http://schemas.microsoft.com/office/drawing/2014/main" id="{0A7C818B-AFE3-46FC-A45B-C961ED64C32A}"/>
               </a:ext>
             </a:extLst>
           </p:cNvPr>
@@ -18523,7 +18563,7 @@
           <p:cNvPr id="13" name="Conector: Curvo 12">
             <a:extLst>
               <a:ext uri="{FF2B5EF4-FFF2-40B4-BE49-F238E27FC236}">
-                <a16:creationId xmlns:a16="http://schemas.microsoft.com/office/drawing/2014/main" xmlns="" id="{22C7C1E1-C991-44AE-A0F1-A2330949B159}"/>
+                <a16:creationId xmlns="" xmlns:a16="http://schemas.microsoft.com/office/drawing/2014/main" id="{22C7C1E1-C991-44AE-A0F1-A2330949B159}"/>
               </a:ext>
             </a:extLst>
           </p:cNvPr>
@@ -18570,7 +18610,7 @@
           <p:cNvPr id="38" name="CaixaDeTexto 37">
             <a:extLst>
               <a:ext uri="{FF2B5EF4-FFF2-40B4-BE49-F238E27FC236}">
-                <a16:creationId xmlns:a16="http://schemas.microsoft.com/office/drawing/2014/main" xmlns="" id="{521A9C69-B40A-4337-871D-E6168BB79163}"/>
+                <a16:creationId xmlns="" xmlns:a16="http://schemas.microsoft.com/office/drawing/2014/main" id="{521A9C69-B40A-4337-871D-E6168BB79163}"/>
               </a:ext>
             </a:extLst>
           </p:cNvPr>
